--- a/Figures.pptx
+++ b/Figures.pptx
@@ -104,6 +104,11 @@
       </a:defRPr>
     </a:lvl9pPr>
   </p:defaultTextStyle>
+  <p:extLst>
+    <p:ext uri="{EFAFB233-063F-42B5-8137-9DF3F51BA10A}">
+      <p15:sldGuideLst xmlns:p15="http://schemas.microsoft.com/office/powerpoint/2012/main"/>
+    </p:ext>
+  </p:extLst>
 </p:presentation>
 </file>
 
@@ -4989,7 +4994,7 @@
           <a:p>
             <a:r>
               <a:rPr lang="en-US" sz="5000" dirty="0"/>
-              <a:t>File I/O</a:t>
+              <a:t>File Writing (Save Audio)</a:t>
             </a:r>
           </a:p>
         </p:txBody>
@@ -5072,8 +5077,13 @@
             </a:avLst>
           </a:prstGeom>
           <a:solidFill>
-            <a:srgbClr val="0070C0"/>
+            <a:srgbClr val="00B0F0"/>
           </a:solidFill>
+          <a:ln>
+            <a:solidFill>
+              <a:srgbClr val="00B0F0"/>
+            </a:solidFill>
+          </a:ln>
         </p:spPr>
         <p:style>
           <a:lnRef idx="2">
@@ -5227,7 +5237,7 @@
         </p:nvSpPr>
         <p:spPr>
           <a:xfrm>
-            <a:off x="26687141" y="8310233"/>
+            <a:off x="27052901" y="8310233"/>
             <a:ext cx="751207" cy="1498789"/>
           </a:xfrm>
           <a:prstGeom prst="upArrow">
@@ -5242,6 +5252,139 @@
           <a:ln>
             <a:solidFill>
               <a:srgbClr val="0070C0"/>
+            </a:solidFill>
+          </a:ln>
+        </p:spPr>
+        <p:style>
+          <a:lnRef idx="2">
+            <a:schemeClr val="accent1">
+              <a:shade val="15000"/>
+            </a:schemeClr>
+          </a:lnRef>
+          <a:fillRef idx="1">
+            <a:schemeClr val="accent1"/>
+          </a:fillRef>
+          <a:effectRef idx="0">
+            <a:schemeClr val="accent1"/>
+          </a:effectRef>
+          <a:fontRef idx="minor">
+            <a:schemeClr val="lt1"/>
+          </a:fontRef>
+        </p:style>
+        <p:txBody>
+          <a:bodyPr rtlCol="0" anchor="ctr"/>
+          <a:lstStyle/>
+          <a:p>
+            <a:pPr algn="ctr"/>
+            <a:endParaRPr lang="en-US"/>
+          </a:p>
+        </p:txBody>
+      </p:sp>
+      <p:cxnSp>
+        <p:nvCxnSpPr>
+          <p:cNvPr id="2" name="Straight Connector 1">
+            <a:extLst>
+              <a:ext uri="{FF2B5EF4-FFF2-40B4-BE49-F238E27FC236}">
+                <a16:creationId xmlns:a16="http://schemas.microsoft.com/office/drawing/2014/main" id="{9366A26C-BBD7-E4CC-77EE-49453183ECDD}"/>
+              </a:ext>
+            </a:extLst>
+          </p:cNvPr>
+          <p:cNvCxnSpPr/>
+          <p:nvPr/>
+        </p:nvCxnSpPr>
+        <p:spPr>
+          <a:xfrm>
+            <a:off x="23608259" y="25933853"/>
+            <a:ext cx="2913611" cy="0"/>
+          </a:xfrm>
+          <a:prstGeom prst="line">
+            <a:avLst/>
+          </a:prstGeom>
+          <a:ln w="254000">
+            <a:solidFill>
+              <a:srgbClr val="00B0F0"/>
+            </a:solidFill>
+          </a:ln>
+        </p:spPr>
+        <p:style>
+          <a:lnRef idx="2">
+            <a:schemeClr val="accent1"/>
+          </a:lnRef>
+          <a:fillRef idx="0">
+            <a:schemeClr val="accent1"/>
+          </a:fillRef>
+          <a:effectRef idx="1">
+            <a:schemeClr val="accent1"/>
+          </a:effectRef>
+          <a:fontRef idx="minor">
+            <a:schemeClr val="tx1"/>
+          </a:fontRef>
+        </p:style>
+      </p:cxnSp>
+      <p:sp>
+        <p:nvSpPr>
+          <p:cNvPr id="3" name="TextBox 2">
+            <a:extLst>
+              <a:ext uri="{FF2B5EF4-FFF2-40B4-BE49-F238E27FC236}">
+                <a16:creationId xmlns:a16="http://schemas.microsoft.com/office/drawing/2014/main" id="{774D4F86-4FC9-45B1-818B-4B7FC2FFEE27}"/>
+              </a:ext>
+            </a:extLst>
+          </p:cNvPr>
+          <p:cNvSpPr txBox="1"/>
+          <p:nvPr/>
+        </p:nvSpPr>
+        <p:spPr>
+          <a:xfrm>
+            <a:off x="26786894" y="25502966"/>
+            <a:ext cx="7927171" cy="861774"/>
+          </a:xfrm>
+          <a:prstGeom prst="rect">
+            <a:avLst/>
+          </a:prstGeom>
+          <a:noFill/>
+        </p:spPr>
+        <p:txBody>
+          <a:bodyPr wrap="square" rtlCol="0">
+            <a:spAutoFit/>
+          </a:bodyPr>
+          <a:lstStyle/>
+          <a:p>
+            <a:r>
+              <a:rPr lang="en-US" sz="5000" dirty="0"/>
+              <a:t>File Reading (Read Audio)</a:t>
+            </a:r>
+          </a:p>
+        </p:txBody>
+      </p:sp>
+      <p:sp>
+        <p:nvSpPr>
+          <p:cNvPr id="4" name="Up Arrow 3">
+            <a:extLst>
+              <a:ext uri="{FF2B5EF4-FFF2-40B4-BE49-F238E27FC236}">
+                <a16:creationId xmlns:a16="http://schemas.microsoft.com/office/drawing/2014/main" id="{BC1F298A-E4AA-CFC7-2AC3-5D46CD3838E8}"/>
+              </a:ext>
+            </a:extLst>
+          </p:cNvPr>
+          <p:cNvSpPr/>
+          <p:nvPr/>
+        </p:nvSpPr>
+        <p:spPr>
+          <a:xfrm rot="10800000">
+            <a:off x="25970861" y="8325473"/>
+            <a:ext cx="751207" cy="1498789"/>
+          </a:xfrm>
+          <a:prstGeom prst="upArrow">
+            <a:avLst>
+              <a:gd name="adj1" fmla="val 37796"/>
+              <a:gd name="adj2" fmla="val 83143"/>
+            </a:avLst>
+          </a:prstGeom>
+          <a:solidFill>
+            <a:srgbClr val="00B0F0"/>
+          </a:solidFill>
+          <a:ln>
+            <a:solidFill>
+              <a:srgbClr val="00B0F0"/>
             </a:solidFill>
           </a:ln>
         </p:spPr>

--- a/Figures.pptx
+++ b/Figures.pptx
@@ -243,7 +243,7 @@
           <a:p>
             <a:fld id="{096BF671-B2E0-C343-A720-16FD2666F475}" type="datetimeFigureOut">
               <a:rPr lang="en-US" smtClean="0"/>
-              <a:t>4/16/25</a:t>
+              <a:t>4/19/25</a:t>
             </a:fld>
             <a:endParaRPr lang="en-US"/>
           </a:p>
@@ -413,7 +413,7 @@
           <a:p>
             <a:fld id="{096BF671-B2E0-C343-A720-16FD2666F475}" type="datetimeFigureOut">
               <a:rPr lang="en-US" smtClean="0"/>
-              <a:t>4/16/25</a:t>
+              <a:t>4/19/25</a:t>
             </a:fld>
             <a:endParaRPr lang="en-US"/>
           </a:p>
@@ -593,7 +593,7 @@
           <a:p>
             <a:fld id="{096BF671-B2E0-C343-A720-16FD2666F475}" type="datetimeFigureOut">
               <a:rPr lang="en-US" smtClean="0"/>
-              <a:t>4/16/25</a:t>
+              <a:t>4/19/25</a:t>
             </a:fld>
             <a:endParaRPr lang="en-US"/>
           </a:p>
@@ -763,7 +763,7 @@
           <a:p>
             <a:fld id="{096BF671-B2E0-C343-A720-16FD2666F475}" type="datetimeFigureOut">
               <a:rPr lang="en-US" smtClean="0"/>
-              <a:t>4/16/25</a:t>
+              <a:t>4/19/25</a:t>
             </a:fld>
             <a:endParaRPr lang="en-US"/>
           </a:p>
@@ -1009,7 +1009,7 @@
           <a:p>
             <a:fld id="{096BF671-B2E0-C343-A720-16FD2666F475}" type="datetimeFigureOut">
               <a:rPr lang="en-US" smtClean="0"/>
-              <a:t>4/16/25</a:t>
+              <a:t>4/19/25</a:t>
             </a:fld>
             <a:endParaRPr lang="en-US"/>
           </a:p>
@@ -1241,7 +1241,7 @@
           <a:p>
             <a:fld id="{096BF671-B2E0-C343-A720-16FD2666F475}" type="datetimeFigureOut">
               <a:rPr lang="en-US" smtClean="0"/>
-              <a:t>4/16/25</a:t>
+              <a:t>4/19/25</a:t>
             </a:fld>
             <a:endParaRPr lang="en-US"/>
           </a:p>
@@ -1608,7 +1608,7 @@
           <a:p>
             <a:fld id="{096BF671-B2E0-C343-A720-16FD2666F475}" type="datetimeFigureOut">
               <a:rPr lang="en-US" smtClean="0"/>
-              <a:t>4/16/25</a:t>
+              <a:t>4/19/25</a:t>
             </a:fld>
             <a:endParaRPr lang="en-US"/>
           </a:p>
@@ -1726,7 +1726,7 @@
           <a:p>
             <a:fld id="{096BF671-B2E0-C343-A720-16FD2666F475}" type="datetimeFigureOut">
               <a:rPr lang="en-US" smtClean="0"/>
-              <a:t>4/16/25</a:t>
+              <a:t>4/19/25</a:t>
             </a:fld>
             <a:endParaRPr lang="en-US"/>
           </a:p>
@@ -1821,7 +1821,7 @@
           <a:p>
             <a:fld id="{096BF671-B2E0-C343-A720-16FD2666F475}" type="datetimeFigureOut">
               <a:rPr lang="en-US" smtClean="0"/>
-              <a:t>4/16/25</a:t>
+              <a:t>4/19/25</a:t>
             </a:fld>
             <a:endParaRPr lang="en-US"/>
           </a:p>
@@ -2098,7 +2098,7 @@
           <a:p>
             <a:fld id="{096BF671-B2E0-C343-A720-16FD2666F475}" type="datetimeFigureOut">
               <a:rPr lang="en-US" smtClean="0"/>
-              <a:t>4/16/25</a:t>
+              <a:t>4/19/25</a:t>
             </a:fld>
             <a:endParaRPr lang="en-US"/>
           </a:p>
@@ -2355,7 +2355,7 @@
           <a:p>
             <a:fld id="{096BF671-B2E0-C343-A720-16FD2666F475}" type="datetimeFigureOut">
               <a:rPr lang="en-US" smtClean="0"/>
-              <a:t>4/16/25</a:t>
+              <a:t>4/19/25</a:t>
             </a:fld>
             <a:endParaRPr lang="en-US"/>
           </a:p>
@@ -2568,7 +2568,7 @@
           <a:p>
             <a:fld id="{096BF671-B2E0-C343-A720-16FD2666F475}" type="datetimeFigureOut">
               <a:rPr lang="en-US" smtClean="0"/>
-              <a:t>4/16/25</a:t>
+              <a:t>4/19/25</a:t>
             </a:fld>
             <a:endParaRPr lang="en-US"/>
           </a:p>
@@ -2973,443 +2973,6 @@
           <a:chExt cx="0" cy="0"/>
         </a:xfrm>
       </p:grpSpPr>
-      <p:cxnSp>
-        <p:nvCxnSpPr>
-          <p:cNvPr id="5" name="Straight Connector 4">
-            <a:extLst>
-              <a:ext uri="{FF2B5EF4-FFF2-40B4-BE49-F238E27FC236}">
-                <a16:creationId xmlns:a16="http://schemas.microsoft.com/office/drawing/2014/main" id="{8344F162-0368-15A4-B279-AEE65ED640A3}"/>
-              </a:ext>
-            </a:extLst>
-          </p:cNvPr>
-          <p:cNvCxnSpPr>
-            <a:cxnSpLocks/>
-          </p:cNvCxnSpPr>
-          <p:nvPr/>
-        </p:nvCxnSpPr>
-        <p:spPr>
-          <a:xfrm>
-            <a:off x="18288000" y="0"/>
-            <a:ext cx="0" cy="22860000"/>
-          </a:xfrm>
-          <a:prstGeom prst="line">
-            <a:avLst/>
-          </a:prstGeom>
-          <a:ln w="127000">
-            <a:solidFill>
-              <a:schemeClr val="accent1"/>
-            </a:solidFill>
-            <a:prstDash val="sysDash"/>
-          </a:ln>
-        </p:spPr>
-        <p:style>
-          <a:lnRef idx="2">
-            <a:schemeClr val="dk1"/>
-          </a:lnRef>
-          <a:fillRef idx="0">
-            <a:schemeClr val="dk1"/>
-          </a:fillRef>
-          <a:effectRef idx="1">
-            <a:schemeClr val="dk1"/>
-          </a:effectRef>
-          <a:fontRef idx="minor">
-            <a:schemeClr val="tx1"/>
-          </a:fontRef>
-        </p:style>
-      </p:cxnSp>
-      <p:sp>
-        <p:nvSpPr>
-          <p:cNvPr id="7" name="TextBox 6">
-            <a:extLst>
-              <a:ext uri="{FF2B5EF4-FFF2-40B4-BE49-F238E27FC236}">
-                <a16:creationId xmlns:a16="http://schemas.microsoft.com/office/drawing/2014/main" id="{FCF2938F-743C-6ADF-5154-2AC676ABB699}"/>
-              </a:ext>
-            </a:extLst>
-          </p:cNvPr>
-          <p:cNvSpPr txBox="1"/>
-          <p:nvPr/>
-        </p:nvSpPr>
-        <p:spPr>
-          <a:xfrm>
-            <a:off x="0" y="1"/>
-            <a:ext cx="18288000" cy="1169551"/>
-          </a:xfrm>
-          <a:prstGeom prst="rect">
-            <a:avLst/>
-          </a:prstGeom>
-          <a:noFill/>
-        </p:spPr>
-        <p:txBody>
-          <a:bodyPr wrap="square" rtlCol="0">
-            <a:spAutoFit/>
-          </a:bodyPr>
-          <a:lstStyle/>
-          <a:p>
-            <a:pPr algn="ctr"/>
-            <a:r>
-              <a:rPr lang="en-US" sz="7000" dirty="0"/>
-              <a:t>Client</a:t>
-            </a:r>
-          </a:p>
-        </p:txBody>
-      </p:sp>
-      <p:sp>
-        <p:nvSpPr>
-          <p:cNvPr id="8" name="TextBox 7">
-            <a:extLst>
-              <a:ext uri="{FF2B5EF4-FFF2-40B4-BE49-F238E27FC236}">
-                <a16:creationId xmlns:a16="http://schemas.microsoft.com/office/drawing/2014/main" id="{49EBFC2D-DAD3-4A86-E94B-65405EE66438}"/>
-              </a:ext>
-            </a:extLst>
-          </p:cNvPr>
-          <p:cNvSpPr txBox="1"/>
-          <p:nvPr/>
-        </p:nvSpPr>
-        <p:spPr>
-          <a:xfrm>
-            <a:off x="18288000" y="5770"/>
-            <a:ext cx="18288000" cy="1169551"/>
-          </a:xfrm>
-          <a:prstGeom prst="rect">
-            <a:avLst/>
-          </a:prstGeom>
-          <a:noFill/>
-        </p:spPr>
-        <p:txBody>
-          <a:bodyPr wrap="square" rtlCol="0">
-            <a:spAutoFit/>
-          </a:bodyPr>
-          <a:lstStyle/>
-          <a:p>
-            <a:pPr algn="ctr"/>
-            <a:r>
-              <a:rPr lang="en-US" sz="7000" dirty="0"/>
-              <a:t>Server</a:t>
-            </a:r>
-          </a:p>
-        </p:txBody>
-      </p:sp>
-      <p:sp>
-        <p:nvSpPr>
-          <p:cNvPr id="9" name="Rectangle 8">
-            <a:extLst>
-              <a:ext uri="{FF2B5EF4-FFF2-40B4-BE49-F238E27FC236}">
-                <a16:creationId xmlns:a16="http://schemas.microsoft.com/office/drawing/2014/main" id="{226D06E2-58DD-4C4B-0B06-D8651CCD6385}"/>
-              </a:ext>
-            </a:extLst>
-          </p:cNvPr>
-          <p:cNvSpPr/>
-          <p:nvPr/>
-        </p:nvSpPr>
-        <p:spPr>
-          <a:xfrm>
-            <a:off x="5985165" y="16292943"/>
-            <a:ext cx="6317673" cy="4738254"/>
-          </a:xfrm>
-          <a:prstGeom prst="rect">
-            <a:avLst/>
-          </a:prstGeom>
-        </p:spPr>
-        <p:style>
-          <a:lnRef idx="2">
-            <a:schemeClr val="accent1">
-              <a:shade val="15000"/>
-            </a:schemeClr>
-          </a:lnRef>
-          <a:fillRef idx="1">
-            <a:schemeClr val="accent1"/>
-          </a:fillRef>
-          <a:effectRef idx="0">
-            <a:schemeClr val="accent1"/>
-          </a:effectRef>
-          <a:fontRef idx="minor">
-            <a:schemeClr val="lt1"/>
-          </a:fontRef>
-        </p:style>
-        <p:txBody>
-          <a:bodyPr rtlCol="0" anchor="ctr"/>
-          <a:lstStyle/>
-          <a:p>
-            <a:pPr algn="ctr"/>
-            <a:r>
-              <a:rPr lang="en-US" sz="5000" dirty="0"/>
-              <a:t>Client GUI</a:t>
-            </a:r>
-          </a:p>
-          <a:p>
-            <a:pPr algn="ctr"/>
-            <a:endParaRPr lang="en-US" sz="5000" dirty="0"/>
-          </a:p>
-          <a:p>
-            <a:pPr algn="ctr"/>
-            <a:endParaRPr lang="en-US" sz="5000" dirty="0"/>
-          </a:p>
-          <a:p>
-            <a:pPr algn="ctr"/>
-            <a:endParaRPr lang="en-US" sz="5000" dirty="0"/>
-          </a:p>
-          <a:p>
-            <a:pPr algn="ctr"/>
-            <a:endParaRPr lang="en-US" sz="5000" dirty="0"/>
-          </a:p>
-        </p:txBody>
-      </p:sp>
-      <p:sp>
-        <p:nvSpPr>
-          <p:cNvPr id="10" name="Rectangle 9">
-            <a:extLst>
-              <a:ext uri="{FF2B5EF4-FFF2-40B4-BE49-F238E27FC236}">
-                <a16:creationId xmlns:a16="http://schemas.microsoft.com/office/drawing/2014/main" id="{2B81D308-CF2C-3775-E20A-0086C55171C5}"/>
-              </a:ext>
-            </a:extLst>
-          </p:cNvPr>
-          <p:cNvSpPr/>
-          <p:nvPr/>
-        </p:nvSpPr>
-        <p:spPr>
-          <a:xfrm>
-            <a:off x="5985162" y="9586189"/>
-            <a:ext cx="6317673" cy="3405331"/>
-          </a:xfrm>
-          <a:prstGeom prst="rect">
-            <a:avLst/>
-          </a:prstGeom>
-        </p:spPr>
-        <p:style>
-          <a:lnRef idx="2">
-            <a:schemeClr val="accent1">
-              <a:shade val="15000"/>
-            </a:schemeClr>
-          </a:lnRef>
-          <a:fillRef idx="1">
-            <a:schemeClr val="accent1"/>
-          </a:fillRef>
-          <a:effectRef idx="0">
-            <a:schemeClr val="accent1"/>
-          </a:effectRef>
-          <a:fontRef idx="minor">
-            <a:schemeClr val="lt1"/>
-          </a:fontRef>
-        </p:style>
-        <p:txBody>
-          <a:bodyPr rtlCol="0" anchor="ctr"/>
-          <a:lstStyle/>
-          <a:p>
-            <a:pPr algn="ctr"/>
-            <a:r>
-              <a:rPr lang="en-US" sz="5000" dirty="0"/>
-              <a:t>Client Music Player</a:t>
-            </a:r>
-          </a:p>
-        </p:txBody>
-      </p:sp>
-      <p:sp>
-        <p:nvSpPr>
-          <p:cNvPr id="11" name="Rectangle 10">
-            <a:extLst>
-              <a:ext uri="{FF2B5EF4-FFF2-40B4-BE49-F238E27FC236}">
-                <a16:creationId xmlns:a16="http://schemas.microsoft.com/office/drawing/2014/main" id="{A90894A9-7793-67E7-BC9E-08A8B86924E7}"/>
-              </a:ext>
-            </a:extLst>
-          </p:cNvPr>
-          <p:cNvSpPr/>
-          <p:nvPr/>
-        </p:nvSpPr>
-        <p:spPr>
-          <a:xfrm>
-            <a:off x="5985162" y="2838448"/>
-            <a:ext cx="6317673" cy="3405331"/>
-          </a:xfrm>
-          <a:prstGeom prst="rect">
-            <a:avLst/>
-          </a:prstGeom>
-        </p:spPr>
-        <p:style>
-          <a:lnRef idx="2">
-            <a:schemeClr val="accent1">
-              <a:shade val="15000"/>
-            </a:schemeClr>
-          </a:lnRef>
-          <a:fillRef idx="1">
-            <a:schemeClr val="accent1"/>
-          </a:fillRef>
-          <a:effectRef idx="0">
-            <a:schemeClr val="accent1"/>
-          </a:effectRef>
-          <a:fontRef idx="minor">
-            <a:schemeClr val="lt1"/>
-          </a:fontRef>
-        </p:style>
-        <p:txBody>
-          <a:bodyPr rtlCol="0" anchor="ctr"/>
-          <a:lstStyle/>
-          <a:p>
-            <a:pPr algn="ctr"/>
-            <a:r>
-              <a:rPr lang="en-US" sz="5000" dirty="0"/>
-              <a:t>Client GRPC</a:t>
-            </a:r>
-          </a:p>
-        </p:txBody>
-      </p:sp>
-      <p:sp>
-        <p:nvSpPr>
-          <p:cNvPr id="12" name="Rectangle 11">
-            <a:extLst>
-              <a:ext uri="{FF2B5EF4-FFF2-40B4-BE49-F238E27FC236}">
-                <a16:creationId xmlns:a16="http://schemas.microsoft.com/office/drawing/2014/main" id="{2CD66698-9FC6-5835-511D-0EDADA0D7B95}"/>
-              </a:ext>
-            </a:extLst>
-          </p:cNvPr>
-          <p:cNvSpPr/>
-          <p:nvPr/>
-        </p:nvSpPr>
-        <p:spPr>
-          <a:xfrm>
-            <a:off x="24273166" y="2746086"/>
-            <a:ext cx="6317672" cy="3458010"/>
-          </a:xfrm>
-          <a:prstGeom prst="rect">
-            <a:avLst/>
-          </a:prstGeom>
-        </p:spPr>
-        <p:style>
-          <a:lnRef idx="2">
-            <a:schemeClr val="accent1">
-              <a:shade val="15000"/>
-            </a:schemeClr>
-          </a:lnRef>
-          <a:fillRef idx="1">
-            <a:schemeClr val="accent1"/>
-          </a:fillRef>
-          <a:effectRef idx="0">
-            <a:schemeClr val="accent1"/>
-          </a:effectRef>
-          <a:fontRef idx="minor">
-            <a:schemeClr val="lt1"/>
-          </a:fontRef>
-        </p:style>
-        <p:txBody>
-          <a:bodyPr rtlCol="0" anchor="ctr"/>
-          <a:lstStyle/>
-          <a:p>
-            <a:pPr algn="ctr"/>
-            <a:r>
-              <a:rPr lang="en-US" sz="5000" dirty="0" err="1"/>
-              <a:t>TimeSync</a:t>
-            </a:r>
-            <a:r>
-              <a:rPr lang="en-US" sz="5000" dirty="0"/>
-              <a:t> GRPC</a:t>
-            </a:r>
-          </a:p>
-        </p:txBody>
-      </p:sp>
-      <p:sp>
-        <p:nvSpPr>
-          <p:cNvPr id="13" name="Rectangle 12">
-            <a:extLst>
-              <a:ext uri="{FF2B5EF4-FFF2-40B4-BE49-F238E27FC236}">
-                <a16:creationId xmlns:a16="http://schemas.microsoft.com/office/drawing/2014/main" id="{B9C3978E-6CD6-BC08-CB7C-50D15A50E67E}"/>
-              </a:ext>
-            </a:extLst>
-          </p:cNvPr>
-          <p:cNvSpPr/>
-          <p:nvPr/>
-        </p:nvSpPr>
-        <p:spPr>
-          <a:xfrm>
-            <a:off x="24273167" y="9776981"/>
-            <a:ext cx="6317673" cy="3274002"/>
-          </a:xfrm>
-          <a:prstGeom prst="rect">
-            <a:avLst/>
-          </a:prstGeom>
-        </p:spPr>
-        <p:style>
-          <a:lnRef idx="2">
-            <a:schemeClr val="accent1">
-              <a:shade val="15000"/>
-            </a:schemeClr>
-          </a:lnRef>
-          <a:fillRef idx="1">
-            <a:schemeClr val="accent1"/>
-          </a:fillRef>
-          <a:effectRef idx="0">
-            <a:schemeClr val="accent1"/>
-          </a:effectRef>
-          <a:fontRef idx="minor">
-            <a:schemeClr val="lt1"/>
-          </a:fontRef>
-        </p:style>
-        <p:txBody>
-          <a:bodyPr rtlCol="0" anchor="ctr"/>
-          <a:lstStyle/>
-          <a:p>
-            <a:pPr algn="ctr"/>
-            <a:r>
-              <a:rPr lang="en-US" sz="5000" dirty="0"/>
-              <a:t>Server Room GRPC</a:t>
-            </a:r>
-          </a:p>
-        </p:txBody>
-      </p:sp>
-      <p:sp>
-        <p:nvSpPr>
-          <p:cNvPr id="14" name="Rectangle 13">
-            <a:extLst>
-              <a:ext uri="{FF2B5EF4-FFF2-40B4-BE49-F238E27FC236}">
-                <a16:creationId xmlns:a16="http://schemas.microsoft.com/office/drawing/2014/main" id="{1F7EAF9D-BF82-D68B-C5E9-447413DB10E8}"/>
-              </a:ext>
-            </a:extLst>
-          </p:cNvPr>
-          <p:cNvSpPr/>
-          <p:nvPr/>
-        </p:nvSpPr>
-        <p:spPr>
-          <a:xfrm>
-            <a:off x="24564109" y="16419150"/>
-            <a:ext cx="6317673" cy="2132447"/>
-          </a:xfrm>
-          <a:prstGeom prst="rect">
-            <a:avLst/>
-          </a:prstGeom>
-        </p:spPr>
-        <p:style>
-          <a:lnRef idx="2">
-            <a:schemeClr val="accent1">
-              <a:shade val="15000"/>
-            </a:schemeClr>
-          </a:lnRef>
-          <a:fillRef idx="1">
-            <a:schemeClr val="accent1"/>
-          </a:fillRef>
-          <a:effectRef idx="0">
-            <a:schemeClr val="accent1"/>
-          </a:effectRef>
-          <a:fontRef idx="minor">
-            <a:schemeClr val="lt1"/>
-          </a:fontRef>
-        </p:style>
-        <p:txBody>
-          <a:bodyPr rtlCol="0" anchor="ctr"/>
-          <a:lstStyle/>
-          <a:p>
-            <a:pPr algn="ctr"/>
-            <a:r>
-              <a:rPr lang="en-US" sz="5000" dirty="0"/>
-              <a:t>Server Lobby</a:t>
-            </a:r>
-          </a:p>
-          <a:p>
-            <a:pPr algn="ctr"/>
-            <a:r>
-              <a:rPr lang="en-US" sz="5000" dirty="0"/>
-              <a:t>GRPC</a:t>
-            </a:r>
-          </a:p>
-        </p:txBody>
-      </p:sp>
       <p:sp>
         <p:nvSpPr>
           <p:cNvPr id="15" name="Rectangle 14">
@@ -3431,7 +2994,7 @@
             <a:avLst/>
           </a:prstGeom>
           <a:noFill/>
-          <a:ln w="76200">
+          <a:ln w="127000">
             <a:solidFill>
               <a:schemeClr val="accent2"/>
             </a:solidFill>
@@ -3483,7 +3046,111 @@
             <a:avLst/>
           </a:prstGeom>
           <a:noFill/>
-          <a:ln w="76200">
+          <a:ln w="127000">
+            <a:solidFill>
+              <a:schemeClr val="accent2"/>
+            </a:solidFill>
+          </a:ln>
+        </p:spPr>
+        <p:style>
+          <a:lnRef idx="2">
+            <a:schemeClr val="accent1">
+              <a:shade val="15000"/>
+            </a:schemeClr>
+          </a:lnRef>
+          <a:fillRef idx="1">
+            <a:schemeClr val="accent1"/>
+          </a:fillRef>
+          <a:effectRef idx="0">
+            <a:schemeClr val="accent1"/>
+          </a:effectRef>
+          <a:fontRef idx="minor">
+            <a:schemeClr val="lt1"/>
+          </a:fontRef>
+        </p:style>
+        <p:txBody>
+          <a:bodyPr rtlCol="0" anchor="ctr"/>
+          <a:lstStyle/>
+          <a:p>
+            <a:pPr algn="ctr"/>
+            <a:endParaRPr lang="en-US"/>
+          </a:p>
+        </p:txBody>
+      </p:sp>
+      <p:sp>
+        <p:nvSpPr>
+          <p:cNvPr id="112" name="Rectangle 111">
+            <a:extLst>
+              <a:ext uri="{FF2B5EF4-FFF2-40B4-BE49-F238E27FC236}">
+                <a16:creationId xmlns:a16="http://schemas.microsoft.com/office/drawing/2014/main" id="{FA57D4A8-8E41-9C8A-A3DE-9324406967EB}"/>
+              </a:ext>
+            </a:extLst>
+          </p:cNvPr>
+          <p:cNvSpPr/>
+          <p:nvPr/>
+        </p:nvSpPr>
+        <p:spPr>
+          <a:xfrm>
+            <a:off x="23317201" y="15739473"/>
+            <a:ext cx="11097491" cy="6007980"/>
+          </a:xfrm>
+          <a:prstGeom prst="rect">
+            <a:avLst/>
+          </a:prstGeom>
+          <a:noFill/>
+          <a:ln w="127000">
+            <a:solidFill>
+              <a:schemeClr val="accent2"/>
+            </a:solidFill>
+          </a:ln>
+        </p:spPr>
+        <p:style>
+          <a:lnRef idx="2">
+            <a:schemeClr val="accent1">
+              <a:shade val="15000"/>
+            </a:schemeClr>
+          </a:lnRef>
+          <a:fillRef idx="1">
+            <a:schemeClr val="accent1"/>
+          </a:fillRef>
+          <a:effectRef idx="0">
+            <a:schemeClr val="accent1"/>
+          </a:effectRef>
+          <a:fontRef idx="minor">
+            <a:schemeClr val="lt1"/>
+          </a:fontRef>
+        </p:style>
+        <p:txBody>
+          <a:bodyPr rtlCol="0" anchor="ctr"/>
+          <a:lstStyle/>
+          <a:p>
+            <a:pPr algn="ctr"/>
+            <a:endParaRPr lang="en-US"/>
+          </a:p>
+        </p:txBody>
+      </p:sp>
+      <p:sp>
+        <p:nvSpPr>
+          <p:cNvPr id="134" name="Rectangle 133">
+            <a:extLst>
+              <a:ext uri="{FF2B5EF4-FFF2-40B4-BE49-F238E27FC236}">
+                <a16:creationId xmlns:a16="http://schemas.microsoft.com/office/drawing/2014/main" id="{7B320F0C-7030-499A-BFBE-5FDAA0603164}"/>
+              </a:ext>
+            </a:extLst>
+          </p:cNvPr>
+          <p:cNvSpPr/>
+          <p:nvPr/>
+        </p:nvSpPr>
+        <p:spPr>
+          <a:xfrm>
+            <a:off x="2161311" y="15771517"/>
+            <a:ext cx="11097491" cy="6007979"/>
+          </a:xfrm>
+          <a:prstGeom prst="rect">
+            <a:avLst/>
+          </a:prstGeom>
+          <a:noFill/>
+          <a:ln w="127000">
             <a:solidFill>
               <a:schemeClr val="accent2"/>
             </a:solidFill>
@@ -3526,19 +3193,62 @@
           <p:cNvCxnSpPr>
             <a:cxnSpLocks/>
             <a:stCxn id="28" idx="3"/>
-            <a:endCxn id="14" idx="1"/>
           </p:cNvCxnSpPr>
           <p:nvPr/>
         </p:nvCxnSpPr>
         <p:spPr>
           <a:xfrm flipV="1">
-            <a:off x="11866418" y="17485374"/>
-            <a:ext cx="12697691" cy="2481331"/>
+            <a:off x="11866418" y="18040088"/>
+            <a:ext cx="12697690" cy="1926617"/>
           </a:xfrm>
           <a:prstGeom prst="bentConnector3">
             <a:avLst>
-              <a:gd name="adj1" fmla="val 75205"/>
+              <a:gd name="adj1" fmla="val 38127"/>
             </a:avLst>
+          </a:prstGeom>
+          <a:ln w="254000">
+            <a:solidFill>
+              <a:schemeClr val="accent6"/>
+            </a:solidFill>
+            <a:tailEnd type="triangle"/>
+          </a:ln>
+        </p:spPr>
+        <p:style>
+          <a:lnRef idx="2">
+            <a:schemeClr val="accent1"/>
+          </a:lnRef>
+          <a:fillRef idx="0">
+            <a:schemeClr val="accent1"/>
+          </a:fillRef>
+          <a:effectRef idx="1">
+            <a:schemeClr val="accent1"/>
+          </a:effectRef>
+          <a:fontRef idx="minor">
+            <a:schemeClr val="tx1"/>
+          </a:fontRef>
+        </p:style>
+      </p:cxnSp>
+      <p:cxnSp>
+        <p:nvCxnSpPr>
+          <p:cNvPr id="73" name="Straight Arrow Connector 72">
+            <a:extLst>
+              <a:ext uri="{FF2B5EF4-FFF2-40B4-BE49-F238E27FC236}">
+                <a16:creationId xmlns:a16="http://schemas.microsoft.com/office/drawing/2014/main" id="{1854EBC8-887E-21EC-3F17-5B0E49740175}"/>
+              </a:ext>
+            </a:extLst>
+          </p:cNvPr>
+          <p:cNvCxnSpPr>
+            <a:cxnSpLocks/>
+          </p:cNvCxnSpPr>
+          <p:nvPr/>
+        </p:nvCxnSpPr>
+        <p:spPr>
+          <a:xfrm>
+            <a:off x="12385961" y="3469710"/>
+            <a:ext cx="11887203" cy="457"/>
+          </a:xfrm>
+          <a:prstGeom prst="straightConnector1">
+            <a:avLst/>
           </a:prstGeom>
           <a:ln w="254000">
             <a:solidFill>
@@ -3579,12 +3289,12 @@
         </p:nvCxnSpPr>
         <p:spPr>
           <a:xfrm flipV="1">
-            <a:off x="11928763" y="11887194"/>
-            <a:ext cx="12344402" cy="6538196"/>
+            <a:off x="11928764" y="12112750"/>
+            <a:ext cx="12344400" cy="6312641"/>
           </a:xfrm>
           <a:prstGeom prst="bentConnector3">
             <a:avLst>
-              <a:gd name="adj1" fmla="val 63468"/>
+              <a:gd name="adj1" fmla="val 27778"/>
             </a:avLst>
           </a:prstGeom>
           <a:ln w="254000">
@@ -3609,6 +3319,519 @@
           </a:fontRef>
         </p:style>
       </p:cxnSp>
+      <p:cxnSp>
+        <p:nvCxnSpPr>
+          <p:cNvPr id="94" name="Straight Arrow Connector 93">
+            <a:extLst>
+              <a:ext uri="{FF2B5EF4-FFF2-40B4-BE49-F238E27FC236}">
+                <a16:creationId xmlns:a16="http://schemas.microsoft.com/office/drawing/2014/main" id="{48DF364A-1D84-324F-D078-1C36EEFA0D40}"/>
+              </a:ext>
+            </a:extLst>
+          </p:cNvPr>
+          <p:cNvCxnSpPr>
+            <a:cxnSpLocks/>
+          </p:cNvCxnSpPr>
+          <p:nvPr/>
+        </p:nvCxnSpPr>
+        <p:spPr>
+          <a:xfrm flipH="1">
+            <a:off x="12289288" y="7341157"/>
+            <a:ext cx="11851949" cy="10601"/>
+          </a:xfrm>
+          <a:prstGeom prst="straightConnector1">
+            <a:avLst/>
+          </a:prstGeom>
+          <a:ln w="254000">
+            <a:solidFill>
+              <a:schemeClr val="accent6"/>
+            </a:solidFill>
+            <a:tailEnd type="triangle"/>
+          </a:ln>
+        </p:spPr>
+        <p:style>
+          <a:lnRef idx="2">
+            <a:schemeClr val="accent1"/>
+          </a:lnRef>
+          <a:fillRef idx="0">
+            <a:schemeClr val="accent1"/>
+          </a:fillRef>
+          <a:effectRef idx="1">
+            <a:schemeClr val="accent1"/>
+          </a:effectRef>
+          <a:fontRef idx="minor">
+            <a:schemeClr val="tx1"/>
+          </a:fontRef>
+        </p:style>
+      </p:cxnSp>
+      <p:cxnSp>
+        <p:nvCxnSpPr>
+          <p:cNvPr id="5" name="Straight Connector 4">
+            <a:extLst>
+              <a:ext uri="{FF2B5EF4-FFF2-40B4-BE49-F238E27FC236}">
+                <a16:creationId xmlns:a16="http://schemas.microsoft.com/office/drawing/2014/main" id="{8344F162-0368-15A4-B279-AEE65ED640A3}"/>
+              </a:ext>
+            </a:extLst>
+          </p:cNvPr>
+          <p:cNvCxnSpPr>
+            <a:cxnSpLocks/>
+          </p:cNvCxnSpPr>
+          <p:nvPr/>
+        </p:nvCxnSpPr>
+        <p:spPr>
+          <a:xfrm>
+            <a:off x="18288000" y="0"/>
+            <a:ext cx="0" cy="22860000"/>
+          </a:xfrm>
+          <a:prstGeom prst="line">
+            <a:avLst/>
+          </a:prstGeom>
+          <a:ln w="127000">
+            <a:solidFill>
+              <a:schemeClr val="accent1"/>
+            </a:solidFill>
+            <a:prstDash val="sysDash"/>
+          </a:ln>
+        </p:spPr>
+        <p:style>
+          <a:lnRef idx="2">
+            <a:schemeClr val="dk1"/>
+          </a:lnRef>
+          <a:fillRef idx="0">
+            <a:schemeClr val="dk1"/>
+          </a:fillRef>
+          <a:effectRef idx="1">
+            <a:schemeClr val="dk1"/>
+          </a:effectRef>
+          <a:fontRef idx="minor">
+            <a:schemeClr val="tx1"/>
+          </a:fontRef>
+        </p:style>
+      </p:cxnSp>
+      <p:cxnSp>
+        <p:nvCxnSpPr>
+          <p:cNvPr id="133" name="Elbow Connector 132">
+            <a:extLst>
+              <a:ext uri="{FF2B5EF4-FFF2-40B4-BE49-F238E27FC236}">
+                <a16:creationId xmlns:a16="http://schemas.microsoft.com/office/drawing/2014/main" id="{21AC501A-CC1E-DCD3-CEC9-46082655E870}"/>
+              </a:ext>
+            </a:extLst>
+          </p:cNvPr>
+          <p:cNvCxnSpPr>
+            <a:cxnSpLocks/>
+          </p:cNvCxnSpPr>
+          <p:nvPr/>
+        </p:nvCxnSpPr>
+        <p:spPr>
+          <a:xfrm rot="10800000">
+            <a:off x="12336313" y="8408750"/>
+            <a:ext cx="12178148" cy="8591956"/>
+          </a:xfrm>
+          <a:prstGeom prst="bentConnector3">
+            <a:avLst>
+              <a:gd name="adj1" fmla="val 41780"/>
+            </a:avLst>
+          </a:prstGeom>
+          <a:ln w="254000">
+            <a:solidFill>
+              <a:srgbClr val="FFC000"/>
+            </a:solidFill>
+            <a:tailEnd type="triangle"/>
+          </a:ln>
+        </p:spPr>
+        <p:style>
+          <a:lnRef idx="2">
+            <a:schemeClr val="accent1"/>
+          </a:lnRef>
+          <a:fillRef idx="0">
+            <a:schemeClr val="accent1"/>
+          </a:fillRef>
+          <a:effectRef idx="1">
+            <a:schemeClr val="accent1"/>
+          </a:effectRef>
+          <a:fontRef idx="minor">
+            <a:schemeClr val="tx1"/>
+          </a:fontRef>
+        </p:style>
+      </p:cxnSp>
+      <p:cxnSp>
+        <p:nvCxnSpPr>
+          <p:cNvPr id="238" name="Elbow Connector 237">
+            <a:extLst>
+              <a:ext uri="{FF2B5EF4-FFF2-40B4-BE49-F238E27FC236}">
+                <a16:creationId xmlns:a16="http://schemas.microsoft.com/office/drawing/2014/main" id="{3D7A6F04-D3F7-05AB-F0C2-71502118AA8C}"/>
+              </a:ext>
+            </a:extLst>
+          </p:cNvPr>
+          <p:cNvCxnSpPr/>
+          <p:nvPr/>
+        </p:nvCxnSpPr>
+        <p:spPr>
+          <a:xfrm rot="10800000">
+            <a:off x="12385961" y="4625788"/>
+            <a:ext cx="11851950" cy="6054404"/>
+          </a:xfrm>
+          <a:prstGeom prst="bentConnector3">
+            <a:avLst>
+              <a:gd name="adj1" fmla="val 18831"/>
+            </a:avLst>
+          </a:prstGeom>
+          <a:ln w="254000">
+            <a:solidFill>
+              <a:srgbClr val="FFC000"/>
+            </a:solidFill>
+            <a:tailEnd type="triangle"/>
+          </a:ln>
+        </p:spPr>
+        <p:style>
+          <a:lnRef idx="2">
+            <a:schemeClr val="accent1"/>
+          </a:lnRef>
+          <a:fillRef idx="0">
+            <a:schemeClr val="accent1"/>
+          </a:fillRef>
+          <a:effectRef idx="1">
+            <a:schemeClr val="accent1"/>
+          </a:effectRef>
+          <a:fontRef idx="minor">
+            <a:schemeClr val="tx1"/>
+          </a:fontRef>
+        </p:style>
+      </p:cxnSp>
+      <p:cxnSp>
+        <p:nvCxnSpPr>
+          <p:cNvPr id="186" name="Straight Arrow Connector 185">
+            <a:extLst>
+              <a:ext uri="{FF2B5EF4-FFF2-40B4-BE49-F238E27FC236}">
+                <a16:creationId xmlns:a16="http://schemas.microsoft.com/office/drawing/2014/main" id="{A3653183-33F2-4569-6D90-131CC6A82FCC}"/>
+              </a:ext>
+            </a:extLst>
+          </p:cNvPr>
+          <p:cNvCxnSpPr>
+            <a:cxnSpLocks/>
+          </p:cNvCxnSpPr>
+          <p:nvPr/>
+        </p:nvCxnSpPr>
+        <p:spPr>
+          <a:xfrm flipV="1">
+            <a:off x="26422118" y="12434313"/>
+            <a:ext cx="0" cy="3984837"/>
+          </a:xfrm>
+          <a:prstGeom prst="straightConnector1">
+            <a:avLst/>
+          </a:prstGeom>
+          <a:ln w="254000">
+            <a:solidFill>
+              <a:srgbClr val="FFC000"/>
+            </a:solidFill>
+            <a:tailEnd type="triangle"/>
+          </a:ln>
+        </p:spPr>
+        <p:style>
+          <a:lnRef idx="2">
+            <a:schemeClr val="accent1"/>
+          </a:lnRef>
+          <a:fillRef idx="0">
+            <a:schemeClr val="accent1"/>
+          </a:fillRef>
+          <a:effectRef idx="1">
+            <a:schemeClr val="accent1"/>
+          </a:effectRef>
+          <a:fontRef idx="minor">
+            <a:schemeClr val="tx1"/>
+          </a:fontRef>
+        </p:style>
+      </p:cxnSp>
+      <p:sp>
+        <p:nvSpPr>
+          <p:cNvPr id="7" name="TextBox 6">
+            <a:extLst>
+              <a:ext uri="{FF2B5EF4-FFF2-40B4-BE49-F238E27FC236}">
+                <a16:creationId xmlns:a16="http://schemas.microsoft.com/office/drawing/2014/main" id="{FCF2938F-743C-6ADF-5154-2AC676ABB699}"/>
+              </a:ext>
+            </a:extLst>
+          </p:cNvPr>
+          <p:cNvSpPr txBox="1"/>
+          <p:nvPr/>
+        </p:nvSpPr>
+        <p:spPr>
+          <a:xfrm>
+            <a:off x="0" y="1"/>
+            <a:ext cx="18288000" cy="1169551"/>
+          </a:xfrm>
+          <a:prstGeom prst="rect">
+            <a:avLst/>
+          </a:prstGeom>
+          <a:noFill/>
+        </p:spPr>
+        <p:txBody>
+          <a:bodyPr wrap="square" rtlCol="0">
+            <a:spAutoFit/>
+          </a:bodyPr>
+          <a:lstStyle/>
+          <a:p>
+            <a:pPr algn="ctr"/>
+            <a:r>
+              <a:rPr lang="en-US" sz="7000" dirty="0"/>
+              <a:t>Client</a:t>
+            </a:r>
+          </a:p>
+        </p:txBody>
+      </p:sp>
+      <p:sp>
+        <p:nvSpPr>
+          <p:cNvPr id="8" name="TextBox 7">
+            <a:extLst>
+              <a:ext uri="{FF2B5EF4-FFF2-40B4-BE49-F238E27FC236}">
+                <a16:creationId xmlns:a16="http://schemas.microsoft.com/office/drawing/2014/main" id="{49EBFC2D-DAD3-4A86-E94B-65405EE66438}"/>
+              </a:ext>
+            </a:extLst>
+          </p:cNvPr>
+          <p:cNvSpPr txBox="1"/>
+          <p:nvPr/>
+        </p:nvSpPr>
+        <p:spPr>
+          <a:xfrm>
+            <a:off x="18288000" y="5770"/>
+            <a:ext cx="18288000" cy="1169551"/>
+          </a:xfrm>
+          <a:prstGeom prst="rect">
+            <a:avLst/>
+          </a:prstGeom>
+          <a:noFill/>
+        </p:spPr>
+        <p:txBody>
+          <a:bodyPr wrap="square" rtlCol="0">
+            <a:spAutoFit/>
+          </a:bodyPr>
+          <a:lstStyle/>
+          <a:p>
+            <a:pPr algn="ctr"/>
+            <a:r>
+              <a:rPr lang="en-US" sz="7000" dirty="0"/>
+              <a:t>Server</a:t>
+            </a:r>
+          </a:p>
+        </p:txBody>
+      </p:sp>
+      <p:sp>
+        <p:nvSpPr>
+          <p:cNvPr id="9" name="Rectangle 8">
+            <a:extLst>
+              <a:ext uri="{FF2B5EF4-FFF2-40B4-BE49-F238E27FC236}">
+                <a16:creationId xmlns:a16="http://schemas.microsoft.com/office/drawing/2014/main" id="{226D06E2-58DD-4C4B-0B06-D8651CCD6385}"/>
+              </a:ext>
+            </a:extLst>
+          </p:cNvPr>
+          <p:cNvSpPr/>
+          <p:nvPr/>
+        </p:nvSpPr>
+        <p:spPr>
+          <a:xfrm>
+            <a:off x="5985164" y="16292943"/>
+            <a:ext cx="6400800" cy="4738254"/>
+          </a:xfrm>
+          <a:prstGeom prst="rect">
+            <a:avLst/>
+          </a:prstGeom>
+        </p:spPr>
+        <p:style>
+          <a:lnRef idx="2">
+            <a:schemeClr val="accent1">
+              <a:shade val="15000"/>
+            </a:schemeClr>
+          </a:lnRef>
+          <a:fillRef idx="1">
+            <a:schemeClr val="accent1"/>
+          </a:fillRef>
+          <a:effectRef idx="0">
+            <a:schemeClr val="accent1"/>
+          </a:effectRef>
+          <a:fontRef idx="minor">
+            <a:schemeClr val="lt1"/>
+          </a:fontRef>
+        </p:style>
+        <p:txBody>
+          <a:bodyPr rtlCol="0" anchor="ctr"/>
+          <a:lstStyle/>
+          <a:p>
+            <a:pPr algn="ctr"/>
+            <a:r>
+              <a:rPr lang="en-US" sz="5000" dirty="0"/>
+              <a:t>Client GUI</a:t>
+            </a:r>
+          </a:p>
+          <a:p>
+            <a:pPr algn="ctr"/>
+            <a:endParaRPr lang="en-US" sz="5000" dirty="0"/>
+          </a:p>
+          <a:p>
+            <a:pPr algn="ctr"/>
+            <a:endParaRPr lang="en-US" sz="5000" dirty="0"/>
+          </a:p>
+          <a:p>
+            <a:pPr algn="ctr"/>
+            <a:endParaRPr lang="en-US" sz="5000" dirty="0"/>
+          </a:p>
+          <a:p>
+            <a:pPr algn="ctr"/>
+            <a:endParaRPr lang="en-US" sz="5000" dirty="0"/>
+          </a:p>
+        </p:txBody>
+      </p:sp>
+      <p:sp>
+        <p:nvSpPr>
+          <p:cNvPr id="10" name="Rectangle 9">
+            <a:extLst>
+              <a:ext uri="{FF2B5EF4-FFF2-40B4-BE49-F238E27FC236}">
+                <a16:creationId xmlns:a16="http://schemas.microsoft.com/office/drawing/2014/main" id="{2B81D308-CF2C-3775-E20A-0086C55171C5}"/>
+              </a:ext>
+            </a:extLst>
+          </p:cNvPr>
+          <p:cNvSpPr/>
+          <p:nvPr/>
+        </p:nvSpPr>
+        <p:spPr>
+          <a:xfrm>
+            <a:off x="5985161" y="10330949"/>
+            <a:ext cx="6400800" cy="2286000"/>
+          </a:xfrm>
+          <a:prstGeom prst="rect">
+            <a:avLst/>
+          </a:prstGeom>
+        </p:spPr>
+        <p:style>
+          <a:lnRef idx="2">
+            <a:schemeClr val="accent1">
+              <a:shade val="15000"/>
+            </a:schemeClr>
+          </a:lnRef>
+          <a:fillRef idx="1">
+            <a:schemeClr val="accent1"/>
+          </a:fillRef>
+          <a:effectRef idx="0">
+            <a:schemeClr val="accent1"/>
+          </a:effectRef>
+          <a:fontRef idx="minor">
+            <a:schemeClr val="lt1"/>
+          </a:fontRef>
+        </p:style>
+        <p:txBody>
+          <a:bodyPr rtlCol="0" anchor="ctr"/>
+          <a:lstStyle/>
+          <a:p>
+            <a:pPr algn="ctr"/>
+            <a:r>
+              <a:rPr lang="en-US" sz="5000" dirty="0"/>
+              <a:t>Client Music Player</a:t>
+            </a:r>
+          </a:p>
+        </p:txBody>
+      </p:sp>
+      <p:sp>
+        <p:nvSpPr>
+          <p:cNvPr id="11" name="Rectangle 10">
+            <a:extLst>
+              <a:ext uri="{FF2B5EF4-FFF2-40B4-BE49-F238E27FC236}">
+                <a16:creationId xmlns:a16="http://schemas.microsoft.com/office/drawing/2014/main" id="{A90894A9-7793-67E7-BC9E-08A8B86924E7}"/>
+              </a:ext>
+            </a:extLst>
+          </p:cNvPr>
+          <p:cNvSpPr/>
+          <p:nvPr/>
+        </p:nvSpPr>
+        <p:spPr>
+          <a:xfrm>
+            <a:off x="5949908" y="6690360"/>
+            <a:ext cx="6400800" cy="2286000"/>
+          </a:xfrm>
+          <a:prstGeom prst="rect">
+            <a:avLst/>
+          </a:prstGeom>
+        </p:spPr>
+        <p:style>
+          <a:lnRef idx="2">
+            <a:schemeClr val="accent1">
+              <a:shade val="15000"/>
+            </a:schemeClr>
+          </a:lnRef>
+          <a:fillRef idx="1">
+            <a:schemeClr val="accent1"/>
+          </a:fillRef>
+          <a:effectRef idx="0">
+            <a:schemeClr val="accent1"/>
+          </a:effectRef>
+          <a:fontRef idx="minor">
+            <a:schemeClr val="lt1"/>
+          </a:fontRef>
+        </p:style>
+        <p:txBody>
+          <a:bodyPr rtlCol="0" anchor="ctr"/>
+          <a:lstStyle/>
+          <a:p>
+            <a:pPr algn="ctr"/>
+            <a:r>
+              <a:rPr lang="en-US" sz="5000" dirty="0"/>
+              <a:t>Client GRPC</a:t>
+            </a:r>
+          </a:p>
+        </p:txBody>
+      </p:sp>
+      <p:sp>
+        <p:nvSpPr>
+          <p:cNvPr id="14" name="Rectangle 13">
+            <a:extLst>
+              <a:ext uri="{FF2B5EF4-FFF2-40B4-BE49-F238E27FC236}">
+                <a16:creationId xmlns:a16="http://schemas.microsoft.com/office/drawing/2014/main" id="{1F7EAF9D-BF82-D68B-C5E9-447413DB10E8}"/>
+              </a:ext>
+            </a:extLst>
+          </p:cNvPr>
+          <p:cNvSpPr/>
+          <p:nvPr/>
+        </p:nvSpPr>
+        <p:spPr>
+          <a:xfrm>
+            <a:off x="24564108" y="16419150"/>
+            <a:ext cx="6400800" cy="2132447"/>
+          </a:xfrm>
+          <a:prstGeom prst="rect">
+            <a:avLst/>
+          </a:prstGeom>
+        </p:spPr>
+        <p:style>
+          <a:lnRef idx="2">
+            <a:schemeClr val="accent1">
+              <a:shade val="15000"/>
+            </a:schemeClr>
+          </a:lnRef>
+          <a:fillRef idx="1">
+            <a:schemeClr val="accent1"/>
+          </a:fillRef>
+          <a:effectRef idx="0">
+            <a:schemeClr val="accent1"/>
+          </a:effectRef>
+          <a:fontRef idx="minor">
+            <a:schemeClr val="lt1"/>
+          </a:fontRef>
+        </p:style>
+        <p:txBody>
+          <a:bodyPr rtlCol="0" anchor="ctr"/>
+          <a:lstStyle/>
+          <a:p>
+            <a:pPr algn="ctr"/>
+            <a:r>
+              <a:rPr lang="en-US" sz="5000" dirty="0"/>
+              <a:t>Server Lobby</a:t>
+            </a:r>
+          </a:p>
+          <a:p>
+            <a:pPr algn="ctr"/>
+            <a:r>
+              <a:rPr lang="en-US" sz="5000" dirty="0"/>
+              <a:t>GRPC</a:t>
+            </a:r>
+          </a:p>
+        </p:txBody>
+      </p:sp>
       <p:sp>
         <p:nvSpPr>
           <p:cNvPr id="28" name="Rectangle 27">
@@ -3721,98 +3944,6 @@
           </a:p>
         </p:txBody>
       </p:sp>
-      <p:cxnSp>
-        <p:nvCxnSpPr>
-          <p:cNvPr id="40" name="Elbow Connector 39">
-            <a:extLst>
-              <a:ext uri="{FF2B5EF4-FFF2-40B4-BE49-F238E27FC236}">
-                <a16:creationId xmlns:a16="http://schemas.microsoft.com/office/drawing/2014/main" id="{58B805CA-24B2-2BFA-5C24-ACF8662D333D}"/>
-              </a:ext>
-            </a:extLst>
-          </p:cNvPr>
-          <p:cNvCxnSpPr>
-            <a:cxnSpLocks/>
-          </p:cNvCxnSpPr>
-          <p:nvPr/>
-        </p:nvCxnSpPr>
-        <p:spPr>
-          <a:xfrm>
-            <a:off x="12302835" y="4018970"/>
-            <a:ext cx="11970330" cy="12700"/>
-          </a:xfrm>
-          <a:prstGeom prst="bentConnector3">
-            <a:avLst>
-              <a:gd name="adj1" fmla="val 50000"/>
-            </a:avLst>
-          </a:prstGeom>
-          <a:ln w="254000">
-            <a:solidFill>
-              <a:schemeClr val="accent6"/>
-            </a:solidFill>
-            <a:tailEnd type="triangle"/>
-          </a:ln>
-        </p:spPr>
-        <p:style>
-          <a:lnRef idx="2">
-            <a:schemeClr val="accent1"/>
-          </a:lnRef>
-          <a:fillRef idx="0">
-            <a:schemeClr val="accent1"/>
-          </a:fillRef>
-          <a:effectRef idx="1">
-            <a:schemeClr val="accent1"/>
-          </a:effectRef>
-          <a:fontRef idx="minor">
-            <a:schemeClr val="tx1"/>
-          </a:fontRef>
-        </p:style>
-      </p:cxnSp>
-      <p:cxnSp>
-        <p:nvCxnSpPr>
-          <p:cNvPr id="47" name="Elbow Connector 46">
-            <a:extLst>
-              <a:ext uri="{FF2B5EF4-FFF2-40B4-BE49-F238E27FC236}">
-                <a16:creationId xmlns:a16="http://schemas.microsoft.com/office/drawing/2014/main" id="{E5A70F23-528E-91D5-B1D1-0DAB49ABAD68}"/>
-              </a:ext>
-            </a:extLst>
-          </p:cNvPr>
-          <p:cNvCxnSpPr>
-            <a:cxnSpLocks/>
-          </p:cNvCxnSpPr>
-          <p:nvPr/>
-        </p:nvCxnSpPr>
-        <p:spPr>
-          <a:xfrm rot="10800000">
-            <a:off x="12302835" y="5304556"/>
-            <a:ext cx="11970330" cy="5501991"/>
-          </a:xfrm>
-          <a:prstGeom prst="bentConnector3">
-            <a:avLst>
-              <a:gd name="adj1" fmla="val 66667"/>
-            </a:avLst>
-          </a:prstGeom>
-          <a:ln w="254000">
-            <a:solidFill>
-              <a:schemeClr val="accent6"/>
-            </a:solidFill>
-            <a:tailEnd type="triangle"/>
-          </a:ln>
-        </p:spPr>
-        <p:style>
-          <a:lnRef idx="2">
-            <a:schemeClr val="accent1"/>
-          </a:lnRef>
-          <a:fillRef idx="0">
-            <a:schemeClr val="accent1"/>
-          </a:fillRef>
-          <a:effectRef idx="1">
-            <a:schemeClr val="accent1"/>
-          </a:effectRef>
-          <a:fontRef idx="minor">
-            <a:schemeClr val="tx1"/>
-          </a:fontRef>
-        </p:style>
-      </p:cxnSp>
       <p:cxnSp>
         <p:nvCxnSpPr>
           <p:cNvPr id="56" name="Elbow Connector 55">
@@ -3831,13 +3962,13 @@
         </p:nvCxnSpPr>
         <p:spPr>
           <a:xfrm rot="10800000" flipH="1">
-            <a:off x="5985164" y="12991521"/>
-            <a:ext cx="3158834" cy="5670551"/>
+            <a:off x="5985163" y="12616950"/>
+            <a:ext cx="3200397" cy="6045121"/>
           </a:xfrm>
           <a:prstGeom prst="bentConnector4">
             <a:avLst>
-              <a:gd name="adj1" fmla="val -29605"/>
-              <a:gd name="adj2" fmla="val 70890"/>
+              <a:gd name="adj1" fmla="val -74224"/>
+              <a:gd name="adj2" fmla="val 69595"/>
             </a:avLst>
           </a:prstGeom>
           <a:ln w="254000">
@@ -3873,177 +4004,18 @@
           </p:cNvPr>
           <p:cNvCxnSpPr>
             <a:cxnSpLocks/>
-            <a:stCxn id="14" idx="0"/>
-            <a:endCxn id="81" idx="2"/>
           </p:cNvCxnSpPr>
           <p:nvPr/>
         </p:nvCxnSpPr>
         <p:spPr>
           <a:xfrm rot="5400000" flipH="1" flipV="1">
-            <a:off x="26937245" y="10562682"/>
-            <a:ext cx="6642168" cy="5070769"/>
-          </a:xfrm>
-          <a:prstGeom prst="bentConnector3">
-            <a:avLst>
-              <a:gd name="adj1" fmla="val 23843"/>
-            </a:avLst>
-          </a:prstGeom>
-          <a:ln w="254000">
-            <a:solidFill>
-              <a:schemeClr val="accent5"/>
-            </a:solidFill>
-            <a:tailEnd type="triangle"/>
-          </a:ln>
-        </p:spPr>
-        <p:style>
-          <a:lnRef idx="2">
-            <a:schemeClr val="accent1"/>
-          </a:lnRef>
-          <a:fillRef idx="0">
-            <a:schemeClr val="accent1"/>
-          </a:fillRef>
-          <a:effectRef idx="1">
-            <a:schemeClr val="accent1"/>
-          </a:effectRef>
-          <a:fontRef idx="minor">
-            <a:schemeClr val="tx1"/>
-          </a:fontRef>
-        </p:style>
-      </p:cxnSp>
-      <p:cxnSp>
-        <p:nvCxnSpPr>
-          <p:cNvPr id="74" name="Elbow Connector 73">
-            <a:extLst>
-              <a:ext uri="{FF2B5EF4-FFF2-40B4-BE49-F238E27FC236}">
-                <a16:creationId xmlns:a16="http://schemas.microsoft.com/office/drawing/2014/main" id="{CBEB643F-714B-AA8B-D41D-3882DC387745}"/>
-              </a:ext>
-            </a:extLst>
-          </p:cNvPr>
-          <p:cNvCxnSpPr>
-            <a:cxnSpLocks/>
-            <a:stCxn id="10" idx="0"/>
-            <a:endCxn id="11" idx="2"/>
-          </p:cNvCxnSpPr>
-          <p:nvPr/>
-        </p:nvCxnSpPr>
-        <p:spPr>
-          <a:xfrm rot="5400000" flipH="1" flipV="1">
-            <a:off x="7472793" y="7914983"/>
-            <a:ext cx="3342410" cy="12700"/>
+            <a:off x="27924562" y="10904522"/>
+            <a:ext cx="6857176" cy="4172080"/>
           </a:xfrm>
           <a:prstGeom prst="bentConnector3">
             <a:avLst>
               <a:gd name="adj1" fmla="val 50000"/>
             </a:avLst>
-          </a:prstGeom>
-          <a:ln w="254000">
-            <a:solidFill>
-              <a:schemeClr val="accent5"/>
-            </a:solidFill>
-            <a:tailEnd type="triangle"/>
-          </a:ln>
-        </p:spPr>
-        <p:style>
-          <a:lnRef idx="2">
-            <a:schemeClr val="accent1"/>
-          </a:lnRef>
-          <a:fillRef idx="0">
-            <a:schemeClr val="accent1"/>
-          </a:fillRef>
-          <a:effectRef idx="1">
-            <a:schemeClr val="accent1"/>
-          </a:effectRef>
-          <a:fontRef idx="minor">
-            <a:schemeClr val="tx1"/>
-          </a:fontRef>
-        </p:style>
-      </p:cxnSp>
-      <p:sp>
-        <p:nvSpPr>
-          <p:cNvPr id="81" name="Rectangle 80">
-            <a:extLst>
-              <a:ext uri="{FF2B5EF4-FFF2-40B4-BE49-F238E27FC236}">
-                <a16:creationId xmlns:a16="http://schemas.microsoft.com/office/drawing/2014/main" id="{DAAD8EEE-4968-9E27-EFC7-9B7EEE2B9C65}"/>
-              </a:ext>
-            </a:extLst>
-          </p:cNvPr>
-          <p:cNvSpPr/>
-          <p:nvPr/>
-        </p:nvSpPr>
-        <p:spPr>
-          <a:xfrm>
-            <a:off x="31546805" y="6562443"/>
-            <a:ext cx="2493818" cy="3214538"/>
-          </a:xfrm>
-          <a:prstGeom prst="rect">
-            <a:avLst/>
-          </a:prstGeom>
-        </p:spPr>
-        <p:style>
-          <a:lnRef idx="2">
-            <a:schemeClr val="accent1">
-              <a:shade val="15000"/>
-            </a:schemeClr>
-          </a:lnRef>
-          <a:fillRef idx="1">
-            <a:schemeClr val="accent1"/>
-          </a:fillRef>
-          <a:effectRef idx="0">
-            <a:schemeClr val="accent1"/>
-          </a:effectRef>
-          <a:fontRef idx="minor">
-            <a:schemeClr val="lt1"/>
-          </a:fontRef>
-        </p:style>
-        <p:txBody>
-          <a:bodyPr rtlCol="0" anchor="ctr"/>
-          <a:lstStyle/>
-          <a:p>
-            <a:pPr algn="ctr"/>
-            <a:r>
-              <a:rPr lang="en-US" sz="5000" dirty="0"/>
-              <a:t>Server</a:t>
-            </a:r>
-          </a:p>
-          <a:p>
-            <a:pPr algn="ctr"/>
-            <a:r>
-              <a:rPr lang="en-US" sz="5000" dirty="0"/>
-              <a:t>Room</a:t>
-            </a:r>
-          </a:p>
-          <a:p>
-            <a:pPr algn="ctr"/>
-            <a:r>
-              <a:rPr lang="en-US" sz="5000" dirty="0"/>
-              <a:t>Main()</a:t>
-            </a:r>
-          </a:p>
-        </p:txBody>
-      </p:sp>
-      <p:cxnSp>
-        <p:nvCxnSpPr>
-          <p:cNvPr id="90" name="Elbow Connector 89">
-            <a:extLst>
-              <a:ext uri="{FF2B5EF4-FFF2-40B4-BE49-F238E27FC236}">
-                <a16:creationId xmlns:a16="http://schemas.microsoft.com/office/drawing/2014/main" id="{0741786E-CF53-B4C0-9068-4B99101C0AB3}"/>
-              </a:ext>
-            </a:extLst>
-          </p:cNvPr>
-          <p:cNvCxnSpPr>
-            <a:cxnSpLocks/>
-            <a:stCxn id="81" idx="0"/>
-            <a:endCxn id="12" idx="3"/>
-          </p:cNvCxnSpPr>
-          <p:nvPr/>
-        </p:nvCxnSpPr>
-        <p:spPr>
-          <a:xfrm rot="16200000" flipV="1">
-            <a:off x="30648600" y="4417329"/>
-            <a:ext cx="2087352" cy="2202876"/>
-          </a:xfrm>
-          <a:prstGeom prst="bentConnector2">
-            <a:avLst/>
           </a:prstGeom>
           <a:ln w="254000">
             <a:solidFill>
@@ -4081,8 +4053,8 @@
         </p:nvSpPr>
         <p:spPr>
           <a:xfrm>
-            <a:off x="24564109" y="18935330"/>
-            <a:ext cx="6317673" cy="2132447"/>
+            <a:off x="24564108" y="18935330"/>
+            <a:ext cx="6400800" cy="2132447"/>
           </a:xfrm>
           <a:prstGeom prst="rect">
             <a:avLst/>
@@ -4120,58 +4092,6 @@
               <a:rPr lang="en-US" sz="5000" dirty="0"/>
               <a:t>Main()</a:t>
             </a:r>
-          </a:p>
-        </p:txBody>
-      </p:sp>
-      <p:sp>
-        <p:nvSpPr>
-          <p:cNvPr id="112" name="Rectangle 111">
-            <a:extLst>
-              <a:ext uri="{FF2B5EF4-FFF2-40B4-BE49-F238E27FC236}">
-                <a16:creationId xmlns:a16="http://schemas.microsoft.com/office/drawing/2014/main" id="{FA57D4A8-8E41-9C8A-A3DE-9324406967EB}"/>
-              </a:ext>
-            </a:extLst>
-          </p:cNvPr>
-          <p:cNvSpPr/>
-          <p:nvPr/>
-        </p:nvSpPr>
-        <p:spPr>
-          <a:xfrm>
-            <a:off x="23317201" y="15739473"/>
-            <a:ext cx="11097491" cy="6007980"/>
-          </a:xfrm>
-          <a:prstGeom prst="rect">
-            <a:avLst/>
-          </a:prstGeom>
-          <a:noFill/>
-          <a:ln w="76200">
-            <a:solidFill>
-              <a:schemeClr val="accent2"/>
-            </a:solidFill>
-          </a:ln>
-        </p:spPr>
-        <p:style>
-          <a:lnRef idx="2">
-            <a:schemeClr val="accent1">
-              <a:shade val="15000"/>
-            </a:schemeClr>
-          </a:lnRef>
-          <a:fillRef idx="1">
-            <a:schemeClr val="accent1"/>
-          </a:fillRef>
-          <a:effectRef idx="0">
-            <a:schemeClr val="accent1"/>
-          </a:effectRef>
-          <a:fontRef idx="minor">
-            <a:schemeClr val="lt1"/>
-          </a:fontRef>
-        </p:style>
-        <p:txBody>
-          <a:bodyPr rtlCol="0" anchor="ctr"/>
-          <a:lstStyle/>
-          <a:p>
-            <a:pPr algn="ctr"/>
-            <a:endParaRPr lang="en-US"/>
           </a:p>
         </p:txBody>
       </p:sp>
@@ -4193,12 +4113,12 @@
         </p:nvCxnSpPr>
         <p:spPr>
           <a:xfrm flipV="1">
-            <a:off x="30881781" y="17485373"/>
+            <a:off x="30964908" y="17485374"/>
             <a:ext cx="12700" cy="2516180"/>
           </a:xfrm>
           <a:prstGeom prst="bentConnector3">
             <a:avLst>
-              <a:gd name="adj1" fmla="val 14890906"/>
+              <a:gd name="adj1" fmla="val 16513039"/>
             </a:avLst>
           </a:prstGeom>
           <a:ln w="254000">
@@ -4223,58 +4143,6 @@
           </a:fontRef>
         </p:style>
       </p:cxnSp>
-      <p:sp>
-        <p:nvSpPr>
-          <p:cNvPr id="134" name="Rectangle 133">
-            <a:extLst>
-              <a:ext uri="{FF2B5EF4-FFF2-40B4-BE49-F238E27FC236}">
-                <a16:creationId xmlns:a16="http://schemas.microsoft.com/office/drawing/2014/main" id="{7B320F0C-7030-499A-BFBE-5FDAA0603164}"/>
-              </a:ext>
-            </a:extLst>
-          </p:cNvPr>
-          <p:cNvSpPr/>
-          <p:nvPr/>
-        </p:nvSpPr>
-        <p:spPr>
-          <a:xfrm>
-            <a:off x="2161311" y="15771517"/>
-            <a:ext cx="11097491" cy="6007979"/>
-          </a:xfrm>
-          <a:prstGeom prst="rect">
-            <a:avLst/>
-          </a:prstGeom>
-          <a:noFill/>
-          <a:ln w="76200">
-            <a:solidFill>
-              <a:schemeClr val="accent2"/>
-            </a:solidFill>
-          </a:ln>
-        </p:spPr>
-        <p:style>
-          <a:lnRef idx="2">
-            <a:schemeClr val="accent1">
-              <a:shade val="15000"/>
-            </a:schemeClr>
-          </a:lnRef>
-          <a:fillRef idx="1">
-            <a:schemeClr val="accent1"/>
-          </a:fillRef>
-          <a:effectRef idx="0">
-            <a:schemeClr val="accent1"/>
-          </a:effectRef>
-          <a:fontRef idx="minor">
-            <a:schemeClr val="lt1"/>
-          </a:fontRef>
-        </p:style>
-        <p:txBody>
-          <a:bodyPr rtlCol="0" anchor="ctr"/>
-          <a:lstStyle/>
-          <a:p>
-            <a:pPr algn="ctr"/>
-            <a:endParaRPr lang="en-US"/>
-          </a:p>
-        </p:txBody>
-      </p:sp>
       <p:sp>
         <p:nvSpPr>
           <p:cNvPr id="140" name="TextBox 139">
@@ -4314,13 +4182,36 @@
               </a:rPr>
               <a:t>ClientPlayer.py</a:t>
             </a:r>
-            <a:endParaRPr lang="en-US" sz="5000" b="1" dirty="0">
-              <a:solidFill>
-                <a:schemeClr val="accent2">
-                  <a:lumMod val="75000"/>
-                </a:schemeClr>
-              </a:solidFill>
-            </a:endParaRPr>
+            <a:r>
+              <a:rPr lang="en-US" sz="5000" b="1" dirty="0">
+                <a:solidFill>
+                  <a:schemeClr val="accent2">
+                    <a:lumMod val="75000"/>
+                  </a:schemeClr>
+                </a:solidFill>
+              </a:rPr>
+              <a:t> (1 per </a:t>
+            </a:r>
+            <a:r>
+              <a:rPr lang="en-US" sz="5000" b="1" dirty="0" err="1">
+                <a:solidFill>
+                  <a:schemeClr val="accent2">
+                    <a:lumMod val="75000"/>
+                  </a:schemeClr>
+                </a:solidFill>
+              </a:rPr>
+              <a:t>ClientGUI</a:t>
+            </a:r>
+            <a:r>
+              <a:rPr lang="en-US" sz="5000" b="1" dirty="0">
+                <a:solidFill>
+                  <a:schemeClr val="accent2">
+                    <a:lumMod val="75000"/>
+                  </a:schemeClr>
+                </a:solidFill>
+              </a:rPr>
+              <a:t>)</a:t>
+            </a:r>
           </a:p>
         </p:txBody>
       </p:sp>
@@ -4363,13 +4254,16 @@
               </a:rPr>
               <a:t>ServerRoom.py</a:t>
             </a:r>
-            <a:endParaRPr lang="en-US" sz="5000" b="1" dirty="0">
-              <a:solidFill>
-                <a:schemeClr val="accent2">
-                  <a:lumMod val="75000"/>
-                </a:schemeClr>
-              </a:solidFill>
-            </a:endParaRPr>
+            <a:r>
+              <a:rPr lang="en-US" sz="5000" b="1" dirty="0">
+                <a:solidFill>
+                  <a:schemeClr val="accent2">
+                    <a:lumMod val="75000"/>
+                  </a:schemeClr>
+                </a:solidFill>
+              </a:rPr>
+              <a:t> (Many Possible)</a:t>
+            </a:r>
           </a:p>
         </p:txBody>
       </p:sp>
@@ -4412,13 +4306,16 @@
               </a:rPr>
               <a:t>ClientGUI.py</a:t>
             </a:r>
-            <a:endParaRPr lang="en-US" sz="5000" b="1" dirty="0">
-              <a:solidFill>
-                <a:schemeClr val="accent2">
-                  <a:lumMod val="75000"/>
-                </a:schemeClr>
-              </a:solidFill>
-            </a:endParaRPr>
+            <a:r>
+              <a:rPr lang="en-US" sz="5000" b="1" dirty="0">
+                <a:solidFill>
+                  <a:schemeClr val="accent2">
+                    <a:lumMod val="75000"/>
+                  </a:schemeClr>
+                </a:solidFill>
+              </a:rPr>
+              <a:t> (Many Possible)</a:t>
+            </a:r>
           </a:p>
         </p:txBody>
       </p:sp>
@@ -4461,64 +4358,19 @@
               </a:rPr>
               <a:t>ServerLobby.py</a:t>
             </a:r>
-            <a:endParaRPr lang="en-US" sz="5000" b="1" dirty="0">
-              <a:solidFill>
-                <a:schemeClr val="accent2">
-                  <a:lumMod val="75000"/>
-                </a:schemeClr>
-              </a:solidFill>
-            </a:endParaRPr>
-          </a:p>
-        </p:txBody>
-      </p:sp>
-      <p:cxnSp>
-        <p:nvCxnSpPr>
-          <p:cNvPr id="151" name="Elbow Connector 150">
-            <a:extLst>
-              <a:ext uri="{FF2B5EF4-FFF2-40B4-BE49-F238E27FC236}">
-                <a16:creationId xmlns:a16="http://schemas.microsoft.com/office/drawing/2014/main" id="{E3612B7D-941B-E696-C794-3A24AD21AFF5}"/>
-              </a:ext>
-            </a:extLst>
-          </p:cNvPr>
-          <p:cNvCxnSpPr>
-            <a:cxnSpLocks/>
-            <a:stCxn id="11" idx="1"/>
-            <a:endCxn id="10" idx="1"/>
-          </p:cNvCxnSpPr>
-          <p:nvPr/>
-        </p:nvCxnSpPr>
-        <p:spPr>
-          <a:xfrm rot="10800000" flipV="1">
-            <a:off x="5985161" y="4541113"/>
-            <a:ext cx="12700" cy="6747741"/>
-          </a:xfrm>
-          <a:prstGeom prst="bentConnector3">
-            <a:avLst>
-              <a:gd name="adj1" fmla="val 25167276"/>
-            </a:avLst>
-          </a:prstGeom>
-          <a:ln w="254000">
-            <a:solidFill>
-              <a:srgbClr val="FF0000"/>
-            </a:solidFill>
-            <a:tailEnd type="triangle"/>
-          </a:ln>
-        </p:spPr>
-        <p:style>
-          <a:lnRef idx="2">
-            <a:schemeClr val="accent1"/>
-          </a:lnRef>
-          <a:fillRef idx="0">
-            <a:schemeClr val="accent1"/>
-          </a:fillRef>
-          <a:effectRef idx="1">
-            <a:schemeClr val="accent1"/>
-          </a:effectRef>
-          <a:fontRef idx="minor">
-            <a:schemeClr val="tx1"/>
-          </a:fontRef>
-        </p:style>
-      </p:cxnSp>
+            <a:r>
+              <a:rPr lang="en-US" sz="5000" b="1" dirty="0">
+                <a:solidFill>
+                  <a:schemeClr val="accent2">
+                    <a:lumMod val="75000"/>
+                  </a:schemeClr>
+                </a:solidFill>
+              </a:rPr>
+              <a:t> (Only 1)</a:t>
+            </a:r>
+          </a:p>
+        </p:txBody>
+      </p:sp>
       <p:sp>
         <p:nvSpPr>
           <p:cNvPr id="174" name="Rectangle 173">
@@ -4635,7 +4487,7 @@
           <a:p>
             <a:r>
               <a:rPr lang="en-US" sz="5000" dirty="0"/>
-              <a:t>Script Boundary</a:t>
+              <a:t>Individual Script</a:t>
             </a:r>
           </a:p>
         </p:txBody>
@@ -4882,8 +4734,8 @@
         </p:nvSpPr>
         <p:spPr>
           <a:xfrm>
-            <a:off x="3790603" y="7325297"/>
-            <a:ext cx="3250275" cy="1417320"/>
+            <a:off x="3410544" y="8849572"/>
+            <a:ext cx="2130661" cy="1417320"/>
           </a:xfrm>
           <a:prstGeom prst="rect">
             <a:avLst/>
@@ -4994,289 +4846,8 @@
           <a:p>
             <a:r>
               <a:rPr lang="en-US" sz="5000" dirty="0"/>
-              <a:t>File Writing (Save Audio)</a:t>
-            </a:r>
-          </a:p>
-        </p:txBody>
-      </p:sp>
-      <p:sp>
-        <p:nvSpPr>
-          <p:cNvPr id="221" name="Bent-Up Arrow 220">
-            <a:extLst>
-              <a:ext uri="{FF2B5EF4-FFF2-40B4-BE49-F238E27FC236}">
-                <a16:creationId xmlns:a16="http://schemas.microsoft.com/office/drawing/2014/main" id="{0F930D79-5E98-CDD9-D5CF-B8EBD680BD59}"/>
-              </a:ext>
-            </a:extLst>
-          </p:cNvPr>
-          <p:cNvSpPr/>
-          <p:nvPr/>
-        </p:nvSpPr>
-        <p:spPr>
-          <a:xfrm rot="10800000">
-            <a:off x="3803300" y="4950263"/>
-            <a:ext cx="2194560" cy="2375034"/>
-          </a:xfrm>
-          <a:prstGeom prst="bentUpArrow">
-            <a:avLst>
-              <a:gd name="adj1" fmla="val 13366"/>
-              <a:gd name="adj2" fmla="val 20385"/>
-              <a:gd name="adj3" fmla="val 35693"/>
-            </a:avLst>
-          </a:prstGeom>
-          <a:solidFill>
-            <a:srgbClr val="0070C0"/>
-          </a:solidFill>
-        </p:spPr>
-        <p:style>
-          <a:lnRef idx="2">
-            <a:schemeClr val="accent1">
-              <a:shade val="15000"/>
-            </a:schemeClr>
-          </a:lnRef>
-          <a:fillRef idx="1">
-            <a:schemeClr val="accent1"/>
-          </a:fillRef>
-          <a:effectRef idx="0">
-            <a:schemeClr val="accent1"/>
-          </a:effectRef>
-          <a:fontRef idx="minor">
-            <a:schemeClr val="lt1"/>
-          </a:fontRef>
-        </p:style>
-        <p:txBody>
-          <a:bodyPr rtlCol="0" anchor="ctr"/>
-          <a:lstStyle/>
-          <a:p>
-            <a:pPr algn="ctr"/>
-            <a:endParaRPr lang="en-US"/>
-          </a:p>
-        </p:txBody>
-      </p:sp>
-      <p:sp>
-        <p:nvSpPr>
-          <p:cNvPr id="222" name="Bent-Up Arrow 221">
-            <a:extLst>
-              <a:ext uri="{FF2B5EF4-FFF2-40B4-BE49-F238E27FC236}">
-                <a16:creationId xmlns:a16="http://schemas.microsoft.com/office/drawing/2014/main" id="{7AF91DB2-8254-3B25-05CB-DFBA088FD7F9}"/>
-              </a:ext>
-            </a:extLst>
-          </p:cNvPr>
-          <p:cNvSpPr/>
-          <p:nvPr/>
-        </p:nvSpPr>
-        <p:spPr>
-          <a:xfrm rot="5400000">
-            <a:off x="4018099" y="8746261"/>
-            <a:ext cx="1970702" cy="1963417"/>
-          </a:xfrm>
-          <a:prstGeom prst="bentUpArrow">
-            <a:avLst>
-              <a:gd name="adj1" fmla="val 15840"/>
-              <a:gd name="adj2" fmla="val 20885"/>
-              <a:gd name="adj3" fmla="val 39013"/>
-            </a:avLst>
-          </a:prstGeom>
-          <a:solidFill>
-            <a:srgbClr val="00B0F0"/>
-          </a:solidFill>
-          <a:ln>
-            <a:solidFill>
-              <a:srgbClr val="00B0F0"/>
-            </a:solidFill>
-          </a:ln>
-        </p:spPr>
-        <p:style>
-          <a:lnRef idx="2">
-            <a:schemeClr val="accent1">
-              <a:shade val="15000"/>
-            </a:schemeClr>
-          </a:lnRef>
-          <a:fillRef idx="1">
-            <a:schemeClr val="accent1"/>
-          </a:fillRef>
-          <a:effectRef idx="0">
-            <a:schemeClr val="accent1"/>
-          </a:effectRef>
-          <a:fontRef idx="minor">
-            <a:schemeClr val="lt1"/>
-          </a:fontRef>
-        </p:style>
-        <p:txBody>
-          <a:bodyPr rtlCol="0" anchor="ctr"/>
-          <a:lstStyle/>
-          <a:p>
-            <a:pPr algn="ctr"/>
-            <a:endParaRPr lang="en-US"/>
-          </a:p>
-        </p:txBody>
-      </p:sp>
-      <p:sp>
-        <p:nvSpPr>
-          <p:cNvPr id="223" name="Rectangle 222">
-            <a:extLst>
-              <a:ext uri="{FF2B5EF4-FFF2-40B4-BE49-F238E27FC236}">
-                <a16:creationId xmlns:a16="http://schemas.microsoft.com/office/drawing/2014/main" id="{90AB5CD2-90D1-65B4-4091-77C373F372F0}"/>
-              </a:ext>
-            </a:extLst>
-          </p:cNvPr>
-          <p:cNvSpPr/>
-          <p:nvPr/>
-        </p:nvSpPr>
-        <p:spPr>
-          <a:xfrm>
-            <a:off x="25291474" y="6562443"/>
-            <a:ext cx="3250275" cy="1715748"/>
-          </a:xfrm>
-          <a:prstGeom prst="rect">
-            <a:avLst/>
-          </a:prstGeom>
-          <a:solidFill>
-            <a:schemeClr val="accent1">
-              <a:lumMod val="60000"/>
-              <a:lumOff val="40000"/>
-            </a:schemeClr>
-          </a:solidFill>
-        </p:spPr>
-        <p:style>
-          <a:lnRef idx="2">
-            <a:schemeClr val="accent1">
-              <a:shade val="15000"/>
-            </a:schemeClr>
-          </a:lnRef>
-          <a:fillRef idx="1">
-            <a:schemeClr val="accent1"/>
-          </a:fillRef>
-          <a:effectRef idx="0">
-            <a:schemeClr val="accent1"/>
-          </a:effectRef>
-          <a:fontRef idx="minor">
-            <a:schemeClr val="lt1"/>
-          </a:fontRef>
-        </p:style>
-        <p:txBody>
-          <a:bodyPr rtlCol="0" anchor="ctr"/>
-          <a:lstStyle/>
-          <a:p>
-            <a:pPr algn="ctr"/>
-            <a:r>
-              <a:rPr lang="en-US" sz="5000" dirty="0"/>
-              <a:t>Music Folder</a:t>
-            </a:r>
-          </a:p>
-        </p:txBody>
-      </p:sp>
-      <p:sp>
-        <p:nvSpPr>
-          <p:cNvPr id="224" name="Bent-Up Arrow 223">
-            <a:extLst>
-              <a:ext uri="{FF2B5EF4-FFF2-40B4-BE49-F238E27FC236}">
-                <a16:creationId xmlns:a16="http://schemas.microsoft.com/office/drawing/2014/main" id="{D8C02949-32AA-5D9E-F412-04399D3EDEE9}"/>
-              </a:ext>
-            </a:extLst>
-          </p:cNvPr>
-          <p:cNvSpPr/>
-          <p:nvPr/>
-        </p:nvSpPr>
-        <p:spPr>
-          <a:xfrm rot="10800000">
-            <a:off x="29497713" y="8016886"/>
-            <a:ext cx="2049087" cy="1760094"/>
-          </a:xfrm>
-          <a:prstGeom prst="bentUpArrow">
-            <a:avLst>
-              <a:gd name="adj1" fmla="val 17025"/>
-              <a:gd name="adj2" fmla="val 20385"/>
-              <a:gd name="adj3" fmla="val 35693"/>
-            </a:avLst>
-          </a:prstGeom>
-          <a:solidFill>
-            <a:schemeClr val="accent5"/>
-          </a:solidFill>
-          <a:ln>
-            <a:solidFill>
-              <a:schemeClr val="accent5"/>
-            </a:solidFill>
-          </a:ln>
-        </p:spPr>
-        <p:style>
-          <a:lnRef idx="2">
-            <a:schemeClr val="accent1">
-              <a:shade val="15000"/>
-            </a:schemeClr>
-          </a:lnRef>
-          <a:fillRef idx="1">
-            <a:schemeClr val="accent1"/>
-          </a:fillRef>
-          <a:effectRef idx="0">
-            <a:schemeClr val="accent1"/>
-          </a:effectRef>
-          <a:fontRef idx="minor">
-            <a:schemeClr val="lt1"/>
-          </a:fontRef>
-        </p:style>
-        <p:txBody>
-          <a:bodyPr rtlCol="0" anchor="ctr"/>
-          <a:lstStyle/>
-          <a:p>
-            <a:pPr algn="ctr"/>
-            <a:endParaRPr lang="en-US"/>
-          </a:p>
-        </p:txBody>
-      </p:sp>
-      <p:sp>
-        <p:nvSpPr>
-          <p:cNvPr id="225" name="Up Arrow 224">
-            <a:extLst>
-              <a:ext uri="{FF2B5EF4-FFF2-40B4-BE49-F238E27FC236}">
-                <a16:creationId xmlns:a16="http://schemas.microsoft.com/office/drawing/2014/main" id="{CD9FD775-9070-A0DA-5B2D-23B52EAE26C0}"/>
-              </a:ext>
-            </a:extLst>
-          </p:cNvPr>
-          <p:cNvSpPr/>
-          <p:nvPr/>
-        </p:nvSpPr>
-        <p:spPr>
-          <a:xfrm>
-            <a:off x="27052901" y="8310233"/>
-            <a:ext cx="751207" cy="1498789"/>
-          </a:xfrm>
-          <a:prstGeom prst="upArrow">
-            <a:avLst>
-              <a:gd name="adj1" fmla="val 37796"/>
-              <a:gd name="adj2" fmla="val 83143"/>
-            </a:avLst>
-          </a:prstGeom>
-          <a:solidFill>
-            <a:srgbClr val="0070C0"/>
-          </a:solidFill>
-          <a:ln>
-            <a:solidFill>
-              <a:srgbClr val="0070C0"/>
-            </a:solidFill>
-          </a:ln>
-        </p:spPr>
-        <p:style>
-          <a:lnRef idx="2">
-            <a:schemeClr val="accent1">
-              <a:shade val="15000"/>
-            </a:schemeClr>
-          </a:lnRef>
-          <a:fillRef idx="1">
-            <a:schemeClr val="accent1"/>
-          </a:fillRef>
-          <a:effectRef idx="0">
-            <a:schemeClr val="accent1"/>
-          </a:effectRef>
-          <a:fontRef idx="minor">
-            <a:schemeClr val="lt1"/>
-          </a:fontRef>
-        </p:style>
-        <p:txBody>
-          <a:bodyPr rtlCol="0" anchor="ctr"/>
-          <a:lstStyle/>
-          <a:p>
-            <a:pPr algn="ctr"/>
-            <a:endParaRPr lang="en-US"/>
+              <a:t>File and Device IO</a:t>
+            </a:r>
           </a:p>
         </p:txBody>
       </p:sp>
@@ -5302,7 +4873,7 @@
           </a:prstGeom>
           <a:ln w="254000">
             <a:solidFill>
-              <a:srgbClr val="00B0F0"/>
+              <a:srgbClr val="FFC000"/>
             </a:solidFill>
           </a:ln>
         </p:spPr>
@@ -5336,7 +4907,7 @@
         <p:spPr>
           <a:xfrm>
             <a:off x="26786894" y="25502966"/>
-            <a:ext cx="7927171" cy="861774"/>
+            <a:ext cx="8950730" cy="861774"/>
           </a:xfrm>
           <a:prstGeom prst="rect">
             <a:avLst/>
@@ -5351,17 +4922,107 @@
           <a:p>
             <a:r>
               <a:rPr lang="en-US" sz="5000" dirty="0"/>
-              <a:t>File Reading (Read Audio)</a:t>
-            </a:r>
-          </a:p>
-        </p:txBody>
-      </p:sp>
-      <p:sp>
-        <p:nvSpPr>
-          <p:cNvPr id="4" name="Up Arrow 3">
+              <a:t>Heartbeat/Init GRPC calls Only</a:t>
+            </a:r>
+          </a:p>
+        </p:txBody>
+      </p:sp>
+      <p:cxnSp>
+        <p:nvCxnSpPr>
+          <p:cNvPr id="31" name="Elbow Connector 30">
             <a:extLst>
               <a:ext uri="{FF2B5EF4-FFF2-40B4-BE49-F238E27FC236}">
-                <a16:creationId xmlns:a16="http://schemas.microsoft.com/office/drawing/2014/main" id="{BC1F298A-E4AA-CFC7-2AC3-5D46CD3838E8}"/>
+                <a16:creationId xmlns:a16="http://schemas.microsoft.com/office/drawing/2014/main" id="{B751E47E-8375-6F41-81B8-56399AED798D}"/>
+              </a:ext>
+            </a:extLst>
+          </p:cNvPr>
+          <p:cNvCxnSpPr>
+            <a:cxnSpLocks/>
+            <a:stCxn id="81" idx="2"/>
+            <a:endCxn id="68" idx="3"/>
+          </p:cNvCxnSpPr>
+          <p:nvPr/>
+        </p:nvCxnSpPr>
+        <p:spPr>
+          <a:xfrm rot="5400000">
+            <a:off x="30827327" y="9324930"/>
+            <a:ext cx="1753252" cy="2179515"/>
+          </a:xfrm>
+          <a:prstGeom prst="bentConnector2">
+            <a:avLst/>
+          </a:prstGeom>
+          <a:ln w="254000">
+            <a:solidFill>
+              <a:schemeClr val="accent5"/>
+            </a:solidFill>
+            <a:tailEnd type="triangle"/>
+          </a:ln>
+        </p:spPr>
+        <p:style>
+          <a:lnRef idx="2">
+            <a:schemeClr val="accent1"/>
+          </a:lnRef>
+          <a:fillRef idx="0">
+            <a:schemeClr val="accent1"/>
+          </a:fillRef>
+          <a:effectRef idx="1">
+            <a:schemeClr val="accent1"/>
+          </a:effectRef>
+          <a:fontRef idx="minor">
+            <a:schemeClr val="tx1"/>
+          </a:fontRef>
+        </p:style>
+      </p:cxnSp>
+      <p:cxnSp>
+        <p:nvCxnSpPr>
+          <p:cNvPr id="27" name="Straight Arrow Connector 26">
+            <a:extLst>
+              <a:ext uri="{FF2B5EF4-FFF2-40B4-BE49-F238E27FC236}">
+                <a16:creationId xmlns:a16="http://schemas.microsoft.com/office/drawing/2014/main" id="{6FDED41D-E0DB-05D3-119A-C2ABF9A1CE9C}"/>
+              </a:ext>
+            </a:extLst>
+          </p:cNvPr>
+          <p:cNvCxnSpPr>
+            <a:cxnSpLocks/>
+          </p:cNvCxnSpPr>
+          <p:nvPr/>
+        </p:nvCxnSpPr>
+        <p:spPr>
+          <a:xfrm flipV="1">
+            <a:off x="8545031" y="8976360"/>
+            <a:ext cx="0" cy="1342094"/>
+          </a:xfrm>
+          <a:prstGeom prst="straightConnector1">
+            <a:avLst/>
+          </a:prstGeom>
+          <a:ln w="254000">
+            <a:solidFill>
+              <a:schemeClr val="accent5"/>
+            </a:solidFill>
+            <a:tailEnd type="triangle"/>
+          </a:ln>
+        </p:spPr>
+        <p:style>
+          <a:lnRef idx="2">
+            <a:schemeClr val="accent1"/>
+          </a:lnRef>
+          <a:fillRef idx="0">
+            <a:schemeClr val="accent1"/>
+          </a:fillRef>
+          <a:effectRef idx="1">
+            <a:schemeClr val="accent1"/>
+          </a:effectRef>
+          <a:fontRef idx="minor">
+            <a:schemeClr val="tx1"/>
+          </a:fontRef>
+        </p:style>
+      </p:cxnSp>
+      <p:sp>
+        <p:nvSpPr>
+          <p:cNvPr id="81" name="Rectangle 80">
+            <a:extLst>
+              <a:ext uri="{FF2B5EF4-FFF2-40B4-BE49-F238E27FC236}">
+                <a16:creationId xmlns:a16="http://schemas.microsoft.com/office/drawing/2014/main" id="{DAAD8EEE-4968-9E27-EFC7-9B7EEE2B9C65}"/>
               </a:ext>
             </a:extLst>
           </p:cNvPr>
@@ -5369,24 +5030,13 @@
           <p:nvPr/>
         </p:nvSpPr>
         <p:spPr>
-          <a:xfrm rot="10800000">
-            <a:off x="25970861" y="8325473"/>
-            <a:ext cx="751207" cy="1498789"/>
-          </a:xfrm>
-          <a:prstGeom prst="upArrow">
-            <a:avLst>
-              <a:gd name="adj1" fmla="val 37796"/>
-              <a:gd name="adj2" fmla="val 83143"/>
-            </a:avLst>
-          </a:prstGeom>
-          <a:solidFill>
-            <a:srgbClr val="00B0F0"/>
-          </a:solidFill>
-          <a:ln>
-            <a:solidFill>
-              <a:srgbClr val="00B0F0"/>
-            </a:solidFill>
-          </a:ln>
+          <a:xfrm>
+            <a:off x="31546801" y="6113867"/>
+            <a:ext cx="2493818" cy="3424194"/>
+          </a:xfrm>
+          <a:prstGeom prst="rect">
+            <a:avLst/>
+          </a:prstGeom>
         </p:spPr>
         <p:style>
           <a:lnRef idx="2">
@@ -5409,10 +5059,835 @@
           <a:lstStyle/>
           <a:p>
             <a:pPr algn="ctr"/>
-            <a:endParaRPr lang="en-US"/>
-          </a:p>
-        </p:txBody>
-      </p:sp>
+            <a:r>
+              <a:rPr lang="en-US" sz="5000" dirty="0"/>
+              <a:t>Server</a:t>
+            </a:r>
+          </a:p>
+          <a:p>
+            <a:pPr algn="ctr"/>
+            <a:r>
+              <a:rPr lang="en-US" sz="5000" dirty="0"/>
+              <a:t>Room</a:t>
+            </a:r>
+          </a:p>
+          <a:p>
+            <a:pPr algn="ctr"/>
+            <a:r>
+              <a:rPr lang="en-US" sz="5000" dirty="0"/>
+              <a:t>Main()</a:t>
+            </a:r>
+          </a:p>
+        </p:txBody>
+      </p:sp>
+      <p:sp>
+        <p:nvSpPr>
+          <p:cNvPr id="61" name="Rectangle 60">
+            <a:extLst>
+              <a:ext uri="{FF2B5EF4-FFF2-40B4-BE49-F238E27FC236}">
+                <a16:creationId xmlns:a16="http://schemas.microsoft.com/office/drawing/2014/main" id="{2A4BABE1-5A72-4918-B729-6F2FDFB45A5B}"/>
+              </a:ext>
+            </a:extLst>
+          </p:cNvPr>
+          <p:cNvSpPr/>
+          <p:nvPr/>
+        </p:nvSpPr>
+        <p:spPr>
+          <a:xfrm>
+            <a:off x="5949908" y="2843987"/>
+            <a:ext cx="6400800" cy="2286000"/>
+          </a:xfrm>
+          <a:prstGeom prst="rect">
+            <a:avLst/>
+          </a:prstGeom>
+        </p:spPr>
+        <p:style>
+          <a:lnRef idx="2">
+            <a:schemeClr val="accent1">
+              <a:shade val="15000"/>
+            </a:schemeClr>
+          </a:lnRef>
+          <a:fillRef idx="1">
+            <a:schemeClr val="accent1"/>
+          </a:fillRef>
+          <a:effectRef idx="0">
+            <a:schemeClr val="accent1"/>
+          </a:effectRef>
+          <a:fontRef idx="minor">
+            <a:schemeClr val="lt1"/>
+          </a:fontRef>
+        </p:style>
+        <p:txBody>
+          <a:bodyPr rtlCol="0" anchor="ctr"/>
+          <a:lstStyle/>
+          <a:p>
+            <a:pPr algn="ctr"/>
+            <a:r>
+              <a:rPr lang="en-US" sz="5000" dirty="0" err="1"/>
+              <a:t>TimeSync</a:t>
+            </a:r>
+            <a:r>
+              <a:rPr lang="en-US" sz="5000" dirty="0"/>
+              <a:t> Thread</a:t>
+            </a:r>
+          </a:p>
+        </p:txBody>
+      </p:sp>
+      <p:sp>
+        <p:nvSpPr>
+          <p:cNvPr id="68" name="Rectangle 67">
+            <a:extLst>
+              <a:ext uri="{FF2B5EF4-FFF2-40B4-BE49-F238E27FC236}">
+                <a16:creationId xmlns:a16="http://schemas.microsoft.com/office/drawing/2014/main" id="{C385FD96-02B1-0C45-BD95-A0056935495F}"/>
+              </a:ext>
+            </a:extLst>
+          </p:cNvPr>
+          <p:cNvSpPr/>
+          <p:nvPr/>
+        </p:nvSpPr>
+        <p:spPr>
+          <a:xfrm>
+            <a:off x="24213395" y="10148313"/>
+            <a:ext cx="6400800" cy="2286000"/>
+          </a:xfrm>
+          <a:prstGeom prst="rect">
+            <a:avLst/>
+          </a:prstGeom>
+        </p:spPr>
+        <p:style>
+          <a:lnRef idx="2">
+            <a:schemeClr val="accent1">
+              <a:shade val="15000"/>
+            </a:schemeClr>
+          </a:lnRef>
+          <a:fillRef idx="1">
+            <a:schemeClr val="accent1"/>
+          </a:fillRef>
+          <a:effectRef idx="0">
+            <a:schemeClr val="accent1"/>
+          </a:effectRef>
+          <a:fontRef idx="minor">
+            <a:schemeClr val="lt1"/>
+          </a:fontRef>
+        </p:style>
+        <p:txBody>
+          <a:bodyPr rtlCol="0" anchor="ctr"/>
+          <a:lstStyle/>
+          <a:p>
+            <a:pPr algn="ctr"/>
+            <a:r>
+              <a:rPr lang="en-US" sz="5000" dirty="0"/>
+              <a:t>Server Room GRPC</a:t>
+            </a:r>
+          </a:p>
+        </p:txBody>
+      </p:sp>
+      <p:sp>
+        <p:nvSpPr>
+          <p:cNvPr id="69" name="Rectangle 68">
+            <a:extLst>
+              <a:ext uri="{FF2B5EF4-FFF2-40B4-BE49-F238E27FC236}">
+                <a16:creationId xmlns:a16="http://schemas.microsoft.com/office/drawing/2014/main" id="{DBF9EA18-C935-04EE-322C-3F55D4A87284}"/>
+              </a:ext>
+            </a:extLst>
+          </p:cNvPr>
+          <p:cNvSpPr/>
+          <p:nvPr/>
+        </p:nvSpPr>
+        <p:spPr>
+          <a:xfrm>
+            <a:off x="24202657" y="6679759"/>
+            <a:ext cx="6400800" cy="2286000"/>
+          </a:xfrm>
+          <a:prstGeom prst="rect">
+            <a:avLst/>
+          </a:prstGeom>
+        </p:spPr>
+        <p:style>
+          <a:lnRef idx="2">
+            <a:schemeClr val="accent1">
+              <a:shade val="15000"/>
+            </a:schemeClr>
+          </a:lnRef>
+          <a:fillRef idx="1">
+            <a:schemeClr val="accent1"/>
+          </a:fillRef>
+          <a:effectRef idx="0">
+            <a:schemeClr val="accent1"/>
+          </a:effectRef>
+          <a:fontRef idx="minor">
+            <a:schemeClr val="lt1"/>
+          </a:fontRef>
+        </p:style>
+        <p:txBody>
+          <a:bodyPr rtlCol="0" anchor="ctr"/>
+          <a:lstStyle/>
+          <a:p>
+            <a:pPr algn="ctr"/>
+            <a:r>
+              <a:rPr lang="en-US" sz="5000" dirty="0"/>
+              <a:t>Music Manager Thread</a:t>
+            </a:r>
+          </a:p>
+        </p:txBody>
+      </p:sp>
+      <p:sp>
+        <p:nvSpPr>
+          <p:cNvPr id="70" name="Rectangle 69">
+            <a:extLst>
+              <a:ext uri="{FF2B5EF4-FFF2-40B4-BE49-F238E27FC236}">
+                <a16:creationId xmlns:a16="http://schemas.microsoft.com/office/drawing/2014/main" id="{C8BD0F85-022F-4004-B5FD-21631CAB2D9F}"/>
+              </a:ext>
+            </a:extLst>
+          </p:cNvPr>
+          <p:cNvSpPr/>
+          <p:nvPr/>
+        </p:nvSpPr>
+        <p:spPr>
+          <a:xfrm>
+            <a:off x="24237911" y="2844444"/>
+            <a:ext cx="6400800" cy="2286000"/>
+          </a:xfrm>
+          <a:prstGeom prst="rect">
+            <a:avLst/>
+          </a:prstGeom>
+        </p:spPr>
+        <p:style>
+          <a:lnRef idx="2">
+            <a:schemeClr val="accent1">
+              <a:shade val="15000"/>
+            </a:schemeClr>
+          </a:lnRef>
+          <a:fillRef idx="1">
+            <a:schemeClr val="accent1"/>
+          </a:fillRef>
+          <a:effectRef idx="0">
+            <a:schemeClr val="accent1"/>
+          </a:effectRef>
+          <a:fontRef idx="minor">
+            <a:schemeClr val="lt1"/>
+          </a:fontRef>
+        </p:style>
+        <p:txBody>
+          <a:bodyPr rtlCol="0" anchor="ctr"/>
+          <a:lstStyle/>
+          <a:p>
+            <a:pPr algn="ctr"/>
+            <a:r>
+              <a:rPr lang="en-US" sz="5000" dirty="0" err="1"/>
+              <a:t>TimeSync</a:t>
+            </a:r>
+            <a:r>
+              <a:rPr lang="en-US" sz="5000" dirty="0"/>
+              <a:t> GRPC</a:t>
+            </a:r>
+          </a:p>
+        </p:txBody>
+      </p:sp>
+      <p:cxnSp>
+        <p:nvCxnSpPr>
+          <p:cNvPr id="77" name="Straight Arrow Connector 76">
+            <a:extLst>
+              <a:ext uri="{FF2B5EF4-FFF2-40B4-BE49-F238E27FC236}">
+                <a16:creationId xmlns:a16="http://schemas.microsoft.com/office/drawing/2014/main" id="{EB1EECBC-64D9-BBD6-848A-97B641042140}"/>
+              </a:ext>
+            </a:extLst>
+          </p:cNvPr>
+          <p:cNvCxnSpPr>
+            <a:cxnSpLocks/>
+            <a:stCxn id="11" idx="0"/>
+            <a:endCxn id="61" idx="2"/>
+          </p:cNvCxnSpPr>
+          <p:nvPr/>
+        </p:nvCxnSpPr>
+        <p:spPr>
+          <a:xfrm flipV="1">
+            <a:off x="9150308" y="5129987"/>
+            <a:ext cx="0" cy="1560373"/>
+          </a:xfrm>
+          <a:prstGeom prst="straightConnector1">
+            <a:avLst/>
+          </a:prstGeom>
+          <a:ln w="254000">
+            <a:solidFill>
+              <a:schemeClr val="accent5"/>
+            </a:solidFill>
+            <a:tailEnd type="triangle"/>
+          </a:ln>
+        </p:spPr>
+        <p:style>
+          <a:lnRef idx="2">
+            <a:schemeClr val="accent1"/>
+          </a:lnRef>
+          <a:fillRef idx="0">
+            <a:schemeClr val="accent1"/>
+          </a:fillRef>
+          <a:effectRef idx="1">
+            <a:schemeClr val="accent1"/>
+          </a:effectRef>
+          <a:fontRef idx="minor">
+            <a:schemeClr val="tx1"/>
+          </a:fontRef>
+        </p:style>
+      </p:cxnSp>
+      <p:cxnSp>
+        <p:nvCxnSpPr>
+          <p:cNvPr id="82" name="Straight Arrow Connector 81">
+            <a:extLst>
+              <a:ext uri="{FF2B5EF4-FFF2-40B4-BE49-F238E27FC236}">
+                <a16:creationId xmlns:a16="http://schemas.microsoft.com/office/drawing/2014/main" id="{D4AC3635-28C3-5055-B3AB-6ED06F772970}"/>
+              </a:ext>
+            </a:extLst>
+          </p:cNvPr>
+          <p:cNvCxnSpPr>
+            <a:cxnSpLocks/>
+          </p:cNvCxnSpPr>
+          <p:nvPr/>
+        </p:nvCxnSpPr>
+        <p:spPr>
+          <a:xfrm flipH="1" flipV="1">
+            <a:off x="28268427" y="8965759"/>
+            <a:ext cx="10738" cy="1182554"/>
+          </a:xfrm>
+          <a:prstGeom prst="straightConnector1">
+            <a:avLst/>
+          </a:prstGeom>
+          <a:ln w="254000">
+            <a:solidFill>
+              <a:schemeClr val="accent5"/>
+            </a:solidFill>
+            <a:tailEnd type="triangle"/>
+          </a:ln>
+        </p:spPr>
+        <p:style>
+          <a:lnRef idx="2">
+            <a:schemeClr val="accent1"/>
+          </a:lnRef>
+          <a:fillRef idx="0">
+            <a:schemeClr val="accent1"/>
+          </a:fillRef>
+          <a:effectRef idx="1">
+            <a:schemeClr val="accent1"/>
+          </a:effectRef>
+          <a:fontRef idx="minor">
+            <a:schemeClr val="tx1"/>
+          </a:fontRef>
+        </p:style>
+      </p:cxnSp>
+      <p:cxnSp>
+        <p:nvCxnSpPr>
+          <p:cNvPr id="87" name="Elbow Connector 86">
+            <a:extLst>
+              <a:ext uri="{FF2B5EF4-FFF2-40B4-BE49-F238E27FC236}">
+                <a16:creationId xmlns:a16="http://schemas.microsoft.com/office/drawing/2014/main" id="{13EA51FC-6BC7-DC9A-0EEB-3A70B3B4C54F}"/>
+              </a:ext>
+            </a:extLst>
+          </p:cNvPr>
+          <p:cNvCxnSpPr>
+            <a:cxnSpLocks/>
+            <a:stCxn id="81" idx="0"/>
+          </p:cNvCxnSpPr>
+          <p:nvPr/>
+        </p:nvCxnSpPr>
+        <p:spPr>
+          <a:xfrm rot="16200000" flipV="1">
+            <a:off x="30999306" y="4319463"/>
+            <a:ext cx="1433806" cy="2155002"/>
+          </a:xfrm>
+          <a:prstGeom prst="bentConnector2">
+            <a:avLst/>
+          </a:prstGeom>
+          <a:ln w="254000">
+            <a:solidFill>
+              <a:schemeClr val="accent5"/>
+            </a:solidFill>
+            <a:tailEnd type="triangle"/>
+          </a:ln>
+        </p:spPr>
+        <p:style>
+          <a:lnRef idx="2">
+            <a:schemeClr val="accent1"/>
+          </a:lnRef>
+          <a:fillRef idx="0">
+            <a:schemeClr val="accent1"/>
+          </a:fillRef>
+          <a:effectRef idx="1">
+            <a:schemeClr val="accent1"/>
+          </a:effectRef>
+          <a:fontRef idx="minor">
+            <a:schemeClr val="tx1"/>
+          </a:fontRef>
+        </p:style>
+      </p:cxnSp>
+      <p:cxnSp>
+        <p:nvCxnSpPr>
+          <p:cNvPr id="110" name="Straight Arrow Connector 109">
+            <a:extLst>
+              <a:ext uri="{FF2B5EF4-FFF2-40B4-BE49-F238E27FC236}">
+                <a16:creationId xmlns:a16="http://schemas.microsoft.com/office/drawing/2014/main" id="{F6B231E6-B1F0-8D0B-94E9-3889F0A4A8ED}"/>
+              </a:ext>
+            </a:extLst>
+          </p:cNvPr>
+          <p:cNvCxnSpPr>
+            <a:cxnSpLocks/>
+          </p:cNvCxnSpPr>
+          <p:nvPr/>
+        </p:nvCxnSpPr>
+        <p:spPr>
+          <a:xfrm flipH="1" flipV="1">
+            <a:off x="26212414" y="8988855"/>
+            <a:ext cx="10738" cy="1182554"/>
+          </a:xfrm>
+          <a:prstGeom prst="straightConnector1">
+            <a:avLst/>
+          </a:prstGeom>
+          <a:ln w="254000">
+            <a:solidFill>
+              <a:srgbClr val="FF0000"/>
+            </a:solidFill>
+            <a:tailEnd type="triangle"/>
+          </a:ln>
+        </p:spPr>
+        <p:style>
+          <a:lnRef idx="2">
+            <a:schemeClr val="accent1"/>
+          </a:lnRef>
+          <a:fillRef idx="0">
+            <a:schemeClr val="accent1"/>
+          </a:fillRef>
+          <a:effectRef idx="1">
+            <a:schemeClr val="accent1"/>
+          </a:effectRef>
+          <a:fontRef idx="minor">
+            <a:schemeClr val="tx1"/>
+          </a:fontRef>
+        </p:style>
+      </p:cxnSp>
+      <p:cxnSp>
+        <p:nvCxnSpPr>
+          <p:cNvPr id="114" name="Elbow Connector 113">
+            <a:extLst>
+              <a:ext uri="{FF2B5EF4-FFF2-40B4-BE49-F238E27FC236}">
+                <a16:creationId xmlns:a16="http://schemas.microsoft.com/office/drawing/2014/main" id="{8317BFCB-3B70-34AB-6DF6-F2248AB58C8C}"/>
+              </a:ext>
+            </a:extLst>
+          </p:cNvPr>
+          <p:cNvCxnSpPr>
+            <a:cxnSpLocks/>
+          </p:cNvCxnSpPr>
+          <p:nvPr/>
+        </p:nvCxnSpPr>
+        <p:spPr>
+          <a:xfrm rot="10800000" flipH="1" flipV="1">
+            <a:off x="5949907" y="4625788"/>
+            <a:ext cx="35253" cy="7486962"/>
+          </a:xfrm>
+          <a:prstGeom prst="bentConnector3">
+            <a:avLst>
+              <a:gd name="adj1" fmla="val -8993796"/>
+            </a:avLst>
+          </a:prstGeom>
+          <a:ln w="254000">
+            <a:solidFill>
+              <a:srgbClr val="FF0000"/>
+            </a:solidFill>
+            <a:tailEnd type="triangle"/>
+          </a:ln>
+        </p:spPr>
+        <p:style>
+          <a:lnRef idx="2">
+            <a:schemeClr val="accent1"/>
+          </a:lnRef>
+          <a:fillRef idx="0">
+            <a:schemeClr val="accent1"/>
+          </a:fillRef>
+          <a:effectRef idx="1">
+            <a:schemeClr val="accent1"/>
+          </a:effectRef>
+          <a:fontRef idx="minor">
+            <a:schemeClr val="tx1"/>
+          </a:fontRef>
+        </p:style>
+      </p:cxnSp>
+      <p:cxnSp>
+        <p:nvCxnSpPr>
+          <p:cNvPr id="121" name="Straight Arrow Connector 120">
+            <a:extLst>
+              <a:ext uri="{FF2B5EF4-FFF2-40B4-BE49-F238E27FC236}">
+                <a16:creationId xmlns:a16="http://schemas.microsoft.com/office/drawing/2014/main" id="{082656DB-8F03-EF1C-4B99-F5935BD7A83C}"/>
+              </a:ext>
+            </a:extLst>
+          </p:cNvPr>
+          <p:cNvCxnSpPr>
+            <a:cxnSpLocks/>
+          </p:cNvCxnSpPr>
+          <p:nvPr/>
+        </p:nvCxnSpPr>
+        <p:spPr>
+          <a:xfrm>
+            <a:off x="10187184" y="8988855"/>
+            <a:ext cx="0" cy="1342093"/>
+          </a:xfrm>
+          <a:prstGeom prst="straightConnector1">
+            <a:avLst/>
+          </a:prstGeom>
+          <a:ln w="254000">
+            <a:solidFill>
+              <a:srgbClr val="FF0000"/>
+            </a:solidFill>
+            <a:tailEnd type="triangle"/>
+          </a:ln>
+        </p:spPr>
+        <p:style>
+          <a:lnRef idx="2">
+            <a:schemeClr val="accent1"/>
+          </a:lnRef>
+          <a:fillRef idx="0">
+            <a:schemeClr val="accent1"/>
+          </a:fillRef>
+          <a:effectRef idx="1">
+            <a:schemeClr val="accent1"/>
+          </a:effectRef>
+          <a:fontRef idx="minor">
+            <a:schemeClr val="tx1"/>
+          </a:fontRef>
+        </p:style>
+      </p:cxnSp>
+      <p:cxnSp>
+        <p:nvCxnSpPr>
+          <p:cNvPr id="147" name="Elbow Connector 146">
+            <a:extLst>
+              <a:ext uri="{FF2B5EF4-FFF2-40B4-BE49-F238E27FC236}">
+                <a16:creationId xmlns:a16="http://schemas.microsoft.com/office/drawing/2014/main" id="{2C7B1404-D73D-5DD1-3005-74C1EF50B263}"/>
+              </a:ext>
+            </a:extLst>
+          </p:cNvPr>
+          <p:cNvCxnSpPr>
+            <a:cxnSpLocks/>
+            <a:stCxn id="189" idx="2"/>
+          </p:cNvCxnSpPr>
+          <p:nvPr/>
+        </p:nvCxnSpPr>
+        <p:spPr>
+          <a:xfrm rot="16200000" flipH="1">
+            <a:off x="4884041" y="9858726"/>
+            <a:ext cx="689807" cy="1506138"/>
+          </a:xfrm>
+          <a:prstGeom prst="bentConnector2">
+            <a:avLst/>
+          </a:prstGeom>
+          <a:ln w="254000">
+            <a:solidFill>
+              <a:srgbClr val="0070C0"/>
+            </a:solidFill>
+            <a:tailEnd type="triangle"/>
+          </a:ln>
+        </p:spPr>
+        <p:style>
+          <a:lnRef idx="2">
+            <a:schemeClr val="accent1"/>
+          </a:lnRef>
+          <a:fillRef idx="0">
+            <a:schemeClr val="accent1"/>
+          </a:fillRef>
+          <a:effectRef idx="1">
+            <a:schemeClr val="accent1"/>
+          </a:effectRef>
+          <a:fontRef idx="minor">
+            <a:schemeClr val="tx1"/>
+          </a:fontRef>
+        </p:style>
+      </p:cxnSp>
+      <p:cxnSp>
+        <p:nvCxnSpPr>
+          <p:cNvPr id="155" name="Elbow Connector 154">
+            <a:extLst>
+              <a:ext uri="{FF2B5EF4-FFF2-40B4-BE49-F238E27FC236}">
+                <a16:creationId xmlns:a16="http://schemas.microsoft.com/office/drawing/2014/main" id="{A1383D00-E15D-0650-1045-882B20CDBE41}"/>
+              </a:ext>
+            </a:extLst>
+          </p:cNvPr>
+          <p:cNvCxnSpPr>
+            <a:cxnSpLocks/>
+            <a:stCxn id="11" idx="1"/>
+            <a:endCxn id="189" idx="0"/>
+          </p:cNvCxnSpPr>
+          <p:nvPr/>
+        </p:nvCxnSpPr>
+        <p:spPr>
+          <a:xfrm rot="10800000" flipV="1">
+            <a:off x="4475876" y="7833360"/>
+            <a:ext cx="1474033" cy="1016212"/>
+          </a:xfrm>
+          <a:prstGeom prst="bentConnector2">
+            <a:avLst/>
+          </a:prstGeom>
+          <a:ln w="254000">
+            <a:solidFill>
+              <a:srgbClr val="0070C0"/>
+            </a:solidFill>
+            <a:tailEnd type="triangle"/>
+          </a:ln>
+        </p:spPr>
+        <p:style>
+          <a:lnRef idx="2">
+            <a:schemeClr val="accent1"/>
+          </a:lnRef>
+          <a:fillRef idx="0">
+            <a:schemeClr val="accent1"/>
+          </a:fillRef>
+          <a:effectRef idx="1">
+            <a:schemeClr val="accent1"/>
+          </a:effectRef>
+          <a:fontRef idx="minor">
+            <a:schemeClr val="tx1"/>
+          </a:fontRef>
+        </p:style>
+      </p:cxnSp>
+      <p:sp>
+        <p:nvSpPr>
+          <p:cNvPr id="166" name="Snip Diagonal Corner Rectangle 165">
+            <a:extLst>
+              <a:ext uri="{FF2B5EF4-FFF2-40B4-BE49-F238E27FC236}">
+                <a16:creationId xmlns:a16="http://schemas.microsoft.com/office/drawing/2014/main" id="{ECC68AD4-2E94-4E9D-00D0-B7D3C92CCD7D}"/>
+              </a:ext>
+            </a:extLst>
+          </p:cNvPr>
+          <p:cNvSpPr/>
+          <p:nvPr/>
+        </p:nvSpPr>
+        <p:spPr>
+          <a:xfrm>
+            <a:off x="2173927" y="2312552"/>
+            <a:ext cx="2397034" cy="1643681"/>
+          </a:xfrm>
+          <a:prstGeom prst="snip2DiagRect">
+            <a:avLst/>
+          </a:prstGeom>
+          <a:solidFill>
+            <a:schemeClr val="accent1">
+              <a:lumMod val="60000"/>
+              <a:lumOff val="40000"/>
+            </a:schemeClr>
+          </a:solidFill>
+        </p:spPr>
+        <p:style>
+          <a:lnRef idx="2">
+            <a:schemeClr val="accent1">
+              <a:shade val="15000"/>
+            </a:schemeClr>
+          </a:lnRef>
+          <a:fillRef idx="1">
+            <a:schemeClr val="accent1"/>
+          </a:fillRef>
+          <a:effectRef idx="0">
+            <a:schemeClr val="accent1"/>
+          </a:effectRef>
+          <a:fontRef idx="minor">
+            <a:schemeClr val="lt1"/>
+          </a:fontRef>
+        </p:style>
+        <p:txBody>
+          <a:bodyPr rtlCol="0" anchor="ctr"/>
+          <a:lstStyle/>
+          <a:p>
+            <a:pPr algn="ctr"/>
+            <a:r>
+              <a:rPr lang="en-US" sz="5000" dirty="0"/>
+              <a:t>Device Clock</a:t>
+            </a:r>
+          </a:p>
+        </p:txBody>
+      </p:sp>
+      <p:cxnSp>
+        <p:nvCxnSpPr>
+          <p:cNvPr id="168" name="Straight Arrow Connector 167">
+            <a:extLst>
+              <a:ext uri="{FF2B5EF4-FFF2-40B4-BE49-F238E27FC236}">
+                <a16:creationId xmlns:a16="http://schemas.microsoft.com/office/drawing/2014/main" id="{0F7E759E-0509-762F-4FA1-74A57ED418FF}"/>
+              </a:ext>
+            </a:extLst>
+          </p:cNvPr>
+          <p:cNvCxnSpPr>
+            <a:cxnSpLocks/>
+          </p:cNvCxnSpPr>
+          <p:nvPr/>
+        </p:nvCxnSpPr>
+        <p:spPr>
+          <a:xfrm flipV="1">
+            <a:off x="4539471" y="3423286"/>
+            <a:ext cx="1378945" cy="1"/>
+          </a:xfrm>
+          <a:prstGeom prst="straightConnector1">
+            <a:avLst/>
+          </a:prstGeom>
+          <a:ln w="254000">
+            <a:solidFill>
+              <a:srgbClr val="0070C0"/>
+            </a:solidFill>
+            <a:tailEnd type="triangle"/>
+          </a:ln>
+        </p:spPr>
+        <p:style>
+          <a:lnRef idx="2">
+            <a:schemeClr val="accent1"/>
+          </a:lnRef>
+          <a:fillRef idx="0">
+            <a:schemeClr val="accent1"/>
+          </a:fillRef>
+          <a:effectRef idx="1">
+            <a:schemeClr val="accent1"/>
+          </a:effectRef>
+          <a:fontRef idx="minor">
+            <a:schemeClr val="tx1"/>
+          </a:fontRef>
+        </p:style>
+      </p:cxnSp>
+      <p:sp>
+        <p:nvSpPr>
+          <p:cNvPr id="169" name="Snip Diagonal Corner Rectangle 168">
+            <a:extLst>
+              <a:ext uri="{FF2B5EF4-FFF2-40B4-BE49-F238E27FC236}">
+                <a16:creationId xmlns:a16="http://schemas.microsoft.com/office/drawing/2014/main" id="{94D4E3B2-C9BE-B3BD-17AA-F5DE72A43EEE}"/>
+              </a:ext>
+            </a:extLst>
+          </p:cNvPr>
+          <p:cNvSpPr/>
+          <p:nvPr/>
+        </p:nvSpPr>
+        <p:spPr>
+          <a:xfrm>
+            <a:off x="31975910" y="2322088"/>
+            <a:ext cx="2397034" cy="1643681"/>
+          </a:xfrm>
+          <a:prstGeom prst="snip2DiagRect">
+            <a:avLst/>
+          </a:prstGeom>
+          <a:solidFill>
+            <a:schemeClr val="accent1">
+              <a:lumMod val="60000"/>
+              <a:lumOff val="40000"/>
+            </a:schemeClr>
+          </a:solidFill>
+        </p:spPr>
+        <p:style>
+          <a:lnRef idx="2">
+            <a:schemeClr val="accent1">
+              <a:shade val="15000"/>
+            </a:schemeClr>
+          </a:lnRef>
+          <a:fillRef idx="1">
+            <a:schemeClr val="accent1"/>
+          </a:fillRef>
+          <a:effectRef idx="0">
+            <a:schemeClr val="accent1"/>
+          </a:effectRef>
+          <a:fontRef idx="minor">
+            <a:schemeClr val="lt1"/>
+          </a:fontRef>
+        </p:style>
+        <p:txBody>
+          <a:bodyPr rtlCol="0" anchor="ctr"/>
+          <a:lstStyle/>
+          <a:p>
+            <a:pPr algn="ctr"/>
+            <a:r>
+              <a:rPr lang="en-US" sz="5000" dirty="0"/>
+              <a:t>Device Clock</a:t>
+            </a:r>
+          </a:p>
+        </p:txBody>
+      </p:sp>
+      <p:cxnSp>
+        <p:nvCxnSpPr>
+          <p:cNvPr id="170" name="Straight Arrow Connector 169">
+            <a:extLst>
+              <a:ext uri="{FF2B5EF4-FFF2-40B4-BE49-F238E27FC236}">
+                <a16:creationId xmlns:a16="http://schemas.microsoft.com/office/drawing/2014/main" id="{F15100EB-8E89-50B9-FE90-17BA79CD1D7D}"/>
+              </a:ext>
+            </a:extLst>
+          </p:cNvPr>
+          <p:cNvCxnSpPr>
+            <a:cxnSpLocks/>
+          </p:cNvCxnSpPr>
+          <p:nvPr/>
+        </p:nvCxnSpPr>
+        <p:spPr>
+          <a:xfrm flipH="1" flipV="1">
+            <a:off x="30596965" y="3284841"/>
+            <a:ext cx="1378945" cy="1"/>
+          </a:xfrm>
+          <a:prstGeom prst="straightConnector1">
+            <a:avLst/>
+          </a:prstGeom>
+          <a:ln w="254000">
+            <a:solidFill>
+              <a:srgbClr val="0070C0"/>
+            </a:solidFill>
+            <a:tailEnd type="triangle"/>
+          </a:ln>
+        </p:spPr>
+        <p:style>
+          <a:lnRef idx="2">
+            <a:schemeClr val="accent1"/>
+          </a:lnRef>
+          <a:fillRef idx="0">
+            <a:schemeClr val="accent1"/>
+          </a:fillRef>
+          <a:effectRef idx="1">
+            <a:schemeClr val="accent1"/>
+          </a:effectRef>
+          <a:fontRef idx="minor">
+            <a:schemeClr val="tx1"/>
+          </a:fontRef>
+        </p:style>
+      </p:cxnSp>
+      <p:cxnSp>
+        <p:nvCxnSpPr>
+          <p:cNvPr id="215" name="Elbow Connector 214">
+            <a:extLst>
+              <a:ext uri="{FF2B5EF4-FFF2-40B4-BE49-F238E27FC236}">
+                <a16:creationId xmlns:a16="http://schemas.microsoft.com/office/drawing/2014/main" id="{5D89B481-67B5-3D20-50BC-D24537585EFC}"/>
+              </a:ext>
+            </a:extLst>
+          </p:cNvPr>
+          <p:cNvCxnSpPr>
+            <a:cxnSpLocks/>
+            <a:endCxn id="68" idx="1"/>
+          </p:cNvCxnSpPr>
+          <p:nvPr/>
+        </p:nvCxnSpPr>
+        <p:spPr>
+          <a:xfrm>
+            <a:off x="19296860" y="7341157"/>
+            <a:ext cx="4916535" cy="3950156"/>
+          </a:xfrm>
+          <a:prstGeom prst="bentConnector3">
+            <a:avLst>
+              <a:gd name="adj1" fmla="val 29170"/>
+            </a:avLst>
+          </a:prstGeom>
+          <a:ln w="254000">
+            <a:solidFill>
+              <a:schemeClr val="accent6"/>
+            </a:solidFill>
+          </a:ln>
+        </p:spPr>
+        <p:style>
+          <a:lnRef idx="2">
+            <a:schemeClr val="accent1"/>
+          </a:lnRef>
+          <a:fillRef idx="0">
+            <a:schemeClr val="accent1"/>
+          </a:fillRef>
+          <a:effectRef idx="1">
+            <a:schemeClr val="accent1"/>
+          </a:effectRef>
+          <a:fontRef idx="minor">
+            <a:schemeClr val="tx1"/>
+          </a:fontRef>
+        </p:style>
+      </p:cxnSp>
     </p:spTree>
     <p:extLst>
       <p:ext uri="{BB962C8B-B14F-4D97-AF65-F5344CB8AC3E}">

--- a/Figures.pptx
+++ b/Figures.pptx
@@ -6,6 +6,8 @@
   </p:sldMasterIdLst>
   <p:sldIdLst>
     <p:sldId id="256" r:id="rId2"/>
+    <p:sldId id="257" r:id="rId3"/>
+    <p:sldId id="258" r:id="rId4"/>
   </p:sldIdLst>
   <p:sldSz cx="36576000" cy="27432000"/>
   <p:notesSz cx="6858000" cy="9144000"/>
@@ -3203,7 +3205,7 @@
           </a:xfrm>
           <a:prstGeom prst="bentConnector3">
             <a:avLst>
-              <a:gd name="adj1" fmla="val 38127"/>
+              <a:gd name="adj1" fmla="val 36793"/>
             </a:avLst>
           </a:prstGeom>
           <a:ln w="254000">
@@ -3283,18 +3285,17 @@
           </p:cNvPr>
           <p:cNvCxnSpPr>
             <a:cxnSpLocks/>
-            <a:stCxn id="29" idx="3"/>
           </p:cNvCxnSpPr>
           <p:nvPr/>
         </p:nvCxnSpPr>
         <p:spPr>
           <a:xfrm flipV="1">
-            <a:off x="11928764" y="12112750"/>
-            <a:ext cx="12344400" cy="6312641"/>
+            <a:off x="11928764" y="12326624"/>
+            <a:ext cx="12309147" cy="5991078"/>
           </a:xfrm>
           <a:prstGeom prst="bentConnector3">
             <a:avLst>
-              <a:gd name="adj1" fmla="val 27778"/>
+              <a:gd name="adj1" fmla="val 23862"/>
             </a:avLst>
           </a:prstGeom>
           <a:ln w="254000">
@@ -3334,9 +3335,9 @@
           <p:nvPr/>
         </p:nvCxnSpPr>
         <p:spPr>
-          <a:xfrm flipH="1">
-            <a:off x="12289288" y="7341157"/>
-            <a:ext cx="11851949" cy="10601"/>
+          <a:xfrm flipH="1" flipV="1">
+            <a:off x="12350708" y="6684360"/>
+            <a:ext cx="11922456" cy="21567"/>
           </a:xfrm>
           <a:prstGeom prst="straightConnector1">
             <a:avLst/>
@@ -3423,56 +3424,12 @@
         </p:nvCxnSpPr>
         <p:spPr>
           <a:xfrm rot="10800000">
-            <a:off x="12336313" y="8408750"/>
-            <a:ext cx="12178148" cy="8591956"/>
+            <a:off x="12338633" y="8976898"/>
+            <a:ext cx="12163757" cy="8131004"/>
           </a:xfrm>
           <a:prstGeom prst="bentConnector3">
             <a:avLst>
-              <a:gd name="adj1" fmla="val 41780"/>
-            </a:avLst>
-          </a:prstGeom>
-          <a:ln w="254000">
-            <a:solidFill>
-              <a:srgbClr val="FFC000"/>
-            </a:solidFill>
-            <a:tailEnd type="triangle"/>
-          </a:ln>
-        </p:spPr>
-        <p:style>
-          <a:lnRef idx="2">
-            <a:schemeClr val="accent1"/>
-          </a:lnRef>
-          <a:fillRef idx="0">
-            <a:schemeClr val="accent1"/>
-          </a:fillRef>
-          <a:effectRef idx="1">
-            <a:schemeClr val="accent1"/>
-          </a:effectRef>
-          <a:fontRef idx="minor">
-            <a:schemeClr val="tx1"/>
-          </a:fontRef>
-        </p:style>
-      </p:cxnSp>
-      <p:cxnSp>
-        <p:nvCxnSpPr>
-          <p:cNvPr id="238" name="Elbow Connector 237">
-            <a:extLst>
-              <a:ext uri="{FF2B5EF4-FFF2-40B4-BE49-F238E27FC236}">
-                <a16:creationId xmlns:a16="http://schemas.microsoft.com/office/drawing/2014/main" id="{3D7A6F04-D3F7-05AB-F0C2-71502118AA8C}"/>
-              </a:ext>
-            </a:extLst>
-          </p:cNvPr>
-          <p:cNvCxnSpPr/>
-          <p:nvPr/>
-        </p:nvCxnSpPr>
-        <p:spPr>
-          <a:xfrm rot="10800000">
-            <a:off x="12385961" y="4625788"/>
-            <a:ext cx="11851950" cy="6054404"/>
-          </a:xfrm>
-          <a:prstGeom prst="bentConnector3">
-            <a:avLst>
-              <a:gd name="adj1" fmla="val 18831"/>
+              <a:gd name="adj1" fmla="val 65035"/>
             </a:avLst>
           </a:prstGeom>
           <a:ln w="254000">
@@ -3741,8 +3698,8 @@
         </p:nvSpPr>
         <p:spPr>
           <a:xfrm>
-            <a:off x="5949908" y="6690360"/>
-            <a:ext cx="6400800" cy="2286000"/>
+            <a:off x="5949905" y="6396185"/>
+            <a:ext cx="6400800" cy="2743200"/>
           </a:xfrm>
           <a:prstGeom prst="rect">
             <a:avLst/>
@@ -4945,8 +4902,8 @@
         </p:nvCxnSpPr>
         <p:spPr>
           <a:xfrm rot="5400000">
-            <a:off x="30827327" y="9324930"/>
-            <a:ext cx="1753252" cy="2179515"/>
+            <a:off x="30845632" y="9310859"/>
+            <a:ext cx="1720877" cy="2175281"/>
           </a:xfrm>
           <a:prstGeom prst="bentConnector2">
             <a:avLst/>
@@ -4989,8 +4946,8 @@
         </p:nvCxnSpPr>
         <p:spPr>
           <a:xfrm flipV="1">
-            <a:off x="8545031" y="8976360"/>
-            <a:ext cx="0" cy="1342094"/>
+            <a:off x="8545031" y="9139385"/>
+            <a:ext cx="0" cy="1179069"/>
           </a:xfrm>
           <a:prstGeom prst="straightConnector1">
             <a:avLst/>
@@ -5147,8 +5104,8 @@
         </p:nvSpPr>
         <p:spPr>
           <a:xfrm>
-            <a:off x="24213395" y="10148313"/>
-            <a:ext cx="6400800" cy="2286000"/>
+            <a:off x="24217629" y="9887338"/>
+            <a:ext cx="6400800" cy="2743200"/>
           </a:xfrm>
           <a:prstGeom prst="rect">
             <a:avLst/>
@@ -5196,7 +5153,7 @@
         </p:nvSpPr>
         <p:spPr>
           <a:xfrm>
-            <a:off x="24202657" y="6679759"/>
+            <a:off x="24202657" y="6404303"/>
             <a:ext cx="6400800" cy="2286000"/>
           </a:xfrm>
           <a:prstGeom prst="rect">
@@ -5302,8 +5259,8 @@
         </p:nvCxnSpPr>
         <p:spPr>
           <a:xfrm flipV="1">
-            <a:off x="9150308" y="5129987"/>
-            <a:ext cx="0" cy="1560373"/>
+            <a:off x="9150305" y="5129987"/>
+            <a:ext cx="3" cy="1266198"/>
           </a:xfrm>
           <a:prstGeom prst="straightConnector1">
             <a:avLst/>
@@ -5346,7 +5303,7 @@
         </p:nvCxnSpPr>
         <p:spPr>
           <a:xfrm flipH="1" flipV="1">
-            <a:off x="28268427" y="8965759"/>
+            <a:off x="28268427" y="8737160"/>
             <a:ext cx="10738" cy="1182554"/>
           </a:xfrm>
           <a:prstGeom prst="straightConnector1">
@@ -5435,7 +5392,7 @@
         </p:nvCxnSpPr>
         <p:spPr>
           <a:xfrm flipH="1" flipV="1">
-            <a:off x="26212414" y="8988855"/>
+            <a:off x="26212414" y="8760256"/>
             <a:ext cx="10738" cy="1182554"/>
           </a:xfrm>
           <a:prstGeom prst="straightConnector1">
@@ -5525,8 +5482,8 @@
         </p:nvCxnSpPr>
         <p:spPr>
           <a:xfrm>
-            <a:off x="10187184" y="8988855"/>
-            <a:ext cx="0" cy="1342093"/>
+            <a:off x="10187184" y="9203331"/>
+            <a:ext cx="0" cy="1127617"/>
           </a:xfrm>
           <a:prstGeom prst="straightConnector1">
             <a:avLst/>
@@ -5616,8 +5573,8 @@
         </p:nvCxnSpPr>
         <p:spPr>
           <a:xfrm rot="10800000" flipV="1">
-            <a:off x="4475876" y="7833360"/>
-            <a:ext cx="1474033" cy="1016212"/>
+            <a:off x="4475875" y="7767784"/>
+            <a:ext cx="1474030" cy="1081787"/>
           </a:xfrm>
           <a:prstGeom prst="bentConnector2">
             <a:avLst/>
@@ -5844,33 +5801,126 @@
       </p:cxnSp>
       <p:cxnSp>
         <p:nvCxnSpPr>
-          <p:cNvPr id="215" name="Elbow Connector 214">
-            <a:extLst>
-              <a:ext uri="{FF2B5EF4-FFF2-40B4-BE49-F238E27FC236}">
-                <a16:creationId xmlns:a16="http://schemas.microsoft.com/office/drawing/2014/main" id="{5D89B481-67B5-3D20-50BC-D24537585EFC}"/>
+          <p:cNvPr id="21" name="Elbow Connector 20">
+            <a:extLst>
+              <a:ext uri="{FF2B5EF4-FFF2-40B4-BE49-F238E27FC236}">
+                <a16:creationId xmlns:a16="http://schemas.microsoft.com/office/drawing/2014/main" id="{93B1F840-AF69-CE12-0C11-601234D71357}"/>
               </a:ext>
             </a:extLst>
           </p:cNvPr>
           <p:cNvCxnSpPr>
             <a:cxnSpLocks/>
-            <a:endCxn id="68" idx="1"/>
           </p:cNvCxnSpPr>
           <p:nvPr/>
         </p:nvCxnSpPr>
         <p:spPr>
           <a:xfrm>
-            <a:off x="19296860" y="7341157"/>
-            <a:ext cx="4916535" cy="3950156"/>
+            <a:off x="12350708" y="4535932"/>
+            <a:ext cx="11958583" cy="5839571"/>
           </a:xfrm>
           <a:prstGeom prst="bentConnector3">
             <a:avLst>
-              <a:gd name="adj1" fmla="val 29170"/>
+              <a:gd name="adj1" fmla="val 80997"/>
+            </a:avLst>
+          </a:prstGeom>
+          <a:ln w="254000" cmpd="sng">
+            <a:solidFill>
+              <a:schemeClr val="accent6"/>
+            </a:solidFill>
+            <a:prstDash val="solid"/>
+            <a:tailEnd type="triangle"/>
+          </a:ln>
+        </p:spPr>
+        <p:style>
+          <a:lnRef idx="2">
+            <a:schemeClr val="accent1"/>
+          </a:lnRef>
+          <a:fillRef idx="0">
+            <a:schemeClr val="accent1"/>
+          </a:fillRef>
+          <a:effectRef idx="1">
+            <a:schemeClr val="accent1"/>
+          </a:effectRef>
+          <a:fontRef idx="minor">
+            <a:schemeClr val="tx1"/>
+          </a:fontRef>
+        </p:style>
+      </p:cxnSp>
+      <p:cxnSp>
+        <p:nvCxnSpPr>
+          <p:cNvPr id="48" name="Elbow Connector 47">
+            <a:extLst>
+              <a:ext uri="{FF2B5EF4-FFF2-40B4-BE49-F238E27FC236}">
+                <a16:creationId xmlns:a16="http://schemas.microsoft.com/office/drawing/2014/main" id="{E4F2B8A1-DED2-789F-57C1-15C16DC2216A}"/>
+              </a:ext>
+            </a:extLst>
+          </p:cNvPr>
+          <p:cNvCxnSpPr>
+            <a:cxnSpLocks/>
+          </p:cNvCxnSpPr>
+          <p:nvPr/>
+        </p:nvCxnSpPr>
+        <p:spPr>
+          <a:xfrm rot="10800000">
+            <a:off x="12349311" y="8198298"/>
+            <a:ext cx="11883290" cy="3453527"/>
+          </a:xfrm>
+          <a:prstGeom prst="bentConnector3">
+            <a:avLst>
+              <a:gd name="adj1" fmla="val 44853"/>
             </a:avLst>
           </a:prstGeom>
           <a:ln w="254000">
             <a:solidFill>
               <a:schemeClr val="accent6"/>
             </a:solidFill>
+            <a:tailEnd type="triangle"/>
+          </a:ln>
+        </p:spPr>
+        <p:style>
+          <a:lnRef idx="2">
+            <a:schemeClr val="accent1"/>
+          </a:lnRef>
+          <a:fillRef idx="0">
+            <a:schemeClr val="accent1"/>
+          </a:fillRef>
+          <a:effectRef idx="1">
+            <a:schemeClr val="accent1"/>
+          </a:effectRef>
+          <a:fontRef idx="minor">
+            <a:schemeClr val="tx1"/>
+          </a:fontRef>
+        </p:style>
+      </p:cxnSp>
+      <p:cxnSp>
+        <p:nvCxnSpPr>
+          <p:cNvPr id="50" name="Elbow Connector 49">
+            <a:extLst>
+              <a:ext uri="{FF2B5EF4-FFF2-40B4-BE49-F238E27FC236}">
+                <a16:creationId xmlns:a16="http://schemas.microsoft.com/office/drawing/2014/main" id="{DA061969-4072-30DF-E202-025F494A3026}"/>
+              </a:ext>
+            </a:extLst>
+          </p:cNvPr>
+          <p:cNvCxnSpPr>
+            <a:cxnSpLocks/>
+          </p:cNvCxnSpPr>
+          <p:nvPr/>
+        </p:nvCxnSpPr>
+        <p:spPr>
+          <a:xfrm rot="10800000">
+            <a:off x="12346166" y="7434626"/>
+            <a:ext cx="11910693" cy="3559380"/>
+          </a:xfrm>
+          <a:prstGeom prst="bentConnector3">
+            <a:avLst>
+              <a:gd name="adj1" fmla="val 31513"/>
+            </a:avLst>
+          </a:prstGeom>
+          <a:ln w="254000">
+            <a:solidFill>
+              <a:srgbClr val="FFC000"/>
+            </a:solidFill>
+            <a:tailEnd type="triangle"/>
           </a:ln>
         </p:spPr>
         <p:style>
@@ -5892,6 +5942,2521 @@
     <p:extLst>
       <p:ext uri="{BB962C8B-B14F-4D97-AF65-F5344CB8AC3E}">
         <p14:creationId xmlns:p14="http://schemas.microsoft.com/office/powerpoint/2010/main" val="184304072"/>
+      </p:ext>
+    </p:extLst>
+  </p:cSld>
+  <p:clrMapOvr>
+    <a:masterClrMapping/>
+  </p:clrMapOvr>
+</p:sld>
+</file>
+
+<file path=ppt/slides/slide2.xml><?xml version="1.0" encoding="utf-8"?>
+<p:sld xmlns:a="http://schemas.openxmlformats.org/drawingml/2006/main" xmlns:r="http://schemas.openxmlformats.org/officeDocument/2006/relationships" xmlns:p="http://schemas.openxmlformats.org/presentationml/2006/main">
+  <p:cSld>
+    <p:spTree>
+      <p:nvGrpSpPr>
+        <p:cNvPr id="1" name=""/>
+        <p:cNvGrpSpPr/>
+        <p:nvPr/>
+      </p:nvGrpSpPr>
+      <p:grpSpPr>
+        <a:xfrm>
+          <a:off x="0" y="0"/>
+          <a:ext cx="0" cy="0"/>
+          <a:chOff x="0" y="0"/>
+          <a:chExt cx="0" cy="0"/>
+        </a:xfrm>
+      </p:grpSpPr>
+      <p:sp>
+        <p:nvSpPr>
+          <p:cNvPr id="4" name="Rectangle 3">
+            <a:extLst>
+              <a:ext uri="{FF2B5EF4-FFF2-40B4-BE49-F238E27FC236}">
+                <a16:creationId xmlns:a16="http://schemas.microsoft.com/office/drawing/2014/main" id="{61079C46-9121-6254-F096-EE7084879D57}"/>
+              </a:ext>
+            </a:extLst>
+          </p:cNvPr>
+          <p:cNvSpPr/>
+          <p:nvPr/>
+        </p:nvSpPr>
+        <p:spPr>
+          <a:xfrm>
+            <a:off x="5526853" y="6306542"/>
+            <a:ext cx="6400800" cy="2286000"/>
+          </a:xfrm>
+          <a:prstGeom prst="rect">
+            <a:avLst/>
+          </a:prstGeom>
+        </p:spPr>
+        <p:style>
+          <a:lnRef idx="2">
+            <a:schemeClr val="accent1">
+              <a:shade val="15000"/>
+            </a:schemeClr>
+          </a:lnRef>
+          <a:fillRef idx="1">
+            <a:schemeClr val="accent1"/>
+          </a:fillRef>
+          <a:effectRef idx="0">
+            <a:schemeClr val="accent1"/>
+          </a:effectRef>
+          <a:fontRef idx="minor">
+            <a:schemeClr val="lt1"/>
+          </a:fontRef>
+        </p:style>
+        <p:txBody>
+          <a:bodyPr rtlCol="0" anchor="ctr"/>
+          <a:lstStyle/>
+          <a:p>
+            <a:pPr algn="ctr"/>
+            <a:r>
+              <a:rPr lang="en-US" sz="5000" dirty="0" err="1"/>
+              <a:t>TimeSync</a:t>
+            </a:r>
+            <a:r>
+              <a:rPr lang="en-US" sz="5000" dirty="0"/>
+              <a:t> Thread</a:t>
+            </a:r>
+          </a:p>
+        </p:txBody>
+      </p:sp>
+      <p:sp>
+        <p:nvSpPr>
+          <p:cNvPr id="5" name="Rectangle 4">
+            <a:extLst>
+              <a:ext uri="{FF2B5EF4-FFF2-40B4-BE49-F238E27FC236}">
+                <a16:creationId xmlns:a16="http://schemas.microsoft.com/office/drawing/2014/main" id="{F7EAFB69-2086-A8A5-2FBB-968BB9F694C6}"/>
+              </a:ext>
+            </a:extLst>
+          </p:cNvPr>
+          <p:cNvSpPr/>
+          <p:nvPr/>
+        </p:nvSpPr>
+        <p:spPr>
+          <a:xfrm>
+            <a:off x="24141659" y="12416768"/>
+            <a:ext cx="6400800" cy="2286000"/>
+          </a:xfrm>
+          <a:prstGeom prst="rect">
+            <a:avLst/>
+          </a:prstGeom>
+        </p:spPr>
+        <p:style>
+          <a:lnRef idx="2">
+            <a:schemeClr val="accent1">
+              <a:shade val="15000"/>
+            </a:schemeClr>
+          </a:lnRef>
+          <a:fillRef idx="1">
+            <a:schemeClr val="accent1"/>
+          </a:fillRef>
+          <a:effectRef idx="0">
+            <a:schemeClr val="accent1"/>
+          </a:effectRef>
+          <a:fontRef idx="minor">
+            <a:schemeClr val="lt1"/>
+          </a:fontRef>
+        </p:style>
+        <p:txBody>
+          <a:bodyPr rtlCol="0" anchor="ctr"/>
+          <a:lstStyle/>
+          <a:p>
+            <a:pPr algn="ctr"/>
+            <a:r>
+              <a:rPr lang="en-US" sz="5000" dirty="0" err="1"/>
+              <a:t>TimeSync</a:t>
+            </a:r>
+            <a:r>
+              <a:rPr lang="en-US" sz="5000" dirty="0"/>
+              <a:t> GRPC</a:t>
+            </a:r>
+          </a:p>
+        </p:txBody>
+      </p:sp>
+      <p:cxnSp>
+        <p:nvCxnSpPr>
+          <p:cNvPr id="7" name="Straight Arrow Connector 6">
+            <a:extLst>
+              <a:ext uri="{FF2B5EF4-FFF2-40B4-BE49-F238E27FC236}">
+                <a16:creationId xmlns:a16="http://schemas.microsoft.com/office/drawing/2014/main" id="{974E6B71-6FB9-50C1-4417-984900950BD9}"/>
+              </a:ext>
+            </a:extLst>
+          </p:cNvPr>
+          <p:cNvCxnSpPr>
+            <a:cxnSpLocks/>
+          </p:cNvCxnSpPr>
+          <p:nvPr/>
+        </p:nvCxnSpPr>
+        <p:spPr>
+          <a:xfrm>
+            <a:off x="2837046" y="3986987"/>
+            <a:ext cx="0" cy="22506550"/>
+          </a:xfrm>
+          <a:prstGeom prst="straightConnector1">
+            <a:avLst/>
+          </a:prstGeom>
+          <a:ln w="381000">
+            <a:solidFill>
+              <a:schemeClr val="tx1"/>
+            </a:solidFill>
+            <a:tailEnd type="triangle"/>
+          </a:ln>
+        </p:spPr>
+        <p:style>
+          <a:lnRef idx="2">
+            <a:schemeClr val="accent1"/>
+          </a:lnRef>
+          <a:fillRef idx="0">
+            <a:schemeClr val="accent1"/>
+          </a:fillRef>
+          <a:effectRef idx="1">
+            <a:schemeClr val="accent1"/>
+          </a:effectRef>
+          <a:fontRef idx="minor">
+            <a:schemeClr val="tx1"/>
+          </a:fontRef>
+        </p:style>
+      </p:cxnSp>
+      <p:sp>
+        <p:nvSpPr>
+          <p:cNvPr id="9" name="TextBox 8">
+            <a:extLst>
+              <a:ext uri="{FF2B5EF4-FFF2-40B4-BE49-F238E27FC236}">
+                <a16:creationId xmlns:a16="http://schemas.microsoft.com/office/drawing/2014/main" id="{05CA0FFD-7FF3-E921-6758-F76B9FE503BF}"/>
+              </a:ext>
+            </a:extLst>
+          </p:cNvPr>
+          <p:cNvSpPr txBox="1"/>
+          <p:nvPr/>
+        </p:nvSpPr>
+        <p:spPr>
+          <a:xfrm>
+            <a:off x="1155032" y="2021305"/>
+            <a:ext cx="3320715" cy="1631216"/>
+          </a:xfrm>
+          <a:prstGeom prst="rect">
+            <a:avLst/>
+          </a:prstGeom>
+          <a:noFill/>
+        </p:spPr>
+        <p:txBody>
+          <a:bodyPr wrap="square" rtlCol="0">
+            <a:spAutoFit/>
+          </a:bodyPr>
+          <a:lstStyle/>
+          <a:p>
+            <a:pPr algn="ctr"/>
+            <a:r>
+              <a:rPr lang="en-US" sz="10000" dirty="0"/>
+              <a:t>Time</a:t>
+            </a:r>
+          </a:p>
+        </p:txBody>
+      </p:sp>
+      <p:sp>
+        <p:nvSpPr>
+          <p:cNvPr id="10" name="Rectangle 9">
+            <a:extLst>
+              <a:ext uri="{FF2B5EF4-FFF2-40B4-BE49-F238E27FC236}">
+                <a16:creationId xmlns:a16="http://schemas.microsoft.com/office/drawing/2014/main" id="{8DC7080B-5A1C-A7A2-3864-9947A430CF66}"/>
+              </a:ext>
+            </a:extLst>
+          </p:cNvPr>
+          <p:cNvSpPr/>
+          <p:nvPr/>
+        </p:nvSpPr>
+        <p:spPr>
+          <a:xfrm>
+            <a:off x="5526853" y="19741805"/>
+            <a:ext cx="6400800" cy="2286000"/>
+          </a:xfrm>
+          <a:prstGeom prst="rect">
+            <a:avLst/>
+          </a:prstGeom>
+        </p:spPr>
+        <p:style>
+          <a:lnRef idx="2">
+            <a:schemeClr val="accent1">
+              <a:shade val="15000"/>
+            </a:schemeClr>
+          </a:lnRef>
+          <a:fillRef idx="1">
+            <a:schemeClr val="accent1"/>
+          </a:fillRef>
+          <a:effectRef idx="0">
+            <a:schemeClr val="accent1"/>
+          </a:effectRef>
+          <a:fontRef idx="minor">
+            <a:schemeClr val="lt1"/>
+          </a:fontRef>
+        </p:style>
+        <p:txBody>
+          <a:bodyPr rtlCol="0" anchor="ctr"/>
+          <a:lstStyle/>
+          <a:p>
+            <a:pPr algn="ctr"/>
+            <a:r>
+              <a:rPr lang="en-US" sz="5000" dirty="0" err="1"/>
+              <a:t>TimeSync</a:t>
+            </a:r>
+            <a:r>
+              <a:rPr lang="en-US" sz="5000" dirty="0"/>
+              <a:t> Thread</a:t>
+            </a:r>
+          </a:p>
+        </p:txBody>
+      </p:sp>
+      <p:cxnSp>
+        <p:nvCxnSpPr>
+          <p:cNvPr id="12" name="Straight Arrow Connector 11">
+            <a:extLst>
+              <a:ext uri="{FF2B5EF4-FFF2-40B4-BE49-F238E27FC236}">
+                <a16:creationId xmlns:a16="http://schemas.microsoft.com/office/drawing/2014/main" id="{EC5ADBD4-FF0B-C6E9-B130-9B59792F026E}"/>
+              </a:ext>
+            </a:extLst>
+          </p:cNvPr>
+          <p:cNvCxnSpPr>
+            <a:stCxn id="4" idx="3"/>
+            <a:endCxn id="5" idx="1"/>
+          </p:cNvCxnSpPr>
+          <p:nvPr/>
+        </p:nvCxnSpPr>
+        <p:spPr>
+          <a:xfrm>
+            <a:off x="11927653" y="7449542"/>
+            <a:ext cx="12214006" cy="6110226"/>
+          </a:xfrm>
+          <a:prstGeom prst="straightConnector1">
+            <a:avLst/>
+          </a:prstGeom>
+          <a:ln w="254000">
+            <a:solidFill>
+              <a:schemeClr val="accent6"/>
+            </a:solidFill>
+            <a:tailEnd type="triangle"/>
+          </a:ln>
+        </p:spPr>
+        <p:style>
+          <a:lnRef idx="2">
+            <a:schemeClr val="accent1"/>
+          </a:lnRef>
+          <a:fillRef idx="0">
+            <a:schemeClr val="accent1"/>
+          </a:fillRef>
+          <a:effectRef idx="1">
+            <a:schemeClr val="accent1"/>
+          </a:effectRef>
+          <a:fontRef idx="minor">
+            <a:schemeClr val="tx1"/>
+          </a:fontRef>
+        </p:style>
+      </p:cxnSp>
+      <p:cxnSp>
+        <p:nvCxnSpPr>
+          <p:cNvPr id="15" name="Straight Arrow Connector 14">
+            <a:extLst>
+              <a:ext uri="{FF2B5EF4-FFF2-40B4-BE49-F238E27FC236}">
+                <a16:creationId xmlns:a16="http://schemas.microsoft.com/office/drawing/2014/main" id="{6D02A3E0-B590-7FC4-7E5B-10AF807A188F}"/>
+              </a:ext>
+            </a:extLst>
+          </p:cNvPr>
+          <p:cNvCxnSpPr>
+            <a:cxnSpLocks/>
+            <a:endCxn id="10" idx="3"/>
+          </p:cNvCxnSpPr>
+          <p:nvPr/>
+        </p:nvCxnSpPr>
+        <p:spPr>
+          <a:xfrm flipH="1">
+            <a:off x="11927653" y="13559768"/>
+            <a:ext cx="12214006" cy="7325037"/>
+          </a:xfrm>
+          <a:prstGeom prst="straightConnector1">
+            <a:avLst/>
+          </a:prstGeom>
+          <a:ln w="254000">
+            <a:solidFill>
+              <a:schemeClr val="accent6"/>
+            </a:solidFill>
+            <a:tailEnd type="triangle"/>
+          </a:ln>
+        </p:spPr>
+        <p:style>
+          <a:lnRef idx="2">
+            <a:schemeClr val="accent1"/>
+          </a:lnRef>
+          <a:fillRef idx="0">
+            <a:schemeClr val="accent1"/>
+          </a:fillRef>
+          <a:effectRef idx="1">
+            <a:schemeClr val="accent1"/>
+          </a:effectRef>
+          <a:fontRef idx="minor">
+            <a:schemeClr val="tx1"/>
+          </a:fontRef>
+        </p:style>
+      </p:cxnSp>
+      <p:sp>
+        <p:nvSpPr>
+          <p:cNvPr id="18" name="Snip Diagonal Corner Rectangle 17">
+            <a:extLst>
+              <a:ext uri="{FF2B5EF4-FFF2-40B4-BE49-F238E27FC236}">
+                <a16:creationId xmlns:a16="http://schemas.microsoft.com/office/drawing/2014/main" id="{8F8370AB-4E5F-6197-490A-1F0B5C3312F4}"/>
+              </a:ext>
+            </a:extLst>
+          </p:cNvPr>
+          <p:cNvSpPr/>
+          <p:nvPr/>
+        </p:nvSpPr>
+        <p:spPr>
+          <a:xfrm>
+            <a:off x="5526853" y="4662861"/>
+            <a:ext cx="2397034" cy="1643681"/>
+          </a:xfrm>
+          <a:prstGeom prst="snip2DiagRect">
+            <a:avLst/>
+          </a:prstGeom>
+          <a:solidFill>
+            <a:schemeClr val="accent1">
+              <a:lumMod val="60000"/>
+              <a:lumOff val="40000"/>
+            </a:schemeClr>
+          </a:solidFill>
+        </p:spPr>
+        <p:style>
+          <a:lnRef idx="2">
+            <a:schemeClr val="accent1">
+              <a:shade val="15000"/>
+            </a:schemeClr>
+          </a:lnRef>
+          <a:fillRef idx="1">
+            <a:schemeClr val="accent1"/>
+          </a:fillRef>
+          <a:effectRef idx="0">
+            <a:schemeClr val="accent1"/>
+          </a:effectRef>
+          <a:fontRef idx="minor">
+            <a:schemeClr val="lt1"/>
+          </a:fontRef>
+        </p:style>
+        <p:txBody>
+          <a:bodyPr rtlCol="0" anchor="ctr"/>
+          <a:lstStyle/>
+          <a:p>
+            <a:pPr algn="ctr"/>
+            <a:r>
+              <a:rPr lang="en-US" sz="5000" dirty="0"/>
+              <a:t>Device Clock</a:t>
+            </a:r>
+          </a:p>
+        </p:txBody>
+      </p:sp>
+      <p:sp>
+        <p:nvSpPr>
+          <p:cNvPr id="19" name="Snip Diagonal Corner Rectangle 18">
+            <a:extLst>
+              <a:ext uri="{FF2B5EF4-FFF2-40B4-BE49-F238E27FC236}">
+                <a16:creationId xmlns:a16="http://schemas.microsoft.com/office/drawing/2014/main" id="{ADEEE54C-53C8-62BB-0138-4966818783A5}"/>
+              </a:ext>
+            </a:extLst>
+          </p:cNvPr>
+          <p:cNvSpPr/>
+          <p:nvPr/>
+        </p:nvSpPr>
+        <p:spPr>
+          <a:xfrm>
+            <a:off x="24141659" y="10773087"/>
+            <a:ext cx="2397034" cy="1643681"/>
+          </a:xfrm>
+          <a:prstGeom prst="snip2DiagRect">
+            <a:avLst/>
+          </a:prstGeom>
+          <a:solidFill>
+            <a:schemeClr val="accent1">
+              <a:lumMod val="60000"/>
+              <a:lumOff val="40000"/>
+            </a:schemeClr>
+          </a:solidFill>
+        </p:spPr>
+        <p:style>
+          <a:lnRef idx="2">
+            <a:schemeClr val="accent1">
+              <a:shade val="15000"/>
+            </a:schemeClr>
+          </a:lnRef>
+          <a:fillRef idx="1">
+            <a:schemeClr val="accent1"/>
+          </a:fillRef>
+          <a:effectRef idx="0">
+            <a:schemeClr val="accent1"/>
+          </a:effectRef>
+          <a:fontRef idx="minor">
+            <a:schemeClr val="lt1"/>
+          </a:fontRef>
+        </p:style>
+        <p:txBody>
+          <a:bodyPr rtlCol="0" anchor="ctr"/>
+          <a:lstStyle/>
+          <a:p>
+            <a:pPr algn="ctr"/>
+            <a:r>
+              <a:rPr lang="en-US" sz="5000" dirty="0"/>
+              <a:t>Device Clock</a:t>
+            </a:r>
+          </a:p>
+        </p:txBody>
+      </p:sp>
+      <p:sp>
+        <p:nvSpPr>
+          <p:cNvPr id="20" name="Snip Diagonal Corner Rectangle 19">
+            <a:extLst>
+              <a:ext uri="{FF2B5EF4-FFF2-40B4-BE49-F238E27FC236}">
+                <a16:creationId xmlns:a16="http://schemas.microsoft.com/office/drawing/2014/main" id="{37E376F2-5D53-DDF2-AEC0-82FF6A71D3BB}"/>
+              </a:ext>
+            </a:extLst>
+          </p:cNvPr>
+          <p:cNvSpPr/>
+          <p:nvPr/>
+        </p:nvSpPr>
+        <p:spPr>
+          <a:xfrm>
+            <a:off x="5526853" y="18098124"/>
+            <a:ext cx="2397034" cy="1643681"/>
+          </a:xfrm>
+          <a:prstGeom prst="snip2DiagRect">
+            <a:avLst/>
+          </a:prstGeom>
+          <a:solidFill>
+            <a:schemeClr val="accent1">
+              <a:lumMod val="60000"/>
+              <a:lumOff val="40000"/>
+            </a:schemeClr>
+          </a:solidFill>
+        </p:spPr>
+        <p:style>
+          <a:lnRef idx="2">
+            <a:schemeClr val="accent1">
+              <a:shade val="15000"/>
+            </a:schemeClr>
+          </a:lnRef>
+          <a:fillRef idx="1">
+            <a:schemeClr val="accent1"/>
+          </a:fillRef>
+          <a:effectRef idx="0">
+            <a:schemeClr val="accent1"/>
+          </a:effectRef>
+          <a:fontRef idx="minor">
+            <a:schemeClr val="lt1"/>
+          </a:fontRef>
+        </p:style>
+        <p:txBody>
+          <a:bodyPr rtlCol="0" anchor="ctr"/>
+          <a:lstStyle/>
+          <a:p>
+            <a:pPr algn="ctr"/>
+            <a:r>
+              <a:rPr lang="en-US" sz="5000" dirty="0"/>
+              <a:t>Device Clock</a:t>
+            </a:r>
+          </a:p>
+        </p:txBody>
+      </p:sp>
+      <p:sp>
+        <p:nvSpPr>
+          <p:cNvPr id="21" name="TextBox 20">
+            <a:extLst>
+              <a:ext uri="{FF2B5EF4-FFF2-40B4-BE49-F238E27FC236}">
+                <a16:creationId xmlns:a16="http://schemas.microsoft.com/office/drawing/2014/main" id="{DCE2B14A-A5D1-07EA-10DF-FBC78DBD6AE1}"/>
+              </a:ext>
+            </a:extLst>
+          </p:cNvPr>
+          <p:cNvSpPr txBox="1"/>
+          <p:nvPr/>
+        </p:nvSpPr>
+        <p:spPr>
+          <a:xfrm rot="1646991">
+            <a:off x="13101708" y="8978297"/>
+            <a:ext cx="9865895" cy="1169551"/>
+          </a:xfrm>
+          <a:prstGeom prst="rect">
+            <a:avLst/>
+          </a:prstGeom>
+          <a:noFill/>
+        </p:spPr>
+        <p:txBody>
+          <a:bodyPr wrap="square" rtlCol="0">
+            <a:spAutoFit/>
+          </a:bodyPr>
+          <a:lstStyle/>
+          <a:p>
+            <a:r>
+              <a:rPr lang="en-US" sz="7000" dirty="0"/>
+              <a:t>GRPC </a:t>
+            </a:r>
+            <a:r>
+              <a:rPr lang="en-US" sz="7000" dirty="0" err="1"/>
+              <a:t>TimeSync</a:t>
+            </a:r>
+            <a:r>
+              <a:rPr lang="en-US" sz="7000" dirty="0"/>
+              <a:t> Request</a:t>
+            </a:r>
+          </a:p>
+        </p:txBody>
+      </p:sp>
+      <p:sp>
+        <p:nvSpPr>
+          <p:cNvPr id="24" name="TextBox 23">
+            <a:extLst>
+              <a:ext uri="{FF2B5EF4-FFF2-40B4-BE49-F238E27FC236}">
+                <a16:creationId xmlns:a16="http://schemas.microsoft.com/office/drawing/2014/main" id="{B1376AEA-F571-6B17-E9A5-4F3D4C043D57}"/>
+              </a:ext>
+            </a:extLst>
+          </p:cNvPr>
+          <p:cNvSpPr txBox="1"/>
+          <p:nvPr/>
+        </p:nvSpPr>
+        <p:spPr>
+          <a:xfrm rot="19712047">
+            <a:off x="13231368" y="17513348"/>
+            <a:ext cx="10534347" cy="1169551"/>
+          </a:xfrm>
+          <a:prstGeom prst="rect">
+            <a:avLst/>
+          </a:prstGeom>
+          <a:noFill/>
+        </p:spPr>
+        <p:txBody>
+          <a:bodyPr wrap="square" rtlCol="0">
+            <a:spAutoFit/>
+          </a:bodyPr>
+          <a:lstStyle/>
+          <a:p>
+            <a:r>
+              <a:rPr lang="en-US" sz="7000" dirty="0"/>
+              <a:t>GRPC </a:t>
+            </a:r>
+            <a:r>
+              <a:rPr lang="en-US" sz="7000" dirty="0" err="1"/>
+              <a:t>TimeSync</a:t>
+            </a:r>
+            <a:r>
+              <a:rPr lang="en-US" sz="7000" dirty="0"/>
+              <a:t> Response</a:t>
+            </a:r>
+          </a:p>
+        </p:txBody>
+      </p:sp>
+      <p:cxnSp>
+        <p:nvCxnSpPr>
+          <p:cNvPr id="26" name="Straight Connector 25">
+            <a:extLst>
+              <a:ext uri="{FF2B5EF4-FFF2-40B4-BE49-F238E27FC236}">
+                <a16:creationId xmlns:a16="http://schemas.microsoft.com/office/drawing/2014/main" id="{DBBBF55C-A7C6-AAD3-4547-EC77E20DD902}"/>
+              </a:ext>
+            </a:extLst>
+          </p:cNvPr>
+          <p:cNvCxnSpPr/>
+          <p:nvPr/>
+        </p:nvCxnSpPr>
+        <p:spPr>
+          <a:xfrm>
+            <a:off x="1973179" y="7449542"/>
+            <a:ext cx="1780674" cy="0"/>
+          </a:xfrm>
+          <a:prstGeom prst="line">
+            <a:avLst/>
+          </a:prstGeom>
+          <a:ln w="381000">
+            <a:solidFill>
+              <a:schemeClr val="tx1"/>
+            </a:solidFill>
+          </a:ln>
+        </p:spPr>
+        <p:style>
+          <a:lnRef idx="2">
+            <a:schemeClr val="accent1"/>
+          </a:lnRef>
+          <a:fillRef idx="0">
+            <a:schemeClr val="accent1"/>
+          </a:fillRef>
+          <a:effectRef idx="1">
+            <a:schemeClr val="accent1"/>
+          </a:effectRef>
+          <a:fontRef idx="minor">
+            <a:schemeClr val="tx1"/>
+          </a:fontRef>
+        </p:style>
+      </p:cxnSp>
+      <p:cxnSp>
+        <p:nvCxnSpPr>
+          <p:cNvPr id="27" name="Straight Connector 26">
+            <a:extLst>
+              <a:ext uri="{FF2B5EF4-FFF2-40B4-BE49-F238E27FC236}">
+                <a16:creationId xmlns:a16="http://schemas.microsoft.com/office/drawing/2014/main" id="{17811494-3BA8-786A-7C26-44528053D447}"/>
+              </a:ext>
+            </a:extLst>
+          </p:cNvPr>
+          <p:cNvCxnSpPr/>
+          <p:nvPr/>
+        </p:nvCxnSpPr>
+        <p:spPr>
+          <a:xfrm>
+            <a:off x="1925052" y="13509626"/>
+            <a:ext cx="1780674" cy="0"/>
+          </a:xfrm>
+          <a:prstGeom prst="line">
+            <a:avLst/>
+          </a:prstGeom>
+          <a:ln w="381000">
+            <a:solidFill>
+              <a:schemeClr val="tx1"/>
+            </a:solidFill>
+          </a:ln>
+        </p:spPr>
+        <p:style>
+          <a:lnRef idx="2">
+            <a:schemeClr val="accent1"/>
+          </a:lnRef>
+          <a:fillRef idx="0">
+            <a:schemeClr val="accent1"/>
+          </a:fillRef>
+          <a:effectRef idx="1">
+            <a:schemeClr val="accent1"/>
+          </a:effectRef>
+          <a:fontRef idx="minor">
+            <a:schemeClr val="tx1"/>
+          </a:fontRef>
+        </p:style>
+      </p:cxnSp>
+      <p:cxnSp>
+        <p:nvCxnSpPr>
+          <p:cNvPr id="28" name="Straight Connector 27">
+            <a:extLst>
+              <a:ext uri="{FF2B5EF4-FFF2-40B4-BE49-F238E27FC236}">
+                <a16:creationId xmlns:a16="http://schemas.microsoft.com/office/drawing/2014/main" id="{140CB6CF-6855-DBE5-2833-EF1E0572D87C}"/>
+              </a:ext>
+            </a:extLst>
+          </p:cNvPr>
+          <p:cNvCxnSpPr/>
+          <p:nvPr/>
+        </p:nvCxnSpPr>
+        <p:spPr>
+          <a:xfrm>
+            <a:off x="1973179" y="20957825"/>
+            <a:ext cx="1780674" cy="0"/>
+          </a:xfrm>
+          <a:prstGeom prst="line">
+            <a:avLst/>
+          </a:prstGeom>
+          <a:ln w="381000">
+            <a:solidFill>
+              <a:schemeClr val="tx1"/>
+            </a:solidFill>
+          </a:ln>
+        </p:spPr>
+        <p:style>
+          <a:lnRef idx="2">
+            <a:schemeClr val="accent1"/>
+          </a:lnRef>
+          <a:fillRef idx="0">
+            <a:schemeClr val="accent1"/>
+          </a:fillRef>
+          <a:effectRef idx="1">
+            <a:schemeClr val="accent1"/>
+          </a:effectRef>
+          <a:fontRef idx="minor">
+            <a:schemeClr val="tx1"/>
+          </a:fontRef>
+        </p:style>
+      </p:cxnSp>
+      <p:sp>
+        <p:nvSpPr>
+          <p:cNvPr id="29" name="TextBox 28">
+            <a:extLst>
+              <a:ext uri="{FF2B5EF4-FFF2-40B4-BE49-F238E27FC236}">
+                <a16:creationId xmlns:a16="http://schemas.microsoft.com/office/drawing/2014/main" id="{169859DA-BE92-FFAB-AFD2-00A0F1830BAD}"/>
+              </a:ext>
+            </a:extLst>
+          </p:cNvPr>
+          <p:cNvSpPr txBox="1"/>
+          <p:nvPr/>
+        </p:nvSpPr>
+        <p:spPr>
+          <a:xfrm>
+            <a:off x="7923887" y="4636800"/>
+            <a:ext cx="4348324" cy="1631216"/>
+          </a:xfrm>
+          <a:prstGeom prst="rect">
+            <a:avLst/>
+          </a:prstGeom>
+          <a:noFill/>
+        </p:spPr>
+        <p:txBody>
+          <a:bodyPr wrap="square" rtlCol="0">
+            <a:spAutoFit/>
+          </a:bodyPr>
+          <a:lstStyle/>
+          <a:p>
+            <a:pPr algn="ctr"/>
+            <a:r>
+              <a:rPr lang="en-US" sz="5000" i="1" dirty="0"/>
+              <a:t>Request Start</a:t>
+            </a:r>
+          </a:p>
+          <a:p>
+            <a:pPr algn="ctr"/>
+            <a:r>
+              <a:rPr lang="en-US" sz="5000" i="1" dirty="0"/>
+              <a:t>Time</a:t>
+            </a:r>
+          </a:p>
+        </p:txBody>
+      </p:sp>
+      <p:sp>
+        <p:nvSpPr>
+          <p:cNvPr id="30" name="TextBox 29">
+            <a:extLst>
+              <a:ext uri="{FF2B5EF4-FFF2-40B4-BE49-F238E27FC236}">
+                <a16:creationId xmlns:a16="http://schemas.microsoft.com/office/drawing/2014/main" id="{F72BFE34-2CE2-5622-E7C0-EFDA1157515C}"/>
+              </a:ext>
+            </a:extLst>
+          </p:cNvPr>
+          <p:cNvSpPr txBox="1"/>
+          <p:nvPr/>
+        </p:nvSpPr>
+        <p:spPr>
+          <a:xfrm>
+            <a:off x="26538693" y="10724746"/>
+            <a:ext cx="5463634" cy="1631216"/>
+          </a:xfrm>
+          <a:prstGeom prst="rect">
+            <a:avLst/>
+          </a:prstGeom>
+          <a:noFill/>
+        </p:spPr>
+        <p:txBody>
+          <a:bodyPr wrap="square" rtlCol="0">
+            <a:spAutoFit/>
+          </a:bodyPr>
+          <a:lstStyle/>
+          <a:p>
+            <a:pPr algn="ctr"/>
+            <a:r>
+              <a:rPr lang="en-US" sz="5000" i="1" dirty="0"/>
+              <a:t>System Receive</a:t>
+            </a:r>
+          </a:p>
+          <a:p>
+            <a:pPr algn="ctr"/>
+            <a:r>
+              <a:rPr lang="en-US" sz="5000" i="1" dirty="0"/>
+              <a:t>Time</a:t>
+            </a:r>
+          </a:p>
+        </p:txBody>
+      </p:sp>
+      <p:sp>
+        <p:nvSpPr>
+          <p:cNvPr id="31" name="TextBox 30">
+            <a:extLst>
+              <a:ext uri="{FF2B5EF4-FFF2-40B4-BE49-F238E27FC236}">
+                <a16:creationId xmlns:a16="http://schemas.microsoft.com/office/drawing/2014/main" id="{E57E6159-6D74-7ECE-F218-9386348EC131}"/>
+              </a:ext>
+            </a:extLst>
+          </p:cNvPr>
+          <p:cNvSpPr txBox="1"/>
+          <p:nvPr/>
+        </p:nvSpPr>
+        <p:spPr>
+          <a:xfrm>
+            <a:off x="7883907" y="18129852"/>
+            <a:ext cx="5062072" cy="1631216"/>
+          </a:xfrm>
+          <a:prstGeom prst="rect">
+            <a:avLst/>
+          </a:prstGeom>
+          <a:noFill/>
+        </p:spPr>
+        <p:txBody>
+          <a:bodyPr wrap="square" rtlCol="0">
+            <a:spAutoFit/>
+          </a:bodyPr>
+          <a:lstStyle/>
+          <a:p>
+            <a:pPr algn="ctr"/>
+            <a:r>
+              <a:rPr lang="en-US" sz="5000" i="1" dirty="0"/>
+              <a:t>Request End</a:t>
+            </a:r>
+          </a:p>
+          <a:p>
+            <a:pPr algn="ctr"/>
+            <a:r>
+              <a:rPr lang="en-US" sz="5000" i="1" dirty="0"/>
+              <a:t>Time</a:t>
+            </a:r>
+          </a:p>
+        </p:txBody>
+      </p:sp>
+      <mc:AlternateContent xmlns:mc="http://schemas.openxmlformats.org/markup-compatibility/2006">
+        <mc:Choice xmlns:a14="http://schemas.microsoft.com/office/drawing/2010/main" Requires="a14">
+          <p:sp>
+            <p:nvSpPr>
+              <p:cNvPr id="32" name="TextBox 31">
+                <a:extLst>
+                  <a:ext uri="{FF2B5EF4-FFF2-40B4-BE49-F238E27FC236}">
+                    <a16:creationId xmlns:a16="http://schemas.microsoft.com/office/drawing/2014/main" id="{1AABBDB6-10EA-C878-C1B4-2C667C0766BA}"/>
+                  </a:ext>
+                </a:extLst>
+              </p:cNvPr>
+              <p:cNvSpPr txBox="1"/>
+              <p:nvPr/>
+            </p:nvSpPr>
+            <p:spPr>
+              <a:xfrm>
+                <a:off x="24120299" y="18286022"/>
+                <a:ext cx="6310859" cy="1455783"/>
+              </a:xfrm>
+              <a:prstGeom prst="rect">
+                <a:avLst/>
+              </a:prstGeom>
+              <a:noFill/>
+            </p:spPr>
+            <p:txBody>
+              <a:bodyPr wrap="square" lIns="0" tIns="0" rIns="0" bIns="0" rtlCol="0">
+                <a:spAutoFit/>
+              </a:bodyPr>
+              <a:lstStyle/>
+              <a:p>
+                <a14:m>
+                  <m:oMathPara xmlns:m="http://schemas.openxmlformats.org/officeDocument/2006/math">
+                    <m:oMathParaPr>
+                      <m:jc m:val="centerGroup"/>
+                    </m:oMathParaPr>
+                    <m:oMath xmlns:m="http://schemas.openxmlformats.org/officeDocument/2006/math">
+                      <m:r>
+                        <a:rPr lang="en-US" sz="5000" b="0" i="1" smtClean="0">
+                          <a:latin typeface="Cambria Math" panose="02040503050406030204" pitchFamily="18" charset="0"/>
+                        </a:rPr>
+                        <m:t>𝐷𝑒𝑙𝑎𝑦</m:t>
+                      </m:r>
+                      <m:r>
+                        <a:rPr lang="en-US" sz="5000" b="0" i="1" smtClean="0">
+                          <a:latin typeface="Cambria Math" panose="02040503050406030204" pitchFamily="18" charset="0"/>
+                        </a:rPr>
+                        <m:t>= </m:t>
+                      </m:r>
+                      <m:f>
+                        <m:fPr>
+                          <m:ctrlPr>
+                            <a:rPr lang="en-US" sz="5000" b="0" i="1" smtClean="0">
+                              <a:latin typeface="Cambria Math" panose="02040503050406030204" pitchFamily="18" charset="0"/>
+                            </a:rPr>
+                          </m:ctrlPr>
+                        </m:fPr>
+                        <m:num>
+                          <m:r>
+                            <a:rPr lang="en-US" sz="5000" b="0" i="1" smtClean="0">
+                              <a:latin typeface="Cambria Math" panose="02040503050406030204" pitchFamily="18" charset="0"/>
+                            </a:rPr>
+                            <m:t>𝐸𝑛𝑑</m:t>
+                          </m:r>
+                          <m:r>
+                            <a:rPr lang="en-US" sz="5000" b="0" i="1" smtClean="0">
+                              <a:latin typeface="Cambria Math" panose="02040503050406030204" pitchFamily="18" charset="0"/>
+                            </a:rPr>
+                            <m:t> −</m:t>
+                          </m:r>
+                          <m:r>
+                            <a:rPr lang="en-US" sz="5000" b="0" i="1" smtClean="0">
+                              <a:latin typeface="Cambria Math" panose="02040503050406030204" pitchFamily="18" charset="0"/>
+                            </a:rPr>
+                            <m:t>𝑆𝑡𝑎𝑟𝑡</m:t>
+                          </m:r>
+                        </m:num>
+                        <m:den>
+                          <m:r>
+                            <a:rPr lang="en-US" sz="5000" b="0" i="1" smtClean="0">
+                              <a:latin typeface="Cambria Math" panose="02040503050406030204" pitchFamily="18" charset="0"/>
+                            </a:rPr>
+                            <m:t>2</m:t>
+                          </m:r>
+                        </m:den>
+                      </m:f>
+                    </m:oMath>
+                  </m:oMathPara>
+                </a14:m>
+                <a:endParaRPr lang="en-US" sz="5000" dirty="0"/>
+              </a:p>
+            </p:txBody>
+          </p:sp>
+        </mc:Choice>
+        <mc:Fallback>
+          <p:sp>
+            <p:nvSpPr>
+              <p:cNvPr id="32" name="TextBox 31">
+                <a:extLst>
+                  <a:ext uri="{FF2B5EF4-FFF2-40B4-BE49-F238E27FC236}">
+                    <a16:creationId xmlns:a16="http://schemas.microsoft.com/office/drawing/2014/main" id="{1AABBDB6-10EA-C878-C1B4-2C667C0766BA}"/>
+                  </a:ext>
+                </a:extLst>
+              </p:cNvPr>
+              <p:cNvSpPr txBox="1">
+                <a:spLocks noRot="1" noChangeAspect="1" noMove="1" noResize="1" noEditPoints="1" noAdjustHandles="1" noChangeArrowheads="1" noChangeShapeType="1" noTextEdit="1"/>
+              </p:cNvSpPr>
+              <p:nvPr/>
+            </p:nvSpPr>
+            <p:spPr>
+              <a:xfrm>
+                <a:off x="24120299" y="18286022"/>
+                <a:ext cx="6310859" cy="1455783"/>
+              </a:xfrm>
+              <a:prstGeom prst="rect">
+                <a:avLst/>
+              </a:prstGeom>
+              <a:blipFill>
+                <a:blip r:embed="rId2"/>
+                <a:stretch>
+                  <a:fillRect l="-3815" t="-8696" r="-2209" b="-13913"/>
+                </a:stretch>
+              </a:blipFill>
+            </p:spPr>
+            <p:txBody>
+              <a:bodyPr/>
+              <a:lstStyle/>
+              <a:p>
+                <a:r>
+                  <a:rPr lang="en-US">
+                    <a:noFill/>
+                  </a:rPr>
+                  <a:t> </a:t>
+                </a:r>
+              </a:p>
+            </p:txBody>
+          </p:sp>
+        </mc:Fallback>
+      </mc:AlternateContent>
+      <mc:AlternateContent xmlns:mc="http://schemas.openxmlformats.org/markup-compatibility/2006">
+        <mc:Choice xmlns:a14="http://schemas.microsoft.com/office/drawing/2010/main" Requires="a14">
+          <p:sp>
+            <p:nvSpPr>
+              <p:cNvPr id="33" name="TextBox 32">
+                <a:extLst>
+                  <a:ext uri="{FF2B5EF4-FFF2-40B4-BE49-F238E27FC236}">
+                    <a16:creationId xmlns:a16="http://schemas.microsoft.com/office/drawing/2014/main" id="{DFCB1274-8BE5-7137-4591-20FAB8BF4CF3}"/>
+                  </a:ext>
+                </a:extLst>
+              </p:cNvPr>
+              <p:cNvSpPr txBox="1"/>
+              <p:nvPr/>
+            </p:nvSpPr>
+            <p:spPr>
+              <a:xfrm>
+                <a:off x="22015225" y="20500084"/>
+                <a:ext cx="10653668" cy="769441"/>
+              </a:xfrm>
+              <a:prstGeom prst="rect">
+                <a:avLst/>
+              </a:prstGeom>
+              <a:noFill/>
+            </p:spPr>
+            <p:txBody>
+              <a:bodyPr wrap="square" lIns="0" tIns="0" rIns="0" bIns="0" rtlCol="0">
+                <a:spAutoFit/>
+              </a:bodyPr>
+              <a:lstStyle/>
+              <a:p>
+                <a14:m>
+                  <m:oMathPara xmlns:m="http://schemas.openxmlformats.org/officeDocument/2006/math">
+                    <m:oMathParaPr>
+                      <m:jc m:val="centerGroup"/>
+                    </m:oMathParaPr>
+                    <m:oMath xmlns:m="http://schemas.openxmlformats.org/officeDocument/2006/math">
+                      <m:r>
+                        <a:rPr lang="en-US" sz="5000" b="0" i="1" smtClean="0">
+                          <a:latin typeface="Cambria Math" panose="02040503050406030204" pitchFamily="18" charset="0"/>
+                        </a:rPr>
+                        <m:t>𝑂𝑓𝑓𝑠𝑒𝑡</m:t>
+                      </m:r>
+                      <m:r>
+                        <a:rPr lang="en-US" sz="5000" b="0" i="1" smtClean="0">
+                          <a:latin typeface="Cambria Math" panose="02040503050406030204" pitchFamily="18" charset="0"/>
+                        </a:rPr>
+                        <m:t>=</m:t>
+                      </m:r>
+                      <m:r>
+                        <a:rPr lang="en-US" sz="5000" b="0" i="1" smtClean="0">
+                          <a:latin typeface="Cambria Math" panose="02040503050406030204" pitchFamily="18" charset="0"/>
+                        </a:rPr>
+                        <m:t>𝑆𝑦𝑠𝑡𝑒𝑚</m:t>
+                      </m:r>
+                      <m:r>
+                        <a:rPr lang="en-US" sz="5000" b="0" i="1" smtClean="0">
+                          <a:latin typeface="Cambria Math" panose="02040503050406030204" pitchFamily="18" charset="0"/>
+                        </a:rPr>
+                        <m:t>+</m:t>
+                      </m:r>
+                      <m:r>
+                        <a:rPr lang="en-US" sz="5000" b="0" i="1" smtClean="0">
+                          <a:latin typeface="Cambria Math" panose="02040503050406030204" pitchFamily="18" charset="0"/>
+                        </a:rPr>
+                        <m:t>𝐷𝑒𝑙𝑎𝑦</m:t>
+                      </m:r>
+                      <m:r>
+                        <a:rPr lang="en-US" sz="5000" b="0" i="1" smtClean="0">
+                          <a:latin typeface="Cambria Math" panose="02040503050406030204" pitchFamily="18" charset="0"/>
+                        </a:rPr>
+                        <m:t> −</m:t>
+                      </m:r>
+                      <m:r>
+                        <a:rPr lang="en-US" sz="5000" b="0" i="1" smtClean="0">
+                          <a:latin typeface="Cambria Math" panose="02040503050406030204" pitchFamily="18" charset="0"/>
+                        </a:rPr>
+                        <m:t>𝐸𝑛𝑑</m:t>
+                      </m:r>
+                    </m:oMath>
+                  </m:oMathPara>
+                </a14:m>
+                <a:endParaRPr lang="en-US" sz="5000" dirty="0"/>
+              </a:p>
+            </p:txBody>
+          </p:sp>
+        </mc:Choice>
+        <mc:Fallback>
+          <p:sp>
+            <p:nvSpPr>
+              <p:cNvPr id="33" name="TextBox 32">
+                <a:extLst>
+                  <a:ext uri="{FF2B5EF4-FFF2-40B4-BE49-F238E27FC236}">
+                    <a16:creationId xmlns:a16="http://schemas.microsoft.com/office/drawing/2014/main" id="{DFCB1274-8BE5-7137-4591-20FAB8BF4CF3}"/>
+                  </a:ext>
+                </a:extLst>
+              </p:cNvPr>
+              <p:cNvSpPr txBox="1">
+                <a:spLocks noRot="1" noChangeAspect="1" noMove="1" noResize="1" noEditPoints="1" noAdjustHandles="1" noChangeArrowheads="1" noChangeShapeType="1" noTextEdit="1"/>
+              </p:cNvSpPr>
+              <p:nvPr/>
+            </p:nvSpPr>
+            <p:spPr>
+              <a:xfrm>
+                <a:off x="22015225" y="20500084"/>
+                <a:ext cx="10653668" cy="769441"/>
+              </a:xfrm>
+              <a:prstGeom prst="rect">
+                <a:avLst/>
+              </a:prstGeom>
+              <a:blipFill>
+                <a:blip r:embed="rId3"/>
+                <a:stretch>
+                  <a:fillRect t="-9836" b="-36066"/>
+                </a:stretch>
+              </a:blipFill>
+            </p:spPr>
+            <p:txBody>
+              <a:bodyPr/>
+              <a:lstStyle/>
+              <a:p>
+                <a:r>
+                  <a:rPr lang="en-US">
+                    <a:noFill/>
+                  </a:rPr>
+                  <a:t> </a:t>
+                </a:r>
+              </a:p>
+            </p:txBody>
+          </p:sp>
+        </mc:Fallback>
+      </mc:AlternateContent>
+    </p:spTree>
+    <p:extLst>
+      <p:ext uri="{BB962C8B-B14F-4D97-AF65-F5344CB8AC3E}">
+        <p14:creationId xmlns:p14="http://schemas.microsoft.com/office/powerpoint/2010/main" val="942760072"/>
+      </p:ext>
+    </p:extLst>
+  </p:cSld>
+  <p:clrMapOvr>
+    <a:masterClrMapping/>
+  </p:clrMapOvr>
+</p:sld>
+</file>
+
+<file path=ppt/slides/slide3.xml><?xml version="1.0" encoding="utf-8"?>
+<p:sld xmlns:a="http://schemas.openxmlformats.org/drawingml/2006/main" xmlns:r="http://schemas.openxmlformats.org/officeDocument/2006/relationships" xmlns:p="http://schemas.openxmlformats.org/presentationml/2006/main">
+  <p:cSld>
+    <p:spTree>
+      <p:nvGrpSpPr>
+        <p:cNvPr id="1" name="">
+          <a:extLst>
+            <a:ext uri="{FF2B5EF4-FFF2-40B4-BE49-F238E27FC236}">
+              <a16:creationId xmlns:a16="http://schemas.microsoft.com/office/drawing/2014/main" id="{7E8769AA-27E5-D5D0-DB7D-EA08F1177CC1}"/>
+            </a:ext>
+          </a:extLst>
+        </p:cNvPr>
+        <p:cNvGrpSpPr/>
+        <p:nvPr/>
+      </p:nvGrpSpPr>
+      <p:grpSpPr>
+        <a:xfrm>
+          <a:off x="0" y="0"/>
+          <a:ext cx="0" cy="0"/>
+          <a:chOff x="0" y="0"/>
+          <a:chExt cx="0" cy="0"/>
+        </a:xfrm>
+      </p:grpSpPr>
+      <p:sp>
+        <p:nvSpPr>
+          <p:cNvPr id="5" name="Rectangle 4">
+            <a:extLst>
+              <a:ext uri="{FF2B5EF4-FFF2-40B4-BE49-F238E27FC236}">
+                <a16:creationId xmlns:a16="http://schemas.microsoft.com/office/drawing/2014/main" id="{90789CE8-30D1-095A-DC89-28A7C439FFC0}"/>
+              </a:ext>
+            </a:extLst>
+          </p:cNvPr>
+          <p:cNvSpPr/>
+          <p:nvPr/>
+        </p:nvSpPr>
+        <p:spPr>
+          <a:xfrm>
+            <a:off x="23954420" y="8589416"/>
+            <a:ext cx="6400800" cy="2286000"/>
+          </a:xfrm>
+          <a:prstGeom prst="rect">
+            <a:avLst/>
+          </a:prstGeom>
+        </p:spPr>
+        <p:style>
+          <a:lnRef idx="2">
+            <a:schemeClr val="accent1">
+              <a:shade val="15000"/>
+            </a:schemeClr>
+          </a:lnRef>
+          <a:fillRef idx="1">
+            <a:schemeClr val="accent1"/>
+          </a:fillRef>
+          <a:effectRef idx="0">
+            <a:schemeClr val="accent1"/>
+          </a:effectRef>
+          <a:fontRef idx="minor">
+            <a:schemeClr val="lt1"/>
+          </a:fontRef>
+        </p:style>
+        <p:txBody>
+          <a:bodyPr rtlCol="0" anchor="ctr"/>
+          <a:lstStyle/>
+          <a:p>
+            <a:pPr algn="ctr"/>
+            <a:r>
+              <a:rPr lang="en-US" sz="5000" dirty="0"/>
+              <a:t>Music Manager Thread</a:t>
+            </a:r>
+          </a:p>
+        </p:txBody>
+      </p:sp>
+      <p:cxnSp>
+        <p:nvCxnSpPr>
+          <p:cNvPr id="7" name="Straight Arrow Connector 6">
+            <a:extLst>
+              <a:ext uri="{FF2B5EF4-FFF2-40B4-BE49-F238E27FC236}">
+                <a16:creationId xmlns:a16="http://schemas.microsoft.com/office/drawing/2014/main" id="{EBAA526D-66A4-7FC9-323E-A2605A4610A8}"/>
+              </a:ext>
+            </a:extLst>
+          </p:cNvPr>
+          <p:cNvCxnSpPr>
+            <a:cxnSpLocks/>
+          </p:cNvCxnSpPr>
+          <p:nvPr/>
+        </p:nvCxnSpPr>
+        <p:spPr>
+          <a:xfrm>
+            <a:off x="2837046" y="2687576"/>
+            <a:ext cx="0" cy="22506550"/>
+          </a:xfrm>
+          <a:prstGeom prst="straightConnector1">
+            <a:avLst/>
+          </a:prstGeom>
+          <a:ln w="381000">
+            <a:solidFill>
+              <a:schemeClr val="tx1"/>
+            </a:solidFill>
+            <a:tailEnd type="triangle"/>
+          </a:ln>
+        </p:spPr>
+        <p:style>
+          <a:lnRef idx="2">
+            <a:schemeClr val="accent1"/>
+          </a:lnRef>
+          <a:fillRef idx="0">
+            <a:schemeClr val="accent1"/>
+          </a:fillRef>
+          <a:effectRef idx="1">
+            <a:schemeClr val="accent1"/>
+          </a:effectRef>
+          <a:fontRef idx="minor">
+            <a:schemeClr val="tx1"/>
+          </a:fontRef>
+        </p:style>
+      </p:cxnSp>
+      <p:sp>
+        <p:nvSpPr>
+          <p:cNvPr id="9" name="TextBox 8">
+            <a:extLst>
+              <a:ext uri="{FF2B5EF4-FFF2-40B4-BE49-F238E27FC236}">
+                <a16:creationId xmlns:a16="http://schemas.microsoft.com/office/drawing/2014/main" id="{E26327C0-1B00-B882-B92F-82E39ECC2F36}"/>
+              </a:ext>
+            </a:extLst>
+          </p:cNvPr>
+          <p:cNvSpPr txBox="1"/>
+          <p:nvPr/>
+        </p:nvSpPr>
+        <p:spPr>
+          <a:xfrm>
+            <a:off x="1155032" y="721894"/>
+            <a:ext cx="3320715" cy="1631216"/>
+          </a:xfrm>
+          <a:prstGeom prst="rect">
+            <a:avLst/>
+          </a:prstGeom>
+          <a:noFill/>
+        </p:spPr>
+        <p:txBody>
+          <a:bodyPr wrap="square" rtlCol="0">
+            <a:spAutoFit/>
+          </a:bodyPr>
+          <a:lstStyle/>
+          <a:p>
+            <a:pPr algn="ctr"/>
+            <a:r>
+              <a:rPr lang="en-US" sz="10000" dirty="0"/>
+              <a:t>Time</a:t>
+            </a:r>
+          </a:p>
+        </p:txBody>
+      </p:sp>
+      <p:sp>
+        <p:nvSpPr>
+          <p:cNvPr id="10" name="Rectangle 9">
+            <a:extLst>
+              <a:ext uri="{FF2B5EF4-FFF2-40B4-BE49-F238E27FC236}">
+                <a16:creationId xmlns:a16="http://schemas.microsoft.com/office/drawing/2014/main" id="{1E302181-2480-F618-2D71-19FA116527D5}"/>
+              </a:ext>
+            </a:extLst>
+          </p:cNvPr>
+          <p:cNvSpPr/>
+          <p:nvPr/>
+        </p:nvSpPr>
+        <p:spPr>
+          <a:xfrm>
+            <a:off x="5339614" y="15215392"/>
+            <a:ext cx="6400800" cy="2286000"/>
+          </a:xfrm>
+          <a:prstGeom prst="rect">
+            <a:avLst/>
+          </a:prstGeom>
+        </p:spPr>
+        <p:style>
+          <a:lnRef idx="2">
+            <a:schemeClr val="accent1">
+              <a:shade val="15000"/>
+            </a:schemeClr>
+          </a:lnRef>
+          <a:fillRef idx="1">
+            <a:schemeClr val="accent1"/>
+          </a:fillRef>
+          <a:effectRef idx="0">
+            <a:schemeClr val="accent1"/>
+          </a:effectRef>
+          <a:fontRef idx="minor">
+            <a:schemeClr val="lt1"/>
+          </a:fontRef>
+        </p:style>
+        <p:txBody>
+          <a:bodyPr rtlCol="0" anchor="ctr"/>
+          <a:lstStyle/>
+          <a:p>
+            <a:pPr algn="ctr"/>
+            <a:r>
+              <a:rPr lang="en-US" sz="5000" dirty="0"/>
+              <a:t>Client GRPC</a:t>
+            </a:r>
+          </a:p>
+        </p:txBody>
+      </p:sp>
+      <p:cxnSp>
+        <p:nvCxnSpPr>
+          <p:cNvPr id="15" name="Straight Arrow Connector 14">
+            <a:extLst>
+              <a:ext uri="{FF2B5EF4-FFF2-40B4-BE49-F238E27FC236}">
+                <a16:creationId xmlns:a16="http://schemas.microsoft.com/office/drawing/2014/main" id="{208FA224-FC8A-3FAC-DC85-58A4F0394420}"/>
+              </a:ext>
+            </a:extLst>
+          </p:cNvPr>
+          <p:cNvCxnSpPr>
+            <a:cxnSpLocks/>
+            <a:stCxn id="5" idx="1"/>
+            <a:endCxn id="10" idx="3"/>
+          </p:cNvCxnSpPr>
+          <p:nvPr/>
+        </p:nvCxnSpPr>
+        <p:spPr>
+          <a:xfrm flipH="1">
+            <a:off x="11740414" y="9732416"/>
+            <a:ext cx="12214006" cy="6625976"/>
+          </a:xfrm>
+          <a:prstGeom prst="straightConnector1">
+            <a:avLst/>
+          </a:prstGeom>
+          <a:ln w="254000">
+            <a:solidFill>
+              <a:schemeClr val="accent6"/>
+            </a:solidFill>
+            <a:tailEnd type="triangle"/>
+          </a:ln>
+        </p:spPr>
+        <p:style>
+          <a:lnRef idx="2">
+            <a:schemeClr val="accent1"/>
+          </a:lnRef>
+          <a:fillRef idx="0">
+            <a:schemeClr val="accent1"/>
+          </a:fillRef>
+          <a:effectRef idx="1">
+            <a:schemeClr val="accent1"/>
+          </a:effectRef>
+          <a:fontRef idx="minor">
+            <a:schemeClr val="tx1"/>
+          </a:fontRef>
+        </p:style>
+      </p:cxnSp>
+      <p:sp>
+        <p:nvSpPr>
+          <p:cNvPr id="19" name="Snip Diagonal Corner Rectangle 18">
+            <a:extLst>
+              <a:ext uri="{FF2B5EF4-FFF2-40B4-BE49-F238E27FC236}">
+                <a16:creationId xmlns:a16="http://schemas.microsoft.com/office/drawing/2014/main" id="{32A3E373-2CF4-122F-0A4A-ADDBE7890D59}"/>
+              </a:ext>
+            </a:extLst>
+          </p:cNvPr>
+          <p:cNvSpPr/>
+          <p:nvPr/>
+        </p:nvSpPr>
+        <p:spPr>
+          <a:xfrm>
+            <a:off x="23954420" y="6930495"/>
+            <a:ext cx="2397034" cy="1643681"/>
+          </a:xfrm>
+          <a:prstGeom prst="snip2DiagRect">
+            <a:avLst/>
+          </a:prstGeom>
+          <a:solidFill>
+            <a:schemeClr val="accent1">
+              <a:lumMod val="60000"/>
+              <a:lumOff val="40000"/>
+            </a:schemeClr>
+          </a:solidFill>
+        </p:spPr>
+        <p:style>
+          <a:lnRef idx="2">
+            <a:schemeClr val="accent1">
+              <a:shade val="15000"/>
+            </a:schemeClr>
+          </a:lnRef>
+          <a:fillRef idx="1">
+            <a:schemeClr val="accent1"/>
+          </a:fillRef>
+          <a:effectRef idx="0">
+            <a:schemeClr val="accent1"/>
+          </a:effectRef>
+          <a:fontRef idx="minor">
+            <a:schemeClr val="lt1"/>
+          </a:fontRef>
+        </p:style>
+        <p:txBody>
+          <a:bodyPr rtlCol="0" anchor="ctr"/>
+          <a:lstStyle/>
+          <a:p>
+            <a:pPr algn="ctr"/>
+            <a:r>
+              <a:rPr lang="en-US" sz="5000" dirty="0"/>
+              <a:t>Device Clock</a:t>
+            </a:r>
+          </a:p>
+        </p:txBody>
+      </p:sp>
+      <p:sp>
+        <p:nvSpPr>
+          <p:cNvPr id="20" name="Snip Diagonal Corner Rectangle 19">
+            <a:extLst>
+              <a:ext uri="{FF2B5EF4-FFF2-40B4-BE49-F238E27FC236}">
+                <a16:creationId xmlns:a16="http://schemas.microsoft.com/office/drawing/2014/main" id="{DDD0C92A-F93B-CF1C-60E8-7A36C4A60449}"/>
+              </a:ext>
+            </a:extLst>
+          </p:cNvPr>
+          <p:cNvSpPr/>
+          <p:nvPr/>
+        </p:nvSpPr>
+        <p:spPr>
+          <a:xfrm>
+            <a:off x="5339614" y="13571711"/>
+            <a:ext cx="2397034" cy="1643681"/>
+          </a:xfrm>
+          <a:prstGeom prst="snip2DiagRect">
+            <a:avLst/>
+          </a:prstGeom>
+          <a:solidFill>
+            <a:schemeClr val="accent1">
+              <a:lumMod val="60000"/>
+              <a:lumOff val="40000"/>
+            </a:schemeClr>
+          </a:solidFill>
+        </p:spPr>
+        <p:style>
+          <a:lnRef idx="2">
+            <a:schemeClr val="accent1">
+              <a:shade val="15000"/>
+            </a:schemeClr>
+          </a:lnRef>
+          <a:fillRef idx="1">
+            <a:schemeClr val="accent1"/>
+          </a:fillRef>
+          <a:effectRef idx="0">
+            <a:schemeClr val="accent1"/>
+          </a:effectRef>
+          <a:fontRef idx="minor">
+            <a:schemeClr val="lt1"/>
+          </a:fontRef>
+        </p:style>
+        <p:txBody>
+          <a:bodyPr rtlCol="0" anchor="ctr"/>
+          <a:lstStyle/>
+          <a:p>
+            <a:pPr algn="ctr"/>
+            <a:r>
+              <a:rPr lang="en-US" sz="5000" dirty="0"/>
+              <a:t>Device Clock</a:t>
+            </a:r>
+          </a:p>
+        </p:txBody>
+      </p:sp>
+      <p:sp>
+        <p:nvSpPr>
+          <p:cNvPr id="24" name="TextBox 23">
+            <a:extLst>
+              <a:ext uri="{FF2B5EF4-FFF2-40B4-BE49-F238E27FC236}">
+                <a16:creationId xmlns:a16="http://schemas.microsoft.com/office/drawing/2014/main" id="{B01BF0E7-C408-9C4F-AE09-C39E3DCE685C}"/>
+              </a:ext>
+            </a:extLst>
+          </p:cNvPr>
+          <p:cNvSpPr txBox="1"/>
+          <p:nvPr/>
+        </p:nvSpPr>
+        <p:spPr>
+          <a:xfrm rot="19804060">
+            <a:off x="13327759" y="13413051"/>
+            <a:ext cx="10534347" cy="1169551"/>
+          </a:xfrm>
+          <a:prstGeom prst="rect">
+            <a:avLst/>
+          </a:prstGeom>
+          <a:noFill/>
+        </p:spPr>
+        <p:txBody>
+          <a:bodyPr wrap="square" rtlCol="0">
+            <a:spAutoFit/>
+          </a:bodyPr>
+          <a:lstStyle/>
+          <a:p>
+            <a:r>
+              <a:rPr lang="en-US" sz="7000" dirty="0"/>
+              <a:t>GRPC Music Start Request</a:t>
+            </a:r>
+          </a:p>
+        </p:txBody>
+      </p:sp>
+      <p:cxnSp>
+        <p:nvCxnSpPr>
+          <p:cNvPr id="26" name="Straight Connector 25">
+            <a:extLst>
+              <a:ext uri="{FF2B5EF4-FFF2-40B4-BE49-F238E27FC236}">
+                <a16:creationId xmlns:a16="http://schemas.microsoft.com/office/drawing/2014/main" id="{431492CF-1943-548B-3312-4DF1C536755A}"/>
+              </a:ext>
+            </a:extLst>
+          </p:cNvPr>
+          <p:cNvCxnSpPr/>
+          <p:nvPr/>
+        </p:nvCxnSpPr>
+        <p:spPr>
+          <a:xfrm>
+            <a:off x="1973179" y="4229891"/>
+            <a:ext cx="1780674" cy="0"/>
+          </a:xfrm>
+          <a:prstGeom prst="line">
+            <a:avLst/>
+          </a:prstGeom>
+          <a:ln w="381000">
+            <a:solidFill>
+              <a:schemeClr val="tx1"/>
+            </a:solidFill>
+          </a:ln>
+        </p:spPr>
+        <p:style>
+          <a:lnRef idx="2">
+            <a:schemeClr val="accent1"/>
+          </a:lnRef>
+          <a:fillRef idx="0">
+            <a:schemeClr val="accent1"/>
+          </a:fillRef>
+          <a:effectRef idx="1">
+            <a:schemeClr val="accent1"/>
+          </a:effectRef>
+          <a:fontRef idx="minor">
+            <a:schemeClr val="tx1"/>
+          </a:fontRef>
+        </p:style>
+      </p:cxnSp>
+      <p:cxnSp>
+        <p:nvCxnSpPr>
+          <p:cNvPr id="27" name="Straight Connector 26">
+            <a:extLst>
+              <a:ext uri="{FF2B5EF4-FFF2-40B4-BE49-F238E27FC236}">
+                <a16:creationId xmlns:a16="http://schemas.microsoft.com/office/drawing/2014/main" id="{1315D632-D3BB-31B4-E08F-71D463783515}"/>
+              </a:ext>
+            </a:extLst>
+          </p:cNvPr>
+          <p:cNvCxnSpPr/>
+          <p:nvPr/>
+        </p:nvCxnSpPr>
+        <p:spPr>
+          <a:xfrm>
+            <a:off x="1946709" y="16325015"/>
+            <a:ext cx="1780674" cy="0"/>
+          </a:xfrm>
+          <a:prstGeom prst="line">
+            <a:avLst/>
+          </a:prstGeom>
+          <a:ln w="381000">
+            <a:solidFill>
+              <a:schemeClr val="tx1"/>
+            </a:solidFill>
+          </a:ln>
+        </p:spPr>
+        <p:style>
+          <a:lnRef idx="2">
+            <a:schemeClr val="accent1"/>
+          </a:lnRef>
+          <a:fillRef idx="0">
+            <a:schemeClr val="accent1"/>
+          </a:fillRef>
+          <a:effectRef idx="1">
+            <a:schemeClr val="accent1"/>
+          </a:effectRef>
+          <a:fontRef idx="minor">
+            <a:schemeClr val="tx1"/>
+          </a:fontRef>
+        </p:style>
+      </p:cxnSp>
+      <p:cxnSp>
+        <p:nvCxnSpPr>
+          <p:cNvPr id="28" name="Straight Connector 27">
+            <a:extLst>
+              <a:ext uri="{FF2B5EF4-FFF2-40B4-BE49-F238E27FC236}">
+                <a16:creationId xmlns:a16="http://schemas.microsoft.com/office/drawing/2014/main" id="{A05171B9-EB5D-1A64-0D68-9123ACBE10CA}"/>
+              </a:ext>
+            </a:extLst>
+          </p:cNvPr>
+          <p:cNvCxnSpPr/>
+          <p:nvPr/>
+        </p:nvCxnSpPr>
+        <p:spPr>
+          <a:xfrm>
+            <a:off x="1973179" y="20928414"/>
+            <a:ext cx="1780674" cy="0"/>
+          </a:xfrm>
+          <a:prstGeom prst="line">
+            <a:avLst/>
+          </a:prstGeom>
+          <a:ln w="381000">
+            <a:solidFill>
+              <a:schemeClr val="tx1"/>
+            </a:solidFill>
+          </a:ln>
+        </p:spPr>
+        <p:style>
+          <a:lnRef idx="2">
+            <a:schemeClr val="accent1"/>
+          </a:lnRef>
+          <a:fillRef idx="0">
+            <a:schemeClr val="accent1"/>
+          </a:fillRef>
+          <a:effectRef idx="1">
+            <a:schemeClr val="accent1"/>
+          </a:effectRef>
+          <a:fontRef idx="minor">
+            <a:schemeClr val="tx1"/>
+          </a:fontRef>
+        </p:style>
+      </p:cxnSp>
+      <p:sp>
+        <p:nvSpPr>
+          <p:cNvPr id="30" name="TextBox 29">
+            <a:extLst>
+              <a:ext uri="{FF2B5EF4-FFF2-40B4-BE49-F238E27FC236}">
+                <a16:creationId xmlns:a16="http://schemas.microsoft.com/office/drawing/2014/main" id="{DDDD3E32-6BF5-976B-D33E-2ABFAE0DB3A1}"/>
+              </a:ext>
+            </a:extLst>
+          </p:cNvPr>
+          <p:cNvSpPr txBox="1"/>
+          <p:nvPr/>
+        </p:nvSpPr>
+        <p:spPr>
+          <a:xfrm>
+            <a:off x="26351454" y="6882154"/>
+            <a:ext cx="5463634" cy="1631216"/>
+          </a:xfrm>
+          <a:prstGeom prst="rect">
+            <a:avLst/>
+          </a:prstGeom>
+          <a:noFill/>
+        </p:spPr>
+        <p:txBody>
+          <a:bodyPr wrap="square" rtlCol="0">
+            <a:spAutoFit/>
+          </a:bodyPr>
+          <a:lstStyle/>
+          <a:p>
+            <a:pPr algn="ctr"/>
+            <a:r>
+              <a:rPr lang="en-US" sz="5000" i="1" dirty="0"/>
+              <a:t>System Current</a:t>
+            </a:r>
+          </a:p>
+          <a:p>
+            <a:pPr algn="ctr"/>
+            <a:r>
+              <a:rPr lang="en-US" sz="5000" i="1" dirty="0"/>
+              <a:t>Time</a:t>
+            </a:r>
+          </a:p>
+        </p:txBody>
+      </p:sp>
+      <p:sp>
+        <p:nvSpPr>
+          <p:cNvPr id="31" name="TextBox 30">
+            <a:extLst>
+              <a:ext uri="{FF2B5EF4-FFF2-40B4-BE49-F238E27FC236}">
+                <a16:creationId xmlns:a16="http://schemas.microsoft.com/office/drawing/2014/main" id="{43C7D80F-B9D8-4264-B97C-7AE86E296289}"/>
+              </a:ext>
+            </a:extLst>
+          </p:cNvPr>
+          <p:cNvSpPr txBox="1"/>
+          <p:nvPr/>
+        </p:nvSpPr>
+        <p:spPr>
+          <a:xfrm>
+            <a:off x="7696668" y="13603439"/>
+            <a:ext cx="5062072" cy="1631216"/>
+          </a:xfrm>
+          <a:prstGeom prst="rect">
+            <a:avLst/>
+          </a:prstGeom>
+          <a:noFill/>
+        </p:spPr>
+        <p:txBody>
+          <a:bodyPr wrap="square" rtlCol="0">
+            <a:spAutoFit/>
+          </a:bodyPr>
+          <a:lstStyle/>
+          <a:p>
+            <a:pPr algn="ctr"/>
+            <a:r>
+              <a:rPr lang="en-US" sz="5000" i="1" dirty="0"/>
+              <a:t>Client Current</a:t>
+            </a:r>
+          </a:p>
+          <a:p>
+            <a:pPr algn="ctr"/>
+            <a:r>
+              <a:rPr lang="en-US" sz="5000" i="1" dirty="0"/>
+              <a:t>Time</a:t>
+            </a:r>
+          </a:p>
+        </p:txBody>
+      </p:sp>
+      <p:sp>
+        <p:nvSpPr>
+          <p:cNvPr id="11" name="Right Brace 10">
+            <a:extLst>
+              <a:ext uri="{FF2B5EF4-FFF2-40B4-BE49-F238E27FC236}">
+                <a16:creationId xmlns:a16="http://schemas.microsoft.com/office/drawing/2014/main" id="{6E16EEA3-FE81-612A-81E0-E9B3A8148085}"/>
+              </a:ext>
+            </a:extLst>
+          </p:cNvPr>
+          <p:cNvSpPr/>
+          <p:nvPr/>
+        </p:nvSpPr>
+        <p:spPr>
+          <a:xfrm>
+            <a:off x="27396587" y="11088623"/>
+            <a:ext cx="1482673" cy="9839792"/>
+          </a:xfrm>
+          <a:prstGeom prst="rightBrace">
+            <a:avLst/>
+          </a:prstGeom>
+          <a:ln w="254000">
+            <a:solidFill>
+              <a:schemeClr val="accent2"/>
+            </a:solidFill>
+          </a:ln>
+        </p:spPr>
+        <p:style>
+          <a:lnRef idx="2">
+            <a:schemeClr val="accent1"/>
+          </a:lnRef>
+          <a:fillRef idx="0">
+            <a:schemeClr val="accent1"/>
+          </a:fillRef>
+          <a:effectRef idx="1">
+            <a:schemeClr val="accent1"/>
+          </a:effectRef>
+          <a:fontRef idx="minor">
+            <a:schemeClr val="tx1"/>
+          </a:fontRef>
+        </p:style>
+        <p:txBody>
+          <a:bodyPr rtlCol="0" anchor="ctr"/>
+          <a:lstStyle/>
+          <a:p>
+            <a:pPr algn="ctr"/>
+            <a:endParaRPr lang="en-US"/>
+          </a:p>
+        </p:txBody>
+      </p:sp>
+      <p:sp>
+        <p:nvSpPr>
+          <p:cNvPr id="13" name="TextBox 12">
+            <a:extLst>
+              <a:ext uri="{FF2B5EF4-FFF2-40B4-BE49-F238E27FC236}">
+                <a16:creationId xmlns:a16="http://schemas.microsoft.com/office/drawing/2014/main" id="{BBA8681A-DA3A-CBCF-A280-8E41567ED266}"/>
+              </a:ext>
+            </a:extLst>
+          </p:cNvPr>
+          <p:cNvSpPr txBox="1"/>
+          <p:nvPr/>
+        </p:nvSpPr>
+        <p:spPr>
+          <a:xfrm>
+            <a:off x="25152937" y="21335289"/>
+            <a:ext cx="5463634" cy="1631216"/>
+          </a:xfrm>
+          <a:prstGeom prst="rect">
+            <a:avLst/>
+          </a:prstGeom>
+          <a:noFill/>
+        </p:spPr>
+        <p:txBody>
+          <a:bodyPr wrap="square" rtlCol="0">
+            <a:spAutoFit/>
+          </a:bodyPr>
+          <a:lstStyle/>
+          <a:p>
+            <a:pPr algn="ctr"/>
+            <a:r>
+              <a:rPr lang="en-US" sz="5000" i="1" dirty="0"/>
+              <a:t>System Desired</a:t>
+            </a:r>
+          </a:p>
+          <a:p>
+            <a:pPr algn="ctr"/>
+            <a:r>
+              <a:rPr lang="en-US" sz="5000" i="1" dirty="0"/>
+              <a:t>Start Time</a:t>
+            </a:r>
+          </a:p>
+        </p:txBody>
+      </p:sp>
+      <p:sp>
+        <p:nvSpPr>
+          <p:cNvPr id="16" name="Left Brace 15">
+            <a:extLst>
+              <a:ext uri="{FF2B5EF4-FFF2-40B4-BE49-F238E27FC236}">
+                <a16:creationId xmlns:a16="http://schemas.microsoft.com/office/drawing/2014/main" id="{20DC9FDA-14CD-4E85-305C-0E7BA158CF0D}"/>
+              </a:ext>
+            </a:extLst>
+          </p:cNvPr>
+          <p:cNvSpPr/>
+          <p:nvPr/>
+        </p:nvSpPr>
+        <p:spPr>
+          <a:xfrm>
+            <a:off x="7196020" y="17792545"/>
+            <a:ext cx="1780639" cy="3135870"/>
+          </a:xfrm>
+          <a:prstGeom prst="leftBrace">
+            <a:avLst/>
+          </a:prstGeom>
+          <a:ln w="254000">
+            <a:solidFill>
+              <a:schemeClr val="accent2"/>
+            </a:solidFill>
+          </a:ln>
+        </p:spPr>
+        <p:style>
+          <a:lnRef idx="2">
+            <a:schemeClr val="accent1"/>
+          </a:lnRef>
+          <a:fillRef idx="0">
+            <a:schemeClr val="accent1"/>
+          </a:fillRef>
+          <a:effectRef idx="1">
+            <a:schemeClr val="accent1"/>
+          </a:effectRef>
+          <a:fontRef idx="minor">
+            <a:schemeClr val="tx1"/>
+          </a:fontRef>
+        </p:style>
+        <p:txBody>
+          <a:bodyPr rtlCol="0" anchor="ctr"/>
+          <a:lstStyle/>
+          <a:p>
+            <a:pPr algn="ctr"/>
+            <a:endParaRPr lang="en-US"/>
+          </a:p>
+        </p:txBody>
+      </p:sp>
+      <p:sp>
+        <p:nvSpPr>
+          <p:cNvPr id="17" name="TextBox 16">
+            <a:extLst>
+              <a:ext uri="{FF2B5EF4-FFF2-40B4-BE49-F238E27FC236}">
+                <a16:creationId xmlns:a16="http://schemas.microsoft.com/office/drawing/2014/main" id="{A0FD7A97-C47B-58EE-7453-93B7846A6F66}"/>
+              </a:ext>
+            </a:extLst>
+          </p:cNvPr>
+          <p:cNvSpPr txBox="1"/>
+          <p:nvPr/>
+        </p:nvSpPr>
+        <p:spPr>
+          <a:xfrm>
+            <a:off x="5378603" y="21335289"/>
+            <a:ext cx="5463634" cy="1631216"/>
+          </a:xfrm>
+          <a:prstGeom prst="rect">
+            <a:avLst/>
+          </a:prstGeom>
+          <a:noFill/>
+        </p:spPr>
+        <p:txBody>
+          <a:bodyPr wrap="square" rtlCol="0">
+            <a:spAutoFit/>
+          </a:bodyPr>
+          <a:lstStyle/>
+          <a:p>
+            <a:pPr algn="ctr"/>
+            <a:r>
+              <a:rPr lang="en-US" sz="5000" i="1" dirty="0"/>
+              <a:t>Client Target</a:t>
+            </a:r>
+          </a:p>
+          <a:p>
+            <a:pPr algn="ctr"/>
+            <a:r>
+              <a:rPr lang="en-US" sz="5000" i="1" dirty="0"/>
+              <a:t>Start Time</a:t>
+            </a:r>
+          </a:p>
+        </p:txBody>
+      </p:sp>
+      <mc:AlternateContent xmlns:mc="http://schemas.openxmlformats.org/markup-compatibility/2006">
+        <mc:Choice xmlns:a14="http://schemas.microsoft.com/office/drawing/2010/main" Requires="a14">
+          <p:sp>
+            <p:nvSpPr>
+              <p:cNvPr id="22" name="TextBox 21">
+                <a:extLst>
+                  <a:ext uri="{FF2B5EF4-FFF2-40B4-BE49-F238E27FC236}">
+                    <a16:creationId xmlns:a16="http://schemas.microsoft.com/office/drawing/2014/main" id="{EA62037E-4DE5-C2A3-3ED5-2C829ED6866D}"/>
+                  </a:ext>
+                </a:extLst>
+              </p:cNvPr>
+              <p:cNvSpPr txBox="1"/>
+              <p:nvPr/>
+            </p:nvSpPr>
+            <p:spPr>
+              <a:xfrm>
+                <a:off x="8369781" y="23537863"/>
+                <a:ext cx="19026806" cy="769441"/>
+              </a:xfrm>
+              <a:prstGeom prst="rect">
+                <a:avLst/>
+              </a:prstGeom>
+              <a:noFill/>
+            </p:spPr>
+            <p:txBody>
+              <a:bodyPr wrap="square" lIns="0" tIns="0" rIns="0" bIns="0" rtlCol="0">
+                <a:spAutoFit/>
+              </a:bodyPr>
+              <a:lstStyle/>
+              <a:p>
+                <a14:m>
+                  <m:oMathPara xmlns:m="http://schemas.openxmlformats.org/officeDocument/2006/math">
+                    <m:oMathParaPr>
+                      <m:jc m:val="centerGroup"/>
+                    </m:oMathParaPr>
+                    <m:oMath xmlns:m="http://schemas.openxmlformats.org/officeDocument/2006/math">
+                      <m:r>
+                        <a:rPr lang="en-US" sz="5000" b="0" i="1" smtClean="0">
+                          <a:latin typeface="Cambria Math" panose="02040503050406030204" pitchFamily="18" charset="0"/>
+                        </a:rPr>
+                        <m:t>𝐷𝑒𝑠𝑖𝑟𝑒𝑑</m:t>
+                      </m:r>
+                      <m:r>
+                        <a:rPr lang="en-US" sz="5000" b="0" i="1" smtClean="0">
+                          <a:latin typeface="Cambria Math" panose="02040503050406030204" pitchFamily="18" charset="0"/>
+                        </a:rPr>
+                        <m:t> </m:t>
+                      </m:r>
+                      <m:r>
+                        <a:rPr lang="en-US" sz="5000" b="0" i="1" smtClean="0">
+                          <a:latin typeface="Cambria Math" panose="02040503050406030204" pitchFamily="18" charset="0"/>
+                        </a:rPr>
+                        <m:t>𝑆𝑡𝑎𝑟𝑡</m:t>
+                      </m:r>
+                      <m:r>
+                        <a:rPr lang="en-US" sz="5000" b="0" i="1" smtClean="0">
+                          <a:latin typeface="Cambria Math" panose="02040503050406030204" pitchFamily="18" charset="0"/>
+                        </a:rPr>
+                        <m:t>=</m:t>
+                      </m:r>
+                      <m:r>
+                        <a:rPr lang="en-US" sz="5000" b="0" i="1" smtClean="0">
+                          <a:latin typeface="Cambria Math" panose="02040503050406030204" pitchFamily="18" charset="0"/>
+                        </a:rPr>
+                        <m:t>𝑆𝑦𝑠𝑡𝑒𝑚</m:t>
+                      </m:r>
+                      <m:r>
+                        <a:rPr lang="en-US" sz="5000" b="0" i="1" smtClean="0">
+                          <a:latin typeface="Cambria Math" panose="02040503050406030204" pitchFamily="18" charset="0"/>
+                        </a:rPr>
+                        <m:t> </m:t>
+                      </m:r>
+                      <m:r>
+                        <a:rPr lang="en-US" sz="5000" b="0" i="1" smtClean="0">
+                          <a:latin typeface="Cambria Math" panose="02040503050406030204" pitchFamily="18" charset="0"/>
+                        </a:rPr>
+                        <m:t>𝑇𝑖𝑚𝑒</m:t>
+                      </m:r>
+                      <m:r>
+                        <a:rPr lang="en-US" sz="5000" b="0" i="1" smtClean="0">
+                          <a:latin typeface="Cambria Math" panose="02040503050406030204" pitchFamily="18" charset="0"/>
+                        </a:rPr>
+                        <m:t>+ </m:t>
+                      </m:r>
+                      <m:r>
+                        <a:rPr lang="en-US" sz="5000" b="0" i="1" smtClean="0">
+                          <a:latin typeface="Cambria Math" panose="02040503050406030204" pitchFamily="18" charset="0"/>
+                        </a:rPr>
+                        <m:t>𝑀𝑎𝑥</m:t>
+                      </m:r>
+                      <m:d>
+                        <m:dPr>
+                          <m:ctrlPr>
+                            <a:rPr lang="en-US" sz="5000" b="0" i="1" smtClean="0">
+                              <a:latin typeface="Cambria Math" panose="02040503050406030204" pitchFamily="18" charset="0"/>
+                            </a:rPr>
+                          </m:ctrlPr>
+                        </m:dPr>
+                        <m:e>
+                          <m:r>
+                            <a:rPr lang="en-US" sz="5000" b="0" i="1" smtClean="0">
+                              <a:latin typeface="Cambria Math" panose="02040503050406030204" pitchFamily="18" charset="0"/>
+                            </a:rPr>
+                            <m:t>𝐶𝑙𝑖𝑒𝑛𝑡</m:t>
+                          </m:r>
+                          <m:r>
+                            <a:rPr lang="en-US" sz="5000" b="0" i="1" smtClean="0">
+                              <a:latin typeface="Cambria Math" panose="02040503050406030204" pitchFamily="18" charset="0"/>
+                            </a:rPr>
+                            <m:t> </m:t>
+                          </m:r>
+                          <m:r>
+                            <a:rPr lang="en-US" sz="5000" b="0" i="1" smtClean="0">
+                              <a:latin typeface="Cambria Math" panose="02040503050406030204" pitchFamily="18" charset="0"/>
+                            </a:rPr>
+                            <m:t>𝐷𝑒𝑙𝑎𝑦𝑠</m:t>
+                          </m:r>
+                        </m:e>
+                      </m:d>
+                      <m:r>
+                        <a:rPr lang="en-US" sz="5000" b="0" i="1" smtClean="0">
+                          <a:latin typeface="Cambria Math" panose="02040503050406030204" pitchFamily="18" charset="0"/>
+                        </a:rPr>
+                        <m:t>+</m:t>
+                      </m:r>
+                      <m:r>
+                        <a:rPr lang="en-US" sz="5000" b="0" i="1" smtClean="0">
+                          <a:latin typeface="Cambria Math" panose="02040503050406030204" pitchFamily="18" charset="0"/>
+                        </a:rPr>
+                        <m:t>𝐶𝑜𝑛𝑠𝑡𝑎𝑛𝑡</m:t>
+                      </m:r>
+                    </m:oMath>
+                  </m:oMathPara>
+                </a14:m>
+                <a:endParaRPr lang="en-US" sz="5000" dirty="0"/>
+              </a:p>
+            </p:txBody>
+          </p:sp>
+        </mc:Choice>
+        <mc:Fallback>
+          <p:sp>
+            <p:nvSpPr>
+              <p:cNvPr id="22" name="TextBox 21">
+                <a:extLst>
+                  <a:ext uri="{FF2B5EF4-FFF2-40B4-BE49-F238E27FC236}">
+                    <a16:creationId xmlns:a16="http://schemas.microsoft.com/office/drawing/2014/main" id="{EA62037E-4DE5-C2A3-3ED5-2C829ED6866D}"/>
+                  </a:ext>
+                </a:extLst>
+              </p:cNvPr>
+              <p:cNvSpPr txBox="1">
+                <a:spLocks noRot="1" noChangeAspect="1" noMove="1" noResize="1" noEditPoints="1" noAdjustHandles="1" noChangeArrowheads="1" noChangeShapeType="1" noTextEdit="1"/>
+              </p:cNvSpPr>
+              <p:nvPr/>
+            </p:nvSpPr>
+            <p:spPr>
+              <a:xfrm>
+                <a:off x="8369781" y="23537863"/>
+                <a:ext cx="19026806" cy="769441"/>
+              </a:xfrm>
+              <a:prstGeom prst="rect">
+                <a:avLst/>
+              </a:prstGeom>
+              <a:blipFill>
+                <a:blip r:embed="rId2"/>
+                <a:stretch>
+                  <a:fillRect t="-9836" b="-36066"/>
+                </a:stretch>
+              </a:blipFill>
+            </p:spPr>
+            <p:txBody>
+              <a:bodyPr/>
+              <a:lstStyle/>
+              <a:p>
+                <a:r>
+                  <a:rPr lang="en-US">
+                    <a:noFill/>
+                  </a:rPr>
+                  <a:t> </a:t>
+                </a:r>
+              </a:p>
+            </p:txBody>
+          </p:sp>
+        </mc:Fallback>
+      </mc:AlternateContent>
+      <mc:AlternateContent xmlns:mc="http://schemas.openxmlformats.org/markup-compatibility/2006">
+        <mc:Choice xmlns:a14="http://schemas.microsoft.com/office/drawing/2010/main" Requires="a14">
+          <p:sp>
+            <p:nvSpPr>
+              <p:cNvPr id="23" name="TextBox 22">
+                <a:extLst>
+                  <a:ext uri="{FF2B5EF4-FFF2-40B4-BE49-F238E27FC236}">
+                    <a16:creationId xmlns:a16="http://schemas.microsoft.com/office/drawing/2014/main" id="{2FDDC2AF-3001-AB96-3B3E-D02DA919545E}"/>
+                  </a:ext>
+                </a:extLst>
+              </p:cNvPr>
+              <p:cNvSpPr txBox="1"/>
+              <p:nvPr/>
+            </p:nvSpPr>
+            <p:spPr>
+              <a:xfrm>
+                <a:off x="8334014" y="24796824"/>
+                <a:ext cx="19026806" cy="769441"/>
+              </a:xfrm>
+              <a:prstGeom prst="rect">
+                <a:avLst/>
+              </a:prstGeom>
+              <a:noFill/>
+            </p:spPr>
+            <p:txBody>
+              <a:bodyPr wrap="square" lIns="0" tIns="0" rIns="0" bIns="0" rtlCol="0">
+                <a:spAutoFit/>
+              </a:bodyPr>
+              <a:lstStyle/>
+              <a:p>
+                <a14:m>
+                  <m:oMathPara xmlns:m="http://schemas.openxmlformats.org/officeDocument/2006/math">
+                    <m:oMathParaPr>
+                      <m:jc m:val="centerGroup"/>
+                    </m:oMathParaPr>
+                    <m:oMath xmlns:m="http://schemas.openxmlformats.org/officeDocument/2006/math">
+                      <m:r>
+                        <a:rPr lang="en-US" sz="5000" b="0" i="1" smtClean="0">
+                          <a:latin typeface="Cambria Math" panose="02040503050406030204" pitchFamily="18" charset="0"/>
+                        </a:rPr>
+                        <m:t>𝐶𝑙𝑖𝑒𝑛𝑡</m:t>
+                      </m:r>
+                      <m:r>
+                        <a:rPr lang="en-US" sz="5000" b="0" i="1" smtClean="0">
+                          <a:latin typeface="Cambria Math" panose="02040503050406030204" pitchFamily="18" charset="0"/>
+                        </a:rPr>
+                        <m:t> </m:t>
+                      </m:r>
+                      <m:r>
+                        <a:rPr lang="en-US" sz="5000" b="0" i="1" smtClean="0">
+                          <a:latin typeface="Cambria Math" panose="02040503050406030204" pitchFamily="18" charset="0"/>
+                        </a:rPr>
+                        <m:t>𝑆𝑡𝑎𝑟𝑡</m:t>
+                      </m:r>
+                      <m:r>
+                        <a:rPr lang="en-US" sz="5000" b="0" i="1" smtClean="0">
+                          <a:latin typeface="Cambria Math" panose="02040503050406030204" pitchFamily="18" charset="0"/>
+                        </a:rPr>
+                        <m:t>=</m:t>
+                      </m:r>
+                      <m:r>
+                        <a:rPr lang="en-US" sz="5000" b="0" i="1" smtClean="0">
+                          <a:latin typeface="Cambria Math" panose="02040503050406030204" pitchFamily="18" charset="0"/>
+                        </a:rPr>
+                        <m:t>𝐷𝑒𝑠𝑖𝑟𝑒𝑑</m:t>
+                      </m:r>
+                      <m:r>
+                        <a:rPr lang="en-US" sz="5000" b="0" i="1" smtClean="0">
+                          <a:latin typeface="Cambria Math" panose="02040503050406030204" pitchFamily="18" charset="0"/>
+                        </a:rPr>
+                        <m:t> </m:t>
+                      </m:r>
+                      <m:r>
+                        <a:rPr lang="en-US" sz="5000" b="0" i="1" smtClean="0">
+                          <a:latin typeface="Cambria Math" panose="02040503050406030204" pitchFamily="18" charset="0"/>
+                        </a:rPr>
+                        <m:t>𝑆𝑡𝑎𝑟𝑡</m:t>
+                      </m:r>
+                      <m:r>
+                        <a:rPr lang="en-US" sz="5000" b="0" i="1" smtClean="0">
+                          <a:latin typeface="Cambria Math" panose="02040503050406030204" pitchFamily="18" charset="0"/>
+                        </a:rPr>
+                        <m:t>+</m:t>
+                      </m:r>
+                      <m:r>
+                        <a:rPr lang="en-US" sz="5000" b="0" i="1" smtClean="0">
+                          <a:latin typeface="Cambria Math" panose="02040503050406030204" pitchFamily="18" charset="0"/>
+                        </a:rPr>
+                        <m:t>𝑂𝑓𝑓𝑠𝑒𝑡</m:t>
+                      </m:r>
+                    </m:oMath>
+                  </m:oMathPara>
+                </a14:m>
+                <a:endParaRPr lang="en-US" sz="5000" dirty="0"/>
+              </a:p>
+            </p:txBody>
+          </p:sp>
+        </mc:Choice>
+        <mc:Fallback>
+          <p:sp>
+            <p:nvSpPr>
+              <p:cNvPr id="23" name="TextBox 22">
+                <a:extLst>
+                  <a:ext uri="{FF2B5EF4-FFF2-40B4-BE49-F238E27FC236}">
+                    <a16:creationId xmlns:a16="http://schemas.microsoft.com/office/drawing/2014/main" id="{2FDDC2AF-3001-AB96-3B3E-D02DA919545E}"/>
+                  </a:ext>
+                </a:extLst>
+              </p:cNvPr>
+              <p:cNvSpPr txBox="1">
+                <a:spLocks noRot="1" noChangeAspect="1" noMove="1" noResize="1" noEditPoints="1" noAdjustHandles="1" noChangeArrowheads="1" noChangeShapeType="1" noTextEdit="1"/>
+              </p:cNvSpPr>
+              <p:nvPr/>
+            </p:nvSpPr>
+            <p:spPr>
+              <a:xfrm>
+                <a:off x="8334014" y="24796824"/>
+                <a:ext cx="19026806" cy="769441"/>
+              </a:xfrm>
+              <a:prstGeom prst="rect">
+                <a:avLst/>
+              </a:prstGeom>
+              <a:blipFill>
+                <a:blip r:embed="rId3"/>
+                <a:stretch>
+                  <a:fillRect t="-9677" b="-33871"/>
+                </a:stretch>
+              </a:blipFill>
+            </p:spPr>
+            <p:txBody>
+              <a:bodyPr/>
+              <a:lstStyle/>
+              <a:p>
+                <a:r>
+                  <a:rPr lang="en-US">
+                    <a:noFill/>
+                  </a:rPr>
+                  <a:t> </a:t>
+                </a:r>
+              </a:p>
+            </p:txBody>
+          </p:sp>
+        </mc:Fallback>
+      </mc:AlternateContent>
+      <p:sp>
+        <p:nvSpPr>
+          <p:cNvPr id="25" name="Rectangle 24">
+            <a:extLst>
+              <a:ext uri="{FF2B5EF4-FFF2-40B4-BE49-F238E27FC236}">
+                <a16:creationId xmlns:a16="http://schemas.microsoft.com/office/drawing/2014/main" id="{9F9DEB05-3749-E2FA-9688-FCE9FCA1B506}"/>
+              </a:ext>
+            </a:extLst>
+          </p:cNvPr>
+          <p:cNvSpPr/>
+          <p:nvPr/>
+        </p:nvSpPr>
+        <p:spPr>
+          <a:xfrm>
+            <a:off x="5339614" y="2746617"/>
+            <a:ext cx="6400800" cy="2286000"/>
+          </a:xfrm>
+          <a:prstGeom prst="rect">
+            <a:avLst/>
+          </a:prstGeom>
+        </p:spPr>
+        <p:style>
+          <a:lnRef idx="2">
+            <a:schemeClr val="accent1">
+              <a:shade val="15000"/>
+            </a:schemeClr>
+          </a:lnRef>
+          <a:fillRef idx="1">
+            <a:schemeClr val="accent1"/>
+          </a:fillRef>
+          <a:effectRef idx="0">
+            <a:schemeClr val="accent1"/>
+          </a:effectRef>
+          <a:fontRef idx="minor">
+            <a:schemeClr val="lt1"/>
+          </a:fontRef>
+        </p:style>
+        <p:txBody>
+          <a:bodyPr rtlCol="0" anchor="ctr"/>
+          <a:lstStyle/>
+          <a:p>
+            <a:pPr algn="ctr"/>
+            <a:r>
+              <a:rPr lang="en-US" sz="5000" dirty="0" err="1"/>
+              <a:t>TimeSync</a:t>
+            </a:r>
+            <a:r>
+              <a:rPr lang="en-US" sz="5000" dirty="0"/>
+              <a:t> Thread</a:t>
+            </a:r>
+          </a:p>
+        </p:txBody>
+      </p:sp>
+      <p:cxnSp>
+        <p:nvCxnSpPr>
+          <p:cNvPr id="35" name="Straight Arrow Connector 34">
+            <a:extLst>
+              <a:ext uri="{FF2B5EF4-FFF2-40B4-BE49-F238E27FC236}">
+                <a16:creationId xmlns:a16="http://schemas.microsoft.com/office/drawing/2014/main" id="{35E369E3-044E-23A6-823C-2A0DD6FB1F40}"/>
+              </a:ext>
+            </a:extLst>
+          </p:cNvPr>
+          <p:cNvCxnSpPr>
+            <a:cxnSpLocks/>
+            <a:stCxn id="25" idx="2"/>
+          </p:cNvCxnSpPr>
+          <p:nvPr/>
+        </p:nvCxnSpPr>
+        <p:spPr>
+          <a:xfrm>
+            <a:off x="8540014" y="5032617"/>
+            <a:ext cx="0" cy="8539094"/>
+          </a:xfrm>
+          <a:prstGeom prst="straightConnector1">
+            <a:avLst/>
+          </a:prstGeom>
+          <a:ln w="254000">
+            <a:solidFill>
+              <a:srgbClr val="FF0000"/>
+            </a:solidFill>
+            <a:prstDash val="sysDash"/>
+            <a:tailEnd type="triangle"/>
+          </a:ln>
+        </p:spPr>
+        <p:style>
+          <a:lnRef idx="2">
+            <a:schemeClr val="accent1"/>
+          </a:lnRef>
+          <a:fillRef idx="0">
+            <a:schemeClr val="accent1"/>
+          </a:fillRef>
+          <a:effectRef idx="1">
+            <a:schemeClr val="accent1"/>
+          </a:effectRef>
+          <a:fontRef idx="minor">
+            <a:schemeClr val="tx1"/>
+          </a:fontRef>
+        </p:style>
+      </p:cxnSp>
+      <p:sp>
+        <p:nvSpPr>
+          <p:cNvPr id="37" name="TextBox 36">
+            <a:extLst>
+              <a:ext uri="{FF2B5EF4-FFF2-40B4-BE49-F238E27FC236}">
+                <a16:creationId xmlns:a16="http://schemas.microsoft.com/office/drawing/2014/main" id="{80C30898-0069-0FAD-BDF0-2202224AED5E}"/>
+              </a:ext>
+            </a:extLst>
+          </p:cNvPr>
+          <p:cNvSpPr txBox="1"/>
+          <p:nvPr/>
+        </p:nvSpPr>
+        <p:spPr>
+          <a:xfrm>
+            <a:off x="8366032" y="6122181"/>
+            <a:ext cx="5062072" cy="861774"/>
+          </a:xfrm>
+          <a:prstGeom prst="rect">
+            <a:avLst/>
+          </a:prstGeom>
+          <a:noFill/>
+        </p:spPr>
+        <p:txBody>
+          <a:bodyPr wrap="square" rtlCol="0">
+            <a:spAutoFit/>
+          </a:bodyPr>
+          <a:lstStyle/>
+          <a:p>
+            <a:pPr algn="ctr"/>
+            <a:r>
+              <a:rPr lang="en-US" sz="5000" i="1" dirty="0"/>
+              <a:t>Client Offset</a:t>
+            </a:r>
+          </a:p>
+        </p:txBody>
+      </p:sp>
+      <p:sp>
+        <p:nvSpPr>
+          <p:cNvPr id="43" name="TextBox 42">
+            <a:extLst>
+              <a:ext uri="{FF2B5EF4-FFF2-40B4-BE49-F238E27FC236}">
+                <a16:creationId xmlns:a16="http://schemas.microsoft.com/office/drawing/2014/main" id="{DB4848B1-18D9-12A7-EE27-75DD0E244465}"/>
+              </a:ext>
+            </a:extLst>
+          </p:cNvPr>
+          <p:cNvSpPr txBox="1"/>
+          <p:nvPr/>
+        </p:nvSpPr>
+        <p:spPr>
+          <a:xfrm>
+            <a:off x="14242981" y="2783083"/>
+            <a:ext cx="10841005" cy="861774"/>
+          </a:xfrm>
+          <a:prstGeom prst="rect">
+            <a:avLst/>
+          </a:prstGeom>
+          <a:noFill/>
+        </p:spPr>
+        <p:txBody>
+          <a:bodyPr wrap="square" rtlCol="0">
+            <a:spAutoFit/>
+          </a:bodyPr>
+          <a:lstStyle/>
+          <a:p>
+            <a:pPr algn="ctr"/>
+            <a:r>
+              <a:rPr lang="en-US" sz="5000" i="1" dirty="0"/>
+              <a:t> Client Delay</a:t>
+            </a:r>
+          </a:p>
+        </p:txBody>
+      </p:sp>
+      <p:cxnSp>
+        <p:nvCxnSpPr>
+          <p:cNvPr id="48" name="Straight Connector 47">
+            <a:extLst>
+              <a:ext uri="{FF2B5EF4-FFF2-40B4-BE49-F238E27FC236}">
+                <a16:creationId xmlns:a16="http://schemas.microsoft.com/office/drawing/2014/main" id="{0EDE3266-1C79-D063-159F-182EECF3BEB4}"/>
+              </a:ext>
+            </a:extLst>
+          </p:cNvPr>
+          <p:cNvCxnSpPr/>
+          <p:nvPr/>
+        </p:nvCxnSpPr>
+        <p:spPr>
+          <a:xfrm>
+            <a:off x="1925052" y="9732416"/>
+            <a:ext cx="1780674" cy="0"/>
+          </a:xfrm>
+          <a:prstGeom prst="line">
+            <a:avLst/>
+          </a:prstGeom>
+          <a:ln w="381000">
+            <a:solidFill>
+              <a:schemeClr val="tx1"/>
+            </a:solidFill>
+          </a:ln>
+        </p:spPr>
+        <p:style>
+          <a:lnRef idx="2">
+            <a:schemeClr val="accent1"/>
+          </a:lnRef>
+          <a:fillRef idx="0">
+            <a:schemeClr val="accent1"/>
+          </a:fillRef>
+          <a:effectRef idx="1">
+            <a:schemeClr val="accent1"/>
+          </a:effectRef>
+          <a:fontRef idx="minor">
+            <a:schemeClr val="tx1"/>
+          </a:fontRef>
+        </p:style>
+      </p:cxnSp>
+      <p:cxnSp>
+        <p:nvCxnSpPr>
+          <p:cNvPr id="50" name="Elbow Connector 49">
+            <a:extLst>
+              <a:ext uri="{FF2B5EF4-FFF2-40B4-BE49-F238E27FC236}">
+                <a16:creationId xmlns:a16="http://schemas.microsoft.com/office/drawing/2014/main" id="{1689B045-BE6C-5571-D1FC-AF84C057ACE9}"/>
+              </a:ext>
+            </a:extLst>
+          </p:cNvPr>
+          <p:cNvCxnSpPr>
+            <a:cxnSpLocks/>
+            <a:stCxn id="25" idx="3"/>
+            <a:endCxn id="30" idx="0"/>
+          </p:cNvCxnSpPr>
+          <p:nvPr/>
+        </p:nvCxnSpPr>
+        <p:spPr>
+          <a:xfrm>
+            <a:off x="11740414" y="3889617"/>
+            <a:ext cx="17342857" cy="2992537"/>
+          </a:xfrm>
+          <a:prstGeom prst="bentConnector2">
+            <a:avLst/>
+          </a:prstGeom>
+          <a:ln w="254000">
+            <a:solidFill>
+              <a:schemeClr val="accent6"/>
+            </a:solidFill>
+            <a:prstDash val="sysDash"/>
+            <a:tailEnd type="triangle"/>
+          </a:ln>
+        </p:spPr>
+        <p:style>
+          <a:lnRef idx="2">
+            <a:schemeClr val="accent1"/>
+          </a:lnRef>
+          <a:fillRef idx="0">
+            <a:schemeClr val="accent1"/>
+          </a:fillRef>
+          <a:effectRef idx="1">
+            <a:schemeClr val="accent1"/>
+          </a:effectRef>
+          <a:fontRef idx="minor">
+            <a:schemeClr val="tx1"/>
+          </a:fontRef>
+        </p:style>
+      </p:cxnSp>
+    </p:spTree>
+    <p:extLst>
+      <p:ext uri="{BB962C8B-B14F-4D97-AF65-F5344CB8AC3E}">
+        <p14:creationId xmlns:p14="http://schemas.microsoft.com/office/powerpoint/2010/main" val="4273203573"/>
       </p:ext>
     </p:extLst>
   </p:cSld>

--- a/Figures.pptx
+++ b/Figures.pptx
@@ -2,14 +2,15 @@
 <file path=ppt/presentation.xml><?xml version="1.0" encoding="utf-8"?>
 <p:presentation xmlns:a="http://schemas.openxmlformats.org/drawingml/2006/main" xmlns:r="http://schemas.openxmlformats.org/officeDocument/2006/relationships" xmlns:p="http://schemas.openxmlformats.org/presentationml/2006/main" saveSubsetFonts="1" autoCompressPictures="0">
   <p:sldMasterIdLst>
-    <p:sldMasterId id="2147483684" r:id="rId1"/>
+    <p:sldMasterId id="2147483696" r:id="rId1"/>
   </p:sldMasterIdLst>
   <p:sldIdLst>
     <p:sldId id="256" r:id="rId2"/>
-    <p:sldId id="257" r:id="rId3"/>
-    <p:sldId id="258" r:id="rId4"/>
+    <p:sldId id="259" r:id="rId3"/>
+    <p:sldId id="257" r:id="rId4"/>
+    <p:sldId id="258" r:id="rId5"/>
   </p:sldIdLst>
-  <p:sldSz cx="36576000" cy="27432000"/>
+  <p:sldSz cx="45720000" cy="27432000"/>
   <p:notesSz cx="6858000" cy="9144000"/>
   <p:defaultTextStyle>
     <a:defPPr>
@@ -143,15 +144,15 @@
         </p:nvSpPr>
         <p:spPr>
           <a:xfrm>
-            <a:off x="2743200" y="4489452"/>
-            <a:ext cx="31089600" cy="9550400"/>
+            <a:off x="5715000" y="4489452"/>
+            <a:ext cx="34290000" cy="9550400"/>
           </a:xfrm>
         </p:spPr>
         <p:txBody>
           <a:bodyPr anchor="b"/>
           <a:lstStyle>
             <a:lvl1pPr algn="ctr">
-              <a:defRPr sz="24000"/>
+              <a:defRPr sz="22500"/>
             </a:lvl1pPr>
           </a:lstStyle>
           <a:p>
@@ -175,8 +176,8 @@
         </p:nvSpPr>
         <p:spPr>
           <a:xfrm>
-            <a:off x="4572000" y="14408152"/>
-            <a:ext cx="27432000" cy="6623048"/>
+            <a:off x="5715000" y="14408152"/>
+            <a:ext cx="34290000" cy="6623048"/>
           </a:xfrm>
         </p:spPr>
         <p:txBody>
@@ -184,39 +185,39 @@
           <a:lstStyle>
             <a:lvl1pPr marL="0" indent="0" algn="ctr">
               <a:buNone/>
-              <a:defRPr sz="9600"/>
+              <a:defRPr sz="9000"/>
             </a:lvl1pPr>
-            <a:lvl2pPr marL="1828800" indent="0" algn="ctr">
+            <a:lvl2pPr marL="1714500" indent="0" algn="ctr">
               <a:buNone/>
-              <a:defRPr sz="8000"/>
+              <a:defRPr sz="7500"/>
             </a:lvl2pPr>
-            <a:lvl3pPr marL="3657600" indent="0" algn="ctr">
+            <a:lvl3pPr marL="3429000" indent="0" algn="ctr">
               <a:buNone/>
-              <a:defRPr sz="7200"/>
+              <a:defRPr sz="6750"/>
             </a:lvl3pPr>
-            <a:lvl4pPr marL="5486400" indent="0" algn="ctr">
+            <a:lvl4pPr marL="5143500" indent="0" algn="ctr">
               <a:buNone/>
-              <a:defRPr sz="6400"/>
+              <a:defRPr sz="6000"/>
             </a:lvl4pPr>
-            <a:lvl5pPr marL="7315200" indent="0" algn="ctr">
+            <a:lvl5pPr marL="6858000" indent="0" algn="ctr">
               <a:buNone/>
-              <a:defRPr sz="6400"/>
+              <a:defRPr sz="6000"/>
             </a:lvl5pPr>
-            <a:lvl6pPr marL="9144000" indent="0" algn="ctr">
+            <a:lvl6pPr marL="8572500" indent="0" algn="ctr">
               <a:buNone/>
-              <a:defRPr sz="6400"/>
+              <a:defRPr sz="6000"/>
             </a:lvl6pPr>
-            <a:lvl7pPr marL="10972800" indent="0" algn="ctr">
+            <a:lvl7pPr marL="10287000" indent="0" algn="ctr">
               <a:buNone/>
-              <a:defRPr sz="6400"/>
+              <a:defRPr sz="6000"/>
             </a:lvl7pPr>
-            <a:lvl8pPr marL="12801600" indent="0" algn="ctr">
+            <a:lvl8pPr marL="12001500" indent="0" algn="ctr">
               <a:buNone/>
-              <a:defRPr sz="6400"/>
+              <a:defRPr sz="6000"/>
             </a:lvl8pPr>
-            <a:lvl9pPr marL="14630400" indent="0" algn="ctr">
+            <a:lvl9pPr marL="13716000" indent="0" algn="ctr">
               <a:buNone/>
-              <a:defRPr sz="6400"/>
+              <a:defRPr sz="6000"/>
             </a:lvl9pPr>
           </a:lstStyle>
           <a:p>
@@ -245,7 +246,7 @@
           <a:p>
             <a:fld id="{096BF671-B2E0-C343-A720-16FD2666F475}" type="datetimeFigureOut">
               <a:rPr lang="en-US" smtClean="0"/>
-              <a:t>4/19/25</a:t>
+              <a:t>4/27/25</a:t>
             </a:fld>
             <a:endParaRPr lang="en-US"/>
           </a:p>
@@ -296,7 +297,7 @@
     </p:spTree>
     <p:extLst>
       <p:ext uri="{BB962C8B-B14F-4D97-AF65-F5344CB8AC3E}">
-        <p14:creationId xmlns:p14="http://schemas.microsoft.com/office/powerpoint/2010/main" val="2039833483"/>
+        <p14:creationId xmlns:p14="http://schemas.microsoft.com/office/powerpoint/2010/main" val="2707475294"/>
       </p:ext>
     </p:extLst>
   </p:cSld>
@@ -415,7 +416,7 @@
           <a:p>
             <a:fld id="{096BF671-B2E0-C343-A720-16FD2666F475}" type="datetimeFigureOut">
               <a:rPr lang="en-US" smtClean="0"/>
-              <a:t>4/19/25</a:t>
+              <a:t>4/27/25</a:t>
             </a:fld>
             <a:endParaRPr lang="en-US"/>
           </a:p>
@@ -466,7 +467,7 @@
     </p:spTree>
     <p:extLst>
       <p:ext uri="{BB962C8B-B14F-4D97-AF65-F5344CB8AC3E}">
-        <p14:creationId xmlns:p14="http://schemas.microsoft.com/office/powerpoint/2010/main" val="3689850388"/>
+        <p14:creationId xmlns:p14="http://schemas.microsoft.com/office/powerpoint/2010/main" val="3992171014"/>
       </p:ext>
     </p:extLst>
   </p:cSld>
@@ -505,8 +506,8 @@
         </p:nvSpPr>
         <p:spPr>
           <a:xfrm>
-            <a:off x="26174702" y="1460500"/>
-            <a:ext cx="7886700" cy="23247352"/>
+            <a:off x="32718375" y="1460500"/>
+            <a:ext cx="9858375" cy="23247352"/>
           </a:xfrm>
         </p:spPr>
         <p:txBody>
@@ -533,8 +534,8 @@
         </p:nvSpPr>
         <p:spPr>
           <a:xfrm>
-            <a:off x="2514602" y="1460500"/>
-            <a:ext cx="23202900" cy="23247352"/>
+            <a:off x="3143250" y="1460500"/>
+            <a:ext cx="29003625" cy="23247352"/>
           </a:xfrm>
         </p:spPr>
         <p:txBody>
@@ -595,7 +596,7 @@
           <a:p>
             <a:fld id="{096BF671-B2E0-C343-A720-16FD2666F475}" type="datetimeFigureOut">
               <a:rPr lang="en-US" smtClean="0"/>
-              <a:t>4/19/25</a:t>
+              <a:t>4/27/25</a:t>
             </a:fld>
             <a:endParaRPr lang="en-US"/>
           </a:p>
@@ -646,7 +647,7 @@
     </p:spTree>
     <p:extLst>
       <p:ext uri="{BB962C8B-B14F-4D97-AF65-F5344CB8AC3E}">
-        <p14:creationId xmlns:p14="http://schemas.microsoft.com/office/powerpoint/2010/main" val="2795353434"/>
+        <p14:creationId xmlns:p14="http://schemas.microsoft.com/office/powerpoint/2010/main" val="1783124165"/>
       </p:ext>
     </p:extLst>
   </p:cSld>
@@ -765,7 +766,7 @@
           <a:p>
             <a:fld id="{096BF671-B2E0-C343-A720-16FD2666F475}" type="datetimeFigureOut">
               <a:rPr lang="en-US" smtClean="0"/>
-              <a:t>4/19/25</a:t>
+              <a:t>4/27/25</a:t>
             </a:fld>
             <a:endParaRPr lang="en-US"/>
           </a:p>
@@ -816,7 +817,7 @@
     </p:spTree>
     <p:extLst>
       <p:ext uri="{BB962C8B-B14F-4D97-AF65-F5344CB8AC3E}">
-        <p14:creationId xmlns:p14="http://schemas.microsoft.com/office/powerpoint/2010/main" val="3967740122"/>
+        <p14:creationId xmlns:p14="http://schemas.microsoft.com/office/powerpoint/2010/main" val="2321039477"/>
       </p:ext>
     </p:extLst>
   </p:cSld>
@@ -855,15 +856,15 @@
         </p:nvSpPr>
         <p:spPr>
           <a:xfrm>
-            <a:off x="2495552" y="6838958"/>
-            <a:ext cx="31546800" cy="11410948"/>
+            <a:off x="3119437" y="6838954"/>
+            <a:ext cx="39433500" cy="11410948"/>
           </a:xfrm>
         </p:spPr>
         <p:txBody>
           <a:bodyPr anchor="b"/>
           <a:lstStyle>
             <a:lvl1pPr>
-              <a:defRPr sz="24000"/>
+              <a:defRPr sz="22500"/>
             </a:lvl1pPr>
           </a:lstStyle>
           <a:p>
@@ -887,8 +888,8 @@
         </p:nvSpPr>
         <p:spPr>
           <a:xfrm>
-            <a:off x="2495552" y="18357858"/>
-            <a:ext cx="31546800" cy="6000748"/>
+            <a:off x="3119437" y="18357854"/>
+            <a:ext cx="39433500" cy="6000748"/>
           </a:xfrm>
         </p:spPr>
         <p:txBody>
@@ -896,7 +897,7 @@
           <a:lstStyle>
             <a:lvl1pPr marL="0" indent="0">
               <a:buNone/>
-              <a:defRPr sz="9600">
+              <a:defRPr sz="9000">
                 <a:solidFill>
                   <a:schemeClr val="tx1">
                     <a:tint val="82000"/>
@@ -904,9 +905,9 @@
                 </a:solidFill>
               </a:defRPr>
             </a:lvl1pPr>
-            <a:lvl2pPr marL="1828800" indent="0">
+            <a:lvl2pPr marL="1714500" indent="0">
               <a:buNone/>
-              <a:defRPr sz="8000">
+              <a:defRPr sz="7500">
                 <a:solidFill>
                   <a:schemeClr val="tx1">
                     <a:tint val="82000"/>
@@ -914,9 +915,9 @@
                 </a:solidFill>
               </a:defRPr>
             </a:lvl2pPr>
-            <a:lvl3pPr marL="3657600" indent="0">
+            <a:lvl3pPr marL="3429000" indent="0">
               <a:buNone/>
-              <a:defRPr sz="7200">
+              <a:defRPr sz="6750">
                 <a:solidFill>
                   <a:schemeClr val="tx1">
                     <a:tint val="82000"/>
@@ -924,9 +925,9 @@
                 </a:solidFill>
               </a:defRPr>
             </a:lvl3pPr>
-            <a:lvl4pPr marL="5486400" indent="0">
+            <a:lvl4pPr marL="5143500" indent="0">
               <a:buNone/>
-              <a:defRPr sz="6400">
+              <a:defRPr sz="6000">
                 <a:solidFill>
                   <a:schemeClr val="tx1">
                     <a:tint val="82000"/>
@@ -934,9 +935,9 @@
                 </a:solidFill>
               </a:defRPr>
             </a:lvl4pPr>
-            <a:lvl5pPr marL="7315200" indent="0">
+            <a:lvl5pPr marL="6858000" indent="0">
               <a:buNone/>
-              <a:defRPr sz="6400">
+              <a:defRPr sz="6000">
                 <a:solidFill>
                   <a:schemeClr val="tx1">
                     <a:tint val="82000"/>
@@ -944,9 +945,9 @@
                 </a:solidFill>
               </a:defRPr>
             </a:lvl5pPr>
-            <a:lvl6pPr marL="9144000" indent="0">
+            <a:lvl6pPr marL="8572500" indent="0">
               <a:buNone/>
-              <a:defRPr sz="6400">
+              <a:defRPr sz="6000">
                 <a:solidFill>
                   <a:schemeClr val="tx1">
                     <a:tint val="82000"/>
@@ -954,9 +955,9 @@
                 </a:solidFill>
               </a:defRPr>
             </a:lvl6pPr>
-            <a:lvl7pPr marL="10972800" indent="0">
+            <a:lvl7pPr marL="10287000" indent="0">
               <a:buNone/>
-              <a:defRPr sz="6400">
+              <a:defRPr sz="6000">
                 <a:solidFill>
                   <a:schemeClr val="tx1">
                     <a:tint val="82000"/>
@@ -964,9 +965,9 @@
                 </a:solidFill>
               </a:defRPr>
             </a:lvl7pPr>
-            <a:lvl8pPr marL="12801600" indent="0">
+            <a:lvl8pPr marL="12001500" indent="0">
               <a:buNone/>
-              <a:defRPr sz="6400">
+              <a:defRPr sz="6000">
                 <a:solidFill>
                   <a:schemeClr val="tx1">
                     <a:tint val="82000"/>
@@ -974,9 +975,9 @@
                 </a:solidFill>
               </a:defRPr>
             </a:lvl8pPr>
-            <a:lvl9pPr marL="14630400" indent="0">
+            <a:lvl9pPr marL="13716000" indent="0">
               <a:buNone/>
-              <a:defRPr sz="6400">
+              <a:defRPr sz="6000">
                 <a:solidFill>
                   <a:schemeClr val="tx1">
                     <a:tint val="82000"/>
@@ -1011,7 +1012,7 @@
           <a:p>
             <a:fld id="{096BF671-B2E0-C343-A720-16FD2666F475}" type="datetimeFigureOut">
               <a:rPr lang="en-US" smtClean="0"/>
-              <a:t>4/19/25</a:t>
+              <a:t>4/27/25</a:t>
             </a:fld>
             <a:endParaRPr lang="en-US"/>
           </a:p>
@@ -1062,7 +1063,7 @@
     </p:spTree>
     <p:extLst>
       <p:ext uri="{BB962C8B-B14F-4D97-AF65-F5344CB8AC3E}">
-        <p14:creationId xmlns:p14="http://schemas.microsoft.com/office/powerpoint/2010/main" val="693486208"/>
+        <p14:creationId xmlns:p14="http://schemas.microsoft.com/office/powerpoint/2010/main" val="1924378189"/>
       </p:ext>
     </p:extLst>
   </p:cSld>
@@ -1124,8 +1125,8 @@
         </p:nvSpPr>
         <p:spPr>
           <a:xfrm>
-            <a:off x="2514600" y="7302500"/>
-            <a:ext cx="15544800" cy="17405352"/>
+            <a:off x="3143250" y="7302500"/>
+            <a:ext cx="19431000" cy="17405352"/>
           </a:xfrm>
         </p:spPr>
         <p:txBody>
@@ -1181,8 +1182,8 @@
         </p:nvSpPr>
         <p:spPr>
           <a:xfrm>
-            <a:off x="18516600" y="7302500"/>
-            <a:ext cx="15544800" cy="17405352"/>
+            <a:off x="23145750" y="7302500"/>
+            <a:ext cx="19431000" cy="17405352"/>
           </a:xfrm>
         </p:spPr>
         <p:txBody>
@@ -1243,7 +1244,7 @@
           <a:p>
             <a:fld id="{096BF671-B2E0-C343-A720-16FD2666F475}" type="datetimeFigureOut">
               <a:rPr lang="en-US" smtClean="0"/>
-              <a:t>4/19/25</a:t>
+              <a:t>4/27/25</a:t>
             </a:fld>
             <a:endParaRPr lang="en-US"/>
           </a:p>
@@ -1294,7 +1295,7 @@
     </p:spTree>
     <p:extLst>
       <p:ext uri="{BB962C8B-B14F-4D97-AF65-F5344CB8AC3E}">
-        <p14:creationId xmlns:p14="http://schemas.microsoft.com/office/powerpoint/2010/main" val="2335938613"/>
+        <p14:creationId xmlns:p14="http://schemas.microsoft.com/office/powerpoint/2010/main" val="948452968"/>
       </p:ext>
     </p:extLst>
   </p:cSld>
@@ -1333,8 +1334,8 @@
         </p:nvSpPr>
         <p:spPr>
           <a:xfrm>
-            <a:off x="2519364" y="1460506"/>
-            <a:ext cx="31546800" cy="5302252"/>
+            <a:off x="3149205" y="1460502"/>
+            <a:ext cx="39433500" cy="5302252"/>
           </a:xfrm>
         </p:spPr>
         <p:txBody>
@@ -1361,8 +1362,8 @@
         </p:nvSpPr>
         <p:spPr>
           <a:xfrm>
-            <a:off x="2519368" y="6724652"/>
-            <a:ext cx="15473360" cy="3295648"/>
+            <a:off x="3149207" y="6724652"/>
+            <a:ext cx="19341701" cy="3295648"/>
           </a:xfrm>
         </p:spPr>
         <p:txBody>
@@ -1370,39 +1371,39 @@
           <a:lstStyle>
             <a:lvl1pPr marL="0" indent="0">
               <a:buNone/>
-              <a:defRPr sz="9600" b="1"/>
+              <a:defRPr sz="9000" b="1"/>
             </a:lvl1pPr>
-            <a:lvl2pPr marL="1828800" indent="0">
+            <a:lvl2pPr marL="1714500" indent="0">
               <a:buNone/>
-              <a:defRPr sz="8000" b="1"/>
+              <a:defRPr sz="7500" b="1"/>
             </a:lvl2pPr>
-            <a:lvl3pPr marL="3657600" indent="0">
+            <a:lvl3pPr marL="3429000" indent="0">
               <a:buNone/>
-              <a:defRPr sz="7200" b="1"/>
+              <a:defRPr sz="6750" b="1"/>
             </a:lvl3pPr>
-            <a:lvl4pPr marL="5486400" indent="0">
+            <a:lvl4pPr marL="5143500" indent="0">
               <a:buNone/>
-              <a:defRPr sz="6400" b="1"/>
+              <a:defRPr sz="6000" b="1"/>
             </a:lvl4pPr>
-            <a:lvl5pPr marL="7315200" indent="0">
+            <a:lvl5pPr marL="6858000" indent="0">
               <a:buNone/>
-              <a:defRPr sz="6400" b="1"/>
+              <a:defRPr sz="6000" b="1"/>
             </a:lvl5pPr>
-            <a:lvl6pPr marL="9144000" indent="0">
+            <a:lvl6pPr marL="8572500" indent="0">
               <a:buNone/>
-              <a:defRPr sz="6400" b="1"/>
+              <a:defRPr sz="6000" b="1"/>
             </a:lvl6pPr>
-            <a:lvl7pPr marL="10972800" indent="0">
+            <a:lvl7pPr marL="10287000" indent="0">
               <a:buNone/>
-              <a:defRPr sz="6400" b="1"/>
+              <a:defRPr sz="6000" b="1"/>
             </a:lvl7pPr>
-            <a:lvl8pPr marL="12801600" indent="0">
+            <a:lvl8pPr marL="12001500" indent="0">
               <a:buNone/>
-              <a:defRPr sz="6400" b="1"/>
+              <a:defRPr sz="6000" b="1"/>
             </a:lvl8pPr>
-            <a:lvl9pPr marL="14630400" indent="0">
+            <a:lvl9pPr marL="13716000" indent="0">
               <a:buNone/>
-              <a:defRPr sz="6400" b="1"/>
+              <a:defRPr sz="6000" b="1"/>
             </a:lvl9pPr>
           </a:lstStyle>
           <a:p>
@@ -1426,8 +1427,8 @@
         </p:nvSpPr>
         <p:spPr>
           <a:xfrm>
-            <a:off x="2519368" y="10020300"/>
-            <a:ext cx="15473360" cy="14738352"/>
+            <a:off x="3149207" y="10020300"/>
+            <a:ext cx="19341701" cy="14738352"/>
           </a:xfrm>
         </p:spPr>
         <p:txBody>
@@ -1483,8 +1484,8 @@
         </p:nvSpPr>
         <p:spPr>
           <a:xfrm>
-            <a:off x="18516602" y="6724652"/>
-            <a:ext cx="15549564" cy="3295648"/>
+            <a:off x="23145750" y="6724652"/>
+            <a:ext cx="19436955" cy="3295648"/>
           </a:xfrm>
         </p:spPr>
         <p:txBody>
@@ -1492,39 +1493,39 @@
           <a:lstStyle>
             <a:lvl1pPr marL="0" indent="0">
               <a:buNone/>
-              <a:defRPr sz="9600" b="1"/>
+              <a:defRPr sz="9000" b="1"/>
             </a:lvl1pPr>
-            <a:lvl2pPr marL="1828800" indent="0">
+            <a:lvl2pPr marL="1714500" indent="0">
               <a:buNone/>
-              <a:defRPr sz="8000" b="1"/>
+              <a:defRPr sz="7500" b="1"/>
             </a:lvl2pPr>
-            <a:lvl3pPr marL="3657600" indent="0">
+            <a:lvl3pPr marL="3429000" indent="0">
               <a:buNone/>
-              <a:defRPr sz="7200" b="1"/>
+              <a:defRPr sz="6750" b="1"/>
             </a:lvl3pPr>
-            <a:lvl4pPr marL="5486400" indent="0">
+            <a:lvl4pPr marL="5143500" indent="0">
               <a:buNone/>
-              <a:defRPr sz="6400" b="1"/>
+              <a:defRPr sz="6000" b="1"/>
             </a:lvl4pPr>
-            <a:lvl5pPr marL="7315200" indent="0">
+            <a:lvl5pPr marL="6858000" indent="0">
               <a:buNone/>
-              <a:defRPr sz="6400" b="1"/>
+              <a:defRPr sz="6000" b="1"/>
             </a:lvl5pPr>
-            <a:lvl6pPr marL="9144000" indent="0">
+            <a:lvl6pPr marL="8572500" indent="0">
               <a:buNone/>
-              <a:defRPr sz="6400" b="1"/>
+              <a:defRPr sz="6000" b="1"/>
             </a:lvl6pPr>
-            <a:lvl7pPr marL="10972800" indent="0">
+            <a:lvl7pPr marL="10287000" indent="0">
               <a:buNone/>
-              <a:defRPr sz="6400" b="1"/>
+              <a:defRPr sz="6000" b="1"/>
             </a:lvl7pPr>
-            <a:lvl8pPr marL="12801600" indent="0">
+            <a:lvl8pPr marL="12001500" indent="0">
               <a:buNone/>
-              <a:defRPr sz="6400" b="1"/>
+              <a:defRPr sz="6000" b="1"/>
             </a:lvl8pPr>
-            <a:lvl9pPr marL="14630400" indent="0">
+            <a:lvl9pPr marL="13716000" indent="0">
               <a:buNone/>
-              <a:defRPr sz="6400" b="1"/>
+              <a:defRPr sz="6000" b="1"/>
             </a:lvl9pPr>
           </a:lstStyle>
           <a:p>
@@ -1548,8 +1549,8 @@
         </p:nvSpPr>
         <p:spPr>
           <a:xfrm>
-            <a:off x="18516602" y="10020300"/>
-            <a:ext cx="15549564" cy="14738352"/>
+            <a:off x="23145750" y="10020300"/>
+            <a:ext cx="19436955" cy="14738352"/>
           </a:xfrm>
         </p:spPr>
         <p:txBody>
@@ -1610,7 +1611,7 @@
           <a:p>
             <a:fld id="{096BF671-B2E0-C343-A720-16FD2666F475}" type="datetimeFigureOut">
               <a:rPr lang="en-US" smtClean="0"/>
-              <a:t>4/19/25</a:t>
+              <a:t>4/27/25</a:t>
             </a:fld>
             <a:endParaRPr lang="en-US"/>
           </a:p>
@@ -1661,7 +1662,7 @@
     </p:spTree>
     <p:extLst>
       <p:ext uri="{BB962C8B-B14F-4D97-AF65-F5344CB8AC3E}">
-        <p14:creationId xmlns:p14="http://schemas.microsoft.com/office/powerpoint/2010/main" val="3448741503"/>
+        <p14:creationId xmlns:p14="http://schemas.microsoft.com/office/powerpoint/2010/main" val="2076380126"/>
       </p:ext>
     </p:extLst>
   </p:cSld>
@@ -1728,7 +1729,7 @@
           <a:p>
             <a:fld id="{096BF671-B2E0-C343-A720-16FD2666F475}" type="datetimeFigureOut">
               <a:rPr lang="en-US" smtClean="0"/>
-              <a:t>4/19/25</a:t>
+              <a:t>4/27/25</a:t>
             </a:fld>
             <a:endParaRPr lang="en-US"/>
           </a:p>
@@ -1779,7 +1780,7 @@
     </p:spTree>
     <p:extLst>
       <p:ext uri="{BB962C8B-B14F-4D97-AF65-F5344CB8AC3E}">
-        <p14:creationId xmlns:p14="http://schemas.microsoft.com/office/powerpoint/2010/main" val="1470065248"/>
+        <p14:creationId xmlns:p14="http://schemas.microsoft.com/office/powerpoint/2010/main" val="481055979"/>
       </p:ext>
     </p:extLst>
   </p:cSld>
@@ -1823,7 +1824,7 @@
           <a:p>
             <a:fld id="{096BF671-B2E0-C343-A720-16FD2666F475}" type="datetimeFigureOut">
               <a:rPr lang="en-US" smtClean="0"/>
-              <a:t>4/19/25</a:t>
+              <a:t>4/27/25</a:t>
             </a:fld>
             <a:endParaRPr lang="en-US"/>
           </a:p>
@@ -1874,7 +1875,7 @@
     </p:spTree>
     <p:extLst>
       <p:ext uri="{BB962C8B-B14F-4D97-AF65-F5344CB8AC3E}">
-        <p14:creationId xmlns:p14="http://schemas.microsoft.com/office/powerpoint/2010/main" val="3356346476"/>
+        <p14:creationId xmlns:p14="http://schemas.microsoft.com/office/powerpoint/2010/main" val="1082457580"/>
       </p:ext>
     </p:extLst>
   </p:cSld>
@@ -1913,15 +1914,15 @@
         </p:nvSpPr>
         <p:spPr>
           <a:xfrm>
-            <a:off x="2519364" y="1828800"/>
-            <a:ext cx="11796712" cy="6400800"/>
+            <a:off x="3149207" y="1828800"/>
+            <a:ext cx="14745889" cy="6400800"/>
           </a:xfrm>
         </p:spPr>
         <p:txBody>
           <a:bodyPr anchor="b"/>
           <a:lstStyle>
             <a:lvl1pPr>
-              <a:defRPr sz="12800"/>
+              <a:defRPr sz="12000"/>
             </a:lvl1pPr>
           </a:lstStyle>
           <a:p>
@@ -1945,39 +1946,39 @@
         </p:nvSpPr>
         <p:spPr>
           <a:xfrm>
-            <a:off x="15549564" y="3949706"/>
-            <a:ext cx="18516600" cy="19494500"/>
+            <a:off x="19436955" y="3949702"/>
+            <a:ext cx="23145750" cy="19494500"/>
           </a:xfrm>
         </p:spPr>
         <p:txBody>
           <a:bodyPr/>
           <a:lstStyle>
             <a:lvl1pPr>
-              <a:defRPr sz="12800"/>
+              <a:defRPr sz="12000"/>
             </a:lvl1pPr>
             <a:lvl2pPr>
-              <a:defRPr sz="11200"/>
+              <a:defRPr sz="10500"/>
             </a:lvl2pPr>
             <a:lvl3pPr>
-              <a:defRPr sz="9600"/>
+              <a:defRPr sz="9000"/>
             </a:lvl3pPr>
             <a:lvl4pPr>
-              <a:defRPr sz="8000"/>
+              <a:defRPr sz="7500"/>
             </a:lvl4pPr>
             <a:lvl5pPr>
-              <a:defRPr sz="8000"/>
+              <a:defRPr sz="7500"/>
             </a:lvl5pPr>
             <a:lvl6pPr>
-              <a:defRPr sz="8000"/>
+              <a:defRPr sz="7500"/>
             </a:lvl6pPr>
             <a:lvl7pPr>
-              <a:defRPr sz="8000"/>
+              <a:defRPr sz="7500"/>
             </a:lvl7pPr>
             <a:lvl8pPr>
-              <a:defRPr sz="8000"/>
+              <a:defRPr sz="7500"/>
             </a:lvl8pPr>
             <a:lvl9pPr>
-              <a:defRPr sz="8000"/>
+              <a:defRPr sz="7500"/>
             </a:lvl9pPr>
           </a:lstStyle>
           <a:p>
@@ -2030,8 +2031,8 @@
         </p:nvSpPr>
         <p:spPr>
           <a:xfrm>
-            <a:off x="2519364" y="8229600"/>
-            <a:ext cx="11796712" cy="15246352"/>
+            <a:off x="3149207" y="8229600"/>
+            <a:ext cx="14745889" cy="15246352"/>
           </a:xfrm>
         </p:spPr>
         <p:txBody>
@@ -2039,39 +2040,39 @@
           <a:lstStyle>
             <a:lvl1pPr marL="0" indent="0">
               <a:buNone/>
-              <a:defRPr sz="6400"/>
+              <a:defRPr sz="6000"/>
             </a:lvl1pPr>
-            <a:lvl2pPr marL="1828800" indent="0">
+            <a:lvl2pPr marL="1714500" indent="0">
               <a:buNone/>
-              <a:defRPr sz="5600"/>
+              <a:defRPr sz="5250"/>
             </a:lvl2pPr>
-            <a:lvl3pPr marL="3657600" indent="0">
+            <a:lvl3pPr marL="3429000" indent="0">
               <a:buNone/>
-              <a:defRPr sz="4800"/>
+              <a:defRPr sz="4500"/>
             </a:lvl3pPr>
-            <a:lvl4pPr marL="5486400" indent="0">
+            <a:lvl4pPr marL="5143500" indent="0">
               <a:buNone/>
-              <a:defRPr sz="4000"/>
+              <a:defRPr sz="3750"/>
             </a:lvl4pPr>
-            <a:lvl5pPr marL="7315200" indent="0">
+            <a:lvl5pPr marL="6858000" indent="0">
               <a:buNone/>
-              <a:defRPr sz="4000"/>
+              <a:defRPr sz="3750"/>
             </a:lvl5pPr>
-            <a:lvl6pPr marL="9144000" indent="0">
+            <a:lvl6pPr marL="8572500" indent="0">
               <a:buNone/>
-              <a:defRPr sz="4000"/>
+              <a:defRPr sz="3750"/>
             </a:lvl6pPr>
-            <a:lvl7pPr marL="10972800" indent="0">
+            <a:lvl7pPr marL="10287000" indent="0">
               <a:buNone/>
-              <a:defRPr sz="4000"/>
+              <a:defRPr sz="3750"/>
             </a:lvl7pPr>
-            <a:lvl8pPr marL="12801600" indent="0">
+            <a:lvl8pPr marL="12001500" indent="0">
               <a:buNone/>
-              <a:defRPr sz="4000"/>
+              <a:defRPr sz="3750"/>
             </a:lvl8pPr>
-            <a:lvl9pPr marL="14630400" indent="0">
+            <a:lvl9pPr marL="13716000" indent="0">
               <a:buNone/>
-              <a:defRPr sz="4000"/>
+              <a:defRPr sz="3750"/>
             </a:lvl9pPr>
           </a:lstStyle>
           <a:p>
@@ -2100,7 +2101,7 @@
           <a:p>
             <a:fld id="{096BF671-B2E0-C343-A720-16FD2666F475}" type="datetimeFigureOut">
               <a:rPr lang="en-US" smtClean="0"/>
-              <a:t>4/19/25</a:t>
+              <a:t>4/27/25</a:t>
             </a:fld>
             <a:endParaRPr lang="en-US"/>
           </a:p>
@@ -2151,7 +2152,7 @@
     </p:spTree>
     <p:extLst>
       <p:ext uri="{BB962C8B-B14F-4D97-AF65-F5344CB8AC3E}">
-        <p14:creationId xmlns:p14="http://schemas.microsoft.com/office/powerpoint/2010/main" val="1856505311"/>
+        <p14:creationId xmlns:p14="http://schemas.microsoft.com/office/powerpoint/2010/main" val="1256002035"/>
       </p:ext>
     </p:extLst>
   </p:cSld>
@@ -2190,15 +2191,15 @@
         </p:nvSpPr>
         <p:spPr>
           <a:xfrm>
-            <a:off x="2519364" y="1828800"/>
-            <a:ext cx="11796712" cy="6400800"/>
+            <a:off x="3149207" y="1828800"/>
+            <a:ext cx="14745889" cy="6400800"/>
           </a:xfrm>
         </p:spPr>
         <p:txBody>
           <a:bodyPr anchor="b"/>
           <a:lstStyle>
             <a:lvl1pPr>
-              <a:defRPr sz="12800"/>
+              <a:defRPr sz="12000"/>
             </a:lvl1pPr>
           </a:lstStyle>
           <a:p>
@@ -2222,8 +2223,8 @@
         </p:nvSpPr>
         <p:spPr>
           <a:xfrm>
-            <a:off x="15549564" y="3949706"/>
-            <a:ext cx="18516600" cy="19494500"/>
+            <a:off x="19436955" y="3949702"/>
+            <a:ext cx="23145750" cy="19494500"/>
           </a:xfrm>
         </p:spPr>
         <p:txBody>
@@ -2231,39 +2232,39 @@
           <a:lstStyle>
             <a:lvl1pPr marL="0" indent="0">
               <a:buNone/>
-              <a:defRPr sz="12800"/>
+              <a:defRPr sz="12000"/>
             </a:lvl1pPr>
-            <a:lvl2pPr marL="1828800" indent="0">
+            <a:lvl2pPr marL="1714500" indent="0">
               <a:buNone/>
-              <a:defRPr sz="11200"/>
+              <a:defRPr sz="10500"/>
             </a:lvl2pPr>
-            <a:lvl3pPr marL="3657600" indent="0">
+            <a:lvl3pPr marL="3429000" indent="0">
               <a:buNone/>
-              <a:defRPr sz="9600"/>
+              <a:defRPr sz="9000"/>
             </a:lvl3pPr>
-            <a:lvl4pPr marL="5486400" indent="0">
+            <a:lvl4pPr marL="5143500" indent="0">
               <a:buNone/>
-              <a:defRPr sz="8000"/>
+              <a:defRPr sz="7500"/>
             </a:lvl4pPr>
-            <a:lvl5pPr marL="7315200" indent="0">
+            <a:lvl5pPr marL="6858000" indent="0">
               <a:buNone/>
-              <a:defRPr sz="8000"/>
+              <a:defRPr sz="7500"/>
             </a:lvl5pPr>
-            <a:lvl6pPr marL="9144000" indent="0">
+            <a:lvl6pPr marL="8572500" indent="0">
               <a:buNone/>
-              <a:defRPr sz="8000"/>
+              <a:defRPr sz="7500"/>
             </a:lvl6pPr>
-            <a:lvl7pPr marL="10972800" indent="0">
+            <a:lvl7pPr marL="10287000" indent="0">
               <a:buNone/>
-              <a:defRPr sz="8000"/>
+              <a:defRPr sz="7500"/>
             </a:lvl7pPr>
-            <a:lvl8pPr marL="12801600" indent="0">
+            <a:lvl8pPr marL="12001500" indent="0">
               <a:buNone/>
-              <a:defRPr sz="8000"/>
+              <a:defRPr sz="7500"/>
             </a:lvl8pPr>
-            <a:lvl9pPr marL="14630400" indent="0">
+            <a:lvl9pPr marL="13716000" indent="0">
               <a:buNone/>
-              <a:defRPr sz="8000"/>
+              <a:defRPr sz="7500"/>
             </a:lvl9pPr>
           </a:lstStyle>
           <a:p>
@@ -2287,8 +2288,8 @@
         </p:nvSpPr>
         <p:spPr>
           <a:xfrm>
-            <a:off x="2519364" y="8229600"/>
-            <a:ext cx="11796712" cy="15246352"/>
+            <a:off x="3149207" y="8229600"/>
+            <a:ext cx="14745889" cy="15246352"/>
           </a:xfrm>
         </p:spPr>
         <p:txBody>
@@ -2296,39 +2297,39 @@
           <a:lstStyle>
             <a:lvl1pPr marL="0" indent="0">
               <a:buNone/>
-              <a:defRPr sz="6400"/>
+              <a:defRPr sz="6000"/>
             </a:lvl1pPr>
-            <a:lvl2pPr marL="1828800" indent="0">
+            <a:lvl2pPr marL="1714500" indent="0">
               <a:buNone/>
-              <a:defRPr sz="5600"/>
+              <a:defRPr sz="5250"/>
             </a:lvl2pPr>
-            <a:lvl3pPr marL="3657600" indent="0">
+            <a:lvl3pPr marL="3429000" indent="0">
               <a:buNone/>
-              <a:defRPr sz="4800"/>
+              <a:defRPr sz="4500"/>
             </a:lvl3pPr>
-            <a:lvl4pPr marL="5486400" indent="0">
+            <a:lvl4pPr marL="5143500" indent="0">
               <a:buNone/>
-              <a:defRPr sz="4000"/>
+              <a:defRPr sz="3750"/>
             </a:lvl4pPr>
-            <a:lvl5pPr marL="7315200" indent="0">
+            <a:lvl5pPr marL="6858000" indent="0">
               <a:buNone/>
-              <a:defRPr sz="4000"/>
+              <a:defRPr sz="3750"/>
             </a:lvl5pPr>
-            <a:lvl6pPr marL="9144000" indent="0">
+            <a:lvl6pPr marL="8572500" indent="0">
               <a:buNone/>
-              <a:defRPr sz="4000"/>
+              <a:defRPr sz="3750"/>
             </a:lvl6pPr>
-            <a:lvl7pPr marL="10972800" indent="0">
+            <a:lvl7pPr marL="10287000" indent="0">
               <a:buNone/>
-              <a:defRPr sz="4000"/>
+              <a:defRPr sz="3750"/>
             </a:lvl7pPr>
-            <a:lvl8pPr marL="12801600" indent="0">
+            <a:lvl8pPr marL="12001500" indent="0">
               <a:buNone/>
-              <a:defRPr sz="4000"/>
+              <a:defRPr sz="3750"/>
             </a:lvl8pPr>
-            <a:lvl9pPr marL="14630400" indent="0">
+            <a:lvl9pPr marL="13716000" indent="0">
               <a:buNone/>
-              <a:defRPr sz="4000"/>
+              <a:defRPr sz="3750"/>
             </a:lvl9pPr>
           </a:lstStyle>
           <a:p>
@@ -2357,7 +2358,7 @@
           <a:p>
             <a:fld id="{096BF671-B2E0-C343-A720-16FD2666F475}" type="datetimeFigureOut">
               <a:rPr lang="en-US" smtClean="0"/>
-              <a:t>4/19/25</a:t>
+              <a:t>4/27/25</a:t>
             </a:fld>
             <a:endParaRPr lang="en-US"/>
           </a:p>
@@ -2408,7 +2409,7 @@
     </p:spTree>
     <p:extLst>
       <p:ext uri="{BB962C8B-B14F-4D97-AF65-F5344CB8AC3E}">
-        <p14:creationId xmlns:p14="http://schemas.microsoft.com/office/powerpoint/2010/main" val="4022044162"/>
+        <p14:creationId xmlns:p14="http://schemas.microsoft.com/office/powerpoint/2010/main" val="178704409"/>
       </p:ext>
     </p:extLst>
   </p:cSld>
@@ -2452,8 +2453,8 @@
         </p:nvSpPr>
         <p:spPr>
           <a:xfrm>
-            <a:off x="2514600" y="1460506"/>
-            <a:ext cx="31546800" cy="5302252"/>
+            <a:off x="3143250" y="1460502"/>
+            <a:ext cx="39433500" cy="5302252"/>
           </a:xfrm>
           <a:prstGeom prst="rect">
             <a:avLst/>
@@ -2485,8 +2486,8 @@
         </p:nvSpPr>
         <p:spPr>
           <a:xfrm>
-            <a:off x="2514600" y="7302500"/>
-            <a:ext cx="31546800" cy="17405352"/>
+            <a:off x="3143250" y="7302500"/>
+            <a:ext cx="39433500" cy="17405352"/>
           </a:xfrm>
           <a:prstGeom prst="rect">
             <a:avLst/>
@@ -2547,8 +2548,8 @@
         </p:nvSpPr>
         <p:spPr>
           <a:xfrm>
-            <a:off x="2514600" y="25425406"/>
-            <a:ext cx="8229600" cy="1460500"/>
+            <a:off x="3143250" y="25425402"/>
+            <a:ext cx="10287000" cy="1460500"/>
           </a:xfrm>
           <a:prstGeom prst="rect">
             <a:avLst/>
@@ -2558,7 +2559,7 @@
           <a:bodyPr vert="horz" lIns="91440" tIns="45720" rIns="91440" bIns="45720" rtlCol="0" anchor="ctr"/>
           <a:lstStyle>
             <a:lvl1pPr algn="l">
-              <a:defRPr sz="4800">
+              <a:defRPr sz="4500">
                 <a:solidFill>
                   <a:schemeClr val="tx1">
                     <a:tint val="82000"/>
@@ -2570,7 +2571,7 @@
           <a:p>
             <a:fld id="{096BF671-B2E0-C343-A720-16FD2666F475}" type="datetimeFigureOut">
               <a:rPr lang="en-US" smtClean="0"/>
-              <a:t>4/19/25</a:t>
+              <a:t>4/27/25</a:t>
             </a:fld>
             <a:endParaRPr lang="en-US"/>
           </a:p>
@@ -2588,8 +2589,8 @@
         </p:nvSpPr>
         <p:spPr>
           <a:xfrm>
-            <a:off x="12115800" y="25425406"/>
-            <a:ext cx="12344400" cy="1460500"/>
+            <a:off x="15144750" y="25425402"/>
+            <a:ext cx="15430500" cy="1460500"/>
           </a:xfrm>
           <a:prstGeom prst="rect">
             <a:avLst/>
@@ -2599,7 +2600,7 @@
           <a:bodyPr vert="horz" lIns="91440" tIns="45720" rIns="91440" bIns="45720" rtlCol="0" anchor="ctr"/>
           <a:lstStyle>
             <a:lvl1pPr algn="ctr">
-              <a:defRPr sz="4800">
+              <a:defRPr sz="4500">
                 <a:solidFill>
                   <a:schemeClr val="tx1">
                     <a:tint val="82000"/>
@@ -2625,8 +2626,8 @@
         </p:nvSpPr>
         <p:spPr>
           <a:xfrm>
-            <a:off x="25831800" y="25425406"/>
-            <a:ext cx="8229600" cy="1460500"/>
+            <a:off x="32289750" y="25425402"/>
+            <a:ext cx="10287000" cy="1460500"/>
           </a:xfrm>
           <a:prstGeom prst="rect">
             <a:avLst/>
@@ -2636,7 +2637,7 @@
           <a:bodyPr vert="horz" lIns="91440" tIns="45720" rIns="91440" bIns="45720" rtlCol="0" anchor="ctr"/>
           <a:lstStyle>
             <a:lvl1pPr algn="r">
-              <a:defRPr sz="4800">
+              <a:defRPr sz="4500">
                 <a:solidFill>
                   <a:schemeClr val="tx1">
                     <a:tint val="82000"/>
@@ -2657,27 +2658,27 @@
     </p:spTree>
     <p:extLst>
       <p:ext uri="{BB962C8B-B14F-4D97-AF65-F5344CB8AC3E}">
-        <p14:creationId xmlns:p14="http://schemas.microsoft.com/office/powerpoint/2010/main" val="2134883059"/>
+        <p14:creationId xmlns:p14="http://schemas.microsoft.com/office/powerpoint/2010/main" val="1081426566"/>
       </p:ext>
     </p:extLst>
   </p:cSld>
   <p:clrMap bg1="lt1" tx1="dk1" bg2="lt2" tx2="dk2" accent1="accent1" accent2="accent2" accent3="accent3" accent4="accent4" accent5="accent5" accent6="accent6" hlink="hlink" folHlink="folHlink"/>
   <p:sldLayoutIdLst>
-    <p:sldLayoutId id="2147483685" r:id="rId1"/>
-    <p:sldLayoutId id="2147483686" r:id="rId2"/>
-    <p:sldLayoutId id="2147483687" r:id="rId3"/>
-    <p:sldLayoutId id="2147483688" r:id="rId4"/>
-    <p:sldLayoutId id="2147483689" r:id="rId5"/>
-    <p:sldLayoutId id="2147483690" r:id="rId6"/>
-    <p:sldLayoutId id="2147483691" r:id="rId7"/>
-    <p:sldLayoutId id="2147483692" r:id="rId8"/>
-    <p:sldLayoutId id="2147483693" r:id="rId9"/>
-    <p:sldLayoutId id="2147483694" r:id="rId10"/>
-    <p:sldLayoutId id="2147483695" r:id="rId11"/>
+    <p:sldLayoutId id="2147483697" r:id="rId1"/>
+    <p:sldLayoutId id="2147483698" r:id="rId2"/>
+    <p:sldLayoutId id="2147483699" r:id="rId3"/>
+    <p:sldLayoutId id="2147483700" r:id="rId4"/>
+    <p:sldLayoutId id="2147483701" r:id="rId5"/>
+    <p:sldLayoutId id="2147483702" r:id="rId6"/>
+    <p:sldLayoutId id="2147483703" r:id="rId7"/>
+    <p:sldLayoutId id="2147483704" r:id="rId8"/>
+    <p:sldLayoutId id="2147483705" r:id="rId9"/>
+    <p:sldLayoutId id="2147483706" r:id="rId10"/>
+    <p:sldLayoutId id="2147483707" r:id="rId11"/>
   </p:sldLayoutIdLst>
   <p:txStyles>
     <p:titleStyle>
-      <a:lvl1pPr algn="l" defTabSz="3657600" rtl="0" eaLnBrk="1" latinLnBrk="0" hangingPunct="1">
+      <a:lvl1pPr algn="l" defTabSz="3429000" rtl="0" eaLnBrk="1" latinLnBrk="0" hangingPunct="1">
         <a:lnSpc>
           <a:spcPct val="90000"/>
         </a:lnSpc>
@@ -2685,7 +2686,7 @@
           <a:spcPct val="0"/>
         </a:spcBef>
         <a:buNone/>
-        <a:defRPr sz="17600" kern="1200">
+        <a:defRPr sz="16500" kern="1200">
           <a:solidFill>
             <a:schemeClr val="tx1"/>
           </a:solidFill>
@@ -2696,16 +2697,16 @@
       </a:lvl1pPr>
     </p:titleStyle>
     <p:bodyStyle>
-      <a:lvl1pPr marL="914400" indent="-914400" algn="l" defTabSz="3657600" rtl="0" eaLnBrk="1" latinLnBrk="0" hangingPunct="1">
+      <a:lvl1pPr marL="857250" indent="-857250" algn="l" defTabSz="3429000" rtl="0" eaLnBrk="1" latinLnBrk="0" hangingPunct="1">
         <a:lnSpc>
           <a:spcPct val="90000"/>
         </a:lnSpc>
         <a:spcBef>
-          <a:spcPts val="4000"/>
+          <a:spcPts val="3750"/>
         </a:spcBef>
         <a:buFont typeface="Arial" panose="020B0604020202020204" pitchFamily="34" charset="0"/>
         <a:buChar char="•"/>
-        <a:defRPr sz="11200" kern="1200">
+        <a:defRPr sz="10500" kern="1200">
           <a:solidFill>
             <a:schemeClr val="tx1"/>
           </a:solidFill>
@@ -2714,16 +2715,16 @@
           <a:cs typeface="+mn-cs"/>
         </a:defRPr>
       </a:lvl1pPr>
-      <a:lvl2pPr marL="2743200" indent="-914400" algn="l" defTabSz="3657600" rtl="0" eaLnBrk="1" latinLnBrk="0" hangingPunct="1">
+      <a:lvl2pPr marL="2571750" indent="-857250" algn="l" defTabSz="3429000" rtl="0" eaLnBrk="1" latinLnBrk="0" hangingPunct="1">
         <a:lnSpc>
           <a:spcPct val="90000"/>
         </a:lnSpc>
         <a:spcBef>
-          <a:spcPts val="2000"/>
+          <a:spcPts val="1875"/>
         </a:spcBef>
         <a:buFont typeface="Arial" panose="020B0604020202020204" pitchFamily="34" charset="0"/>
         <a:buChar char="•"/>
-        <a:defRPr sz="9600" kern="1200">
+        <a:defRPr sz="9000" kern="1200">
           <a:solidFill>
             <a:schemeClr val="tx1"/>
           </a:solidFill>
@@ -2732,16 +2733,16 @@
           <a:cs typeface="+mn-cs"/>
         </a:defRPr>
       </a:lvl2pPr>
-      <a:lvl3pPr marL="4572000" indent="-914400" algn="l" defTabSz="3657600" rtl="0" eaLnBrk="1" latinLnBrk="0" hangingPunct="1">
+      <a:lvl3pPr marL="4286250" indent="-857250" algn="l" defTabSz="3429000" rtl="0" eaLnBrk="1" latinLnBrk="0" hangingPunct="1">
         <a:lnSpc>
           <a:spcPct val="90000"/>
         </a:lnSpc>
         <a:spcBef>
-          <a:spcPts val="2000"/>
+          <a:spcPts val="1875"/>
         </a:spcBef>
         <a:buFont typeface="Arial" panose="020B0604020202020204" pitchFamily="34" charset="0"/>
         <a:buChar char="•"/>
-        <a:defRPr sz="8000" kern="1200">
+        <a:defRPr sz="7500" kern="1200">
           <a:solidFill>
             <a:schemeClr val="tx1"/>
           </a:solidFill>
@@ -2750,16 +2751,16 @@
           <a:cs typeface="+mn-cs"/>
         </a:defRPr>
       </a:lvl3pPr>
-      <a:lvl4pPr marL="6400800" indent="-914400" algn="l" defTabSz="3657600" rtl="0" eaLnBrk="1" latinLnBrk="0" hangingPunct="1">
+      <a:lvl4pPr marL="6000750" indent="-857250" algn="l" defTabSz="3429000" rtl="0" eaLnBrk="1" latinLnBrk="0" hangingPunct="1">
         <a:lnSpc>
           <a:spcPct val="90000"/>
         </a:lnSpc>
         <a:spcBef>
-          <a:spcPts val="2000"/>
+          <a:spcPts val="1875"/>
         </a:spcBef>
         <a:buFont typeface="Arial" panose="020B0604020202020204" pitchFamily="34" charset="0"/>
         <a:buChar char="•"/>
-        <a:defRPr sz="7200" kern="1200">
+        <a:defRPr sz="6750" kern="1200">
           <a:solidFill>
             <a:schemeClr val="tx1"/>
           </a:solidFill>
@@ -2768,16 +2769,16 @@
           <a:cs typeface="+mn-cs"/>
         </a:defRPr>
       </a:lvl4pPr>
-      <a:lvl5pPr marL="8229600" indent="-914400" algn="l" defTabSz="3657600" rtl="0" eaLnBrk="1" latinLnBrk="0" hangingPunct="1">
+      <a:lvl5pPr marL="7715250" indent="-857250" algn="l" defTabSz="3429000" rtl="0" eaLnBrk="1" latinLnBrk="0" hangingPunct="1">
         <a:lnSpc>
           <a:spcPct val="90000"/>
         </a:lnSpc>
         <a:spcBef>
-          <a:spcPts val="2000"/>
+          <a:spcPts val="1875"/>
         </a:spcBef>
         <a:buFont typeface="Arial" panose="020B0604020202020204" pitchFamily="34" charset="0"/>
         <a:buChar char="•"/>
-        <a:defRPr sz="7200" kern="1200">
+        <a:defRPr sz="6750" kern="1200">
           <a:solidFill>
             <a:schemeClr val="tx1"/>
           </a:solidFill>
@@ -2786,16 +2787,16 @@
           <a:cs typeface="+mn-cs"/>
         </a:defRPr>
       </a:lvl5pPr>
-      <a:lvl6pPr marL="10058400" indent="-914400" algn="l" defTabSz="3657600" rtl="0" eaLnBrk="1" latinLnBrk="0" hangingPunct="1">
+      <a:lvl6pPr marL="9429750" indent="-857250" algn="l" defTabSz="3429000" rtl="0" eaLnBrk="1" latinLnBrk="0" hangingPunct="1">
         <a:lnSpc>
           <a:spcPct val="90000"/>
         </a:lnSpc>
         <a:spcBef>
-          <a:spcPts val="2000"/>
+          <a:spcPts val="1875"/>
         </a:spcBef>
         <a:buFont typeface="Arial" panose="020B0604020202020204" pitchFamily="34" charset="0"/>
         <a:buChar char="•"/>
-        <a:defRPr sz="7200" kern="1200">
+        <a:defRPr sz="6750" kern="1200">
           <a:solidFill>
             <a:schemeClr val="tx1"/>
           </a:solidFill>
@@ -2804,16 +2805,16 @@
           <a:cs typeface="+mn-cs"/>
         </a:defRPr>
       </a:lvl6pPr>
-      <a:lvl7pPr marL="11887200" indent="-914400" algn="l" defTabSz="3657600" rtl="0" eaLnBrk="1" latinLnBrk="0" hangingPunct="1">
+      <a:lvl7pPr marL="11144250" indent="-857250" algn="l" defTabSz="3429000" rtl="0" eaLnBrk="1" latinLnBrk="0" hangingPunct="1">
         <a:lnSpc>
           <a:spcPct val="90000"/>
         </a:lnSpc>
         <a:spcBef>
-          <a:spcPts val="2000"/>
+          <a:spcPts val="1875"/>
         </a:spcBef>
         <a:buFont typeface="Arial" panose="020B0604020202020204" pitchFamily="34" charset="0"/>
         <a:buChar char="•"/>
-        <a:defRPr sz="7200" kern="1200">
+        <a:defRPr sz="6750" kern="1200">
           <a:solidFill>
             <a:schemeClr val="tx1"/>
           </a:solidFill>
@@ -2822,16 +2823,16 @@
           <a:cs typeface="+mn-cs"/>
         </a:defRPr>
       </a:lvl7pPr>
-      <a:lvl8pPr marL="13716000" indent="-914400" algn="l" defTabSz="3657600" rtl="0" eaLnBrk="1" latinLnBrk="0" hangingPunct="1">
+      <a:lvl8pPr marL="12858750" indent="-857250" algn="l" defTabSz="3429000" rtl="0" eaLnBrk="1" latinLnBrk="0" hangingPunct="1">
         <a:lnSpc>
           <a:spcPct val="90000"/>
         </a:lnSpc>
         <a:spcBef>
-          <a:spcPts val="2000"/>
+          <a:spcPts val="1875"/>
         </a:spcBef>
         <a:buFont typeface="Arial" panose="020B0604020202020204" pitchFamily="34" charset="0"/>
         <a:buChar char="•"/>
-        <a:defRPr sz="7200" kern="1200">
+        <a:defRPr sz="6750" kern="1200">
           <a:solidFill>
             <a:schemeClr val="tx1"/>
           </a:solidFill>
@@ -2840,16 +2841,16 @@
           <a:cs typeface="+mn-cs"/>
         </a:defRPr>
       </a:lvl8pPr>
-      <a:lvl9pPr marL="15544800" indent="-914400" algn="l" defTabSz="3657600" rtl="0" eaLnBrk="1" latinLnBrk="0" hangingPunct="1">
+      <a:lvl9pPr marL="14573250" indent="-857250" algn="l" defTabSz="3429000" rtl="0" eaLnBrk="1" latinLnBrk="0" hangingPunct="1">
         <a:lnSpc>
           <a:spcPct val="90000"/>
         </a:lnSpc>
         <a:spcBef>
-          <a:spcPts val="2000"/>
+          <a:spcPts val="1875"/>
         </a:spcBef>
         <a:buFont typeface="Arial" panose="020B0604020202020204" pitchFamily="34" charset="0"/>
         <a:buChar char="•"/>
-        <a:defRPr sz="7200" kern="1200">
+        <a:defRPr sz="6750" kern="1200">
           <a:solidFill>
             <a:schemeClr val="tx1"/>
           </a:solidFill>
@@ -2863,8 +2864,8 @@
       <a:defPPr>
         <a:defRPr lang="en-US"/>
       </a:defPPr>
-      <a:lvl1pPr marL="0" algn="l" defTabSz="3657600" rtl="0" eaLnBrk="1" latinLnBrk="0" hangingPunct="1">
-        <a:defRPr sz="7200" kern="1200">
+      <a:lvl1pPr marL="0" algn="l" defTabSz="3429000" rtl="0" eaLnBrk="1" latinLnBrk="0" hangingPunct="1">
+        <a:defRPr sz="6750" kern="1200">
           <a:solidFill>
             <a:schemeClr val="tx1"/>
           </a:solidFill>
@@ -2873,8 +2874,8 @@
           <a:cs typeface="+mn-cs"/>
         </a:defRPr>
       </a:lvl1pPr>
-      <a:lvl2pPr marL="1828800" algn="l" defTabSz="3657600" rtl="0" eaLnBrk="1" latinLnBrk="0" hangingPunct="1">
-        <a:defRPr sz="7200" kern="1200">
+      <a:lvl2pPr marL="1714500" algn="l" defTabSz="3429000" rtl="0" eaLnBrk="1" latinLnBrk="0" hangingPunct="1">
+        <a:defRPr sz="6750" kern="1200">
           <a:solidFill>
             <a:schemeClr val="tx1"/>
           </a:solidFill>
@@ -2883,8 +2884,8 @@
           <a:cs typeface="+mn-cs"/>
         </a:defRPr>
       </a:lvl2pPr>
-      <a:lvl3pPr marL="3657600" algn="l" defTabSz="3657600" rtl="0" eaLnBrk="1" latinLnBrk="0" hangingPunct="1">
-        <a:defRPr sz="7200" kern="1200">
+      <a:lvl3pPr marL="3429000" algn="l" defTabSz="3429000" rtl="0" eaLnBrk="1" latinLnBrk="0" hangingPunct="1">
+        <a:defRPr sz="6750" kern="1200">
           <a:solidFill>
             <a:schemeClr val="tx1"/>
           </a:solidFill>
@@ -2893,8 +2894,8 @@
           <a:cs typeface="+mn-cs"/>
         </a:defRPr>
       </a:lvl3pPr>
-      <a:lvl4pPr marL="5486400" algn="l" defTabSz="3657600" rtl="0" eaLnBrk="1" latinLnBrk="0" hangingPunct="1">
-        <a:defRPr sz="7200" kern="1200">
+      <a:lvl4pPr marL="5143500" algn="l" defTabSz="3429000" rtl="0" eaLnBrk="1" latinLnBrk="0" hangingPunct="1">
+        <a:defRPr sz="6750" kern="1200">
           <a:solidFill>
             <a:schemeClr val="tx1"/>
           </a:solidFill>
@@ -2903,8 +2904,8 @@
           <a:cs typeface="+mn-cs"/>
         </a:defRPr>
       </a:lvl4pPr>
-      <a:lvl5pPr marL="7315200" algn="l" defTabSz="3657600" rtl="0" eaLnBrk="1" latinLnBrk="0" hangingPunct="1">
-        <a:defRPr sz="7200" kern="1200">
+      <a:lvl5pPr marL="6858000" algn="l" defTabSz="3429000" rtl="0" eaLnBrk="1" latinLnBrk="0" hangingPunct="1">
+        <a:defRPr sz="6750" kern="1200">
           <a:solidFill>
             <a:schemeClr val="tx1"/>
           </a:solidFill>
@@ -2913,8 +2914,8 @@
           <a:cs typeface="+mn-cs"/>
         </a:defRPr>
       </a:lvl5pPr>
-      <a:lvl6pPr marL="9144000" algn="l" defTabSz="3657600" rtl="0" eaLnBrk="1" latinLnBrk="0" hangingPunct="1">
-        <a:defRPr sz="7200" kern="1200">
+      <a:lvl6pPr marL="8572500" algn="l" defTabSz="3429000" rtl="0" eaLnBrk="1" latinLnBrk="0" hangingPunct="1">
+        <a:defRPr sz="6750" kern="1200">
           <a:solidFill>
             <a:schemeClr val="tx1"/>
           </a:solidFill>
@@ -2923,8 +2924,8 @@
           <a:cs typeface="+mn-cs"/>
         </a:defRPr>
       </a:lvl6pPr>
-      <a:lvl7pPr marL="10972800" algn="l" defTabSz="3657600" rtl="0" eaLnBrk="1" latinLnBrk="0" hangingPunct="1">
-        <a:defRPr sz="7200" kern="1200">
+      <a:lvl7pPr marL="10287000" algn="l" defTabSz="3429000" rtl="0" eaLnBrk="1" latinLnBrk="0" hangingPunct="1">
+        <a:defRPr sz="6750" kern="1200">
           <a:solidFill>
             <a:schemeClr val="tx1"/>
           </a:solidFill>
@@ -2933,8 +2934,8 @@
           <a:cs typeface="+mn-cs"/>
         </a:defRPr>
       </a:lvl7pPr>
-      <a:lvl8pPr marL="12801600" algn="l" defTabSz="3657600" rtl="0" eaLnBrk="1" latinLnBrk="0" hangingPunct="1">
-        <a:defRPr sz="7200" kern="1200">
+      <a:lvl8pPr marL="12001500" algn="l" defTabSz="3429000" rtl="0" eaLnBrk="1" latinLnBrk="0" hangingPunct="1">
+        <a:defRPr sz="6750" kern="1200">
           <a:solidFill>
             <a:schemeClr val="tx1"/>
           </a:solidFill>
@@ -2943,8 +2944,8 @@
           <a:cs typeface="+mn-cs"/>
         </a:defRPr>
       </a:lvl8pPr>
-      <a:lvl9pPr marL="14630400" algn="l" defTabSz="3657600" rtl="0" eaLnBrk="1" latinLnBrk="0" hangingPunct="1">
-        <a:defRPr sz="7200" kern="1200">
+      <a:lvl9pPr marL="13716000" algn="l" defTabSz="3429000" rtl="0" eaLnBrk="1" latinLnBrk="0" hangingPunct="1">
+        <a:defRPr sz="6750" kern="1200">
           <a:solidFill>
             <a:schemeClr val="tx1"/>
           </a:solidFill>
@@ -2989,7 +2990,7 @@
         </p:nvSpPr>
         <p:spPr>
           <a:xfrm>
-            <a:off x="2161309" y="2286001"/>
+            <a:off x="6733309" y="2286002"/>
             <a:ext cx="11097492" cy="11263745"/>
           </a:xfrm>
           <a:prstGeom prst="rect">
@@ -3041,7 +3042,7 @@
         </p:nvSpPr>
         <p:spPr>
           <a:xfrm>
-            <a:off x="23317201" y="2286000"/>
+            <a:off x="27889202" y="2286001"/>
             <a:ext cx="11097491" cy="11263745"/>
           </a:xfrm>
           <a:prstGeom prst="rect">
@@ -3093,7 +3094,7 @@
         </p:nvSpPr>
         <p:spPr>
           <a:xfrm>
-            <a:off x="23317201" y="15739473"/>
+            <a:off x="27889202" y="15739473"/>
             <a:ext cx="11097491" cy="6007980"/>
           </a:xfrm>
           <a:prstGeom prst="rect">
@@ -3145,7 +3146,7 @@
         </p:nvSpPr>
         <p:spPr>
           <a:xfrm>
-            <a:off x="2161311" y="15771517"/>
+            <a:off x="6733312" y="15771518"/>
             <a:ext cx="11097491" cy="6007979"/>
           </a:xfrm>
           <a:prstGeom prst="rect">
@@ -3200,7 +3201,7 @@
         </p:nvCxnSpPr>
         <p:spPr>
           <a:xfrm flipV="1">
-            <a:off x="11866418" y="18040088"/>
+            <a:off x="16438418" y="18040089"/>
             <a:ext cx="12697690" cy="1926617"/>
           </a:xfrm>
           <a:prstGeom prst="bentConnector3">
@@ -3246,7 +3247,7 @@
         </p:nvCxnSpPr>
         <p:spPr>
           <a:xfrm>
-            <a:off x="12385961" y="3469710"/>
+            <a:off x="16957962" y="3469711"/>
             <a:ext cx="11887203" cy="457"/>
           </a:xfrm>
           <a:prstGeom prst="straightConnector1">
@@ -3290,7 +3291,7 @@
         </p:nvCxnSpPr>
         <p:spPr>
           <a:xfrm flipV="1">
-            <a:off x="11928764" y="12326624"/>
+            <a:off x="16500765" y="12326624"/>
             <a:ext cx="12309147" cy="5991078"/>
           </a:xfrm>
           <a:prstGeom prst="bentConnector3">
@@ -3336,7 +3337,7 @@
         </p:nvCxnSpPr>
         <p:spPr>
           <a:xfrm flipH="1" flipV="1">
-            <a:off x="12350708" y="6684360"/>
+            <a:off x="16922708" y="6684361"/>
             <a:ext cx="11922456" cy="21567"/>
           </a:xfrm>
           <a:prstGeom prst="straightConnector1">
@@ -3380,7 +3381,7 @@
         </p:nvCxnSpPr>
         <p:spPr>
           <a:xfrm>
-            <a:off x="18288000" y="0"/>
+            <a:off x="22860000" y="0"/>
             <a:ext cx="0" cy="22860000"/>
           </a:xfrm>
           <a:prstGeom prst="line">
@@ -3424,7 +3425,7 @@
         </p:nvCxnSpPr>
         <p:spPr>
           <a:xfrm rot="10800000">
-            <a:off x="12338633" y="8976898"/>
+            <a:off x="16910634" y="8976898"/>
             <a:ext cx="12163757" cy="8131004"/>
           </a:xfrm>
           <a:prstGeom prst="bentConnector3">
@@ -3470,7 +3471,7 @@
         </p:nvCxnSpPr>
         <p:spPr>
           <a:xfrm flipV="1">
-            <a:off x="26422118" y="12434313"/>
+            <a:off x="30994118" y="12434314"/>
             <a:ext cx="0" cy="3984837"/>
           </a:xfrm>
           <a:prstGeom prst="straightConnector1">
@@ -3512,7 +3513,7 @@
         </p:nvSpPr>
         <p:spPr>
           <a:xfrm>
-            <a:off x="0" y="1"/>
+            <a:off x="4572000" y="2"/>
             <a:ext cx="18288000" cy="1169551"/>
           </a:xfrm>
           <a:prstGeom prst="rect">
@@ -3548,7 +3549,7 @@
         </p:nvSpPr>
         <p:spPr>
           <a:xfrm>
-            <a:off x="18288000" y="5770"/>
+            <a:off x="22860000" y="5771"/>
             <a:ext cx="18288000" cy="1169551"/>
           </a:xfrm>
           <a:prstGeom prst="rect">
@@ -3584,7 +3585,7 @@
         </p:nvSpPr>
         <p:spPr>
           <a:xfrm>
-            <a:off x="5985164" y="16292943"/>
+            <a:off x="10557164" y="16292943"/>
             <a:ext cx="6400800" cy="4738254"/>
           </a:xfrm>
           <a:prstGeom prst="rect">
@@ -3649,7 +3650,7 @@
         </p:nvSpPr>
         <p:spPr>
           <a:xfrm>
-            <a:off x="5985161" y="10330949"/>
+            <a:off x="10557161" y="10330949"/>
             <a:ext cx="6400800" cy="2286000"/>
           </a:xfrm>
           <a:prstGeom prst="rect">
@@ -3698,7 +3699,7 @@
         </p:nvSpPr>
         <p:spPr>
           <a:xfrm>
-            <a:off x="5949905" y="6396185"/>
+            <a:off x="10521905" y="6396185"/>
             <a:ext cx="6400800" cy="2743200"/>
           </a:xfrm>
           <a:prstGeom prst="rect">
@@ -3747,7 +3748,7 @@
         </p:nvSpPr>
         <p:spPr>
           <a:xfrm>
-            <a:off x="24564108" y="16419150"/>
+            <a:off x="29136108" y="16419151"/>
             <a:ext cx="6400800" cy="2132447"/>
           </a:xfrm>
           <a:prstGeom prst="rect">
@@ -3803,7 +3804,7 @@
         </p:nvSpPr>
         <p:spPr>
           <a:xfrm>
-            <a:off x="6421581" y="19503154"/>
+            <a:off x="10993582" y="19503155"/>
             <a:ext cx="5444837" cy="927101"/>
           </a:xfrm>
           <a:prstGeom prst="rect">
@@ -3859,7 +3860,7 @@
         </p:nvSpPr>
         <p:spPr>
           <a:xfrm>
-            <a:off x="6483927" y="17961840"/>
+            <a:off x="11055928" y="17961841"/>
             <a:ext cx="5444837" cy="927101"/>
           </a:xfrm>
           <a:prstGeom prst="rect">
@@ -3919,7 +3920,7 @@
         </p:nvCxnSpPr>
         <p:spPr>
           <a:xfrm rot="10800000" flipH="1">
-            <a:off x="5985163" y="12616950"/>
+            <a:off x="10557164" y="12616951"/>
             <a:ext cx="3200397" cy="6045121"/>
           </a:xfrm>
           <a:prstGeom prst="bentConnector4">
@@ -3966,7 +3967,7 @@
         </p:nvCxnSpPr>
         <p:spPr>
           <a:xfrm rot="5400000" flipH="1" flipV="1">
-            <a:off x="27924562" y="10904522"/>
+            <a:off x="32496562" y="10904522"/>
             <a:ext cx="6857176" cy="4172080"/>
           </a:xfrm>
           <a:prstGeom prst="bentConnector3">
@@ -4010,7 +4011,7 @@
         </p:nvSpPr>
         <p:spPr>
           <a:xfrm>
-            <a:off x="24564108" y="18935330"/>
+            <a:off x="29136108" y="18935331"/>
             <a:ext cx="6400800" cy="2132447"/>
           </a:xfrm>
           <a:prstGeom prst="rect">
@@ -4070,7 +4071,7 @@
         </p:nvCxnSpPr>
         <p:spPr>
           <a:xfrm flipV="1">
-            <a:off x="30964908" y="17485374"/>
+            <a:off x="35536908" y="17485374"/>
             <a:ext cx="12700" cy="2516180"/>
           </a:xfrm>
           <a:prstGeom prst="bentConnector3">
@@ -4114,7 +4115,7 @@
         </p:nvSpPr>
         <p:spPr>
           <a:xfrm>
-            <a:off x="2161309" y="1344405"/>
+            <a:off x="6733309" y="1344405"/>
             <a:ext cx="11097492" cy="861774"/>
           </a:xfrm>
           <a:prstGeom prst="rect">
@@ -4186,7 +4187,7 @@
         </p:nvSpPr>
         <p:spPr>
           <a:xfrm>
-            <a:off x="23317200" y="1379769"/>
+            <a:off x="27889200" y="1379769"/>
             <a:ext cx="11097492" cy="861774"/>
           </a:xfrm>
           <a:prstGeom prst="rect">
@@ -4238,7 +4239,7 @@
         </p:nvSpPr>
         <p:spPr>
           <a:xfrm>
-            <a:off x="2161309" y="21824116"/>
+            <a:off x="6733309" y="21824116"/>
             <a:ext cx="11097492" cy="861774"/>
           </a:xfrm>
           <a:prstGeom prst="rect">
@@ -4290,7 +4291,7 @@
         </p:nvSpPr>
         <p:spPr>
           <a:xfrm>
-            <a:off x="23317200" y="21779495"/>
+            <a:off x="27889200" y="21779495"/>
             <a:ext cx="11097492" cy="861774"/>
           </a:xfrm>
           <a:prstGeom prst="rect">
@@ -4342,7 +4343,7 @@
         </p:nvSpPr>
         <p:spPr>
           <a:xfrm>
-            <a:off x="457200" y="23064448"/>
+            <a:off x="5029200" y="23064448"/>
             <a:ext cx="35524440" cy="3818912"/>
           </a:xfrm>
           <a:prstGeom prst="rect">
@@ -4387,7 +4388,7 @@
         </p:nvCxnSpPr>
         <p:spPr>
           <a:xfrm>
-            <a:off x="2161309" y="24368760"/>
+            <a:off x="6733310" y="24368760"/>
             <a:ext cx="2913611" cy="0"/>
           </a:xfrm>
           <a:prstGeom prst="line">
@@ -4428,7 +4429,7 @@
         </p:nvSpPr>
         <p:spPr>
           <a:xfrm>
-            <a:off x="5339944" y="23937872"/>
+            <a:off x="9911945" y="23937872"/>
             <a:ext cx="5078963" cy="861774"/>
           </a:xfrm>
           <a:prstGeom prst="rect">
@@ -4463,7 +4464,7 @@
         </p:nvCxnSpPr>
         <p:spPr>
           <a:xfrm>
-            <a:off x="2161309" y="25957546"/>
+            <a:off x="6733310" y="25957546"/>
             <a:ext cx="2913611" cy="0"/>
           </a:xfrm>
           <a:prstGeom prst="line">
@@ -4504,7 +4505,7 @@
         </p:nvSpPr>
         <p:spPr>
           <a:xfrm>
-            <a:off x="5339944" y="25526659"/>
+            <a:off x="9911945" y="25526659"/>
             <a:ext cx="4302819" cy="861774"/>
           </a:xfrm>
           <a:prstGeom prst="rect">
@@ -4539,7 +4540,7 @@
         </p:nvCxnSpPr>
         <p:spPr>
           <a:xfrm>
-            <a:off x="11278292" y="24422419"/>
+            <a:off x="15850293" y="24422419"/>
             <a:ext cx="2913611" cy="0"/>
           </a:xfrm>
           <a:prstGeom prst="line">
@@ -4580,7 +4581,7 @@
         </p:nvSpPr>
         <p:spPr>
           <a:xfrm>
-            <a:off x="14456927" y="23991532"/>
+            <a:off x="19028928" y="23991532"/>
             <a:ext cx="7927171" cy="861774"/>
           </a:xfrm>
           <a:prstGeom prst="rect">
@@ -4615,7 +4616,7 @@
         </p:nvCxnSpPr>
         <p:spPr>
           <a:xfrm>
-            <a:off x="11213870" y="25954464"/>
+            <a:off x="15785871" y="25954464"/>
             <a:ext cx="2913611" cy="0"/>
           </a:xfrm>
           <a:prstGeom prst="line">
@@ -4656,7 +4657,7 @@
         </p:nvSpPr>
         <p:spPr>
           <a:xfrm>
-            <a:off x="14392505" y="25523577"/>
+            <a:off x="18964506" y="25523577"/>
             <a:ext cx="9880659" cy="861774"/>
           </a:xfrm>
           <a:prstGeom prst="rect">
@@ -4691,7 +4692,7 @@
         </p:nvSpPr>
         <p:spPr>
           <a:xfrm>
-            <a:off x="3410544" y="8849572"/>
+            <a:off x="7982545" y="8849572"/>
             <a:ext cx="2130661" cy="1417320"/>
           </a:xfrm>
           <a:prstGeom prst="rect">
@@ -4746,7 +4747,7 @@
         </p:nvCxnSpPr>
         <p:spPr>
           <a:xfrm>
-            <a:off x="23508507" y="24365873"/>
+            <a:off x="28080508" y="24365873"/>
             <a:ext cx="2913611" cy="0"/>
           </a:xfrm>
           <a:prstGeom prst="line">
@@ -4787,7 +4788,7 @@
         </p:nvSpPr>
         <p:spPr>
           <a:xfrm>
-            <a:off x="26687142" y="23934986"/>
+            <a:off x="31259143" y="23934986"/>
             <a:ext cx="7927171" cy="861774"/>
           </a:xfrm>
           <a:prstGeom prst="rect">
@@ -4822,7 +4823,7 @@
         </p:nvCxnSpPr>
         <p:spPr>
           <a:xfrm>
-            <a:off x="23608259" y="25933853"/>
+            <a:off x="28180260" y="25933853"/>
             <a:ext cx="2913611" cy="0"/>
           </a:xfrm>
           <a:prstGeom prst="line">
@@ -4863,7 +4864,7 @@
         </p:nvSpPr>
         <p:spPr>
           <a:xfrm>
-            <a:off x="26786894" y="25502966"/>
+            <a:off x="31358894" y="25502966"/>
             <a:ext cx="8950730" cy="861774"/>
           </a:xfrm>
           <a:prstGeom prst="rect">
@@ -4902,7 +4903,7 @@
         </p:nvCxnSpPr>
         <p:spPr>
           <a:xfrm rot="5400000">
-            <a:off x="30845632" y="9310859"/>
+            <a:off x="35417633" y="9310860"/>
             <a:ext cx="1720877" cy="2175281"/>
           </a:xfrm>
           <a:prstGeom prst="bentConnector2">
@@ -4946,7 +4947,7 @@
         </p:nvCxnSpPr>
         <p:spPr>
           <a:xfrm flipV="1">
-            <a:off x="8545031" y="9139385"/>
+            <a:off x="13117031" y="9139386"/>
             <a:ext cx="0" cy="1179069"/>
           </a:xfrm>
           <a:prstGeom prst="straightConnector1">
@@ -4988,7 +4989,7 @@
         </p:nvSpPr>
         <p:spPr>
           <a:xfrm>
-            <a:off x="31546801" y="6113867"/>
+            <a:off x="36118801" y="6113867"/>
             <a:ext cx="2493818" cy="3424194"/>
           </a:xfrm>
           <a:prstGeom prst="rect">
@@ -5051,7 +5052,7 @@
         </p:nvSpPr>
         <p:spPr>
           <a:xfrm>
-            <a:off x="5949908" y="2843987"/>
+            <a:off x="10521908" y="2843987"/>
             <a:ext cx="6400800" cy="2286000"/>
           </a:xfrm>
           <a:prstGeom prst="rect">
@@ -5104,7 +5105,7 @@
         </p:nvSpPr>
         <p:spPr>
           <a:xfrm>
-            <a:off x="24217629" y="9887338"/>
+            <a:off x="28789629" y="9887338"/>
             <a:ext cx="6400800" cy="2743200"/>
           </a:xfrm>
           <a:prstGeom prst="rect">
@@ -5153,7 +5154,7 @@
         </p:nvSpPr>
         <p:spPr>
           <a:xfrm>
-            <a:off x="24202657" y="6404303"/>
+            <a:off x="28774657" y="6404303"/>
             <a:ext cx="6400800" cy="2286000"/>
           </a:xfrm>
           <a:prstGeom prst="rect">
@@ -5202,7 +5203,7 @@
         </p:nvSpPr>
         <p:spPr>
           <a:xfrm>
-            <a:off x="24237911" y="2844444"/>
+            <a:off x="28809911" y="2844444"/>
             <a:ext cx="6400800" cy="2286000"/>
           </a:xfrm>
           <a:prstGeom prst="rect">
@@ -5259,7 +5260,7 @@
         </p:nvCxnSpPr>
         <p:spPr>
           <a:xfrm flipV="1">
-            <a:off x="9150305" y="5129987"/>
+            <a:off x="13722306" y="5129987"/>
             <a:ext cx="3" cy="1266198"/>
           </a:xfrm>
           <a:prstGeom prst="straightConnector1">
@@ -5303,7 +5304,7 @@
         </p:nvCxnSpPr>
         <p:spPr>
           <a:xfrm flipH="1" flipV="1">
-            <a:off x="28268427" y="8737160"/>
+            <a:off x="32840427" y="8737160"/>
             <a:ext cx="10738" cy="1182554"/>
           </a:xfrm>
           <a:prstGeom prst="straightConnector1">
@@ -5348,7 +5349,7 @@
         </p:nvCxnSpPr>
         <p:spPr>
           <a:xfrm rot="16200000" flipV="1">
-            <a:off x="30999306" y="4319463"/>
+            <a:off x="35571306" y="4319463"/>
             <a:ext cx="1433806" cy="2155002"/>
           </a:xfrm>
           <a:prstGeom prst="bentConnector2">
@@ -5392,7 +5393,7 @@
         </p:nvCxnSpPr>
         <p:spPr>
           <a:xfrm flipH="1" flipV="1">
-            <a:off x="26212414" y="8760256"/>
+            <a:off x="30784414" y="8760256"/>
             <a:ext cx="10738" cy="1182554"/>
           </a:xfrm>
           <a:prstGeom prst="straightConnector1">
@@ -5436,7 +5437,7 @@
         </p:nvCxnSpPr>
         <p:spPr>
           <a:xfrm rot="10800000" flipH="1" flipV="1">
-            <a:off x="5949907" y="4625788"/>
+            <a:off x="10521908" y="4625788"/>
             <a:ext cx="35253" cy="7486962"/>
           </a:xfrm>
           <a:prstGeom prst="bentConnector3">
@@ -5482,7 +5483,7 @@
         </p:nvCxnSpPr>
         <p:spPr>
           <a:xfrm>
-            <a:off x="10187184" y="9203331"/>
+            <a:off x="14759184" y="9203332"/>
             <a:ext cx="0" cy="1127617"/>
           </a:xfrm>
           <a:prstGeom prst="straightConnector1">
@@ -5527,7 +5528,7 @@
         </p:nvCxnSpPr>
         <p:spPr>
           <a:xfrm rot="16200000" flipH="1">
-            <a:off x="4884041" y="9858726"/>
+            <a:off x="9456042" y="9858726"/>
             <a:ext cx="689807" cy="1506138"/>
           </a:xfrm>
           <a:prstGeom prst="bentConnector2">
@@ -5573,7 +5574,7 @@
         </p:nvCxnSpPr>
         <p:spPr>
           <a:xfrm rot="10800000" flipV="1">
-            <a:off x="4475875" y="7767784"/>
+            <a:off x="9047875" y="7767785"/>
             <a:ext cx="1474030" cy="1081787"/>
           </a:xfrm>
           <a:prstGeom prst="bentConnector2">
@@ -5615,7 +5616,7 @@
         </p:nvSpPr>
         <p:spPr>
           <a:xfrm>
-            <a:off x="2173927" y="2312552"/>
+            <a:off x="6745927" y="2312553"/>
             <a:ext cx="2397034" cy="1643681"/>
           </a:xfrm>
           <a:prstGeom prst="snip2DiagRect">
@@ -5672,7 +5673,7 @@
         </p:nvCxnSpPr>
         <p:spPr>
           <a:xfrm flipV="1">
-            <a:off x="4539471" y="3423286"/>
+            <a:off x="9111472" y="3423287"/>
             <a:ext cx="1378945" cy="1"/>
           </a:xfrm>
           <a:prstGeom prst="straightConnector1">
@@ -5714,7 +5715,7 @@
         </p:nvSpPr>
         <p:spPr>
           <a:xfrm>
-            <a:off x="31975910" y="2322088"/>
+            <a:off x="36547910" y="2322089"/>
             <a:ext cx="2397034" cy="1643681"/>
           </a:xfrm>
           <a:prstGeom prst="snip2DiagRect">
@@ -5771,7 +5772,7 @@
         </p:nvCxnSpPr>
         <p:spPr>
           <a:xfrm flipH="1" flipV="1">
-            <a:off x="30596965" y="3284841"/>
+            <a:off x="35168966" y="3284842"/>
             <a:ext cx="1378945" cy="1"/>
           </a:xfrm>
           <a:prstGeom prst="straightConnector1">
@@ -5815,7 +5816,7 @@
         </p:nvCxnSpPr>
         <p:spPr>
           <a:xfrm>
-            <a:off x="12350708" y="4535932"/>
+            <a:off x="16922709" y="4535933"/>
             <a:ext cx="11958583" cy="5839571"/>
           </a:xfrm>
           <a:prstGeom prst="bentConnector3">
@@ -5862,7 +5863,7 @@
         </p:nvCxnSpPr>
         <p:spPr>
           <a:xfrm rot="10800000">
-            <a:off x="12349311" y="8198298"/>
+            <a:off x="16921311" y="8198299"/>
             <a:ext cx="11883290" cy="3453527"/>
           </a:xfrm>
           <a:prstGeom prst="bentConnector3">
@@ -5908,7 +5909,7 @@
         </p:nvCxnSpPr>
         <p:spPr>
           <a:xfrm rot="10800000">
-            <a:off x="12346166" y="7434626"/>
+            <a:off x="16918167" y="7434626"/>
             <a:ext cx="11910693" cy="3559380"/>
           </a:xfrm>
           <a:prstGeom prst="bentConnector3">
@@ -5956,6 +5957,3029 @@
   <p:cSld>
     <p:spTree>
       <p:nvGrpSpPr>
+        <p:cNvPr id="1" name="">
+          <a:extLst>
+            <a:ext uri="{FF2B5EF4-FFF2-40B4-BE49-F238E27FC236}">
+              <a16:creationId xmlns:a16="http://schemas.microsoft.com/office/drawing/2014/main" id="{3F50AF4D-9837-248C-B441-DA05D6B65016}"/>
+            </a:ext>
+          </a:extLst>
+        </p:cNvPr>
+        <p:cNvGrpSpPr/>
+        <p:nvPr/>
+      </p:nvGrpSpPr>
+      <p:grpSpPr>
+        <a:xfrm>
+          <a:off x="0" y="0"/>
+          <a:ext cx="0" cy="0"/>
+          <a:chOff x="0" y="0"/>
+          <a:chExt cx="0" cy="0"/>
+        </a:xfrm>
+      </p:grpSpPr>
+      <p:sp>
+        <p:nvSpPr>
+          <p:cNvPr id="15" name="Rectangle 14">
+            <a:extLst>
+              <a:ext uri="{FF2B5EF4-FFF2-40B4-BE49-F238E27FC236}">
+                <a16:creationId xmlns:a16="http://schemas.microsoft.com/office/drawing/2014/main" id="{F44E34DA-C92E-C039-E78A-B57B3AE5FF7D}"/>
+              </a:ext>
+            </a:extLst>
+          </p:cNvPr>
+          <p:cNvSpPr/>
+          <p:nvPr/>
+        </p:nvSpPr>
+        <p:spPr>
+          <a:xfrm>
+            <a:off x="2161314" y="2286002"/>
+            <a:ext cx="11097492" cy="11263745"/>
+          </a:xfrm>
+          <a:prstGeom prst="rect">
+            <a:avLst/>
+          </a:prstGeom>
+          <a:noFill/>
+          <a:ln w="127000">
+            <a:solidFill>
+              <a:schemeClr val="accent2"/>
+            </a:solidFill>
+          </a:ln>
+        </p:spPr>
+        <p:style>
+          <a:lnRef idx="2">
+            <a:schemeClr val="accent1">
+              <a:shade val="15000"/>
+            </a:schemeClr>
+          </a:lnRef>
+          <a:fillRef idx="1">
+            <a:schemeClr val="accent1"/>
+          </a:fillRef>
+          <a:effectRef idx="0">
+            <a:schemeClr val="accent1"/>
+          </a:effectRef>
+          <a:fontRef idx="minor">
+            <a:schemeClr val="lt1"/>
+          </a:fontRef>
+        </p:style>
+        <p:txBody>
+          <a:bodyPr rtlCol="0" anchor="ctr"/>
+          <a:lstStyle/>
+          <a:p>
+            <a:pPr algn="ctr"/>
+            <a:endParaRPr lang="en-US"/>
+          </a:p>
+        </p:txBody>
+      </p:sp>
+      <p:sp>
+        <p:nvSpPr>
+          <p:cNvPr id="16" name="Rectangle 15">
+            <a:extLst>
+              <a:ext uri="{FF2B5EF4-FFF2-40B4-BE49-F238E27FC236}">
+                <a16:creationId xmlns:a16="http://schemas.microsoft.com/office/drawing/2014/main" id="{0D63FAED-F7F5-4F9A-946D-884300176B4C}"/>
+              </a:ext>
+            </a:extLst>
+          </p:cNvPr>
+          <p:cNvSpPr/>
+          <p:nvPr/>
+        </p:nvSpPr>
+        <p:spPr>
+          <a:xfrm>
+            <a:off x="23317207" y="2286001"/>
+            <a:ext cx="11097491" cy="11263745"/>
+          </a:xfrm>
+          <a:prstGeom prst="rect">
+            <a:avLst/>
+          </a:prstGeom>
+          <a:noFill/>
+          <a:ln w="127000">
+            <a:solidFill>
+              <a:schemeClr val="accent2"/>
+            </a:solidFill>
+          </a:ln>
+        </p:spPr>
+        <p:style>
+          <a:lnRef idx="2">
+            <a:schemeClr val="accent1">
+              <a:shade val="15000"/>
+            </a:schemeClr>
+          </a:lnRef>
+          <a:fillRef idx="1">
+            <a:schemeClr val="accent1"/>
+          </a:fillRef>
+          <a:effectRef idx="0">
+            <a:schemeClr val="accent1"/>
+          </a:effectRef>
+          <a:fontRef idx="minor">
+            <a:schemeClr val="lt1"/>
+          </a:fontRef>
+        </p:style>
+        <p:txBody>
+          <a:bodyPr rtlCol="0" anchor="ctr"/>
+          <a:lstStyle/>
+          <a:p>
+            <a:pPr algn="ctr"/>
+            <a:endParaRPr lang="en-US"/>
+          </a:p>
+        </p:txBody>
+      </p:sp>
+      <p:sp>
+        <p:nvSpPr>
+          <p:cNvPr id="112" name="Rectangle 111">
+            <a:extLst>
+              <a:ext uri="{FF2B5EF4-FFF2-40B4-BE49-F238E27FC236}">
+                <a16:creationId xmlns:a16="http://schemas.microsoft.com/office/drawing/2014/main" id="{D7B7110A-E753-BEE8-73F7-D00C63244377}"/>
+              </a:ext>
+            </a:extLst>
+          </p:cNvPr>
+          <p:cNvSpPr/>
+          <p:nvPr/>
+        </p:nvSpPr>
+        <p:spPr>
+          <a:xfrm>
+            <a:off x="23317207" y="15739473"/>
+            <a:ext cx="11097491" cy="6007980"/>
+          </a:xfrm>
+          <a:prstGeom prst="rect">
+            <a:avLst/>
+          </a:prstGeom>
+          <a:noFill/>
+          <a:ln w="127000">
+            <a:solidFill>
+              <a:schemeClr val="accent2"/>
+            </a:solidFill>
+          </a:ln>
+        </p:spPr>
+        <p:style>
+          <a:lnRef idx="2">
+            <a:schemeClr val="accent1">
+              <a:shade val="15000"/>
+            </a:schemeClr>
+          </a:lnRef>
+          <a:fillRef idx="1">
+            <a:schemeClr val="accent1"/>
+          </a:fillRef>
+          <a:effectRef idx="0">
+            <a:schemeClr val="accent1"/>
+          </a:effectRef>
+          <a:fontRef idx="minor">
+            <a:schemeClr val="lt1"/>
+          </a:fontRef>
+        </p:style>
+        <p:txBody>
+          <a:bodyPr rtlCol="0" anchor="ctr"/>
+          <a:lstStyle/>
+          <a:p>
+            <a:pPr algn="ctr"/>
+            <a:endParaRPr lang="en-US"/>
+          </a:p>
+        </p:txBody>
+      </p:sp>
+      <p:sp>
+        <p:nvSpPr>
+          <p:cNvPr id="134" name="Rectangle 133">
+            <a:extLst>
+              <a:ext uri="{FF2B5EF4-FFF2-40B4-BE49-F238E27FC236}">
+                <a16:creationId xmlns:a16="http://schemas.microsoft.com/office/drawing/2014/main" id="{F0A72FF2-4808-7761-5B6C-9B983D202684}"/>
+              </a:ext>
+            </a:extLst>
+          </p:cNvPr>
+          <p:cNvSpPr/>
+          <p:nvPr/>
+        </p:nvSpPr>
+        <p:spPr>
+          <a:xfrm>
+            <a:off x="2161317" y="15771518"/>
+            <a:ext cx="11097491" cy="6007979"/>
+          </a:xfrm>
+          <a:prstGeom prst="rect">
+            <a:avLst/>
+          </a:prstGeom>
+          <a:noFill/>
+          <a:ln w="127000">
+            <a:solidFill>
+              <a:schemeClr val="accent2"/>
+            </a:solidFill>
+          </a:ln>
+        </p:spPr>
+        <p:style>
+          <a:lnRef idx="2">
+            <a:schemeClr val="accent1">
+              <a:shade val="15000"/>
+            </a:schemeClr>
+          </a:lnRef>
+          <a:fillRef idx="1">
+            <a:schemeClr val="accent1"/>
+          </a:fillRef>
+          <a:effectRef idx="0">
+            <a:schemeClr val="accent1"/>
+          </a:effectRef>
+          <a:fontRef idx="minor">
+            <a:schemeClr val="lt1"/>
+          </a:fontRef>
+        </p:style>
+        <p:txBody>
+          <a:bodyPr rtlCol="0" anchor="ctr"/>
+          <a:lstStyle/>
+          <a:p>
+            <a:pPr algn="ctr"/>
+            <a:endParaRPr lang="en-US"/>
+          </a:p>
+        </p:txBody>
+      </p:sp>
+      <p:cxnSp>
+        <p:nvCxnSpPr>
+          <p:cNvPr id="20" name="Elbow Connector 19">
+            <a:extLst>
+              <a:ext uri="{FF2B5EF4-FFF2-40B4-BE49-F238E27FC236}">
+                <a16:creationId xmlns:a16="http://schemas.microsoft.com/office/drawing/2014/main" id="{118951CC-C375-BAE3-2B38-086582B47776}"/>
+              </a:ext>
+            </a:extLst>
+          </p:cNvPr>
+          <p:cNvCxnSpPr>
+            <a:cxnSpLocks/>
+            <a:stCxn id="28" idx="3"/>
+          </p:cNvCxnSpPr>
+          <p:nvPr/>
+        </p:nvCxnSpPr>
+        <p:spPr>
+          <a:xfrm flipV="1">
+            <a:off x="11866423" y="18040089"/>
+            <a:ext cx="12697690" cy="1926617"/>
+          </a:xfrm>
+          <a:prstGeom prst="bentConnector3">
+            <a:avLst>
+              <a:gd name="adj1" fmla="val 36793"/>
+            </a:avLst>
+          </a:prstGeom>
+          <a:ln w="254000">
+            <a:solidFill>
+              <a:schemeClr val="accent6"/>
+            </a:solidFill>
+            <a:tailEnd type="triangle"/>
+          </a:ln>
+        </p:spPr>
+        <p:style>
+          <a:lnRef idx="2">
+            <a:schemeClr val="accent1"/>
+          </a:lnRef>
+          <a:fillRef idx="0">
+            <a:schemeClr val="accent1"/>
+          </a:fillRef>
+          <a:effectRef idx="1">
+            <a:schemeClr val="accent1"/>
+          </a:effectRef>
+          <a:fontRef idx="minor">
+            <a:schemeClr val="tx1"/>
+          </a:fontRef>
+        </p:style>
+      </p:cxnSp>
+      <p:cxnSp>
+        <p:nvCxnSpPr>
+          <p:cNvPr id="73" name="Straight Arrow Connector 72">
+            <a:extLst>
+              <a:ext uri="{FF2B5EF4-FFF2-40B4-BE49-F238E27FC236}">
+                <a16:creationId xmlns:a16="http://schemas.microsoft.com/office/drawing/2014/main" id="{F922FC3B-A479-4BE2-3EC0-E592EA4374F1}"/>
+              </a:ext>
+            </a:extLst>
+          </p:cNvPr>
+          <p:cNvCxnSpPr>
+            <a:cxnSpLocks/>
+          </p:cNvCxnSpPr>
+          <p:nvPr/>
+        </p:nvCxnSpPr>
+        <p:spPr>
+          <a:xfrm>
+            <a:off x="12385967" y="3469711"/>
+            <a:ext cx="11887203" cy="457"/>
+          </a:xfrm>
+          <a:prstGeom prst="straightConnector1">
+            <a:avLst/>
+          </a:prstGeom>
+          <a:ln w="254000">
+            <a:solidFill>
+              <a:schemeClr val="accent6"/>
+            </a:solidFill>
+            <a:tailEnd type="triangle"/>
+          </a:ln>
+        </p:spPr>
+        <p:style>
+          <a:lnRef idx="2">
+            <a:schemeClr val="accent1"/>
+          </a:lnRef>
+          <a:fillRef idx="0">
+            <a:schemeClr val="accent1"/>
+          </a:fillRef>
+          <a:effectRef idx="1">
+            <a:schemeClr val="accent1"/>
+          </a:effectRef>
+          <a:fontRef idx="minor">
+            <a:schemeClr val="tx1"/>
+          </a:fontRef>
+        </p:style>
+      </p:cxnSp>
+      <p:cxnSp>
+        <p:nvCxnSpPr>
+          <p:cNvPr id="23" name="Elbow Connector 22">
+            <a:extLst>
+              <a:ext uri="{FF2B5EF4-FFF2-40B4-BE49-F238E27FC236}">
+                <a16:creationId xmlns:a16="http://schemas.microsoft.com/office/drawing/2014/main" id="{BA4A3432-FEB3-A473-81FD-C34A05A2C45E}"/>
+              </a:ext>
+            </a:extLst>
+          </p:cNvPr>
+          <p:cNvCxnSpPr>
+            <a:cxnSpLocks/>
+          </p:cNvCxnSpPr>
+          <p:nvPr/>
+        </p:nvCxnSpPr>
+        <p:spPr>
+          <a:xfrm flipV="1">
+            <a:off x="11928770" y="12326624"/>
+            <a:ext cx="12309147" cy="5991078"/>
+          </a:xfrm>
+          <a:prstGeom prst="bentConnector3">
+            <a:avLst>
+              <a:gd name="adj1" fmla="val 23862"/>
+            </a:avLst>
+          </a:prstGeom>
+          <a:ln w="254000">
+            <a:solidFill>
+              <a:schemeClr val="accent6"/>
+            </a:solidFill>
+            <a:tailEnd type="triangle"/>
+          </a:ln>
+        </p:spPr>
+        <p:style>
+          <a:lnRef idx="2">
+            <a:schemeClr val="accent1"/>
+          </a:lnRef>
+          <a:fillRef idx="0">
+            <a:schemeClr val="accent1"/>
+          </a:fillRef>
+          <a:effectRef idx="1">
+            <a:schemeClr val="accent1"/>
+          </a:effectRef>
+          <a:fontRef idx="minor">
+            <a:schemeClr val="tx1"/>
+          </a:fontRef>
+        </p:style>
+      </p:cxnSp>
+      <p:cxnSp>
+        <p:nvCxnSpPr>
+          <p:cNvPr id="94" name="Straight Arrow Connector 93">
+            <a:extLst>
+              <a:ext uri="{FF2B5EF4-FFF2-40B4-BE49-F238E27FC236}">
+                <a16:creationId xmlns:a16="http://schemas.microsoft.com/office/drawing/2014/main" id="{81721EEE-5234-E910-7E21-B24B4E6C4F2F}"/>
+              </a:ext>
+            </a:extLst>
+          </p:cNvPr>
+          <p:cNvCxnSpPr>
+            <a:cxnSpLocks/>
+          </p:cNvCxnSpPr>
+          <p:nvPr/>
+        </p:nvCxnSpPr>
+        <p:spPr>
+          <a:xfrm flipH="1" flipV="1">
+            <a:off x="12350713" y="6684361"/>
+            <a:ext cx="11922456" cy="21567"/>
+          </a:xfrm>
+          <a:prstGeom prst="straightConnector1">
+            <a:avLst/>
+          </a:prstGeom>
+          <a:ln w="254000">
+            <a:solidFill>
+              <a:schemeClr val="accent6"/>
+            </a:solidFill>
+            <a:tailEnd type="triangle"/>
+          </a:ln>
+        </p:spPr>
+        <p:style>
+          <a:lnRef idx="2">
+            <a:schemeClr val="accent1"/>
+          </a:lnRef>
+          <a:fillRef idx="0">
+            <a:schemeClr val="accent1"/>
+          </a:fillRef>
+          <a:effectRef idx="1">
+            <a:schemeClr val="accent1"/>
+          </a:effectRef>
+          <a:fontRef idx="minor">
+            <a:schemeClr val="tx1"/>
+          </a:fontRef>
+        </p:style>
+      </p:cxnSp>
+      <p:cxnSp>
+        <p:nvCxnSpPr>
+          <p:cNvPr id="5" name="Straight Connector 4">
+            <a:extLst>
+              <a:ext uri="{FF2B5EF4-FFF2-40B4-BE49-F238E27FC236}">
+                <a16:creationId xmlns:a16="http://schemas.microsoft.com/office/drawing/2014/main" id="{2220CBB6-32CE-5789-7FE6-06A2F1E9C9FC}"/>
+              </a:ext>
+            </a:extLst>
+          </p:cNvPr>
+          <p:cNvCxnSpPr>
+            <a:cxnSpLocks/>
+          </p:cNvCxnSpPr>
+          <p:nvPr/>
+        </p:nvCxnSpPr>
+        <p:spPr>
+          <a:xfrm>
+            <a:off x="18288005" y="0"/>
+            <a:ext cx="0" cy="22860000"/>
+          </a:xfrm>
+          <a:prstGeom prst="line">
+            <a:avLst/>
+          </a:prstGeom>
+          <a:ln w="127000">
+            <a:solidFill>
+              <a:schemeClr val="accent1"/>
+            </a:solidFill>
+            <a:prstDash val="sysDash"/>
+          </a:ln>
+        </p:spPr>
+        <p:style>
+          <a:lnRef idx="2">
+            <a:schemeClr val="dk1"/>
+          </a:lnRef>
+          <a:fillRef idx="0">
+            <a:schemeClr val="dk1"/>
+          </a:fillRef>
+          <a:effectRef idx="1">
+            <a:schemeClr val="dk1"/>
+          </a:effectRef>
+          <a:fontRef idx="minor">
+            <a:schemeClr val="tx1"/>
+          </a:fontRef>
+        </p:style>
+      </p:cxnSp>
+      <p:cxnSp>
+        <p:nvCxnSpPr>
+          <p:cNvPr id="133" name="Elbow Connector 132">
+            <a:extLst>
+              <a:ext uri="{FF2B5EF4-FFF2-40B4-BE49-F238E27FC236}">
+                <a16:creationId xmlns:a16="http://schemas.microsoft.com/office/drawing/2014/main" id="{D0C31AEE-7037-E359-A0A4-CD06035AC152}"/>
+              </a:ext>
+            </a:extLst>
+          </p:cNvPr>
+          <p:cNvCxnSpPr>
+            <a:cxnSpLocks/>
+          </p:cNvCxnSpPr>
+          <p:nvPr/>
+        </p:nvCxnSpPr>
+        <p:spPr>
+          <a:xfrm rot="10800000">
+            <a:off x="12338639" y="8976898"/>
+            <a:ext cx="12163757" cy="8131004"/>
+          </a:xfrm>
+          <a:prstGeom prst="bentConnector3">
+            <a:avLst>
+              <a:gd name="adj1" fmla="val 65035"/>
+            </a:avLst>
+          </a:prstGeom>
+          <a:ln w="254000">
+            <a:solidFill>
+              <a:srgbClr val="FFC000"/>
+            </a:solidFill>
+            <a:tailEnd type="triangle"/>
+          </a:ln>
+        </p:spPr>
+        <p:style>
+          <a:lnRef idx="2">
+            <a:schemeClr val="accent1"/>
+          </a:lnRef>
+          <a:fillRef idx="0">
+            <a:schemeClr val="accent1"/>
+          </a:fillRef>
+          <a:effectRef idx="1">
+            <a:schemeClr val="accent1"/>
+          </a:effectRef>
+          <a:fontRef idx="minor">
+            <a:schemeClr val="tx1"/>
+          </a:fontRef>
+        </p:style>
+      </p:cxnSp>
+      <p:cxnSp>
+        <p:nvCxnSpPr>
+          <p:cNvPr id="186" name="Straight Arrow Connector 185">
+            <a:extLst>
+              <a:ext uri="{FF2B5EF4-FFF2-40B4-BE49-F238E27FC236}">
+                <a16:creationId xmlns:a16="http://schemas.microsoft.com/office/drawing/2014/main" id="{C18808B0-967A-F252-179F-275211402302}"/>
+              </a:ext>
+            </a:extLst>
+          </p:cNvPr>
+          <p:cNvCxnSpPr>
+            <a:cxnSpLocks/>
+          </p:cNvCxnSpPr>
+          <p:nvPr/>
+        </p:nvCxnSpPr>
+        <p:spPr>
+          <a:xfrm flipV="1">
+            <a:off x="26422123" y="12434314"/>
+            <a:ext cx="0" cy="3984837"/>
+          </a:xfrm>
+          <a:prstGeom prst="straightConnector1">
+            <a:avLst/>
+          </a:prstGeom>
+          <a:ln w="254000">
+            <a:solidFill>
+              <a:srgbClr val="FFC000"/>
+            </a:solidFill>
+            <a:tailEnd type="triangle"/>
+          </a:ln>
+        </p:spPr>
+        <p:style>
+          <a:lnRef idx="2">
+            <a:schemeClr val="accent1"/>
+          </a:lnRef>
+          <a:fillRef idx="0">
+            <a:schemeClr val="accent1"/>
+          </a:fillRef>
+          <a:effectRef idx="1">
+            <a:schemeClr val="accent1"/>
+          </a:effectRef>
+          <a:fontRef idx="minor">
+            <a:schemeClr val="tx1"/>
+          </a:fontRef>
+        </p:style>
+      </p:cxnSp>
+      <p:sp>
+        <p:nvSpPr>
+          <p:cNvPr id="7" name="TextBox 6">
+            <a:extLst>
+              <a:ext uri="{FF2B5EF4-FFF2-40B4-BE49-F238E27FC236}">
+                <a16:creationId xmlns:a16="http://schemas.microsoft.com/office/drawing/2014/main" id="{FE65BD9A-1CAC-FB64-5E61-2B47547D4B72}"/>
+              </a:ext>
+            </a:extLst>
+          </p:cNvPr>
+          <p:cNvSpPr txBox="1"/>
+          <p:nvPr/>
+        </p:nvSpPr>
+        <p:spPr>
+          <a:xfrm>
+            <a:off x="5" y="2"/>
+            <a:ext cx="18288000" cy="1169551"/>
+          </a:xfrm>
+          <a:prstGeom prst="rect">
+            <a:avLst/>
+          </a:prstGeom>
+          <a:noFill/>
+        </p:spPr>
+        <p:txBody>
+          <a:bodyPr wrap="square" rtlCol="0">
+            <a:spAutoFit/>
+          </a:bodyPr>
+          <a:lstStyle/>
+          <a:p>
+            <a:pPr algn="ctr"/>
+            <a:r>
+              <a:rPr lang="en-US" sz="7000" dirty="0"/>
+              <a:t>Client</a:t>
+            </a:r>
+          </a:p>
+        </p:txBody>
+      </p:sp>
+      <p:sp>
+        <p:nvSpPr>
+          <p:cNvPr id="8" name="TextBox 7">
+            <a:extLst>
+              <a:ext uri="{FF2B5EF4-FFF2-40B4-BE49-F238E27FC236}">
+                <a16:creationId xmlns:a16="http://schemas.microsoft.com/office/drawing/2014/main" id="{58C14AC6-A726-1169-8FC2-2D9529DAE9E0}"/>
+              </a:ext>
+            </a:extLst>
+          </p:cNvPr>
+          <p:cNvSpPr txBox="1"/>
+          <p:nvPr/>
+        </p:nvSpPr>
+        <p:spPr>
+          <a:xfrm>
+            <a:off x="18288005" y="5771"/>
+            <a:ext cx="18288000" cy="1169551"/>
+          </a:xfrm>
+          <a:prstGeom prst="rect">
+            <a:avLst/>
+          </a:prstGeom>
+          <a:noFill/>
+        </p:spPr>
+        <p:txBody>
+          <a:bodyPr wrap="square" rtlCol="0">
+            <a:spAutoFit/>
+          </a:bodyPr>
+          <a:lstStyle/>
+          <a:p>
+            <a:pPr algn="ctr"/>
+            <a:r>
+              <a:rPr lang="en-US" sz="7000" dirty="0"/>
+              <a:t>Server</a:t>
+            </a:r>
+          </a:p>
+        </p:txBody>
+      </p:sp>
+      <p:sp>
+        <p:nvSpPr>
+          <p:cNvPr id="9" name="Rectangle 8">
+            <a:extLst>
+              <a:ext uri="{FF2B5EF4-FFF2-40B4-BE49-F238E27FC236}">
+                <a16:creationId xmlns:a16="http://schemas.microsoft.com/office/drawing/2014/main" id="{0ED3D922-4ECF-7CCF-0E8A-2954664F55D6}"/>
+              </a:ext>
+            </a:extLst>
+          </p:cNvPr>
+          <p:cNvSpPr/>
+          <p:nvPr/>
+        </p:nvSpPr>
+        <p:spPr>
+          <a:xfrm>
+            <a:off x="5985169" y="16292943"/>
+            <a:ext cx="6400800" cy="4738254"/>
+          </a:xfrm>
+          <a:prstGeom prst="rect">
+            <a:avLst/>
+          </a:prstGeom>
+        </p:spPr>
+        <p:style>
+          <a:lnRef idx="2">
+            <a:schemeClr val="accent1">
+              <a:shade val="15000"/>
+            </a:schemeClr>
+          </a:lnRef>
+          <a:fillRef idx="1">
+            <a:schemeClr val="accent1"/>
+          </a:fillRef>
+          <a:effectRef idx="0">
+            <a:schemeClr val="accent1"/>
+          </a:effectRef>
+          <a:fontRef idx="minor">
+            <a:schemeClr val="lt1"/>
+          </a:fontRef>
+        </p:style>
+        <p:txBody>
+          <a:bodyPr rtlCol="0" anchor="ctr"/>
+          <a:lstStyle/>
+          <a:p>
+            <a:pPr algn="ctr"/>
+            <a:r>
+              <a:rPr lang="en-US" sz="5000" dirty="0"/>
+              <a:t>Client GUI</a:t>
+            </a:r>
+          </a:p>
+          <a:p>
+            <a:pPr algn="ctr"/>
+            <a:endParaRPr lang="en-US" sz="5000" dirty="0"/>
+          </a:p>
+          <a:p>
+            <a:pPr algn="ctr"/>
+            <a:endParaRPr lang="en-US" sz="5000" dirty="0"/>
+          </a:p>
+          <a:p>
+            <a:pPr algn="ctr"/>
+            <a:endParaRPr lang="en-US" sz="5000" dirty="0"/>
+          </a:p>
+          <a:p>
+            <a:pPr algn="ctr"/>
+            <a:endParaRPr lang="en-US" sz="5000" dirty="0"/>
+          </a:p>
+        </p:txBody>
+      </p:sp>
+      <p:sp>
+        <p:nvSpPr>
+          <p:cNvPr id="10" name="Rectangle 9">
+            <a:extLst>
+              <a:ext uri="{FF2B5EF4-FFF2-40B4-BE49-F238E27FC236}">
+                <a16:creationId xmlns:a16="http://schemas.microsoft.com/office/drawing/2014/main" id="{A1B09B06-9030-87A9-E826-3D92FE30F00A}"/>
+              </a:ext>
+            </a:extLst>
+          </p:cNvPr>
+          <p:cNvSpPr/>
+          <p:nvPr/>
+        </p:nvSpPr>
+        <p:spPr>
+          <a:xfrm>
+            <a:off x="5985166" y="10330949"/>
+            <a:ext cx="6400800" cy="2286000"/>
+          </a:xfrm>
+          <a:prstGeom prst="rect">
+            <a:avLst/>
+          </a:prstGeom>
+        </p:spPr>
+        <p:style>
+          <a:lnRef idx="2">
+            <a:schemeClr val="accent1">
+              <a:shade val="15000"/>
+            </a:schemeClr>
+          </a:lnRef>
+          <a:fillRef idx="1">
+            <a:schemeClr val="accent1"/>
+          </a:fillRef>
+          <a:effectRef idx="0">
+            <a:schemeClr val="accent1"/>
+          </a:effectRef>
+          <a:fontRef idx="minor">
+            <a:schemeClr val="lt1"/>
+          </a:fontRef>
+        </p:style>
+        <p:txBody>
+          <a:bodyPr rtlCol="0" anchor="ctr"/>
+          <a:lstStyle/>
+          <a:p>
+            <a:pPr algn="ctr"/>
+            <a:r>
+              <a:rPr lang="en-US" sz="5000" dirty="0"/>
+              <a:t>Client Music Player</a:t>
+            </a:r>
+          </a:p>
+        </p:txBody>
+      </p:sp>
+      <p:sp>
+        <p:nvSpPr>
+          <p:cNvPr id="11" name="Rectangle 10">
+            <a:extLst>
+              <a:ext uri="{FF2B5EF4-FFF2-40B4-BE49-F238E27FC236}">
+                <a16:creationId xmlns:a16="http://schemas.microsoft.com/office/drawing/2014/main" id="{C8C46667-D091-D928-096A-371782ECB6EF}"/>
+              </a:ext>
+            </a:extLst>
+          </p:cNvPr>
+          <p:cNvSpPr/>
+          <p:nvPr/>
+        </p:nvSpPr>
+        <p:spPr>
+          <a:xfrm>
+            <a:off x="5949910" y="6396185"/>
+            <a:ext cx="6400800" cy="2743200"/>
+          </a:xfrm>
+          <a:prstGeom prst="rect">
+            <a:avLst/>
+          </a:prstGeom>
+        </p:spPr>
+        <p:style>
+          <a:lnRef idx="2">
+            <a:schemeClr val="accent1">
+              <a:shade val="15000"/>
+            </a:schemeClr>
+          </a:lnRef>
+          <a:fillRef idx="1">
+            <a:schemeClr val="accent1"/>
+          </a:fillRef>
+          <a:effectRef idx="0">
+            <a:schemeClr val="accent1"/>
+          </a:effectRef>
+          <a:fontRef idx="minor">
+            <a:schemeClr val="lt1"/>
+          </a:fontRef>
+        </p:style>
+        <p:txBody>
+          <a:bodyPr rtlCol="0" anchor="ctr"/>
+          <a:lstStyle/>
+          <a:p>
+            <a:pPr algn="ctr"/>
+            <a:r>
+              <a:rPr lang="en-US" sz="5000" dirty="0"/>
+              <a:t>Client GRPC</a:t>
+            </a:r>
+          </a:p>
+        </p:txBody>
+      </p:sp>
+      <p:sp>
+        <p:nvSpPr>
+          <p:cNvPr id="14" name="Rectangle 13">
+            <a:extLst>
+              <a:ext uri="{FF2B5EF4-FFF2-40B4-BE49-F238E27FC236}">
+                <a16:creationId xmlns:a16="http://schemas.microsoft.com/office/drawing/2014/main" id="{0DEA6780-B8F9-778E-C309-CF618EB2AE4C}"/>
+              </a:ext>
+            </a:extLst>
+          </p:cNvPr>
+          <p:cNvSpPr/>
+          <p:nvPr/>
+        </p:nvSpPr>
+        <p:spPr>
+          <a:xfrm>
+            <a:off x="24564113" y="16419151"/>
+            <a:ext cx="6400800" cy="2132447"/>
+          </a:xfrm>
+          <a:prstGeom prst="rect">
+            <a:avLst/>
+          </a:prstGeom>
+        </p:spPr>
+        <p:style>
+          <a:lnRef idx="2">
+            <a:schemeClr val="accent1">
+              <a:shade val="15000"/>
+            </a:schemeClr>
+          </a:lnRef>
+          <a:fillRef idx="1">
+            <a:schemeClr val="accent1"/>
+          </a:fillRef>
+          <a:effectRef idx="0">
+            <a:schemeClr val="accent1"/>
+          </a:effectRef>
+          <a:fontRef idx="minor">
+            <a:schemeClr val="lt1"/>
+          </a:fontRef>
+        </p:style>
+        <p:txBody>
+          <a:bodyPr rtlCol="0" anchor="ctr"/>
+          <a:lstStyle/>
+          <a:p>
+            <a:pPr algn="ctr"/>
+            <a:r>
+              <a:rPr lang="en-US" sz="5000" dirty="0"/>
+              <a:t>Server Lobby</a:t>
+            </a:r>
+          </a:p>
+          <a:p>
+            <a:pPr algn="ctr"/>
+            <a:r>
+              <a:rPr lang="en-US" sz="5000" dirty="0"/>
+              <a:t>GRPC</a:t>
+            </a:r>
+          </a:p>
+        </p:txBody>
+      </p:sp>
+      <p:sp>
+        <p:nvSpPr>
+          <p:cNvPr id="28" name="Rectangle 27">
+            <a:extLst>
+              <a:ext uri="{FF2B5EF4-FFF2-40B4-BE49-F238E27FC236}">
+                <a16:creationId xmlns:a16="http://schemas.microsoft.com/office/drawing/2014/main" id="{2BFAC8AF-0DB4-2686-2103-8F878B7DC1EC}"/>
+              </a:ext>
+            </a:extLst>
+          </p:cNvPr>
+          <p:cNvSpPr/>
+          <p:nvPr/>
+        </p:nvSpPr>
+        <p:spPr>
+          <a:xfrm>
+            <a:off x="6421587" y="19503155"/>
+            <a:ext cx="5444837" cy="927101"/>
+          </a:xfrm>
+          <a:prstGeom prst="rect">
+            <a:avLst/>
+          </a:prstGeom>
+          <a:solidFill>
+            <a:schemeClr val="bg2"/>
+          </a:solidFill>
+        </p:spPr>
+        <p:style>
+          <a:lnRef idx="2">
+            <a:schemeClr val="accent1">
+              <a:shade val="15000"/>
+            </a:schemeClr>
+          </a:lnRef>
+          <a:fillRef idx="1">
+            <a:schemeClr val="accent1"/>
+          </a:fillRef>
+          <a:effectRef idx="0">
+            <a:schemeClr val="accent1"/>
+          </a:effectRef>
+          <a:fontRef idx="minor">
+            <a:schemeClr val="lt1"/>
+          </a:fontRef>
+        </p:style>
+        <p:txBody>
+          <a:bodyPr rtlCol="0" anchor="ctr"/>
+          <a:lstStyle/>
+          <a:p>
+            <a:pPr algn="ctr"/>
+            <a:r>
+              <a:rPr lang="en-US" sz="4000" dirty="0">
+                <a:solidFill>
+                  <a:sysClr val="windowText" lastClr="000000"/>
+                </a:solidFill>
+              </a:rPr>
+              <a:t>State: In Lobby</a:t>
+            </a:r>
+          </a:p>
+        </p:txBody>
+      </p:sp>
+      <p:sp>
+        <p:nvSpPr>
+          <p:cNvPr id="29" name="Rectangle 28">
+            <a:extLst>
+              <a:ext uri="{FF2B5EF4-FFF2-40B4-BE49-F238E27FC236}">
+                <a16:creationId xmlns:a16="http://schemas.microsoft.com/office/drawing/2014/main" id="{531B8A53-62AF-A2C5-8954-F50D18EF9BC0}"/>
+              </a:ext>
+            </a:extLst>
+          </p:cNvPr>
+          <p:cNvSpPr/>
+          <p:nvPr/>
+        </p:nvSpPr>
+        <p:spPr>
+          <a:xfrm>
+            <a:off x="6483933" y="17961841"/>
+            <a:ext cx="5444837" cy="927101"/>
+          </a:xfrm>
+          <a:prstGeom prst="rect">
+            <a:avLst/>
+          </a:prstGeom>
+          <a:solidFill>
+            <a:schemeClr val="bg2"/>
+          </a:solidFill>
+        </p:spPr>
+        <p:style>
+          <a:lnRef idx="2">
+            <a:schemeClr val="accent1">
+              <a:shade val="15000"/>
+            </a:schemeClr>
+          </a:lnRef>
+          <a:fillRef idx="1">
+            <a:schemeClr val="accent1"/>
+          </a:fillRef>
+          <a:effectRef idx="0">
+            <a:schemeClr val="accent1"/>
+          </a:effectRef>
+          <a:fontRef idx="minor">
+            <a:schemeClr val="lt1"/>
+          </a:fontRef>
+        </p:style>
+        <p:txBody>
+          <a:bodyPr rtlCol="0" anchor="ctr"/>
+          <a:lstStyle/>
+          <a:p>
+            <a:pPr algn="ctr"/>
+            <a:r>
+              <a:rPr lang="en-US" sz="4000" dirty="0">
+                <a:solidFill>
+                  <a:sysClr val="windowText" lastClr="000000"/>
+                </a:solidFill>
+              </a:rPr>
+              <a:t>State: In Room</a:t>
+            </a:r>
+          </a:p>
+        </p:txBody>
+      </p:sp>
+      <p:cxnSp>
+        <p:nvCxnSpPr>
+          <p:cNvPr id="56" name="Elbow Connector 55">
+            <a:extLst>
+              <a:ext uri="{FF2B5EF4-FFF2-40B4-BE49-F238E27FC236}">
+                <a16:creationId xmlns:a16="http://schemas.microsoft.com/office/drawing/2014/main" id="{87DC0045-2ECE-81DD-CCA5-E76E565EB960}"/>
+              </a:ext>
+            </a:extLst>
+          </p:cNvPr>
+          <p:cNvCxnSpPr>
+            <a:cxnSpLocks/>
+            <a:stCxn id="9" idx="1"/>
+            <a:endCxn id="10" idx="2"/>
+          </p:cNvCxnSpPr>
+          <p:nvPr/>
+        </p:nvCxnSpPr>
+        <p:spPr>
+          <a:xfrm rot="10800000" flipH="1">
+            <a:off x="5985169" y="12616951"/>
+            <a:ext cx="3200397" cy="6045121"/>
+          </a:xfrm>
+          <a:prstGeom prst="bentConnector4">
+            <a:avLst>
+              <a:gd name="adj1" fmla="val -74224"/>
+              <a:gd name="adj2" fmla="val 69595"/>
+            </a:avLst>
+          </a:prstGeom>
+          <a:ln w="254000">
+            <a:solidFill>
+              <a:schemeClr val="accent5"/>
+            </a:solidFill>
+            <a:tailEnd type="triangle"/>
+          </a:ln>
+        </p:spPr>
+        <p:style>
+          <a:lnRef idx="2">
+            <a:schemeClr val="accent1"/>
+          </a:lnRef>
+          <a:fillRef idx="0">
+            <a:schemeClr val="accent1"/>
+          </a:fillRef>
+          <a:effectRef idx="1">
+            <a:schemeClr val="accent1"/>
+          </a:effectRef>
+          <a:fontRef idx="minor">
+            <a:schemeClr val="tx1"/>
+          </a:fontRef>
+        </p:style>
+      </p:cxnSp>
+      <p:cxnSp>
+        <p:nvCxnSpPr>
+          <p:cNvPr id="62" name="Elbow Connector 61">
+            <a:extLst>
+              <a:ext uri="{FF2B5EF4-FFF2-40B4-BE49-F238E27FC236}">
+                <a16:creationId xmlns:a16="http://schemas.microsoft.com/office/drawing/2014/main" id="{35E0B1FE-7989-D0A2-2F84-35CF6F75ED5A}"/>
+              </a:ext>
+            </a:extLst>
+          </p:cNvPr>
+          <p:cNvCxnSpPr>
+            <a:cxnSpLocks/>
+          </p:cNvCxnSpPr>
+          <p:nvPr/>
+        </p:nvCxnSpPr>
+        <p:spPr>
+          <a:xfrm rot="5400000" flipH="1" flipV="1">
+            <a:off x="27924567" y="10904522"/>
+            <a:ext cx="6857176" cy="4172080"/>
+          </a:xfrm>
+          <a:prstGeom prst="bentConnector3">
+            <a:avLst>
+              <a:gd name="adj1" fmla="val 50000"/>
+            </a:avLst>
+          </a:prstGeom>
+          <a:ln w="254000">
+            <a:solidFill>
+              <a:schemeClr val="accent5"/>
+            </a:solidFill>
+            <a:tailEnd type="triangle"/>
+          </a:ln>
+        </p:spPr>
+        <p:style>
+          <a:lnRef idx="2">
+            <a:schemeClr val="accent1"/>
+          </a:lnRef>
+          <a:fillRef idx="0">
+            <a:schemeClr val="accent1"/>
+          </a:fillRef>
+          <a:effectRef idx="1">
+            <a:schemeClr val="accent1"/>
+          </a:effectRef>
+          <a:fontRef idx="minor">
+            <a:schemeClr val="tx1"/>
+          </a:fontRef>
+        </p:style>
+      </p:cxnSp>
+      <p:sp>
+        <p:nvSpPr>
+          <p:cNvPr id="107" name="Rectangle 106">
+            <a:extLst>
+              <a:ext uri="{FF2B5EF4-FFF2-40B4-BE49-F238E27FC236}">
+                <a16:creationId xmlns:a16="http://schemas.microsoft.com/office/drawing/2014/main" id="{BB57D7FA-394A-A13B-FFC7-9534AB1C2032}"/>
+              </a:ext>
+            </a:extLst>
+          </p:cNvPr>
+          <p:cNvSpPr/>
+          <p:nvPr/>
+        </p:nvSpPr>
+        <p:spPr>
+          <a:xfrm>
+            <a:off x="24564113" y="18935331"/>
+            <a:ext cx="6400800" cy="2132447"/>
+          </a:xfrm>
+          <a:prstGeom prst="rect">
+            <a:avLst/>
+          </a:prstGeom>
+        </p:spPr>
+        <p:style>
+          <a:lnRef idx="2">
+            <a:schemeClr val="accent1">
+              <a:shade val="15000"/>
+            </a:schemeClr>
+          </a:lnRef>
+          <a:fillRef idx="1">
+            <a:schemeClr val="accent1"/>
+          </a:fillRef>
+          <a:effectRef idx="0">
+            <a:schemeClr val="accent1"/>
+          </a:effectRef>
+          <a:fontRef idx="minor">
+            <a:schemeClr val="lt1"/>
+          </a:fontRef>
+        </p:style>
+        <p:txBody>
+          <a:bodyPr rtlCol="0" anchor="ctr"/>
+          <a:lstStyle/>
+          <a:p>
+            <a:pPr algn="ctr"/>
+            <a:r>
+              <a:rPr lang="en-US" sz="5000" dirty="0"/>
+              <a:t>Server Lobby</a:t>
+            </a:r>
+          </a:p>
+          <a:p>
+            <a:pPr algn="ctr"/>
+            <a:r>
+              <a:rPr lang="en-US" sz="5000" dirty="0"/>
+              <a:t>Main()</a:t>
+            </a:r>
+          </a:p>
+        </p:txBody>
+      </p:sp>
+      <p:cxnSp>
+        <p:nvCxnSpPr>
+          <p:cNvPr id="113" name="Elbow Connector 112">
+            <a:extLst>
+              <a:ext uri="{FF2B5EF4-FFF2-40B4-BE49-F238E27FC236}">
+                <a16:creationId xmlns:a16="http://schemas.microsoft.com/office/drawing/2014/main" id="{048984F6-6570-81AE-68A5-D19AA066196B}"/>
+              </a:ext>
+            </a:extLst>
+          </p:cNvPr>
+          <p:cNvCxnSpPr>
+            <a:cxnSpLocks/>
+            <a:stCxn id="107" idx="3"/>
+            <a:endCxn id="14" idx="3"/>
+          </p:cNvCxnSpPr>
+          <p:nvPr/>
+        </p:nvCxnSpPr>
+        <p:spPr>
+          <a:xfrm flipV="1">
+            <a:off x="30964913" y="17485374"/>
+            <a:ext cx="12700" cy="2516180"/>
+          </a:xfrm>
+          <a:prstGeom prst="bentConnector3">
+            <a:avLst>
+              <a:gd name="adj1" fmla="val 16513039"/>
+            </a:avLst>
+          </a:prstGeom>
+          <a:ln w="254000">
+            <a:solidFill>
+              <a:schemeClr val="accent5"/>
+            </a:solidFill>
+            <a:tailEnd type="triangle"/>
+          </a:ln>
+        </p:spPr>
+        <p:style>
+          <a:lnRef idx="2">
+            <a:schemeClr val="accent1"/>
+          </a:lnRef>
+          <a:fillRef idx="0">
+            <a:schemeClr val="accent1"/>
+          </a:fillRef>
+          <a:effectRef idx="1">
+            <a:schemeClr val="accent1"/>
+          </a:effectRef>
+          <a:fontRef idx="minor">
+            <a:schemeClr val="tx1"/>
+          </a:fontRef>
+        </p:style>
+      </p:cxnSp>
+      <p:sp>
+        <p:nvSpPr>
+          <p:cNvPr id="140" name="TextBox 139">
+            <a:extLst>
+              <a:ext uri="{FF2B5EF4-FFF2-40B4-BE49-F238E27FC236}">
+                <a16:creationId xmlns:a16="http://schemas.microsoft.com/office/drawing/2014/main" id="{5DC1B85B-6FEA-2963-254A-D9CCC96B0C09}"/>
+              </a:ext>
+            </a:extLst>
+          </p:cNvPr>
+          <p:cNvSpPr txBox="1"/>
+          <p:nvPr/>
+        </p:nvSpPr>
+        <p:spPr>
+          <a:xfrm>
+            <a:off x="2161314" y="1344405"/>
+            <a:ext cx="11097492" cy="861774"/>
+          </a:xfrm>
+          <a:prstGeom prst="rect">
+            <a:avLst/>
+          </a:prstGeom>
+          <a:noFill/>
+        </p:spPr>
+        <p:txBody>
+          <a:bodyPr wrap="square" rtlCol="0">
+            <a:spAutoFit/>
+          </a:bodyPr>
+          <a:lstStyle/>
+          <a:p>
+            <a:pPr algn="ctr"/>
+            <a:r>
+              <a:rPr lang="en-US" sz="5000" b="1" dirty="0" err="1">
+                <a:solidFill>
+                  <a:schemeClr val="accent2">
+                    <a:lumMod val="75000"/>
+                  </a:schemeClr>
+                </a:solidFill>
+              </a:rPr>
+              <a:t>ClientPlayer.py</a:t>
+            </a:r>
+            <a:r>
+              <a:rPr lang="en-US" sz="5000" b="1" dirty="0">
+                <a:solidFill>
+                  <a:schemeClr val="accent2">
+                    <a:lumMod val="75000"/>
+                  </a:schemeClr>
+                </a:solidFill>
+              </a:rPr>
+              <a:t> (1 per </a:t>
+            </a:r>
+            <a:r>
+              <a:rPr lang="en-US" sz="5000" b="1" dirty="0" err="1">
+                <a:solidFill>
+                  <a:schemeClr val="accent2">
+                    <a:lumMod val="75000"/>
+                  </a:schemeClr>
+                </a:solidFill>
+              </a:rPr>
+              <a:t>ClientGUI</a:t>
+            </a:r>
+            <a:r>
+              <a:rPr lang="en-US" sz="5000" b="1" dirty="0">
+                <a:solidFill>
+                  <a:schemeClr val="accent2">
+                    <a:lumMod val="75000"/>
+                  </a:schemeClr>
+                </a:solidFill>
+              </a:rPr>
+              <a:t>)</a:t>
+            </a:r>
+          </a:p>
+        </p:txBody>
+      </p:sp>
+      <p:sp>
+        <p:nvSpPr>
+          <p:cNvPr id="141" name="TextBox 140">
+            <a:extLst>
+              <a:ext uri="{FF2B5EF4-FFF2-40B4-BE49-F238E27FC236}">
+                <a16:creationId xmlns:a16="http://schemas.microsoft.com/office/drawing/2014/main" id="{D63BD8F5-BE12-8E22-EA35-D8CFDAD709CE}"/>
+              </a:ext>
+            </a:extLst>
+          </p:cNvPr>
+          <p:cNvSpPr txBox="1"/>
+          <p:nvPr/>
+        </p:nvSpPr>
+        <p:spPr>
+          <a:xfrm>
+            <a:off x="23317205" y="1379769"/>
+            <a:ext cx="11097492" cy="861774"/>
+          </a:xfrm>
+          <a:prstGeom prst="rect">
+            <a:avLst/>
+          </a:prstGeom>
+          <a:noFill/>
+        </p:spPr>
+        <p:txBody>
+          <a:bodyPr wrap="square" rtlCol="0">
+            <a:spAutoFit/>
+          </a:bodyPr>
+          <a:lstStyle/>
+          <a:p>
+            <a:pPr algn="ctr"/>
+            <a:r>
+              <a:rPr lang="en-US" sz="5000" b="1" dirty="0" err="1">
+                <a:solidFill>
+                  <a:schemeClr val="accent2">
+                    <a:lumMod val="75000"/>
+                  </a:schemeClr>
+                </a:solidFill>
+              </a:rPr>
+              <a:t>ServerRoom.py</a:t>
+            </a:r>
+            <a:r>
+              <a:rPr lang="en-US" sz="5000" b="1" dirty="0">
+                <a:solidFill>
+                  <a:schemeClr val="accent2">
+                    <a:lumMod val="75000"/>
+                  </a:schemeClr>
+                </a:solidFill>
+              </a:rPr>
+              <a:t> (Many Possible)</a:t>
+            </a:r>
+          </a:p>
+        </p:txBody>
+      </p:sp>
+      <p:sp>
+        <p:nvSpPr>
+          <p:cNvPr id="142" name="TextBox 141">
+            <a:extLst>
+              <a:ext uri="{FF2B5EF4-FFF2-40B4-BE49-F238E27FC236}">
+                <a16:creationId xmlns:a16="http://schemas.microsoft.com/office/drawing/2014/main" id="{45BCEDCC-BD5E-B22F-5345-AAA983E940ED}"/>
+              </a:ext>
+            </a:extLst>
+          </p:cNvPr>
+          <p:cNvSpPr txBox="1"/>
+          <p:nvPr/>
+        </p:nvSpPr>
+        <p:spPr>
+          <a:xfrm>
+            <a:off x="2161314" y="21824116"/>
+            <a:ext cx="11097492" cy="861774"/>
+          </a:xfrm>
+          <a:prstGeom prst="rect">
+            <a:avLst/>
+          </a:prstGeom>
+          <a:noFill/>
+        </p:spPr>
+        <p:txBody>
+          <a:bodyPr wrap="square" rtlCol="0">
+            <a:spAutoFit/>
+          </a:bodyPr>
+          <a:lstStyle/>
+          <a:p>
+            <a:pPr algn="ctr"/>
+            <a:r>
+              <a:rPr lang="en-US" sz="5000" b="1" dirty="0" err="1">
+                <a:solidFill>
+                  <a:schemeClr val="accent2">
+                    <a:lumMod val="75000"/>
+                  </a:schemeClr>
+                </a:solidFill>
+              </a:rPr>
+              <a:t>ClientGUI.py</a:t>
+            </a:r>
+            <a:r>
+              <a:rPr lang="en-US" sz="5000" b="1" dirty="0">
+                <a:solidFill>
+                  <a:schemeClr val="accent2">
+                    <a:lumMod val="75000"/>
+                  </a:schemeClr>
+                </a:solidFill>
+              </a:rPr>
+              <a:t> (Many Possible)</a:t>
+            </a:r>
+          </a:p>
+        </p:txBody>
+      </p:sp>
+      <p:sp>
+        <p:nvSpPr>
+          <p:cNvPr id="148" name="TextBox 147">
+            <a:extLst>
+              <a:ext uri="{FF2B5EF4-FFF2-40B4-BE49-F238E27FC236}">
+                <a16:creationId xmlns:a16="http://schemas.microsoft.com/office/drawing/2014/main" id="{B7D48CF8-2D01-3A5A-A155-DEFF196533B7}"/>
+              </a:ext>
+            </a:extLst>
+          </p:cNvPr>
+          <p:cNvSpPr txBox="1"/>
+          <p:nvPr/>
+        </p:nvSpPr>
+        <p:spPr>
+          <a:xfrm>
+            <a:off x="23317205" y="21779495"/>
+            <a:ext cx="11097492" cy="861774"/>
+          </a:xfrm>
+          <a:prstGeom prst="rect">
+            <a:avLst/>
+          </a:prstGeom>
+          <a:noFill/>
+        </p:spPr>
+        <p:txBody>
+          <a:bodyPr wrap="square" rtlCol="0">
+            <a:spAutoFit/>
+          </a:bodyPr>
+          <a:lstStyle/>
+          <a:p>
+            <a:pPr algn="ctr"/>
+            <a:r>
+              <a:rPr lang="en-US" sz="5000" b="1" dirty="0" err="1">
+                <a:solidFill>
+                  <a:schemeClr val="accent2">
+                    <a:lumMod val="75000"/>
+                  </a:schemeClr>
+                </a:solidFill>
+              </a:rPr>
+              <a:t>ServerLobby.py</a:t>
+            </a:r>
+            <a:r>
+              <a:rPr lang="en-US" sz="5000" b="1" dirty="0">
+                <a:solidFill>
+                  <a:schemeClr val="accent2">
+                    <a:lumMod val="75000"/>
+                  </a:schemeClr>
+                </a:solidFill>
+              </a:rPr>
+              <a:t> (Only 1)</a:t>
+            </a:r>
+          </a:p>
+        </p:txBody>
+      </p:sp>
+      <p:sp>
+        <p:nvSpPr>
+          <p:cNvPr id="189" name="Rectangle 188">
+            <a:extLst>
+              <a:ext uri="{FF2B5EF4-FFF2-40B4-BE49-F238E27FC236}">
+                <a16:creationId xmlns:a16="http://schemas.microsoft.com/office/drawing/2014/main" id="{BE8A37A0-FBE5-ED94-3875-CEE8C003EC60}"/>
+              </a:ext>
+            </a:extLst>
+          </p:cNvPr>
+          <p:cNvSpPr/>
+          <p:nvPr/>
+        </p:nvSpPr>
+        <p:spPr>
+          <a:xfrm>
+            <a:off x="3410550" y="8849572"/>
+            <a:ext cx="2130661" cy="1417320"/>
+          </a:xfrm>
+          <a:prstGeom prst="rect">
+            <a:avLst/>
+          </a:prstGeom>
+          <a:solidFill>
+            <a:schemeClr val="accent1">
+              <a:lumMod val="60000"/>
+              <a:lumOff val="40000"/>
+            </a:schemeClr>
+          </a:solidFill>
+        </p:spPr>
+        <p:style>
+          <a:lnRef idx="2">
+            <a:schemeClr val="accent1">
+              <a:shade val="15000"/>
+            </a:schemeClr>
+          </a:lnRef>
+          <a:fillRef idx="1">
+            <a:schemeClr val="accent1"/>
+          </a:fillRef>
+          <a:effectRef idx="0">
+            <a:schemeClr val="accent1"/>
+          </a:effectRef>
+          <a:fontRef idx="minor">
+            <a:schemeClr val="lt1"/>
+          </a:fontRef>
+        </p:style>
+        <p:txBody>
+          <a:bodyPr rtlCol="0" anchor="ctr"/>
+          <a:lstStyle/>
+          <a:p>
+            <a:pPr algn="ctr"/>
+            <a:r>
+              <a:rPr lang="en-US" sz="5000" dirty="0"/>
+              <a:t>Music Folder</a:t>
+            </a:r>
+          </a:p>
+        </p:txBody>
+      </p:sp>
+      <p:cxnSp>
+        <p:nvCxnSpPr>
+          <p:cNvPr id="31" name="Elbow Connector 30">
+            <a:extLst>
+              <a:ext uri="{FF2B5EF4-FFF2-40B4-BE49-F238E27FC236}">
+                <a16:creationId xmlns:a16="http://schemas.microsoft.com/office/drawing/2014/main" id="{68886CA7-3976-87B9-A986-B25BC1D0FDC1}"/>
+              </a:ext>
+            </a:extLst>
+          </p:cNvPr>
+          <p:cNvCxnSpPr>
+            <a:cxnSpLocks/>
+            <a:stCxn id="81" idx="2"/>
+            <a:endCxn id="68" idx="3"/>
+          </p:cNvCxnSpPr>
+          <p:nvPr/>
+        </p:nvCxnSpPr>
+        <p:spPr>
+          <a:xfrm rot="5400000">
+            <a:off x="30845638" y="9310860"/>
+            <a:ext cx="1720877" cy="2175281"/>
+          </a:xfrm>
+          <a:prstGeom prst="bentConnector2">
+            <a:avLst/>
+          </a:prstGeom>
+          <a:ln w="254000">
+            <a:solidFill>
+              <a:schemeClr val="accent5"/>
+            </a:solidFill>
+            <a:tailEnd type="triangle"/>
+          </a:ln>
+        </p:spPr>
+        <p:style>
+          <a:lnRef idx="2">
+            <a:schemeClr val="accent1"/>
+          </a:lnRef>
+          <a:fillRef idx="0">
+            <a:schemeClr val="accent1"/>
+          </a:fillRef>
+          <a:effectRef idx="1">
+            <a:schemeClr val="accent1"/>
+          </a:effectRef>
+          <a:fontRef idx="minor">
+            <a:schemeClr val="tx1"/>
+          </a:fontRef>
+        </p:style>
+      </p:cxnSp>
+      <p:cxnSp>
+        <p:nvCxnSpPr>
+          <p:cNvPr id="27" name="Straight Arrow Connector 26">
+            <a:extLst>
+              <a:ext uri="{FF2B5EF4-FFF2-40B4-BE49-F238E27FC236}">
+                <a16:creationId xmlns:a16="http://schemas.microsoft.com/office/drawing/2014/main" id="{84FB3F0C-0AB2-5DDA-4DBD-FA2EFD5A3DE4}"/>
+              </a:ext>
+            </a:extLst>
+          </p:cNvPr>
+          <p:cNvCxnSpPr>
+            <a:cxnSpLocks/>
+          </p:cNvCxnSpPr>
+          <p:nvPr/>
+        </p:nvCxnSpPr>
+        <p:spPr>
+          <a:xfrm flipV="1">
+            <a:off x="8545036" y="9139386"/>
+            <a:ext cx="0" cy="1179069"/>
+          </a:xfrm>
+          <a:prstGeom prst="straightConnector1">
+            <a:avLst/>
+          </a:prstGeom>
+          <a:ln w="254000">
+            <a:solidFill>
+              <a:schemeClr val="accent5"/>
+            </a:solidFill>
+            <a:tailEnd type="triangle"/>
+          </a:ln>
+        </p:spPr>
+        <p:style>
+          <a:lnRef idx="2">
+            <a:schemeClr val="accent1"/>
+          </a:lnRef>
+          <a:fillRef idx="0">
+            <a:schemeClr val="accent1"/>
+          </a:fillRef>
+          <a:effectRef idx="1">
+            <a:schemeClr val="accent1"/>
+          </a:effectRef>
+          <a:fontRef idx="minor">
+            <a:schemeClr val="tx1"/>
+          </a:fontRef>
+        </p:style>
+      </p:cxnSp>
+      <p:sp>
+        <p:nvSpPr>
+          <p:cNvPr id="81" name="Rectangle 80">
+            <a:extLst>
+              <a:ext uri="{FF2B5EF4-FFF2-40B4-BE49-F238E27FC236}">
+                <a16:creationId xmlns:a16="http://schemas.microsoft.com/office/drawing/2014/main" id="{67F9BE75-FB2B-A1F3-4CD7-7943E0666956}"/>
+              </a:ext>
+            </a:extLst>
+          </p:cNvPr>
+          <p:cNvSpPr/>
+          <p:nvPr/>
+        </p:nvSpPr>
+        <p:spPr>
+          <a:xfrm>
+            <a:off x="31546806" y="6113867"/>
+            <a:ext cx="2493818" cy="3424194"/>
+          </a:xfrm>
+          <a:prstGeom prst="rect">
+            <a:avLst/>
+          </a:prstGeom>
+        </p:spPr>
+        <p:style>
+          <a:lnRef idx="2">
+            <a:schemeClr val="accent1">
+              <a:shade val="15000"/>
+            </a:schemeClr>
+          </a:lnRef>
+          <a:fillRef idx="1">
+            <a:schemeClr val="accent1"/>
+          </a:fillRef>
+          <a:effectRef idx="0">
+            <a:schemeClr val="accent1"/>
+          </a:effectRef>
+          <a:fontRef idx="minor">
+            <a:schemeClr val="lt1"/>
+          </a:fontRef>
+        </p:style>
+        <p:txBody>
+          <a:bodyPr rtlCol="0" anchor="ctr"/>
+          <a:lstStyle/>
+          <a:p>
+            <a:pPr algn="ctr"/>
+            <a:r>
+              <a:rPr lang="en-US" sz="5000" dirty="0"/>
+              <a:t>Server</a:t>
+            </a:r>
+          </a:p>
+          <a:p>
+            <a:pPr algn="ctr"/>
+            <a:r>
+              <a:rPr lang="en-US" sz="5000" dirty="0"/>
+              <a:t>Room</a:t>
+            </a:r>
+          </a:p>
+          <a:p>
+            <a:pPr algn="ctr"/>
+            <a:r>
+              <a:rPr lang="en-US" sz="5000" dirty="0"/>
+              <a:t>Main()</a:t>
+            </a:r>
+          </a:p>
+        </p:txBody>
+      </p:sp>
+      <p:sp>
+        <p:nvSpPr>
+          <p:cNvPr id="61" name="Rectangle 60">
+            <a:extLst>
+              <a:ext uri="{FF2B5EF4-FFF2-40B4-BE49-F238E27FC236}">
+                <a16:creationId xmlns:a16="http://schemas.microsoft.com/office/drawing/2014/main" id="{02C7E08A-F0A1-F207-5043-28F065B59E4D}"/>
+              </a:ext>
+            </a:extLst>
+          </p:cNvPr>
+          <p:cNvSpPr/>
+          <p:nvPr/>
+        </p:nvSpPr>
+        <p:spPr>
+          <a:xfrm>
+            <a:off x="5949913" y="2843987"/>
+            <a:ext cx="6400800" cy="2286000"/>
+          </a:xfrm>
+          <a:prstGeom prst="rect">
+            <a:avLst/>
+          </a:prstGeom>
+        </p:spPr>
+        <p:style>
+          <a:lnRef idx="2">
+            <a:schemeClr val="accent1">
+              <a:shade val="15000"/>
+            </a:schemeClr>
+          </a:lnRef>
+          <a:fillRef idx="1">
+            <a:schemeClr val="accent1"/>
+          </a:fillRef>
+          <a:effectRef idx="0">
+            <a:schemeClr val="accent1"/>
+          </a:effectRef>
+          <a:fontRef idx="minor">
+            <a:schemeClr val="lt1"/>
+          </a:fontRef>
+        </p:style>
+        <p:txBody>
+          <a:bodyPr rtlCol="0" anchor="ctr"/>
+          <a:lstStyle/>
+          <a:p>
+            <a:pPr algn="ctr"/>
+            <a:r>
+              <a:rPr lang="en-US" sz="5000" dirty="0" err="1"/>
+              <a:t>TimeSync</a:t>
+            </a:r>
+            <a:r>
+              <a:rPr lang="en-US" sz="5000" dirty="0"/>
+              <a:t> Thread</a:t>
+            </a:r>
+          </a:p>
+        </p:txBody>
+      </p:sp>
+      <p:sp>
+        <p:nvSpPr>
+          <p:cNvPr id="68" name="Rectangle 67">
+            <a:extLst>
+              <a:ext uri="{FF2B5EF4-FFF2-40B4-BE49-F238E27FC236}">
+                <a16:creationId xmlns:a16="http://schemas.microsoft.com/office/drawing/2014/main" id="{6D0482DD-1790-24C7-C03A-DBE7552DF1DF}"/>
+              </a:ext>
+            </a:extLst>
+          </p:cNvPr>
+          <p:cNvSpPr/>
+          <p:nvPr/>
+        </p:nvSpPr>
+        <p:spPr>
+          <a:xfrm>
+            <a:off x="24217634" y="9887338"/>
+            <a:ext cx="6400800" cy="2743200"/>
+          </a:xfrm>
+          <a:prstGeom prst="rect">
+            <a:avLst/>
+          </a:prstGeom>
+        </p:spPr>
+        <p:style>
+          <a:lnRef idx="2">
+            <a:schemeClr val="accent1">
+              <a:shade val="15000"/>
+            </a:schemeClr>
+          </a:lnRef>
+          <a:fillRef idx="1">
+            <a:schemeClr val="accent1"/>
+          </a:fillRef>
+          <a:effectRef idx="0">
+            <a:schemeClr val="accent1"/>
+          </a:effectRef>
+          <a:fontRef idx="minor">
+            <a:schemeClr val="lt1"/>
+          </a:fontRef>
+        </p:style>
+        <p:txBody>
+          <a:bodyPr rtlCol="0" anchor="ctr"/>
+          <a:lstStyle/>
+          <a:p>
+            <a:pPr algn="ctr"/>
+            <a:r>
+              <a:rPr lang="en-US" sz="5000" dirty="0"/>
+              <a:t>Server Room GRPC</a:t>
+            </a:r>
+          </a:p>
+        </p:txBody>
+      </p:sp>
+      <p:sp>
+        <p:nvSpPr>
+          <p:cNvPr id="69" name="Rectangle 68">
+            <a:extLst>
+              <a:ext uri="{FF2B5EF4-FFF2-40B4-BE49-F238E27FC236}">
+                <a16:creationId xmlns:a16="http://schemas.microsoft.com/office/drawing/2014/main" id="{64F27718-7081-C108-9453-3A1DDB661BDC}"/>
+              </a:ext>
+            </a:extLst>
+          </p:cNvPr>
+          <p:cNvSpPr/>
+          <p:nvPr/>
+        </p:nvSpPr>
+        <p:spPr>
+          <a:xfrm>
+            <a:off x="24202662" y="6404303"/>
+            <a:ext cx="6400800" cy="2286000"/>
+          </a:xfrm>
+          <a:prstGeom prst="rect">
+            <a:avLst/>
+          </a:prstGeom>
+        </p:spPr>
+        <p:style>
+          <a:lnRef idx="2">
+            <a:schemeClr val="accent1">
+              <a:shade val="15000"/>
+            </a:schemeClr>
+          </a:lnRef>
+          <a:fillRef idx="1">
+            <a:schemeClr val="accent1"/>
+          </a:fillRef>
+          <a:effectRef idx="0">
+            <a:schemeClr val="accent1"/>
+          </a:effectRef>
+          <a:fontRef idx="minor">
+            <a:schemeClr val="lt1"/>
+          </a:fontRef>
+        </p:style>
+        <p:txBody>
+          <a:bodyPr rtlCol="0" anchor="ctr"/>
+          <a:lstStyle/>
+          <a:p>
+            <a:pPr algn="ctr"/>
+            <a:r>
+              <a:rPr lang="en-US" sz="5000" dirty="0"/>
+              <a:t>Music Manager Thread</a:t>
+            </a:r>
+          </a:p>
+        </p:txBody>
+      </p:sp>
+      <p:sp>
+        <p:nvSpPr>
+          <p:cNvPr id="70" name="Rectangle 69">
+            <a:extLst>
+              <a:ext uri="{FF2B5EF4-FFF2-40B4-BE49-F238E27FC236}">
+                <a16:creationId xmlns:a16="http://schemas.microsoft.com/office/drawing/2014/main" id="{BE1FD9F2-2906-2087-8199-8E9BDA6F3E7D}"/>
+              </a:ext>
+            </a:extLst>
+          </p:cNvPr>
+          <p:cNvSpPr/>
+          <p:nvPr/>
+        </p:nvSpPr>
+        <p:spPr>
+          <a:xfrm>
+            <a:off x="24237916" y="2844444"/>
+            <a:ext cx="6400800" cy="2286000"/>
+          </a:xfrm>
+          <a:prstGeom prst="rect">
+            <a:avLst/>
+          </a:prstGeom>
+        </p:spPr>
+        <p:style>
+          <a:lnRef idx="2">
+            <a:schemeClr val="accent1">
+              <a:shade val="15000"/>
+            </a:schemeClr>
+          </a:lnRef>
+          <a:fillRef idx="1">
+            <a:schemeClr val="accent1"/>
+          </a:fillRef>
+          <a:effectRef idx="0">
+            <a:schemeClr val="accent1"/>
+          </a:effectRef>
+          <a:fontRef idx="minor">
+            <a:schemeClr val="lt1"/>
+          </a:fontRef>
+        </p:style>
+        <p:txBody>
+          <a:bodyPr rtlCol="0" anchor="ctr"/>
+          <a:lstStyle/>
+          <a:p>
+            <a:pPr algn="ctr"/>
+            <a:r>
+              <a:rPr lang="en-US" sz="5000" dirty="0" err="1"/>
+              <a:t>TimeSync</a:t>
+            </a:r>
+            <a:r>
+              <a:rPr lang="en-US" sz="5000" dirty="0"/>
+              <a:t> GRPC</a:t>
+            </a:r>
+          </a:p>
+        </p:txBody>
+      </p:sp>
+      <p:cxnSp>
+        <p:nvCxnSpPr>
+          <p:cNvPr id="77" name="Straight Arrow Connector 76">
+            <a:extLst>
+              <a:ext uri="{FF2B5EF4-FFF2-40B4-BE49-F238E27FC236}">
+                <a16:creationId xmlns:a16="http://schemas.microsoft.com/office/drawing/2014/main" id="{532F1BE9-E260-662A-920A-7A58273D1FE3}"/>
+              </a:ext>
+            </a:extLst>
+          </p:cNvPr>
+          <p:cNvCxnSpPr>
+            <a:cxnSpLocks/>
+            <a:stCxn id="11" idx="0"/>
+            <a:endCxn id="61" idx="2"/>
+          </p:cNvCxnSpPr>
+          <p:nvPr/>
+        </p:nvCxnSpPr>
+        <p:spPr>
+          <a:xfrm flipV="1">
+            <a:off x="9150311" y="5129987"/>
+            <a:ext cx="3" cy="1266198"/>
+          </a:xfrm>
+          <a:prstGeom prst="straightConnector1">
+            <a:avLst/>
+          </a:prstGeom>
+          <a:ln w="254000">
+            <a:solidFill>
+              <a:schemeClr val="accent5"/>
+            </a:solidFill>
+            <a:tailEnd type="triangle"/>
+          </a:ln>
+        </p:spPr>
+        <p:style>
+          <a:lnRef idx="2">
+            <a:schemeClr val="accent1"/>
+          </a:lnRef>
+          <a:fillRef idx="0">
+            <a:schemeClr val="accent1"/>
+          </a:fillRef>
+          <a:effectRef idx="1">
+            <a:schemeClr val="accent1"/>
+          </a:effectRef>
+          <a:fontRef idx="minor">
+            <a:schemeClr val="tx1"/>
+          </a:fontRef>
+        </p:style>
+      </p:cxnSp>
+      <p:cxnSp>
+        <p:nvCxnSpPr>
+          <p:cNvPr id="82" name="Straight Arrow Connector 81">
+            <a:extLst>
+              <a:ext uri="{FF2B5EF4-FFF2-40B4-BE49-F238E27FC236}">
+                <a16:creationId xmlns:a16="http://schemas.microsoft.com/office/drawing/2014/main" id="{8B0CEA0A-07DF-03DC-A540-238339E9417A}"/>
+              </a:ext>
+            </a:extLst>
+          </p:cNvPr>
+          <p:cNvCxnSpPr>
+            <a:cxnSpLocks/>
+          </p:cNvCxnSpPr>
+          <p:nvPr/>
+        </p:nvCxnSpPr>
+        <p:spPr>
+          <a:xfrm flipH="1" flipV="1">
+            <a:off x="28268432" y="8737160"/>
+            <a:ext cx="10738" cy="1182554"/>
+          </a:xfrm>
+          <a:prstGeom prst="straightConnector1">
+            <a:avLst/>
+          </a:prstGeom>
+          <a:ln w="254000">
+            <a:solidFill>
+              <a:schemeClr val="accent5"/>
+            </a:solidFill>
+            <a:tailEnd type="triangle"/>
+          </a:ln>
+        </p:spPr>
+        <p:style>
+          <a:lnRef idx="2">
+            <a:schemeClr val="accent1"/>
+          </a:lnRef>
+          <a:fillRef idx="0">
+            <a:schemeClr val="accent1"/>
+          </a:fillRef>
+          <a:effectRef idx="1">
+            <a:schemeClr val="accent1"/>
+          </a:effectRef>
+          <a:fontRef idx="minor">
+            <a:schemeClr val="tx1"/>
+          </a:fontRef>
+        </p:style>
+      </p:cxnSp>
+      <p:cxnSp>
+        <p:nvCxnSpPr>
+          <p:cNvPr id="87" name="Elbow Connector 86">
+            <a:extLst>
+              <a:ext uri="{FF2B5EF4-FFF2-40B4-BE49-F238E27FC236}">
+                <a16:creationId xmlns:a16="http://schemas.microsoft.com/office/drawing/2014/main" id="{A0D6613C-5029-07EC-969C-4551181473ED}"/>
+              </a:ext>
+            </a:extLst>
+          </p:cNvPr>
+          <p:cNvCxnSpPr>
+            <a:cxnSpLocks/>
+            <a:stCxn id="81" idx="0"/>
+          </p:cNvCxnSpPr>
+          <p:nvPr/>
+        </p:nvCxnSpPr>
+        <p:spPr>
+          <a:xfrm rot="16200000" flipV="1">
+            <a:off x="30999311" y="4319463"/>
+            <a:ext cx="1433806" cy="2155002"/>
+          </a:xfrm>
+          <a:prstGeom prst="bentConnector2">
+            <a:avLst/>
+          </a:prstGeom>
+          <a:ln w="254000">
+            <a:solidFill>
+              <a:schemeClr val="accent5"/>
+            </a:solidFill>
+            <a:tailEnd type="triangle"/>
+          </a:ln>
+        </p:spPr>
+        <p:style>
+          <a:lnRef idx="2">
+            <a:schemeClr val="accent1"/>
+          </a:lnRef>
+          <a:fillRef idx="0">
+            <a:schemeClr val="accent1"/>
+          </a:fillRef>
+          <a:effectRef idx="1">
+            <a:schemeClr val="accent1"/>
+          </a:effectRef>
+          <a:fontRef idx="minor">
+            <a:schemeClr val="tx1"/>
+          </a:fontRef>
+        </p:style>
+      </p:cxnSp>
+      <p:cxnSp>
+        <p:nvCxnSpPr>
+          <p:cNvPr id="110" name="Straight Arrow Connector 109">
+            <a:extLst>
+              <a:ext uri="{FF2B5EF4-FFF2-40B4-BE49-F238E27FC236}">
+                <a16:creationId xmlns:a16="http://schemas.microsoft.com/office/drawing/2014/main" id="{B65A1BBF-330A-F28B-CF7A-0A257778FA13}"/>
+              </a:ext>
+            </a:extLst>
+          </p:cNvPr>
+          <p:cNvCxnSpPr>
+            <a:cxnSpLocks/>
+          </p:cNvCxnSpPr>
+          <p:nvPr/>
+        </p:nvCxnSpPr>
+        <p:spPr>
+          <a:xfrm flipH="1" flipV="1">
+            <a:off x="26212419" y="8760256"/>
+            <a:ext cx="10738" cy="1182554"/>
+          </a:xfrm>
+          <a:prstGeom prst="straightConnector1">
+            <a:avLst/>
+          </a:prstGeom>
+          <a:ln w="254000">
+            <a:solidFill>
+              <a:srgbClr val="FF0000"/>
+            </a:solidFill>
+            <a:tailEnd type="triangle"/>
+          </a:ln>
+        </p:spPr>
+        <p:style>
+          <a:lnRef idx="2">
+            <a:schemeClr val="accent1"/>
+          </a:lnRef>
+          <a:fillRef idx="0">
+            <a:schemeClr val="accent1"/>
+          </a:fillRef>
+          <a:effectRef idx="1">
+            <a:schemeClr val="accent1"/>
+          </a:effectRef>
+          <a:fontRef idx="minor">
+            <a:schemeClr val="tx1"/>
+          </a:fontRef>
+        </p:style>
+      </p:cxnSp>
+      <p:cxnSp>
+        <p:nvCxnSpPr>
+          <p:cNvPr id="114" name="Elbow Connector 113">
+            <a:extLst>
+              <a:ext uri="{FF2B5EF4-FFF2-40B4-BE49-F238E27FC236}">
+                <a16:creationId xmlns:a16="http://schemas.microsoft.com/office/drawing/2014/main" id="{4501A501-9FE1-28EF-B61C-1F7E75C84F03}"/>
+              </a:ext>
+            </a:extLst>
+          </p:cNvPr>
+          <p:cNvCxnSpPr>
+            <a:cxnSpLocks/>
+          </p:cNvCxnSpPr>
+          <p:nvPr/>
+        </p:nvCxnSpPr>
+        <p:spPr>
+          <a:xfrm rot="10800000" flipH="1" flipV="1">
+            <a:off x="5949913" y="4625788"/>
+            <a:ext cx="35253" cy="7486962"/>
+          </a:xfrm>
+          <a:prstGeom prst="bentConnector3">
+            <a:avLst>
+              <a:gd name="adj1" fmla="val -8993796"/>
+            </a:avLst>
+          </a:prstGeom>
+          <a:ln w="254000">
+            <a:solidFill>
+              <a:srgbClr val="FF0000"/>
+            </a:solidFill>
+            <a:tailEnd type="triangle"/>
+          </a:ln>
+        </p:spPr>
+        <p:style>
+          <a:lnRef idx="2">
+            <a:schemeClr val="accent1"/>
+          </a:lnRef>
+          <a:fillRef idx="0">
+            <a:schemeClr val="accent1"/>
+          </a:fillRef>
+          <a:effectRef idx="1">
+            <a:schemeClr val="accent1"/>
+          </a:effectRef>
+          <a:fontRef idx="minor">
+            <a:schemeClr val="tx1"/>
+          </a:fontRef>
+        </p:style>
+      </p:cxnSp>
+      <p:cxnSp>
+        <p:nvCxnSpPr>
+          <p:cNvPr id="121" name="Straight Arrow Connector 120">
+            <a:extLst>
+              <a:ext uri="{FF2B5EF4-FFF2-40B4-BE49-F238E27FC236}">
+                <a16:creationId xmlns:a16="http://schemas.microsoft.com/office/drawing/2014/main" id="{53D32363-4BAF-BA0F-FA47-0A38ECA5D522}"/>
+              </a:ext>
+            </a:extLst>
+          </p:cNvPr>
+          <p:cNvCxnSpPr>
+            <a:cxnSpLocks/>
+          </p:cNvCxnSpPr>
+          <p:nvPr/>
+        </p:nvCxnSpPr>
+        <p:spPr>
+          <a:xfrm>
+            <a:off x="10187189" y="9203332"/>
+            <a:ext cx="0" cy="1127617"/>
+          </a:xfrm>
+          <a:prstGeom prst="straightConnector1">
+            <a:avLst/>
+          </a:prstGeom>
+          <a:ln w="254000">
+            <a:solidFill>
+              <a:srgbClr val="FF0000"/>
+            </a:solidFill>
+            <a:tailEnd type="triangle"/>
+          </a:ln>
+        </p:spPr>
+        <p:style>
+          <a:lnRef idx="2">
+            <a:schemeClr val="accent1"/>
+          </a:lnRef>
+          <a:fillRef idx="0">
+            <a:schemeClr val="accent1"/>
+          </a:fillRef>
+          <a:effectRef idx="1">
+            <a:schemeClr val="accent1"/>
+          </a:effectRef>
+          <a:fontRef idx="minor">
+            <a:schemeClr val="tx1"/>
+          </a:fontRef>
+        </p:style>
+      </p:cxnSp>
+      <p:cxnSp>
+        <p:nvCxnSpPr>
+          <p:cNvPr id="147" name="Elbow Connector 146">
+            <a:extLst>
+              <a:ext uri="{FF2B5EF4-FFF2-40B4-BE49-F238E27FC236}">
+                <a16:creationId xmlns:a16="http://schemas.microsoft.com/office/drawing/2014/main" id="{3A357EBB-D4AF-251E-8C79-F51D0433976A}"/>
+              </a:ext>
+            </a:extLst>
+          </p:cNvPr>
+          <p:cNvCxnSpPr>
+            <a:cxnSpLocks/>
+            <a:stCxn id="189" idx="2"/>
+          </p:cNvCxnSpPr>
+          <p:nvPr/>
+        </p:nvCxnSpPr>
+        <p:spPr>
+          <a:xfrm rot="16200000" flipH="1">
+            <a:off x="4884047" y="9858726"/>
+            <a:ext cx="689807" cy="1506138"/>
+          </a:xfrm>
+          <a:prstGeom prst="bentConnector2">
+            <a:avLst/>
+          </a:prstGeom>
+          <a:ln w="254000">
+            <a:solidFill>
+              <a:srgbClr val="0070C0"/>
+            </a:solidFill>
+            <a:tailEnd type="triangle"/>
+          </a:ln>
+        </p:spPr>
+        <p:style>
+          <a:lnRef idx="2">
+            <a:schemeClr val="accent1"/>
+          </a:lnRef>
+          <a:fillRef idx="0">
+            <a:schemeClr val="accent1"/>
+          </a:fillRef>
+          <a:effectRef idx="1">
+            <a:schemeClr val="accent1"/>
+          </a:effectRef>
+          <a:fontRef idx="minor">
+            <a:schemeClr val="tx1"/>
+          </a:fontRef>
+        </p:style>
+      </p:cxnSp>
+      <p:cxnSp>
+        <p:nvCxnSpPr>
+          <p:cNvPr id="155" name="Elbow Connector 154">
+            <a:extLst>
+              <a:ext uri="{FF2B5EF4-FFF2-40B4-BE49-F238E27FC236}">
+                <a16:creationId xmlns:a16="http://schemas.microsoft.com/office/drawing/2014/main" id="{CB39B7FF-EDFD-1A9B-B678-B3A31D4036B0}"/>
+              </a:ext>
+            </a:extLst>
+          </p:cNvPr>
+          <p:cNvCxnSpPr>
+            <a:cxnSpLocks/>
+            <a:stCxn id="11" idx="1"/>
+            <a:endCxn id="189" idx="0"/>
+          </p:cNvCxnSpPr>
+          <p:nvPr/>
+        </p:nvCxnSpPr>
+        <p:spPr>
+          <a:xfrm rot="10800000" flipV="1">
+            <a:off x="4475880" y="7767785"/>
+            <a:ext cx="1474030" cy="1081787"/>
+          </a:xfrm>
+          <a:prstGeom prst="bentConnector2">
+            <a:avLst/>
+          </a:prstGeom>
+          <a:ln w="254000">
+            <a:solidFill>
+              <a:srgbClr val="0070C0"/>
+            </a:solidFill>
+            <a:tailEnd type="triangle"/>
+          </a:ln>
+        </p:spPr>
+        <p:style>
+          <a:lnRef idx="2">
+            <a:schemeClr val="accent1"/>
+          </a:lnRef>
+          <a:fillRef idx="0">
+            <a:schemeClr val="accent1"/>
+          </a:fillRef>
+          <a:effectRef idx="1">
+            <a:schemeClr val="accent1"/>
+          </a:effectRef>
+          <a:fontRef idx="minor">
+            <a:schemeClr val="tx1"/>
+          </a:fontRef>
+        </p:style>
+      </p:cxnSp>
+      <p:sp>
+        <p:nvSpPr>
+          <p:cNvPr id="166" name="Snip Diagonal Corner Rectangle 165">
+            <a:extLst>
+              <a:ext uri="{FF2B5EF4-FFF2-40B4-BE49-F238E27FC236}">
+                <a16:creationId xmlns:a16="http://schemas.microsoft.com/office/drawing/2014/main" id="{26A70B96-616D-68DD-0108-B548F9BCBCC2}"/>
+              </a:ext>
+            </a:extLst>
+          </p:cNvPr>
+          <p:cNvSpPr/>
+          <p:nvPr/>
+        </p:nvSpPr>
+        <p:spPr>
+          <a:xfrm>
+            <a:off x="2173932" y="2312553"/>
+            <a:ext cx="2397034" cy="1643681"/>
+          </a:xfrm>
+          <a:prstGeom prst="snip2DiagRect">
+            <a:avLst/>
+          </a:prstGeom>
+          <a:solidFill>
+            <a:schemeClr val="accent1">
+              <a:lumMod val="60000"/>
+              <a:lumOff val="40000"/>
+            </a:schemeClr>
+          </a:solidFill>
+        </p:spPr>
+        <p:style>
+          <a:lnRef idx="2">
+            <a:schemeClr val="accent1">
+              <a:shade val="15000"/>
+            </a:schemeClr>
+          </a:lnRef>
+          <a:fillRef idx="1">
+            <a:schemeClr val="accent1"/>
+          </a:fillRef>
+          <a:effectRef idx="0">
+            <a:schemeClr val="accent1"/>
+          </a:effectRef>
+          <a:fontRef idx="minor">
+            <a:schemeClr val="lt1"/>
+          </a:fontRef>
+        </p:style>
+        <p:txBody>
+          <a:bodyPr rtlCol="0" anchor="ctr"/>
+          <a:lstStyle/>
+          <a:p>
+            <a:pPr algn="ctr"/>
+            <a:r>
+              <a:rPr lang="en-US" sz="5000" dirty="0"/>
+              <a:t>Device Clock</a:t>
+            </a:r>
+          </a:p>
+        </p:txBody>
+      </p:sp>
+      <p:cxnSp>
+        <p:nvCxnSpPr>
+          <p:cNvPr id="168" name="Straight Arrow Connector 167">
+            <a:extLst>
+              <a:ext uri="{FF2B5EF4-FFF2-40B4-BE49-F238E27FC236}">
+                <a16:creationId xmlns:a16="http://schemas.microsoft.com/office/drawing/2014/main" id="{CA6270B5-246F-C099-A1F0-99E05D2D4843}"/>
+              </a:ext>
+            </a:extLst>
+          </p:cNvPr>
+          <p:cNvCxnSpPr>
+            <a:cxnSpLocks/>
+          </p:cNvCxnSpPr>
+          <p:nvPr/>
+        </p:nvCxnSpPr>
+        <p:spPr>
+          <a:xfrm flipV="1">
+            <a:off x="4539477" y="3423287"/>
+            <a:ext cx="1378945" cy="1"/>
+          </a:xfrm>
+          <a:prstGeom prst="straightConnector1">
+            <a:avLst/>
+          </a:prstGeom>
+          <a:ln w="254000">
+            <a:solidFill>
+              <a:srgbClr val="0070C0"/>
+            </a:solidFill>
+            <a:tailEnd type="triangle"/>
+          </a:ln>
+        </p:spPr>
+        <p:style>
+          <a:lnRef idx="2">
+            <a:schemeClr val="accent1"/>
+          </a:lnRef>
+          <a:fillRef idx="0">
+            <a:schemeClr val="accent1"/>
+          </a:fillRef>
+          <a:effectRef idx="1">
+            <a:schemeClr val="accent1"/>
+          </a:effectRef>
+          <a:fontRef idx="minor">
+            <a:schemeClr val="tx1"/>
+          </a:fontRef>
+        </p:style>
+      </p:cxnSp>
+      <p:sp>
+        <p:nvSpPr>
+          <p:cNvPr id="169" name="Snip Diagonal Corner Rectangle 168">
+            <a:extLst>
+              <a:ext uri="{FF2B5EF4-FFF2-40B4-BE49-F238E27FC236}">
+                <a16:creationId xmlns:a16="http://schemas.microsoft.com/office/drawing/2014/main" id="{E7FA28E2-3567-2142-2C11-7C10F2B9059A}"/>
+              </a:ext>
+            </a:extLst>
+          </p:cNvPr>
+          <p:cNvSpPr/>
+          <p:nvPr/>
+        </p:nvSpPr>
+        <p:spPr>
+          <a:xfrm>
+            <a:off x="31975915" y="2322089"/>
+            <a:ext cx="2397034" cy="1643681"/>
+          </a:xfrm>
+          <a:prstGeom prst="snip2DiagRect">
+            <a:avLst/>
+          </a:prstGeom>
+          <a:solidFill>
+            <a:schemeClr val="accent1">
+              <a:lumMod val="60000"/>
+              <a:lumOff val="40000"/>
+            </a:schemeClr>
+          </a:solidFill>
+        </p:spPr>
+        <p:style>
+          <a:lnRef idx="2">
+            <a:schemeClr val="accent1">
+              <a:shade val="15000"/>
+            </a:schemeClr>
+          </a:lnRef>
+          <a:fillRef idx="1">
+            <a:schemeClr val="accent1"/>
+          </a:fillRef>
+          <a:effectRef idx="0">
+            <a:schemeClr val="accent1"/>
+          </a:effectRef>
+          <a:fontRef idx="minor">
+            <a:schemeClr val="lt1"/>
+          </a:fontRef>
+        </p:style>
+        <p:txBody>
+          <a:bodyPr rtlCol="0" anchor="ctr"/>
+          <a:lstStyle/>
+          <a:p>
+            <a:pPr algn="ctr"/>
+            <a:r>
+              <a:rPr lang="en-US" sz="5000" dirty="0"/>
+              <a:t>Device Clock</a:t>
+            </a:r>
+          </a:p>
+        </p:txBody>
+      </p:sp>
+      <p:cxnSp>
+        <p:nvCxnSpPr>
+          <p:cNvPr id="170" name="Straight Arrow Connector 169">
+            <a:extLst>
+              <a:ext uri="{FF2B5EF4-FFF2-40B4-BE49-F238E27FC236}">
+                <a16:creationId xmlns:a16="http://schemas.microsoft.com/office/drawing/2014/main" id="{67356CE2-4E79-6786-A638-E1A1E7D4F561}"/>
+              </a:ext>
+            </a:extLst>
+          </p:cNvPr>
+          <p:cNvCxnSpPr>
+            <a:cxnSpLocks/>
+          </p:cNvCxnSpPr>
+          <p:nvPr/>
+        </p:nvCxnSpPr>
+        <p:spPr>
+          <a:xfrm flipH="1" flipV="1">
+            <a:off x="30596971" y="3284842"/>
+            <a:ext cx="1378945" cy="1"/>
+          </a:xfrm>
+          <a:prstGeom prst="straightConnector1">
+            <a:avLst/>
+          </a:prstGeom>
+          <a:ln w="254000">
+            <a:solidFill>
+              <a:srgbClr val="0070C0"/>
+            </a:solidFill>
+            <a:tailEnd type="triangle"/>
+          </a:ln>
+        </p:spPr>
+        <p:style>
+          <a:lnRef idx="2">
+            <a:schemeClr val="accent1"/>
+          </a:lnRef>
+          <a:fillRef idx="0">
+            <a:schemeClr val="accent1"/>
+          </a:fillRef>
+          <a:effectRef idx="1">
+            <a:schemeClr val="accent1"/>
+          </a:effectRef>
+          <a:fontRef idx="minor">
+            <a:schemeClr val="tx1"/>
+          </a:fontRef>
+        </p:style>
+      </p:cxnSp>
+      <p:cxnSp>
+        <p:nvCxnSpPr>
+          <p:cNvPr id="21" name="Elbow Connector 20">
+            <a:extLst>
+              <a:ext uri="{FF2B5EF4-FFF2-40B4-BE49-F238E27FC236}">
+                <a16:creationId xmlns:a16="http://schemas.microsoft.com/office/drawing/2014/main" id="{4088677E-8194-D0C8-FDCB-96EB56C7EA2F}"/>
+              </a:ext>
+            </a:extLst>
+          </p:cNvPr>
+          <p:cNvCxnSpPr>
+            <a:cxnSpLocks/>
+          </p:cNvCxnSpPr>
+          <p:nvPr/>
+        </p:nvCxnSpPr>
+        <p:spPr>
+          <a:xfrm>
+            <a:off x="12350714" y="4535933"/>
+            <a:ext cx="11958583" cy="5839571"/>
+          </a:xfrm>
+          <a:prstGeom prst="bentConnector3">
+            <a:avLst>
+              <a:gd name="adj1" fmla="val 80997"/>
+            </a:avLst>
+          </a:prstGeom>
+          <a:ln w="254000" cmpd="sng">
+            <a:solidFill>
+              <a:schemeClr val="accent6"/>
+            </a:solidFill>
+            <a:prstDash val="solid"/>
+            <a:tailEnd type="triangle"/>
+          </a:ln>
+        </p:spPr>
+        <p:style>
+          <a:lnRef idx="2">
+            <a:schemeClr val="accent1"/>
+          </a:lnRef>
+          <a:fillRef idx="0">
+            <a:schemeClr val="accent1"/>
+          </a:fillRef>
+          <a:effectRef idx="1">
+            <a:schemeClr val="accent1"/>
+          </a:effectRef>
+          <a:fontRef idx="minor">
+            <a:schemeClr val="tx1"/>
+          </a:fontRef>
+        </p:style>
+      </p:cxnSp>
+      <p:cxnSp>
+        <p:nvCxnSpPr>
+          <p:cNvPr id="48" name="Elbow Connector 47">
+            <a:extLst>
+              <a:ext uri="{FF2B5EF4-FFF2-40B4-BE49-F238E27FC236}">
+                <a16:creationId xmlns:a16="http://schemas.microsoft.com/office/drawing/2014/main" id="{7BAC0217-DC7C-721B-D624-16998084466A}"/>
+              </a:ext>
+            </a:extLst>
+          </p:cNvPr>
+          <p:cNvCxnSpPr>
+            <a:cxnSpLocks/>
+          </p:cNvCxnSpPr>
+          <p:nvPr/>
+        </p:nvCxnSpPr>
+        <p:spPr>
+          <a:xfrm rot="10800000">
+            <a:off x="12349316" y="8198299"/>
+            <a:ext cx="11883290" cy="3453527"/>
+          </a:xfrm>
+          <a:prstGeom prst="bentConnector3">
+            <a:avLst>
+              <a:gd name="adj1" fmla="val 44853"/>
+            </a:avLst>
+          </a:prstGeom>
+          <a:ln w="254000">
+            <a:solidFill>
+              <a:schemeClr val="accent6"/>
+            </a:solidFill>
+            <a:tailEnd type="triangle"/>
+          </a:ln>
+        </p:spPr>
+        <p:style>
+          <a:lnRef idx="2">
+            <a:schemeClr val="accent1"/>
+          </a:lnRef>
+          <a:fillRef idx="0">
+            <a:schemeClr val="accent1"/>
+          </a:fillRef>
+          <a:effectRef idx="1">
+            <a:schemeClr val="accent1"/>
+          </a:effectRef>
+          <a:fontRef idx="minor">
+            <a:schemeClr val="tx1"/>
+          </a:fontRef>
+        </p:style>
+      </p:cxnSp>
+      <p:cxnSp>
+        <p:nvCxnSpPr>
+          <p:cNvPr id="50" name="Elbow Connector 49">
+            <a:extLst>
+              <a:ext uri="{FF2B5EF4-FFF2-40B4-BE49-F238E27FC236}">
+                <a16:creationId xmlns:a16="http://schemas.microsoft.com/office/drawing/2014/main" id="{E743D522-CBAD-CBE3-F394-4427FACBFB66}"/>
+              </a:ext>
+            </a:extLst>
+          </p:cNvPr>
+          <p:cNvCxnSpPr>
+            <a:cxnSpLocks/>
+          </p:cNvCxnSpPr>
+          <p:nvPr/>
+        </p:nvCxnSpPr>
+        <p:spPr>
+          <a:xfrm rot="10800000">
+            <a:off x="12346172" y="7434626"/>
+            <a:ext cx="11910693" cy="3559380"/>
+          </a:xfrm>
+          <a:prstGeom prst="bentConnector3">
+            <a:avLst>
+              <a:gd name="adj1" fmla="val 31513"/>
+            </a:avLst>
+          </a:prstGeom>
+          <a:ln w="254000">
+            <a:solidFill>
+              <a:srgbClr val="FFC000"/>
+            </a:solidFill>
+            <a:tailEnd type="triangle"/>
+          </a:ln>
+        </p:spPr>
+        <p:style>
+          <a:lnRef idx="2">
+            <a:schemeClr val="accent1"/>
+          </a:lnRef>
+          <a:fillRef idx="0">
+            <a:schemeClr val="accent1"/>
+          </a:fillRef>
+          <a:effectRef idx="1">
+            <a:schemeClr val="accent1"/>
+          </a:effectRef>
+          <a:fontRef idx="minor">
+            <a:schemeClr val="tx1"/>
+          </a:fontRef>
+        </p:style>
+      </p:cxnSp>
+      <p:sp>
+        <p:nvSpPr>
+          <p:cNvPr id="12" name="Rectangle 11">
+            <a:extLst>
+              <a:ext uri="{FF2B5EF4-FFF2-40B4-BE49-F238E27FC236}">
+                <a16:creationId xmlns:a16="http://schemas.microsoft.com/office/drawing/2014/main" id="{D6A2876F-866A-3C51-E203-490EA4F1632B}"/>
+              </a:ext>
+            </a:extLst>
+          </p:cNvPr>
+          <p:cNvSpPr/>
+          <p:nvPr/>
+        </p:nvSpPr>
+        <p:spPr>
+          <a:xfrm>
+            <a:off x="35778461" y="3408780"/>
+            <a:ext cx="8950729" cy="17221117"/>
+          </a:xfrm>
+          <a:prstGeom prst="rect">
+            <a:avLst/>
+          </a:prstGeom>
+          <a:ln w="76200"/>
+        </p:spPr>
+        <p:style>
+          <a:lnRef idx="2">
+            <a:schemeClr val="dk1"/>
+          </a:lnRef>
+          <a:fillRef idx="1">
+            <a:schemeClr val="lt1"/>
+          </a:fillRef>
+          <a:effectRef idx="0">
+            <a:schemeClr val="dk1"/>
+          </a:effectRef>
+          <a:fontRef idx="minor">
+            <a:schemeClr val="dk1"/>
+          </a:fontRef>
+        </p:style>
+        <p:txBody>
+          <a:bodyPr rtlCol="0" anchor="ctr"/>
+          <a:lstStyle/>
+          <a:p>
+            <a:pPr algn="ctr"/>
+            <a:endParaRPr lang="en-US" dirty="0"/>
+          </a:p>
+        </p:txBody>
+      </p:sp>
+      <p:cxnSp>
+        <p:nvCxnSpPr>
+          <p:cNvPr id="13" name="Straight Connector 12">
+            <a:extLst>
+              <a:ext uri="{FF2B5EF4-FFF2-40B4-BE49-F238E27FC236}">
+                <a16:creationId xmlns:a16="http://schemas.microsoft.com/office/drawing/2014/main" id="{34DFD394-B30A-CAC8-D2AF-07061377C3D1}"/>
+              </a:ext>
+            </a:extLst>
+          </p:cNvPr>
+          <p:cNvCxnSpPr/>
+          <p:nvPr/>
+        </p:nvCxnSpPr>
+        <p:spPr>
+          <a:xfrm>
+            <a:off x="36065399" y="4442157"/>
+            <a:ext cx="2743200" cy="0"/>
+          </a:xfrm>
+          <a:prstGeom prst="line">
+            <a:avLst/>
+          </a:prstGeom>
+          <a:ln w="254000">
+            <a:solidFill>
+              <a:schemeClr val="accent2"/>
+            </a:solidFill>
+          </a:ln>
+        </p:spPr>
+        <p:style>
+          <a:lnRef idx="2">
+            <a:schemeClr val="accent1"/>
+          </a:lnRef>
+          <a:fillRef idx="0">
+            <a:schemeClr val="accent1"/>
+          </a:fillRef>
+          <a:effectRef idx="1">
+            <a:schemeClr val="accent1"/>
+          </a:effectRef>
+          <a:fontRef idx="minor">
+            <a:schemeClr val="tx1"/>
+          </a:fontRef>
+        </p:style>
+      </p:cxnSp>
+      <p:sp>
+        <p:nvSpPr>
+          <p:cNvPr id="17" name="TextBox 16">
+            <a:extLst>
+              <a:ext uri="{FF2B5EF4-FFF2-40B4-BE49-F238E27FC236}">
+                <a16:creationId xmlns:a16="http://schemas.microsoft.com/office/drawing/2014/main" id="{BDC12F7A-24A4-8BC8-13E5-B22CF054385E}"/>
+              </a:ext>
+            </a:extLst>
+          </p:cNvPr>
+          <p:cNvSpPr txBox="1"/>
+          <p:nvPr/>
+        </p:nvSpPr>
+        <p:spPr>
+          <a:xfrm>
+            <a:off x="39377906" y="4011270"/>
+            <a:ext cx="5078963" cy="861774"/>
+          </a:xfrm>
+          <a:prstGeom prst="rect">
+            <a:avLst/>
+          </a:prstGeom>
+          <a:noFill/>
+        </p:spPr>
+        <p:txBody>
+          <a:bodyPr wrap="square" rtlCol="0">
+            <a:spAutoFit/>
+          </a:bodyPr>
+          <a:lstStyle/>
+          <a:p>
+            <a:r>
+              <a:rPr lang="en-US" sz="5000" dirty="0"/>
+              <a:t>Individual Script</a:t>
+            </a:r>
+          </a:p>
+        </p:txBody>
+      </p:sp>
+      <p:cxnSp>
+        <p:nvCxnSpPr>
+          <p:cNvPr id="18" name="Straight Connector 17">
+            <a:extLst>
+              <a:ext uri="{FF2B5EF4-FFF2-40B4-BE49-F238E27FC236}">
+                <a16:creationId xmlns:a16="http://schemas.microsoft.com/office/drawing/2014/main" id="{2A4DF28D-AE5B-5E7B-D6B1-905400385E81}"/>
+              </a:ext>
+            </a:extLst>
+          </p:cNvPr>
+          <p:cNvCxnSpPr/>
+          <p:nvPr/>
+        </p:nvCxnSpPr>
+        <p:spPr>
+          <a:xfrm>
+            <a:off x="36055203" y="7073671"/>
+            <a:ext cx="2743200" cy="0"/>
+          </a:xfrm>
+          <a:prstGeom prst="line">
+            <a:avLst/>
+          </a:prstGeom>
+          <a:ln w="254000">
+            <a:solidFill>
+              <a:schemeClr val="accent6"/>
+            </a:solidFill>
+          </a:ln>
+        </p:spPr>
+        <p:style>
+          <a:lnRef idx="2">
+            <a:schemeClr val="accent1"/>
+          </a:lnRef>
+          <a:fillRef idx="0">
+            <a:schemeClr val="accent1"/>
+          </a:fillRef>
+          <a:effectRef idx="1">
+            <a:schemeClr val="accent1"/>
+          </a:effectRef>
+          <a:fontRef idx="minor">
+            <a:schemeClr val="tx1"/>
+          </a:fontRef>
+        </p:style>
+      </p:cxnSp>
+      <p:sp>
+        <p:nvSpPr>
+          <p:cNvPr id="19" name="TextBox 18">
+            <a:extLst>
+              <a:ext uri="{FF2B5EF4-FFF2-40B4-BE49-F238E27FC236}">
+                <a16:creationId xmlns:a16="http://schemas.microsoft.com/office/drawing/2014/main" id="{94DF3B92-77CD-6114-AED2-81AD2E3E5D9E}"/>
+              </a:ext>
+            </a:extLst>
+          </p:cNvPr>
+          <p:cNvSpPr txBox="1"/>
+          <p:nvPr/>
+        </p:nvSpPr>
+        <p:spPr>
+          <a:xfrm>
+            <a:off x="39377906" y="6661153"/>
+            <a:ext cx="4302819" cy="861774"/>
+          </a:xfrm>
+          <a:prstGeom prst="rect">
+            <a:avLst/>
+          </a:prstGeom>
+          <a:noFill/>
+        </p:spPr>
+        <p:txBody>
+          <a:bodyPr wrap="square" rtlCol="0">
+            <a:spAutoFit/>
+          </a:bodyPr>
+          <a:lstStyle/>
+          <a:p>
+            <a:r>
+              <a:rPr lang="en-US" sz="5000" dirty="0"/>
+              <a:t>GRPC Request</a:t>
+            </a:r>
+          </a:p>
+        </p:txBody>
+      </p:sp>
+      <p:cxnSp>
+        <p:nvCxnSpPr>
+          <p:cNvPr id="22" name="Straight Connector 21">
+            <a:extLst>
+              <a:ext uri="{FF2B5EF4-FFF2-40B4-BE49-F238E27FC236}">
+                <a16:creationId xmlns:a16="http://schemas.microsoft.com/office/drawing/2014/main" id="{06EAF2A6-9647-7B7E-4DBD-06F8EA4530CD}"/>
+              </a:ext>
+            </a:extLst>
+          </p:cNvPr>
+          <p:cNvCxnSpPr/>
+          <p:nvPr/>
+        </p:nvCxnSpPr>
+        <p:spPr>
+          <a:xfrm>
+            <a:off x="36065399" y="9649653"/>
+            <a:ext cx="2743200" cy="0"/>
+          </a:xfrm>
+          <a:prstGeom prst="line">
+            <a:avLst/>
+          </a:prstGeom>
+          <a:ln w="254000">
+            <a:solidFill>
+              <a:schemeClr val="accent5"/>
+            </a:solidFill>
+          </a:ln>
+        </p:spPr>
+        <p:style>
+          <a:lnRef idx="2">
+            <a:schemeClr val="accent1"/>
+          </a:lnRef>
+          <a:fillRef idx="0">
+            <a:schemeClr val="accent1"/>
+          </a:fillRef>
+          <a:effectRef idx="1">
+            <a:schemeClr val="accent1"/>
+          </a:effectRef>
+          <a:fontRef idx="minor">
+            <a:schemeClr val="tx1"/>
+          </a:fontRef>
+        </p:style>
+      </p:cxnSp>
+      <p:sp>
+        <p:nvSpPr>
+          <p:cNvPr id="24" name="TextBox 23">
+            <a:extLst>
+              <a:ext uri="{FF2B5EF4-FFF2-40B4-BE49-F238E27FC236}">
+                <a16:creationId xmlns:a16="http://schemas.microsoft.com/office/drawing/2014/main" id="{A03900A1-4969-4284-7357-0AC0EA9B677F}"/>
+              </a:ext>
+            </a:extLst>
+          </p:cNvPr>
+          <p:cNvSpPr txBox="1"/>
+          <p:nvPr/>
+        </p:nvSpPr>
+        <p:spPr>
+          <a:xfrm>
+            <a:off x="39388102" y="8894527"/>
+            <a:ext cx="5078963" cy="1631216"/>
+          </a:xfrm>
+          <a:prstGeom prst="rect">
+            <a:avLst/>
+          </a:prstGeom>
+          <a:noFill/>
+        </p:spPr>
+        <p:txBody>
+          <a:bodyPr wrap="square" rtlCol="0">
+            <a:spAutoFit/>
+          </a:bodyPr>
+          <a:lstStyle/>
+          <a:p>
+            <a:r>
+              <a:rPr lang="en-US" sz="5000" dirty="0"/>
+              <a:t>Create Threads</a:t>
+            </a:r>
+          </a:p>
+          <a:p>
+            <a:r>
+              <a:rPr lang="en-US" sz="5000" dirty="0"/>
+              <a:t> and Process</a:t>
+            </a:r>
+          </a:p>
+        </p:txBody>
+      </p:sp>
+      <p:cxnSp>
+        <p:nvCxnSpPr>
+          <p:cNvPr id="25" name="Straight Connector 24">
+            <a:extLst>
+              <a:ext uri="{FF2B5EF4-FFF2-40B4-BE49-F238E27FC236}">
+                <a16:creationId xmlns:a16="http://schemas.microsoft.com/office/drawing/2014/main" id="{9BA0BD82-8836-A198-7661-1F2B14994BB6}"/>
+              </a:ext>
+            </a:extLst>
+          </p:cNvPr>
+          <p:cNvCxnSpPr/>
+          <p:nvPr/>
+        </p:nvCxnSpPr>
+        <p:spPr>
+          <a:xfrm>
+            <a:off x="36065399" y="12614229"/>
+            <a:ext cx="2743200" cy="0"/>
+          </a:xfrm>
+          <a:prstGeom prst="line">
+            <a:avLst/>
+          </a:prstGeom>
+          <a:ln w="254000">
+            <a:solidFill>
+              <a:srgbClr val="FF0000"/>
+            </a:solidFill>
+          </a:ln>
+        </p:spPr>
+        <p:style>
+          <a:lnRef idx="2">
+            <a:schemeClr val="accent1"/>
+          </a:lnRef>
+          <a:fillRef idx="0">
+            <a:schemeClr val="accent1"/>
+          </a:fillRef>
+          <a:effectRef idx="1">
+            <a:schemeClr val="accent1"/>
+          </a:effectRef>
+          <a:fontRef idx="minor">
+            <a:schemeClr val="tx1"/>
+          </a:fontRef>
+        </p:style>
+      </p:cxnSp>
+      <p:sp>
+        <p:nvSpPr>
+          <p:cNvPr id="26" name="TextBox 25">
+            <a:extLst>
+              <a:ext uri="{FF2B5EF4-FFF2-40B4-BE49-F238E27FC236}">
+                <a16:creationId xmlns:a16="http://schemas.microsoft.com/office/drawing/2014/main" id="{A5CFBFBC-D76A-A5AF-1578-A726B2D69164}"/>
+              </a:ext>
+            </a:extLst>
+          </p:cNvPr>
+          <p:cNvSpPr txBox="1"/>
+          <p:nvPr/>
+        </p:nvSpPr>
+        <p:spPr>
+          <a:xfrm>
+            <a:off x="39388102" y="11787921"/>
+            <a:ext cx="9880659" cy="1631216"/>
+          </a:xfrm>
+          <a:prstGeom prst="rect">
+            <a:avLst/>
+          </a:prstGeom>
+          <a:noFill/>
+        </p:spPr>
+        <p:txBody>
+          <a:bodyPr wrap="square" rtlCol="0">
+            <a:spAutoFit/>
+          </a:bodyPr>
+          <a:lstStyle/>
+          <a:p>
+            <a:r>
+              <a:rPr lang="en-US" sz="5000" dirty="0"/>
+              <a:t>Queue-based </a:t>
+            </a:r>
+          </a:p>
+          <a:p>
+            <a:r>
+              <a:rPr lang="en-US" sz="5000" dirty="0"/>
+              <a:t>Communication</a:t>
+            </a:r>
+          </a:p>
+        </p:txBody>
+      </p:sp>
+      <p:cxnSp>
+        <p:nvCxnSpPr>
+          <p:cNvPr id="30" name="Straight Connector 29">
+            <a:extLst>
+              <a:ext uri="{FF2B5EF4-FFF2-40B4-BE49-F238E27FC236}">
+                <a16:creationId xmlns:a16="http://schemas.microsoft.com/office/drawing/2014/main" id="{26D3EB93-219E-A005-584E-4C4F0BFA5265}"/>
+              </a:ext>
+            </a:extLst>
+          </p:cNvPr>
+          <p:cNvCxnSpPr/>
+          <p:nvPr/>
+        </p:nvCxnSpPr>
+        <p:spPr>
+          <a:xfrm>
+            <a:off x="36136057" y="15572652"/>
+            <a:ext cx="2743200" cy="0"/>
+          </a:xfrm>
+          <a:prstGeom prst="line">
+            <a:avLst/>
+          </a:prstGeom>
+          <a:ln w="254000">
+            <a:solidFill>
+              <a:srgbClr val="0070C0"/>
+            </a:solidFill>
+          </a:ln>
+        </p:spPr>
+        <p:style>
+          <a:lnRef idx="2">
+            <a:schemeClr val="accent1"/>
+          </a:lnRef>
+          <a:fillRef idx="0">
+            <a:schemeClr val="accent1"/>
+          </a:fillRef>
+          <a:effectRef idx="1">
+            <a:schemeClr val="accent1"/>
+          </a:effectRef>
+          <a:fontRef idx="minor">
+            <a:schemeClr val="tx1"/>
+          </a:fontRef>
+        </p:style>
+      </p:cxnSp>
+      <p:sp>
+        <p:nvSpPr>
+          <p:cNvPr id="32" name="TextBox 31">
+            <a:extLst>
+              <a:ext uri="{FF2B5EF4-FFF2-40B4-BE49-F238E27FC236}">
+                <a16:creationId xmlns:a16="http://schemas.microsoft.com/office/drawing/2014/main" id="{3A34FA10-5A0A-243D-CE4E-2E9D9E0F9011}"/>
+              </a:ext>
+            </a:extLst>
+          </p:cNvPr>
+          <p:cNvSpPr txBox="1"/>
+          <p:nvPr/>
+        </p:nvSpPr>
+        <p:spPr>
+          <a:xfrm>
+            <a:off x="39388102" y="15153730"/>
+            <a:ext cx="7927171" cy="861774"/>
+          </a:xfrm>
+          <a:prstGeom prst="rect">
+            <a:avLst/>
+          </a:prstGeom>
+          <a:noFill/>
+        </p:spPr>
+        <p:txBody>
+          <a:bodyPr wrap="square" rtlCol="0">
+            <a:spAutoFit/>
+          </a:bodyPr>
+          <a:lstStyle/>
+          <a:p>
+            <a:r>
+              <a:rPr lang="en-US" sz="5000" dirty="0"/>
+              <a:t>File and Device IO</a:t>
+            </a:r>
+          </a:p>
+        </p:txBody>
+      </p:sp>
+      <p:cxnSp>
+        <p:nvCxnSpPr>
+          <p:cNvPr id="33" name="Straight Connector 32">
+            <a:extLst>
+              <a:ext uri="{FF2B5EF4-FFF2-40B4-BE49-F238E27FC236}">
+                <a16:creationId xmlns:a16="http://schemas.microsoft.com/office/drawing/2014/main" id="{27662769-8AF7-A063-1747-E42BA90917AA}"/>
+              </a:ext>
+            </a:extLst>
+          </p:cNvPr>
+          <p:cNvCxnSpPr/>
+          <p:nvPr/>
+        </p:nvCxnSpPr>
+        <p:spPr>
+          <a:xfrm>
+            <a:off x="36130402" y="18746221"/>
+            <a:ext cx="2743200" cy="0"/>
+          </a:xfrm>
+          <a:prstGeom prst="line">
+            <a:avLst/>
+          </a:prstGeom>
+          <a:ln w="254000">
+            <a:solidFill>
+              <a:srgbClr val="FFC000"/>
+            </a:solidFill>
+          </a:ln>
+        </p:spPr>
+        <p:style>
+          <a:lnRef idx="2">
+            <a:schemeClr val="accent1"/>
+          </a:lnRef>
+          <a:fillRef idx="0">
+            <a:schemeClr val="accent1"/>
+          </a:fillRef>
+          <a:effectRef idx="1">
+            <a:schemeClr val="accent1"/>
+          </a:effectRef>
+          <a:fontRef idx="minor">
+            <a:schemeClr val="tx1"/>
+          </a:fontRef>
+        </p:style>
+      </p:cxnSp>
+      <p:sp>
+        <p:nvSpPr>
+          <p:cNvPr id="34" name="TextBox 33">
+            <a:extLst>
+              <a:ext uri="{FF2B5EF4-FFF2-40B4-BE49-F238E27FC236}">
+                <a16:creationId xmlns:a16="http://schemas.microsoft.com/office/drawing/2014/main" id="{39234163-A74D-64F8-DBB3-95351637FE9E}"/>
+              </a:ext>
+            </a:extLst>
+          </p:cNvPr>
+          <p:cNvSpPr txBox="1"/>
+          <p:nvPr/>
+        </p:nvSpPr>
+        <p:spPr>
+          <a:xfrm>
+            <a:off x="39377906" y="17545892"/>
+            <a:ext cx="8950730" cy="2400657"/>
+          </a:xfrm>
+          <a:prstGeom prst="rect">
+            <a:avLst/>
+          </a:prstGeom>
+          <a:noFill/>
+        </p:spPr>
+        <p:txBody>
+          <a:bodyPr wrap="square" rtlCol="0">
+            <a:spAutoFit/>
+          </a:bodyPr>
+          <a:lstStyle/>
+          <a:p>
+            <a:r>
+              <a:rPr lang="en-US" sz="5000" dirty="0"/>
+              <a:t>Heartbeat and </a:t>
+            </a:r>
+          </a:p>
+          <a:p>
+            <a:r>
+              <a:rPr lang="en-US" sz="5000" dirty="0"/>
+              <a:t>Initialization GRPC </a:t>
+            </a:r>
+          </a:p>
+          <a:p>
+            <a:r>
+              <a:rPr lang="en-US" sz="5000" dirty="0"/>
+              <a:t>calls Only</a:t>
+            </a:r>
+          </a:p>
+        </p:txBody>
+      </p:sp>
+    </p:spTree>
+    <p:extLst>
+      <p:ext uri="{BB962C8B-B14F-4D97-AF65-F5344CB8AC3E}">
+        <p14:creationId xmlns:p14="http://schemas.microsoft.com/office/powerpoint/2010/main" val="4235912263"/>
+      </p:ext>
+    </p:extLst>
+  </p:cSld>
+  <p:clrMapOvr>
+    <a:masterClrMapping/>
+  </p:clrMapOvr>
+</p:sld>
+</file>
+
+<file path=ppt/slides/slide3.xml><?xml version="1.0" encoding="utf-8"?>
+<p:sld xmlns:a="http://schemas.openxmlformats.org/drawingml/2006/main" xmlns:r="http://schemas.openxmlformats.org/officeDocument/2006/relationships" xmlns:p="http://schemas.openxmlformats.org/presentationml/2006/main">
+  <p:cSld>
+    <p:spTree>
+      <p:nvGrpSpPr>
         <p:cNvPr id="1" name=""/>
         <p:cNvGrpSpPr/>
         <p:nvPr/>
@@ -5982,7 +9006,7 @@
         </p:nvSpPr>
         <p:spPr>
           <a:xfrm>
-            <a:off x="5526853" y="6306542"/>
+            <a:off x="10098853" y="6306542"/>
             <a:ext cx="6400800" cy="2286000"/>
           </a:xfrm>
           <a:prstGeom prst="rect">
@@ -6035,7 +9059,7 @@
         </p:nvSpPr>
         <p:spPr>
           <a:xfrm>
-            <a:off x="24141659" y="12416768"/>
+            <a:off x="28713659" y="12416768"/>
             <a:ext cx="6400800" cy="2286000"/>
           </a:xfrm>
           <a:prstGeom prst="rect">
@@ -6090,7 +9114,7 @@
         </p:nvCxnSpPr>
         <p:spPr>
           <a:xfrm>
-            <a:off x="2837046" y="3986987"/>
+            <a:off x="7409046" y="3986987"/>
             <a:ext cx="0" cy="22506550"/>
           </a:xfrm>
           <a:prstGeom prst="straightConnector1">
@@ -6132,7 +9156,7 @@
         </p:nvSpPr>
         <p:spPr>
           <a:xfrm>
-            <a:off x="1155032" y="2021305"/>
+            <a:off x="5727033" y="2021305"/>
             <a:ext cx="3320715" cy="1631216"/>
           </a:xfrm>
           <a:prstGeom prst="rect">
@@ -6168,7 +9192,7 @@
         </p:nvSpPr>
         <p:spPr>
           <a:xfrm>
-            <a:off x="5526853" y="19741805"/>
+            <a:off x="10098853" y="19741805"/>
             <a:ext cx="6400800" cy="2286000"/>
           </a:xfrm>
           <a:prstGeom prst="rect">
@@ -6224,7 +9248,7 @@
         </p:nvCxnSpPr>
         <p:spPr>
           <a:xfrm>
-            <a:off x="11927653" y="7449542"/>
+            <a:off x="16499653" y="7449542"/>
             <a:ext cx="12214006" cy="6110226"/>
           </a:xfrm>
           <a:prstGeom prst="straightConnector1">
@@ -6269,7 +9293,7 @@
         </p:nvCxnSpPr>
         <p:spPr>
           <a:xfrm flipH="1">
-            <a:off x="11927653" y="13559768"/>
+            <a:off x="16499653" y="13559769"/>
             <a:ext cx="12214006" cy="7325037"/>
           </a:xfrm>
           <a:prstGeom prst="straightConnector1">
@@ -6311,7 +9335,7 @@
         </p:nvSpPr>
         <p:spPr>
           <a:xfrm>
-            <a:off x="5526853" y="4662861"/>
+            <a:off x="10098853" y="4662862"/>
             <a:ext cx="2397034" cy="1643681"/>
           </a:xfrm>
           <a:prstGeom prst="snip2DiagRect">
@@ -6366,7 +9390,7 @@
         </p:nvSpPr>
         <p:spPr>
           <a:xfrm>
-            <a:off x="24141659" y="10773087"/>
+            <a:off x="28713659" y="10773088"/>
             <a:ext cx="2397034" cy="1643681"/>
           </a:xfrm>
           <a:prstGeom prst="snip2DiagRect">
@@ -6421,7 +9445,7 @@
         </p:nvSpPr>
         <p:spPr>
           <a:xfrm>
-            <a:off x="5526853" y="18098124"/>
+            <a:off x="10098853" y="18098125"/>
             <a:ext cx="2397034" cy="1643681"/>
           </a:xfrm>
           <a:prstGeom prst="snip2DiagRect">
@@ -6476,7 +9500,7 @@
         </p:nvSpPr>
         <p:spPr>
           <a:xfrm rot="1646991">
-            <a:off x="13101708" y="8978297"/>
+            <a:off x="17673709" y="8978298"/>
             <a:ext cx="9865895" cy="1169551"/>
           </a:xfrm>
           <a:prstGeom prst="rect">
@@ -6519,7 +9543,7 @@
         </p:nvSpPr>
         <p:spPr>
           <a:xfrm rot="19712047">
-            <a:off x="13231368" y="17513348"/>
+            <a:off x="17803369" y="17513349"/>
             <a:ext cx="10534347" cy="1169551"/>
           </a:xfrm>
           <a:prstGeom prst="rect">
@@ -6562,7 +9586,7 @@
         </p:nvCxnSpPr>
         <p:spPr>
           <a:xfrm>
-            <a:off x="1973179" y="7449542"/>
+            <a:off x="6545179" y="7449542"/>
             <a:ext cx="1780674" cy="0"/>
           </a:xfrm>
           <a:prstGeom prst="line">
@@ -6603,7 +9627,7 @@
         </p:nvCxnSpPr>
         <p:spPr>
           <a:xfrm>
-            <a:off x="1925052" y="13509626"/>
+            <a:off x="6497052" y="13509626"/>
             <a:ext cx="1780674" cy="0"/>
           </a:xfrm>
           <a:prstGeom prst="line">
@@ -6644,7 +9668,7 @@
         </p:nvCxnSpPr>
         <p:spPr>
           <a:xfrm>
-            <a:off x="1973179" y="20957825"/>
+            <a:off x="6545179" y="20957825"/>
             <a:ext cx="1780674" cy="0"/>
           </a:xfrm>
           <a:prstGeom prst="line">
@@ -6685,7 +9709,7 @@
         </p:nvSpPr>
         <p:spPr>
           <a:xfrm>
-            <a:off x="7923887" y="4636800"/>
+            <a:off x="12495887" y="4636800"/>
             <a:ext cx="4348324" cy="1631216"/>
           </a:xfrm>
           <a:prstGeom prst="rect">
@@ -6728,7 +9752,7 @@
         </p:nvSpPr>
         <p:spPr>
           <a:xfrm>
-            <a:off x="26538693" y="10724746"/>
+            <a:off x="31110693" y="10724746"/>
             <a:ext cx="5463634" cy="1631216"/>
           </a:xfrm>
           <a:prstGeom prst="rect">
@@ -6771,7 +9795,7 @@
         </p:nvSpPr>
         <p:spPr>
           <a:xfrm>
-            <a:off x="7883907" y="18129852"/>
+            <a:off x="12455907" y="18129852"/>
             <a:ext cx="5062072" cy="1631216"/>
           </a:xfrm>
           <a:prstGeom prst="rect">
@@ -6816,7 +9840,7 @@
             </p:nvSpPr>
             <p:spPr>
               <a:xfrm>
-                <a:off x="24120299" y="18286022"/>
+                <a:off x="28692300" y="18286023"/>
                 <a:ext cx="6310859" cy="1455783"/>
               </a:xfrm>
               <a:prstGeom prst="rect">
@@ -6830,6 +9854,7 @@
               </a:bodyPr>
               <a:lstStyle/>
               <a:p>
+                <a:pPr/>
                 <a14:m>
                   <m:oMathPara xmlns:m="http://schemas.openxmlformats.org/officeDocument/2006/math">
                     <m:oMathParaPr>
@@ -6837,13 +9862,13 @@
                     </m:oMathParaPr>
                     <m:oMath xmlns:m="http://schemas.openxmlformats.org/officeDocument/2006/math">
                       <m:r>
-                        <a:rPr lang="en-US" sz="5000" b="0" i="1" smtClean="0">
+                        <a:rPr lang="en-US" sz="5000" i="1">
                           <a:latin typeface="Cambria Math" panose="02040503050406030204" pitchFamily="18" charset="0"/>
                         </a:rPr>
                         <m:t>𝐷𝑒𝑙𝑎𝑦</m:t>
                       </m:r>
                       <m:r>
-                        <a:rPr lang="en-US" sz="5000" b="0" i="1" smtClean="0">
+                        <a:rPr lang="en-US" sz="5000" i="1">
                           <a:latin typeface="Cambria Math" panose="02040503050406030204" pitchFamily="18" charset="0"/>
                         </a:rPr>
                         <m:t>= </m:t>
@@ -6851,26 +9876,26 @@
                       <m:f>
                         <m:fPr>
                           <m:ctrlPr>
-                            <a:rPr lang="en-US" sz="5000" b="0" i="1" smtClean="0">
+                            <a:rPr lang="en-US" sz="5000" i="1">
                               <a:latin typeface="Cambria Math" panose="02040503050406030204" pitchFamily="18" charset="0"/>
                             </a:rPr>
                           </m:ctrlPr>
                         </m:fPr>
                         <m:num>
                           <m:r>
-                            <a:rPr lang="en-US" sz="5000" b="0" i="1" smtClean="0">
+                            <a:rPr lang="en-US" sz="5000" i="1">
                               <a:latin typeface="Cambria Math" panose="02040503050406030204" pitchFamily="18" charset="0"/>
                             </a:rPr>
                             <m:t>𝐸𝑛𝑑</m:t>
                           </m:r>
                           <m:r>
-                            <a:rPr lang="en-US" sz="5000" b="0" i="1" smtClean="0">
+                            <a:rPr lang="en-US" sz="5000" i="1">
                               <a:latin typeface="Cambria Math" panose="02040503050406030204" pitchFamily="18" charset="0"/>
                             </a:rPr>
                             <m:t> −</m:t>
                           </m:r>
                           <m:r>
-                            <a:rPr lang="en-US" sz="5000" b="0" i="1" smtClean="0">
+                            <a:rPr lang="en-US" sz="5000" i="1">
                               <a:latin typeface="Cambria Math" panose="02040503050406030204" pitchFamily="18" charset="0"/>
                             </a:rPr>
                             <m:t>𝑆𝑡𝑎𝑟𝑡</m:t>
@@ -6878,7 +9903,7 @@
                         </m:num>
                         <m:den>
                           <m:r>
-                            <a:rPr lang="en-US" sz="5000" b="0" i="1" smtClean="0">
+                            <a:rPr lang="en-US" sz="5000" i="1">
                               <a:latin typeface="Cambria Math" panose="02040503050406030204" pitchFamily="18" charset="0"/>
                             </a:rPr>
                             <m:t>2</m:t>
@@ -6910,7 +9935,7 @@
             </p:nvSpPr>
             <p:spPr>
               <a:xfrm>
-                <a:off x="24120299" y="18286022"/>
+                <a:off x="28692300" y="18286023"/>
                 <a:ext cx="6310859" cy="1455783"/>
               </a:xfrm>
               <a:prstGeom prst="rect">
@@ -6954,7 +9979,7 @@
             </p:nvSpPr>
             <p:spPr>
               <a:xfrm>
-                <a:off x="22015225" y="20500084"/>
+                <a:off x="26587225" y="20500085"/>
                 <a:ext cx="10653668" cy="769441"/>
               </a:xfrm>
               <a:prstGeom prst="rect">
@@ -6968,6 +9993,7 @@
               </a:bodyPr>
               <a:lstStyle/>
               <a:p>
+                <a:pPr/>
                 <a14:m>
                   <m:oMathPara xmlns:m="http://schemas.openxmlformats.org/officeDocument/2006/math">
                     <m:oMathParaPr>
@@ -6975,43 +10001,43 @@
                     </m:oMathParaPr>
                     <m:oMath xmlns:m="http://schemas.openxmlformats.org/officeDocument/2006/math">
                       <m:r>
-                        <a:rPr lang="en-US" sz="5000" b="0" i="1" smtClean="0">
+                        <a:rPr lang="en-US" sz="5000" i="1">
                           <a:latin typeface="Cambria Math" panose="02040503050406030204" pitchFamily="18" charset="0"/>
                         </a:rPr>
                         <m:t>𝑂𝑓𝑓𝑠𝑒𝑡</m:t>
                       </m:r>
                       <m:r>
-                        <a:rPr lang="en-US" sz="5000" b="0" i="1" smtClean="0">
+                        <a:rPr lang="en-US" sz="5000" i="1">
                           <a:latin typeface="Cambria Math" panose="02040503050406030204" pitchFamily="18" charset="0"/>
                         </a:rPr>
                         <m:t>=</m:t>
                       </m:r>
                       <m:r>
-                        <a:rPr lang="en-US" sz="5000" b="0" i="1" smtClean="0">
+                        <a:rPr lang="en-US" sz="5000" i="1">
                           <a:latin typeface="Cambria Math" panose="02040503050406030204" pitchFamily="18" charset="0"/>
                         </a:rPr>
                         <m:t>𝑆𝑦𝑠𝑡𝑒𝑚</m:t>
                       </m:r>
                       <m:r>
-                        <a:rPr lang="en-US" sz="5000" b="0" i="1" smtClean="0">
+                        <a:rPr lang="en-US" sz="5000" i="1">
                           <a:latin typeface="Cambria Math" panose="02040503050406030204" pitchFamily="18" charset="0"/>
                         </a:rPr>
                         <m:t>+</m:t>
                       </m:r>
                       <m:r>
-                        <a:rPr lang="en-US" sz="5000" b="0" i="1" smtClean="0">
+                        <a:rPr lang="en-US" sz="5000" i="1">
                           <a:latin typeface="Cambria Math" panose="02040503050406030204" pitchFamily="18" charset="0"/>
                         </a:rPr>
                         <m:t>𝐷𝑒𝑙𝑎𝑦</m:t>
                       </m:r>
                       <m:r>
-                        <a:rPr lang="en-US" sz="5000" b="0" i="1" smtClean="0">
+                        <a:rPr lang="en-US" sz="5000" i="1">
                           <a:latin typeface="Cambria Math" panose="02040503050406030204" pitchFamily="18" charset="0"/>
                         </a:rPr>
                         <m:t> −</m:t>
                       </m:r>
                       <m:r>
-                        <a:rPr lang="en-US" sz="5000" b="0" i="1" smtClean="0">
+                        <a:rPr lang="en-US" sz="5000" i="1">
                           <a:latin typeface="Cambria Math" panose="02040503050406030204" pitchFamily="18" charset="0"/>
                         </a:rPr>
                         <m:t>𝐸𝑛𝑑</m:t>
@@ -7041,7 +10067,7 @@
             </p:nvSpPr>
             <p:spPr>
               <a:xfrm>
-                <a:off x="22015225" y="20500084"/>
+                <a:off x="26587225" y="20500085"/>
                 <a:ext cx="10653668" cy="769441"/>
               </a:xfrm>
               <a:prstGeom prst="rect">
@@ -7082,7 +10108,7 @@
 </p:sld>
 </file>
 
-<file path=ppt/slides/slide3.xml><?xml version="1.0" encoding="utf-8"?>
+<file path=ppt/slides/slide4.xml><?xml version="1.0" encoding="utf-8"?>
 <p:sld xmlns:a="http://schemas.openxmlformats.org/drawingml/2006/main" xmlns:r="http://schemas.openxmlformats.org/officeDocument/2006/relationships" xmlns:p="http://schemas.openxmlformats.org/presentationml/2006/main">
   <p:cSld>
     <p:spTree>
@@ -7119,7 +10145,7 @@
         </p:nvSpPr>
         <p:spPr>
           <a:xfrm>
-            <a:off x="23954420" y="8589416"/>
+            <a:off x="28526420" y="8589416"/>
             <a:ext cx="6400800" cy="2286000"/>
           </a:xfrm>
           <a:prstGeom prst="rect">
@@ -7170,7 +10196,7 @@
         </p:nvCxnSpPr>
         <p:spPr>
           <a:xfrm>
-            <a:off x="2837046" y="2687576"/>
+            <a:off x="7409046" y="2687576"/>
             <a:ext cx="0" cy="22506550"/>
           </a:xfrm>
           <a:prstGeom prst="straightConnector1">
@@ -7212,7 +10238,7 @@
         </p:nvSpPr>
         <p:spPr>
           <a:xfrm>
-            <a:off x="1155032" y="721894"/>
+            <a:off x="5727033" y="721894"/>
             <a:ext cx="3320715" cy="1631216"/>
           </a:xfrm>
           <a:prstGeom prst="rect">
@@ -7248,7 +10274,7 @@
         </p:nvSpPr>
         <p:spPr>
           <a:xfrm>
-            <a:off x="5339614" y="15215392"/>
+            <a:off x="9911614" y="15215392"/>
             <a:ext cx="6400800" cy="2286000"/>
           </a:xfrm>
           <a:prstGeom prst="rect">
@@ -7301,7 +10327,7 @@
         </p:nvCxnSpPr>
         <p:spPr>
           <a:xfrm flipH="1">
-            <a:off x="11740414" y="9732416"/>
+            <a:off x="16312414" y="9732416"/>
             <a:ext cx="12214006" cy="6625976"/>
           </a:xfrm>
           <a:prstGeom prst="straightConnector1">
@@ -7343,7 +10369,7 @@
         </p:nvSpPr>
         <p:spPr>
           <a:xfrm>
-            <a:off x="23954420" y="6930495"/>
+            <a:off x="28526420" y="6930496"/>
             <a:ext cx="2397034" cy="1643681"/>
           </a:xfrm>
           <a:prstGeom prst="snip2DiagRect">
@@ -7398,7 +10424,7 @@
         </p:nvSpPr>
         <p:spPr>
           <a:xfrm>
-            <a:off x="5339614" y="13571711"/>
+            <a:off x="9911614" y="13571712"/>
             <a:ext cx="2397034" cy="1643681"/>
           </a:xfrm>
           <a:prstGeom prst="snip2DiagRect">
@@ -7453,7 +10479,7 @@
         </p:nvSpPr>
         <p:spPr>
           <a:xfrm rot="19804060">
-            <a:off x="13327759" y="13413051"/>
+            <a:off x="17899760" y="13413052"/>
             <a:ext cx="10534347" cy="1169551"/>
           </a:xfrm>
           <a:prstGeom prst="rect">
@@ -7488,7 +10514,7 @@
         </p:nvCxnSpPr>
         <p:spPr>
           <a:xfrm>
-            <a:off x="1973179" y="4229891"/>
+            <a:off x="6545179" y="4229891"/>
             <a:ext cx="1780674" cy="0"/>
           </a:xfrm>
           <a:prstGeom prst="line">
@@ -7529,7 +10555,7 @@
         </p:nvCxnSpPr>
         <p:spPr>
           <a:xfrm>
-            <a:off x="1946709" y="16325015"/>
+            <a:off x="6518709" y="16325015"/>
             <a:ext cx="1780674" cy="0"/>
           </a:xfrm>
           <a:prstGeom prst="line">
@@ -7570,7 +10596,7 @@
         </p:nvCxnSpPr>
         <p:spPr>
           <a:xfrm>
-            <a:off x="1973179" y="20928414"/>
+            <a:off x="6545179" y="20928414"/>
             <a:ext cx="1780674" cy="0"/>
           </a:xfrm>
           <a:prstGeom prst="line">
@@ -7611,7 +10637,7 @@
         </p:nvSpPr>
         <p:spPr>
           <a:xfrm>
-            <a:off x="26351454" y="6882154"/>
+            <a:off x="30923454" y="6882154"/>
             <a:ext cx="5463634" cy="1631216"/>
           </a:xfrm>
           <a:prstGeom prst="rect">
@@ -7654,7 +10680,7 @@
         </p:nvSpPr>
         <p:spPr>
           <a:xfrm>
-            <a:off x="7696668" y="13603439"/>
+            <a:off x="12268668" y="13603439"/>
             <a:ext cx="5062072" cy="1631216"/>
           </a:xfrm>
           <a:prstGeom prst="rect">
@@ -7697,7 +10723,7 @@
         </p:nvSpPr>
         <p:spPr>
           <a:xfrm>
-            <a:off x="27396587" y="11088623"/>
+            <a:off x="31968588" y="11088623"/>
             <a:ext cx="1482673" cy="9839792"/>
           </a:xfrm>
           <a:prstGeom prst="rightBrace">
@@ -7746,7 +10772,7 @@
         </p:nvSpPr>
         <p:spPr>
           <a:xfrm>
-            <a:off x="25152937" y="21335289"/>
+            <a:off x="29724937" y="21335289"/>
             <a:ext cx="5463634" cy="1631216"/>
           </a:xfrm>
           <a:prstGeom prst="rect">
@@ -7789,7 +10815,7 @@
         </p:nvSpPr>
         <p:spPr>
           <a:xfrm>
-            <a:off x="7196020" y="17792545"/>
+            <a:off x="11768021" y="17792545"/>
             <a:ext cx="1780639" cy="3135870"/>
           </a:xfrm>
           <a:prstGeom prst="leftBrace">
@@ -7838,7 +10864,7 @@
         </p:nvSpPr>
         <p:spPr>
           <a:xfrm>
-            <a:off x="5378603" y="21335289"/>
+            <a:off x="9950603" y="21335289"/>
             <a:ext cx="5463634" cy="1631216"/>
           </a:xfrm>
           <a:prstGeom prst="rect">
@@ -7883,7 +10909,7 @@
             </p:nvSpPr>
             <p:spPr>
               <a:xfrm>
-                <a:off x="8369781" y="23537863"/>
+                <a:off x="12941781" y="23537864"/>
                 <a:ext cx="19026806" cy="769441"/>
               </a:xfrm>
               <a:prstGeom prst="rect">
@@ -7897,6 +10923,7 @@
               </a:bodyPr>
               <a:lstStyle/>
               <a:p>
+                <a:pPr/>
                 <a14:m>
                   <m:oMathPara xmlns:m="http://schemas.openxmlformats.org/officeDocument/2006/math">
                     <m:oMathParaPr>
@@ -7904,55 +10931,55 @@
                     </m:oMathParaPr>
                     <m:oMath xmlns:m="http://schemas.openxmlformats.org/officeDocument/2006/math">
                       <m:r>
-                        <a:rPr lang="en-US" sz="5000" b="0" i="1" smtClean="0">
+                        <a:rPr lang="en-US" sz="5000" i="1">
                           <a:latin typeface="Cambria Math" panose="02040503050406030204" pitchFamily="18" charset="0"/>
                         </a:rPr>
                         <m:t>𝐷𝑒𝑠𝑖𝑟𝑒𝑑</m:t>
                       </m:r>
                       <m:r>
-                        <a:rPr lang="en-US" sz="5000" b="0" i="1" smtClean="0">
+                        <a:rPr lang="en-US" sz="5000" i="1">
                           <a:latin typeface="Cambria Math" panose="02040503050406030204" pitchFamily="18" charset="0"/>
                         </a:rPr>
                         <m:t> </m:t>
                       </m:r>
                       <m:r>
-                        <a:rPr lang="en-US" sz="5000" b="0" i="1" smtClean="0">
+                        <a:rPr lang="en-US" sz="5000" i="1">
                           <a:latin typeface="Cambria Math" panose="02040503050406030204" pitchFamily="18" charset="0"/>
                         </a:rPr>
                         <m:t>𝑆𝑡𝑎𝑟𝑡</m:t>
                       </m:r>
                       <m:r>
-                        <a:rPr lang="en-US" sz="5000" b="0" i="1" smtClean="0">
+                        <a:rPr lang="en-US" sz="5000" i="1">
                           <a:latin typeface="Cambria Math" panose="02040503050406030204" pitchFamily="18" charset="0"/>
                         </a:rPr>
                         <m:t>=</m:t>
                       </m:r>
                       <m:r>
-                        <a:rPr lang="en-US" sz="5000" b="0" i="1" smtClean="0">
+                        <a:rPr lang="en-US" sz="5000" i="1">
                           <a:latin typeface="Cambria Math" panose="02040503050406030204" pitchFamily="18" charset="0"/>
                         </a:rPr>
                         <m:t>𝑆𝑦𝑠𝑡𝑒𝑚</m:t>
                       </m:r>
                       <m:r>
-                        <a:rPr lang="en-US" sz="5000" b="0" i="1" smtClean="0">
+                        <a:rPr lang="en-US" sz="5000" i="1">
                           <a:latin typeface="Cambria Math" panose="02040503050406030204" pitchFamily="18" charset="0"/>
                         </a:rPr>
                         <m:t> </m:t>
                       </m:r>
                       <m:r>
-                        <a:rPr lang="en-US" sz="5000" b="0" i="1" smtClean="0">
+                        <a:rPr lang="en-US" sz="5000" i="1">
                           <a:latin typeface="Cambria Math" panose="02040503050406030204" pitchFamily="18" charset="0"/>
                         </a:rPr>
                         <m:t>𝑇𝑖𝑚𝑒</m:t>
                       </m:r>
                       <m:r>
-                        <a:rPr lang="en-US" sz="5000" b="0" i="1" smtClean="0">
+                        <a:rPr lang="en-US" sz="5000" i="1">
                           <a:latin typeface="Cambria Math" panose="02040503050406030204" pitchFamily="18" charset="0"/>
                         </a:rPr>
                         <m:t>+ </m:t>
                       </m:r>
                       <m:r>
-                        <a:rPr lang="en-US" sz="5000" b="0" i="1" smtClean="0">
+                        <a:rPr lang="en-US" sz="5000" i="1">
                           <a:latin typeface="Cambria Math" panose="02040503050406030204" pitchFamily="18" charset="0"/>
                         </a:rPr>
                         <m:t>𝑀𝑎𝑥</m:t>
@@ -7960,26 +10987,26 @@
                       <m:d>
                         <m:dPr>
                           <m:ctrlPr>
-                            <a:rPr lang="en-US" sz="5000" b="0" i="1" smtClean="0">
+                            <a:rPr lang="en-US" sz="5000" i="1">
                               <a:latin typeface="Cambria Math" panose="02040503050406030204" pitchFamily="18" charset="0"/>
                             </a:rPr>
                           </m:ctrlPr>
                         </m:dPr>
                         <m:e>
                           <m:r>
-                            <a:rPr lang="en-US" sz="5000" b="0" i="1" smtClean="0">
+                            <a:rPr lang="en-US" sz="5000" i="1">
                               <a:latin typeface="Cambria Math" panose="02040503050406030204" pitchFamily="18" charset="0"/>
                             </a:rPr>
                             <m:t>𝐶𝑙𝑖𝑒𝑛𝑡</m:t>
                           </m:r>
                           <m:r>
-                            <a:rPr lang="en-US" sz="5000" b="0" i="1" smtClean="0">
+                            <a:rPr lang="en-US" sz="5000" i="1">
                               <a:latin typeface="Cambria Math" panose="02040503050406030204" pitchFamily="18" charset="0"/>
                             </a:rPr>
                             <m:t> </m:t>
                           </m:r>
                           <m:r>
-                            <a:rPr lang="en-US" sz="5000" b="0" i="1" smtClean="0">
+                            <a:rPr lang="en-US" sz="5000" i="1">
                               <a:latin typeface="Cambria Math" panose="02040503050406030204" pitchFamily="18" charset="0"/>
                             </a:rPr>
                             <m:t>𝐷𝑒𝑙𝑎𝑦𝑠</m:t>
@@ -7987,13 +11014,13 @@
                         </m:e>
                       </m:d>
                       <m:r>
-                        <a:rPr lang="en-US" sz="5000" b="0" i="1" smtClean="0">
+                        <a:rPr lang="en-US" sz="5000" i="1">
                           <a:latin typeface="Cambria Math" panose="02040503050406030204" pitchFamily="18" charset="0"/>
                         </a:rPr>
                         <m:t>+</m:t>
                       </m:r>
                       <m:r>
-                        <a:rPr lang="en-US" sz="5000" b="0" i="1" smtClean="0">
+                        <a:rPr lang="en-US" sz="5000" i="1">
                           <a:latin typeface="Cambria Math" panose="02040503050406030204" pitchFamily="18" charset="0"/>
                         </a:rPr>
                         <m:t>𝐶𝑜𝑛𝑠𝑡𝑎𝑛𝑡</m:t>
@@ -8023,7 +11050,7 @@
             </p:nvSpPr>
             <p:spPr>
               <a:xfrm>
-                <a:off x="8369781" y="23537863"/>
+                <a:off x="12941781" y="23537864"/>
                 <a:ext cx="19026806" cy="769441"/>
               </a:xfrm>
               <a:prstGeom prst="rect">
@@ -8067,7 +11094,7 @@
             </p:nvSpPr>
             <p:spPr>
               <a:xfrm>
-                <a:off x="8334014" y="24796824"/>
+                <a:off x="12906014" y="24796825"/>
                 <a:ext cx="19026806" cy="769441"/>
               </a:xfrm>
               <a:prstGeom prst="rect">
@@ -8081,6 +11108,7 @@
               </a:bodyPr>
               <a:lstStyle/>
               <a:p>
+                <a:pPr/>
                 <a14:m>
                   <m:oMathPara xmlns:m="http://schemas.openxmlformats.org/officeDocument/2006/math">
                     <m:oMathParaPr>
@@ -8088,55 +11116,55 @@
                     </m:oMathParaPr>
                     <m:oMath xmlns:m="http://schemas.openxmlformats.org/officeDocument/2006/math">
                       <m:r>
-                        <a:rPr lang="en-US" sz="5000" b="0" i="1" smtClean="0">
+                        <a:rPr lang="en-US" sz="5000" i="1">
                           <a:latin typeface="Cambria Math" panose="02040503050406030204" pitchFamily="18" charset="0"/>
                         </a:rPr>
                         <m:t>𝐶𝑙𝑖𝑒𝑛𝑡</m:t>
                       </m:r>
                       <m:r>
-                        <a:rPr lang="en-US" sz="5000" b="0" i="1" smtClean="0">
+                        <a:rPr lang="en-US" sz="5000" i="1">
                           <a:latin typeface="Cambria Math" panose="02040503050406030204" pitchFamily="18" charset="0"/>
                         </a:rPr>
                         <m:t> </m:t>
                       </m:r>
                       <m:r>
-                        <a:rPr lang="en-US" sz="5000" b="0" i="1" smtClean="0">
+                        <a:rPr lang="en-US" sz="5000" i="1">
                           <a:latin typeface="Cambria Math" panose="02040503050406030204" pitchFamily="18" charset="0"/>
                         </a:rPr>
                         <m:t>𝑆𝑡𝑎𝑟𝑡</m:t>
                       </m:r>
                       <m:r>
-                        <a:rPr lang="en-US" sz="5000" b="0" i="1" smtClean="0">
+                        <a:rPr lang="en-US" sz="5000" i="1">
                           <a:latin typeface="Cambria Math" panose="02040503050406030204" pitchFamily="18" charset="0"/>
                         </a:rPr>
                         <m:t>=</m:t>
                       </m:r>
                       <m:r>
-                        <a:rPr lang="en-US" sz="5000" b="0" i="1" smtClean="0">
+                        <a:rPr lang="en-US" sz="5000" i="1">
                           <a:latin typeface="Cambria Math" panose="02040503050406030204" pitchFamily="18" charset="0"/>
                         </a:rPr>
                         <m:t>𝐷𝑒𝑠𝑖𝑟𝑒𝑑</m:t>
                       </m:r>
                       <m:r>
-                        <a:rPr lang="en-US" sz="5000" b="0" i="1" smtClean="0">
+                        <a:rPr lang="en-US" sz="5000" i="1">
                           <a:latin typeface="Cambria Math" panose="02040503050406030204" pitchFamily="18" charset="0"/>
                         </a:rPr>
                         <m:t> </m:t>
                       </m:r>
                       <m:r>
-                        <a:rPr lang="en-US" sz="5000" b="0" i="1" smtClean="0">
+                        <a:rPr lang="en-US" sz="5000" i="1">
                           <a:latin typeface="Cambria Math" panose="02040503050406030204" pitchFamily="18" charset="0"/>
                         </a:rPr>
                         <m:t>𝑆𝑡𝑎𝑟𝑡</m:t>
                       </m:r>
                       <m:r>
-                        <a:rPr lang="en-US" sz="5000" b="0" i="1" smtClean="0">
+                        <a:rPr lang="en-US" sz="5000" i="1">
                           <a:latin typeface="Cambria Math" panose="02040503050406030204" pitchFamily="18" charset="0"/>
                         </a:rPr>
                         <m:t>+</m:t>
                       </m:r>
                       <m:r>
-                        <a:rPr lang="en-US" sz="5000" b="0" i="1" smtClean="0">
+                        <a:rPr lang="en-US" sz="5000" i="1">
                           <a:latin typeface="Cambria Math" panose="02040503050406030204" pitchFamily="18" charset="0"/>
                         </a:rPr>
                         <m:t>𝑂𝑓𝑓𝑠𝑒𝑡</m:t>
@@ -8166,7 +11194,7 @@
             </p:nvSpPr>
             <p:spPr>
               <a:xfrm>
-                <a:off x="8334014" y="24796824"/>
+                <a:off x="12906014" y="24796825"/>
                 <a:ext cx="19026806" cy="769441"/>
               </a:xfrm>
               <a:prstGeom prst="rect">
@@ -8208,7 +11236,7 @@
         </p:nvSpPr>
         <p:spPr>
           <a:xfrm>
-            <a:off x="5339614" y="2746617"/>
+            <a:off x="9911614" y="2746617"/>
             <a:ext cx="6400800" cy="2286000"/>
           </a:xfrm>
           <a:prstGeom prst="rect">
@@ -8264,7 +11292,7 @@
         </p:nvCxnSpPr>
         <p:spPr>
           <a:xfrm>
-            <a:off x="8540014" y="5032617"/>
+            <a:off x="13112014" y="5032617"/>
             <a:ext cx="0" cy="8539094"/>
           </a:xfrm>
           <a:prstGeom prst="straightConnector1">
@@ -8307,7 +11335,7 @@
         </p:nvSpPr>
         <p:spPr>
           <a:xfrm>
-            <a:off x="8366032" y="6122181"/>
+            <a:off x="12938032" y="6122181"/>
             <a:ext cx="5062072" cy="861774"/>
           </a:xfrm>
           <a:prstGeom prst="rect">
@@ -8343,7 +11371,7 @@
         </p:nvSpPr>
         <p:spPr>
           <a:xfrm>
-            <a:off x="14242981" y="2783083"/>
+            <a:off x="18814982" y="2783083"/>
             <a:ext cx="10841005" cy="861774"/>
           </a:xfrm>
           <a:prstGeom prst="rect">
@@ -8379,7 +11407,7 @@
         </p:nvCxnSpPr>
         <p:spPr>
           <a:xfrm>
-            <a:off x="1925052" y="9732416"/>
+            <a:off x="6497052" y="9732416"/>
             <a:ext cx="1780674" cy="0"/>
           </a:xfrm>
           <a:prstGeom prst="line">
@@ -8424,7 +11452,7 @@
         </p:nvCxnSpPr>
         <p:spPr>
           <a:xfrm>
-            <a:off x="11740414" y="3889617"/>
+            <a:off x="16312415" y="3889618"/>
             <a:ext cx="17342857" cy="2992537"/>
           </a:xfrm>
           <a:prstGeom prst="bentConnector2">

--- a/Figures.pptx
+++ b/Figures.pptx
@@ -5989,7 +5989,7 @@
         </p:nvSpPr>
         <p:spPr>
           <a:xfrm>
-            <a:off x="2161314" y="2286002"/>
+            <a:off x="1246913" y="2286002"/>
             <a:ext cx="11097492" cy="11263745"/>
           </a:xfrm>
           <a:prstGeom prst="rect">
@@ -6041,7 +6041,7 @@
         </p:nvSpPr>
         <p:spPr>
           <a:xfrm>
-            <a:off x="23317207" y="2286001"/>
+            <a:off x="22402806" y="2286001"/>
             <a:ext cx="11097491" cy="11263745"/>
           </a:xfrm>
           <a:prstGeom prst="rect">
@@ -6093,7 +6093,7 @@
         </p:nvSpPr>
         <p:spPr>
           <a:xfrm>
-            <a:off x="23317207" y="15739473"/>
+            <a:off x="22402806" y="15739473"/>
             <a:ext cx="11097491" cy="6007980"/>
           </a:xfrm>
           <a:prstGeom prst="rect">
@@ -6145,7 +6145,7 @@
         </p:nvSpPr>
         <p:spPr>
           <a:xfrm>
-            <a:off x="2161317" y="15771518"/>
+            <a:off x="1246916" y="15771518"/>
             <a:ext cx="11097491" cy="6007979"/>
           </a:xfrm>
           <a:prstGeom prst="rect">
@@ -6200,7 +6200,7 @@
         </p:nvCxnSpPr>
         <p:spPr>
           <a:xfrm flipV="1">
-            <a:off x="11866423" y="18040089"/>
+            <a:off x="10952022" y="18040089"/>
             <a:ext cx="12697690" cy="1926617"/>
           </a:xfrm>
           <a:prstGeom prst="bentConnector3">
@@ -6246,7 +6246,7 @@
         </p:nvCxnSpPr>
         <p:spPr>
           <a:xfrm>
-            <a:off x="12385967" y="3469711"/>
+            <a:off x="11471566" y="3469711"/>
             <a:ext cx="11887203" cy="457"/>
           </a:xfrm>
           <a:prstGeom prst="straightConnector1">
@@ -6290,7 +6290,7 @@
         </p:nvCxnSpPr>
         <p:spPr>
           <a:xfrm flipV="1">
-            <a:off x="11928770" y="12326624"/>
+            <a:off x="11014369" y="12326624"/>
             <a:ext cx="12309147" cy="5991078"/>
           </a:xfrm>
           <a:prstGeom prst="bentConnector3">
@@ -6336,7 +6336,7 @@
         </p:nvCxnSpPr>
         <p:spPr>
           <a:xfrm flipH="1" flipV="1">
-            <a:off x="12350713" y="6684361"/>
+            <a:off x="11436312" y="6684361"/>
             <a:ext cx="11922456" cy="21567"/>
           </a:xfrm>
           <a:prstGeom prst="straightConnector1">
@@ -6380,7 +6380,7 @@
         </p:nvCxnSpPr>
         <p:spPr>
           <a:xfrm>
-            <a:off x="18288005" y="0"/>
+            <a:off x="17373604" y="0"/>
             <a:ext cx="0" cy="22860000"/>
           </a:xfrm>
           <a:prstGeom prst="line">
@@ -6424,7 +6424,7 @@
         </p:nvCxnSpPr>
         <p:spPr>
           <a:xfrm rot="10800000">
-            <a:off x="12338639" y="8976898"/>
+            <a:off x="11424238" y="8976898"/>
             <a:ext cx="12163757" cy="8131004"/>
           </a:xfrm>
           <a:prstGeom prst="bentConnector3">
@@ -6470,7 +6470,7 @@
         </p:nvCxnSpPr>
         <p:spPr>
           <a:xfrm flipV="1">
-            <a:off x="26422123" y="12434314"/>
+            <a:off x="25507722" y="12434314"/>
             <a:ext cx="0" cy="3984837"/>
           </a:xfrm>
           <a:prstGeom prst="straightConnector1">
@@ -6512,7 +6512,7 @@
         </p:nvSpPr>
         <p:spPr>
           <a:xfrm>
-            <a:off x="5" y="2"/>
+            <a:off x="-914396" y="2"/>
             <a:ext cx="18288000" cy="1169551"/>
           </a:xfrm>
           <a:prstGeom prst="rect">
@@ -6548,7 +6548,7 @@
         </p:nvSpPr>
         <p:spPr>
           <a:xfrm>
-            <a:off x="18288005" y="5771"/>
+            <a:off x="17373604" y="5771"/>
             <a:ext cx="18288000" cy="1169551"/>
           </a:xfrm>
           <a:prstGeom prst="rect">
@@ -6584,7 +6584,7 @@
         </p:nvSpPr>
         <p:spPr>
           <a:xfrm>
-            <a:off x="5985169" y="16292943"/>
+            <a:off x="5070768" y="16292943"/>
             <a:ext cx="6400800" cy="4738254"/>
           </a:xfrm>
           <a:prstGeom prst="rect">
@@ -6649,7 +6649,7 @@
         </p:nvSpPr>
         <p:spPr>
           <a:xfrm>
-            <a:off x="5985166" y="10330949"/>
+            <a:off x="5070765" y="10330949"/>
             <a:ext cx="6400800" cy="2286000"/>
           </a:xfrm>
           <a:prstGeom prst="rect">
@@ -6698,7 +6698,7 @@
         </p:nvSpPr>
         <p:spPr>
           <a:xfrm>
-            <a:off x="5949910" y="6396185"/>
+            <a:off x="5035509" y="6396185"/>
             <a:ext cx="6400800" cy="2743200"/>
           </a:xfrm>
           <a:prstGeom prst="rect">
@@ -6747,7 +6747,7 @@
         </p:nvSpPr>
         <p:spPr>
           <a:xfrm>
-            <a:off x="24564113" y="16419151"/>
+            <a:off x="23649712" y="16419151"/>
             <a:ext cx="6400800" cy="2132447"/>
           </a:xfrm>
           <a:prstGeom prst="rect">
@@ -6803,7 +6803,7 @@
         </p:nvSpPr>
         <p:spPr>
           <a:xfrm>
-            <a:off x="6421587" y="19503155"/>
+            <a:off x="5507186" y="19503155"/>
             <a:ext cx="5444837" cy="927101"/>
           </a:xfrm>
           <a:prstGeom prst="rect">
@@ -6859,7 +6859,7 @@
         </p:nvSpPr>
         <p:spPr>
           <a:xfrm>
-            <a:off x="6483933" y="17961841"/>
+            <a:off x="5569532" y="17961841"/>
             <a:ext cx="5444837" cy="927101"/>
           </a:xfrm>
           <a:prstGeom prst="rect">
@@ -6919,7 +6919,7 @@
         </p:nvCxnSpPr>
         <p:spPr>
           <a:xfrm rot="10800000" flipH="1">
-            <a:off x="5985169" y="12616951"/>
+            <a:off x="5070768" y="12616951"/>
             <a:ext cx="3200397" cy="6045121"/>
           </a:xfrm>
           <a:prstGeom prst="bentConnector4">
@@ -6966,7 +6966,7 @@
         </p:nvCxnSpPr>
         <p:spPr>
           <a:xfrm rot="5400000" flipH="1" flipV="1">
-            <a:off x="27924567" y="10904522"/>
+            <a:off x="27010166" y="10904522"/>
             <a:ext cx="6857176" cy="4172080"/>
           </a:xfrm>
           <a:prstGeom prst="bentConnector3">
@@ -7010,7 +7010,7 @@
         </p:nvSpPr>
         <p:spPr>
           <a:xfrm>
-            <a:off x="24564113" y="18935331"/>
+            <a:off x="23649712" y="18935331"/>
             <a:ext cx="6400800" cy="2132447"/>
           </a:xfrm>
           <a:prstGeom prst="rect">
@@ -7070,7 +7070,7 @@
         </p:nvCxnSpPr>
         <p:spPr>
           <a:xfrm flipV="1">
-            <a:off x="30964913" y="17485374"/>
+            <a:off x="30050512" y="17485374"/>
             <a:ext cx="12700" cy="2516180"/>
           </a:xfrm>
           <a:prstGeom prst="bentConnector3">
@@ -7114,7 +7114,7 @@
         </p:nvSpPr>
         <p:spPr>
           <a:xfrm>
-            <a:off x="2161314" y="1344405"/>
+            <a:off x="1246913" y="1344405"/>
             <a:ext cx="11097492" cy="861774"/>
           </a:xfrm>
           <a:prstGeom prst="rect">
@@ -7186,7 +7186,7 @@
         </p:nvSpPr>
         <p:spPr>
           <a:xfrm>
-            <a:off x="23317205" y="1379769"/>
+            <a:off x="22402804" y="1379769"/>
             <a:ext cx="11097492" cy="861774"/>
           </a:xfrm>
           <a:prstGeom prst="rect">
@@ -7238,7 +7238,7 @@
         </p:nvSpPr>
         <p:spPr>
           <a:xfrm>
-            <a:off x="2161314" y="21824116"/>
+            <a:off x="1246913" y="21824116"/>
             <a:ext cx="11097492" cy="861774"/>
           </a:xfrm>
           <a:prstGeom prst="rect">
@@ -7290,7 +7290,7 @@
         </p:nvSpPr>
         <p:spPr>
           <a:xfrm>
-            <a:off x="23317205" y="21779495"/>
+            <a:off x="22402804" y="21779495"/>
             <a:ext cx="11097492" cy="861774"/>
           </a:xfrm>
           <a:prstGeom prst="rect">
@@ -7342,7 +7342,7 @@
         </p:nvSpPr>
         <p:spPr>
           <a:xfrm>
-            <a:off x="3410550" y="8849572"/>
+            <a:off x="2496149" y="8849572"/>
             <a:ext cx="2130661" cy="1417320"/>
           </a:xfrm>
           <a:prstGeom prst="rect">
@@ -7401,7 +7401,7 @@
         </p:nvCxnSpPr>
         <p:spPr>
           <a:xfrm rot="5400000">
-            <a:off x="30845638" y="9310860"/>
+            <a:off x="29931237" y="9310860"/>
             <a:ext cx="1720877" cy="2175281"/>
           </a:xfrm>
           <a:prstGeom prst="bentConnector2">
@@ -7445,7 +7445,7 @@
         </p:nvCxnSpPr>
         <p:spPr>
           <a:xfrm flipV="1">
-            <a:off x="8545036" y="9139386"/>
+            <a:off x="7630635" y="9139386"/>
             <a:ext cx="0" cy="1179069"/>
           </a:xfrm>
           <a:prstGeom prst="straightConnector1">
@@ -7487,7 +7487,7 @@
         </p:nvSpPr>
         <p:spPr>
           <a:xfrm>
-            <a:off x="31546806" y="6113867"/>
+            <a:off x="30632405" y="6113867"/>
             <a:ext cx="2493818" cy="3424194"/>
           </a:xfrm>
           <a:prstGeom prst="rect">
@@ -7550,7 +7550,7 @@
         </p:nvSpPr>
         <p:spPr>
           <a:xfrm>
-            <a:off x="5949913" y="2843987"/>
+            <a:off x="5035512" y="2843987"/>
             <a:ext cx="6400800" cy="2286000"/>
           </a:xfrm>
           <a:prstGeom prst="rect">
@@ -7603,7 +7603,7 @@
         </p:nvSpPr>
         <p:spPr>
           <a:xfrm>
-            <a:off x="24217634" y="9887338"/>
+            <a:off x="23303233" y="9887338"/>
             <a:ext cx="6400800" cy="2743200"/>
           </a:xfrm>
           <a:prstGeom prst="rect">
@@ -7652,7 +7652,7 @@
         </p:nvSpPr>
         <p:spPr>
           <a:xfrm>
-            <a:off x="24202662" y="6404303"/>
+            <a:off x="23288261" y="6404303"/>
             <a:ext cx="6400800" cy="2286000"/>
           </a:xfrm>
           <a:prstGeom prst="rect">
@@ -7701,7 +7701,7 @@
         </p:nvSpPr>
         <p:spPr>
           <a:xfrm>
-            <a:off x="24237916" y="2844444"/>
+            <a:off x="23323515" y="2844444"/>
             <a:ext cx="6400800" cy="2286000"/>
           </a:xfrm>
           <a:prstGeom prst="rect">
@@ -7758,7 +7758,7 @@
         </p:nvCxnSpPr>
         <p:spPr>
           <a:xfrm flipV="1">
-            <a:off x="9150311" y="5129987"/>
+            <a:off x="8235910" y="5129987"/>
             <a:ext cx="3" cy="1266198"/>
           </a:xfrm>
           <a:prstGeom prst="straightConnector1">
@@ -7802,7 +7802,7 @@
         </p:nvCxnSpPr>
         <p:spPr>
           <a:xfrm flipH="1" flipV="1">
-            <a:off x="28268432" y="8737160"/>
+            <a:off x="27354031" y="8737160"/>
             <a:ext cx="10738" cy="1182554"/>
           </a:xfrm>
           <a:prstGeom prst="straightConnector1">
@@ -7847,7 +7847,7 @@
         </p:nvCxnSpPr>
         <p:spPr>
           <a:xfrm rot="16200000" flipV="1">
-            <a:off x="30999311" y="4319463"/>
+            <a:off x="30084910" y="4319463"/>
             <a:ext cx="1433806" cy="2155002"/>
           </a:xfrm>
           <a:prstGeom prst="bentConnector2">
@@ -7891,7 +7891,7 @@
         </p:nvCxnSpPr>
         <p:spPr>
           <a:xfrm flipH="1" flipV="1">
-            <a:off x="26212419" y="8760256"/>
+            <a:off x="25298018" y="8760256"/>
             <a:ext cx="10738" cy="1182554"/>
           </a:xfrm>
           <a:prstGeom prst="straightConnector1">
@@ -7935,7 +7935,7 @@
         </p:nvCxnSpPr>
         <p:spPr>
           <a:xfrm rot="10800000" flipH="1" flipV="1">
-            <a:off x="5949913" y="4625788"/>
+            <a:off x="5035512" y="4625788"/>
             <a:ext cx="35253" cy="7486962"/>
           </a:xfrm>
           <a:prstGeom prst="bentConnector3">
@@ -7981,7 +7981,7 @@
         </p:nvCxnSpPr>
         <p:spPr>
           <a:xfrm>
-            <a:off x="10187189" y="9203332"/>
+            <a:off x="9272788" y="9203332"/>
             <a:ext cx="0" cy="1127617"/>
           </a:xfrm>
           <a:prstGeom prst="straightConnector1">
@@ -8026,7 +8026,7 @@
         </p:nvCxnSpPr>
         <p:spPr>
           <a:xfrm rot="16200000" flipH="1">
-            <a:off x="4884047" y="9858726"/>
+            <a:off x="3969646" y="9858726"/>
             <a:ext cx="689807" cy="1506138"/>
           </a:xfrm>
           <a:prstGeom prst="bentConnector2">
@@ -8072,7 +8072,7 @@
         </p:nvCxnSpPr>
         <p:spPr>
           <a:xfrm rot="10800000" flipV="1">
-            <a:off x="4475880" y="7767785"/>
+            <a:off x="3561479" y="7767785"/>
             <a:ext cx="1474030" cy="1081787"/>
           </a:xfrm>
           <a:prstGeom prst="bentConnector2">
@@ -8114,7 +8114,7 @@
         </p:nvSpPr>
         <p:spPr>
           <a:xfrm>
-            <a:off x="2173932" y="2312553"/>
+            <a:off x="1259531" y="2312553"/>
             <a:ext cx="2397034" cy="1643681"/>
           </a:xfrm>
           <a:prstGeom prst="snip2DiagRect">
@@ -8171,7 +8171,7 @@
         </p:nvCxnSpPr>
         <p:spPr>
           <a:xfrm flipV="1">
-            <a:off x="4539477" y="3423287"/>
+            <a:off x="3625076" y="3423287"/>
             <a:ext cx="1378945" cy="1"/>
           </a:xfrm>
           <a:prstGeom prst="straightConnector1">
@@ -8213,7 +8213,7 @@
         </p:nvSpPr>
         <p:spPr>
           <a:xfrm>
-            <a:off x="31975915" y="2322089"/>
+            <a:off x="31061514" y="2322089"/>
             <a:ext cx="2397034" cy="1643681"/>
           </a:xfrm>
           <a:prstGeom prst="snip2DiagRect">
@@ -8270,7 +8270,7 @@
         </p:nvCxnSpPr>
         <p:spPr>
           <a:xfrm flipH="1" flipV="1">
-            <a:off x="30596971" y="3284842"/>
+            <a:off x="29682570" y="3284842"/>
             <a:ext cx="1378945" cy="1"/>
           </a:xfrm>
           <a:prstGeom prst="straightConnector1">
@@ -8314,7 +8314,7 @@
         </p:nvCxnSpPr>
         <p:spPr>
           <a:xfrm>
-            <a:off x="12350714" y="4535933"/>
+            <a:off x="11436313" y="4535933"/>
             <a:ext cx="11958583" cy="5839571"/>
           </a:xfrm>
           <a:prstGeom prst="bentConnector3">
@@ -8361,7 +8361,7 @@
         </p:nvCxnSpPr>
         <p:spPr>
           <a:xfrm rot="10800000">
-            <a:off x="12349316" y="8198299"/>
+            <a:off x="11434915" y="8198299"/>
             <a:ext cx="11883290" cy="3453527"/>
           </a:xfrm>
           <a:prstGeom prst="bentConnector3">
@@ -8407,7 +8407,7 @@
         </p:nvCxnSpPr>
         <p:spPr>
           <a:xfrm rot="10800000">
-            <a:off x="12346172" y="7434626"/>
+            <a:off x="11431771" y="7434626"/>
             <a:ext cx="11910693" cy="3559380"/>
           </a:xfrm>
           <a:prstGeom prst="bentConnector3">
@@ -8451,8 +8451,8 @@
         </p:nvSpPr>
         <p:spPr>
           <a:xfrm>
-            <a:off x="35778461" y="3408780"/>
-            <a:ext cx="8950729" cy="17221117"/>
+            <a:off x="34864060" y="3423287"/>
+            <a:ext cx="9508402" cy="17221117"/>
           </a:xfrm>
           <a:prstGeom prst="rect">
             <a:avLst/>
@@ -8496,7 +8496,7 @@
         </p:nvCxnSpPr>
         <p:spPr>
           <a:xfrm>
-            <a:off x="36065399" y="4442157"/>
+            <a:off x="35150998" y="4456664"/>
             <a:ext cx="2743200" cy="0"/>
           </a:xfrm>
           <a:prstGeom prst="line">
@@ -8537,7 +8537,7 @@
         </p:nvSpPr>
         <p:spPr>
           <a:xfrm>
-            <a:off x="39377906" y="4011270"/>
+            <a:off x="38463505" y="4025777"/>
             <a:ext cx="5078963" cy="861774"/>
           </a:xfrm>
           <a:prstGeom prst="rect">
@@ -8572,7 +8572,7 @@
         </p:nvCxnSpPr>
         <p:spPr>
           <a:xfrm>
-            <a:off x="36055203" y="7073671"/>
+            <a:off x="35140802" y="7088178"/>
             <a:ext cx="2743200" cy="0"/>
           </a:xfrm>
           <a:prstGeom prst="line">
@@ -8613,7 +8613,7 @@
         </p:nvSpPr>
         <p:spPr>
           <a:xfrm>
-            <a:off x="39377906" y="6661153"/>
+            <a:off x="38463505" y="6675660"/>
             <a:ext cx="4302819" cy="861774"/>
           </a:xfrm>
           <a:prstGeom prst="rect">
@@ -8648,7 +8648,7 @@
         </p:nvCxnSpPr>
         <p:spPr>
           <a:xfrm>
-            <a:off x="36065399" y="9649653"/>
+            <a:off x="35150998" y="9664160"/>
             <a:ext cx="2743200" cy="0"/>
           </a:xfrm>
           <a:prstGeom prst="line">
@@ -8689,7 +8689,7 @@
         </p:nvSpPr>
         <p:spPr>
           <a:xfrm>
-            <a:off x="39388102" y="8894527"/>
+            <a:off x="38473701" y="8909034"/>
             <a:ext cx="5078963" cy="1631216"/>
           </a:xfrm>
           <a:prstGeom prst="rect">
@@ -8730,7 +8730,7 @@
         </p:nvCxnSpPr>
         <p:spPr>
           <a:xfrm>
-            <a:off x="36065399" y="12614229"/>
+            <a:off x="35150998" y="12628736"/>
             <a:ext cx="2743200" cy="0"/>
           </a:xfrm>
           <a:prstGeom prst="line">
@@ -8812,7 +8812,7 @@
         </p:nvCxnSpPr>
         <p:spPr>
           <a:xfrm>
-            <a:off x="36136057" y="15572652"/>
+            <a:off x="35221656" y="15587159"/>
             <a:ext cx="2743200" cy="0"/>
           </a:xfrm>
           <a:prstGeom prst="line">
@@ -8853,7 +8853,7 @@
         </p:nvSpPr>
         <p:spPr>
           <a:xfrm>
-            <a:off x="39388102" y="15153730"/>
+            <a:off x="38473701" y="15168237"/>
             <a:ext cx="7927171" cy="861774"/>
           </a:xfrm>
           <a:prstGeom prst="rect">
@@ -8888,7 +8888,7 @@
         </p:nvCxnSpPr>
         <p:spPr>
           <a:xfrm>
-            <a:off x="36130402" y="18746221"/>
+            <a:off x="35216001" y="18760728"/>
             <a:ext cx="2743200" cy="0"/>
           </a:xfrm>
           <a:prstGeom prst="line">
@@ -8929,7 +8929,7 @@
         </p:nvSpPr>
         <p:spPr>
           <a:xfrm>
-            <a:off x="39377906" y="17545892"/>
+            <a:off x="38463505" y="17560399"/>
             <a:ext cx="8950730" cy="2400657"/>
           </a:xfrm>
           <a:prstGeom prst="rect">
@@ -9824,8 +9824,8 @@
           </a:p>
         </p:txBody>
       </p:sp>
-      <mc:AlternateContent xmlns:mc="http://schemas.openxmlformats.org/markup-compatibility/2006">
-        <mc:Choice xmlns:a14="http://schemas.microsoft.com/office/drawing/2010/main" Requires="a14">
+      <mc:AlternateContent xmlns:mc="http://schemas.openxmlformats.org/markup-compatibility/2006" xmlns:a14="http://schemas.microsoft.com/office/drawing/2010/main">
+        <mc:Choice Requires="a14">
           <p:sp>
             <p:nvSpPr>
               <p:cNvPr id="32" name="TextBox 31">
@@ -9918,7 +9918,7 @@
             </p:txBody>
           </p:sp>
         </mc:Choice>
-        <mc:Fallback>
+        <mc:Fallback xmlns="">
           <p:sp>
             <p:nvSpPr>
               <p:cNvPr id="32" name="TextBox 31">
@@ -9963,8 +9963,8 @@
           </p:sp>
         </mc:Fallback>
       </mc:AlternateContent>
-      <mc:AlternateContent xmlns:mc="http://schemas.openxmlformats.org/markup-compatibility/2006">
-        <mc:Choice xmlns:a14="http://schemas.microsoft.com/office/drawing/2010/main" Requires="a14">
+      <mc:AlternateContent xmlns:mc="http://schemas.openxmlformats.org/markup-compatibility/2006" xmlns:a14="http://schemas.microsoft.com/office/drawing/2010/main">
+        <mc:Choice Requires="a14">
           <p:sp>
             <p:nvSpPr>
               <p:cNvPr id="33" name="TextBox 32">
@@ -10050,7 +10050,7 @@
             </p:txBody>
           </p:sp>
         </mc:Choice>
-        <mc:Fallback>
+        <mc:Fallback xmlns="">
           <p:sp>
             <p:nvSpPr>
               <p:cNvPr id="33" name="TextBox 32">
@@ -10893,8 +10893,8 @@
           </a:p>
         </p:txBody>
       </p:sp>
-      <mc:AlternateContent xmlns:mc="http://schemas.openxmlformats.org/markup-compatibility/2006">
-        <mc:Choice xmlns:a14="http://schemas.microsoft.com/office/drawing/2010/main" Requires="a14">
+      <mc:AlternateContent xmlns:mc="http://schemas.openxmlformats.org/markup-compatibility/2006" xmlns:a14="http://schemas.microsoft.com/office/drawing/2010/main">
+        <mc:Choice Requires="a14">
           <p:sp>
             <p:nvSpPr>
               <p:cNvPr id="22" name="TextBox 21">
@@ -11033,7 +11033,7 @@
             </p:txBody>
           </p:sp>
         </mc:Choice>
-        <mc:Fallback>
+        <mc:Fallback xmlns="">
           <p:sp>
             <p:nvSpPr>
               <p:cNvPr id="22" name="TextBox 21">
@@ -11078,8 +11078,8 @@
           </p:sp>
         </mc:Fallback>
       </mc:AlternateContent>
-      <mc:AlternateContent xmlns:mc="http://schemas.openxmlformats.org/markup-compatibility/2006">
-        <mc:Choice xmlns:a14="http://schemas.microsoft.com/office/drawing/2010/main" Requires="a14">
+      <mc:AlternateContent xmlns:mc="http://schemas.openxmlformats.org/markup-compatibility/2006" xmlns:a14="http://schemas.microsoft.com/office/drawing/2010/main">
+        <mc:Choice Requires="a14">
           <p:sp>
             <p:nvSpPr>
               <p:cNvPr id="23" name="TextBox 22">
@@ -11177,7 +11177,7 @@
             </p:txBody>
           </p:sp>
         </mc:Choice>
-        <mc:Fallback>
+        <mc:Fallback xmlns="">
           <p:sp>
             <p:nvSpPr>
               <p:cNvPr id="23" name="TextBox 22">
